--- a/trunk/KuBatsch/docs/presentation/final.pptx
+++ b/trunk/KuBatsch/docs/presentation/final.pptx
@@ -4,15 +4,28 @@
   <p:sldMasterIdLst>
     <p:sldMasterId id="2147483648" r:id="rId1"/>
   </p:sldMasterIdLst>
+  <p:notesMasterIdLst>
+    <p:notesMasterId r:id="rId20"/>
+  </p:notesMasterIdLst>
   <p:sldIdLst>
     <p:sldId id="256" r:id="rId2"/>
     <p:sldId id="257" r:id="rId3"/>
     <p:sldId id="258" r:id="rId4"/>
     <p:sldId id="259" r:id="rId5"/>
-    <p:sldId id="263" r:id="rId6"/>
-    <p:sldId id="260" r:id="rId7"/>
-    <p:sldId id="261" r:id="rId8"/>
-    <p:sldId id="262" r:id="rId9"/>
+    <p:sldId id="272" r:id="rId6"/>
+    <p:sldId id="273" r:id="rId7"/>
+    <p:sldId id="274" r:id="rId8"/>
+    <p:sldId id="270" r:id="rId9"/>
+    <p:sldId id="271" r:id="rId10"/>
+    <p:sldId id="263" r:id="rId11"/>
+    <p:sldId id="260" r:id="rId12"/>
+    <p:sldId id="261" r:id="rId13"/>
+    <p:sldId id="264" r:id="rId14"/>
+    <p:sldId id="266" r:id="rId15"/>
+    <p:sldId id="267" r:id="rId16"/>
+    <p:sldId id="268" r:id="rId17"/>
+    <p:sldId id="269" r:id="rId18"/>
+    <p:sldId id="262" r:id="rId19"/>
   </p:sldIdLst>
   <p:sldSz cx="9144000" cy="6858000" type="screen4x3"/>
   <p:notesSz cx="6858000" cy="9144000"/>
@@ -114,6 +127,688 @@
 </p:presentation>
 </file>
 
+<file path=ppt/notesMasters/notesMaster1.xml><?xml version="1.0" encoding="utf-8"?>
+<p:notesMaster xmlns:a="http://schemas.openxmlformats.org/drawingml/2006/main" xmlns:r="http://schemas.openxmlformats.org/officeDocument/2006/relationships" xmlns:p="http://schemas.openxmlformats.org/presentationml/2006/main">
+  <p:cSld>
+    <p:bg>
+      <p:bgRef idx="1001">
+        <a:schemeClr val="bg1"/>
+      </p:bgRef>
+    </p:bg>
+    <p:spTree>
+      <p:nvGrpSpPr>
+        <p:cNvPr id="1" name=""/>
+        <p:cNvGrpSpPr/>
+        <p:nvPr/>
+      </p:nvGrpSpPr>
+      <p:grpSpPr>
+        <a:xfrm>
+          <a:off x="0" y="0"/>
+          <a:ext cx="0" cy="0"/>
+          <a:chOff x="0" y="0"/>
+          <a:chExt cx="0" cy="0"/>
+        </a:xfrm>
+      </p:grpSpPr>
+      <p:sp>
+        <p:nvSpPr>
+          <p:cNvPr id="2" name="Kopfzeilenplatzhalter 1"/>
+          <p:cNvSpPr>
+            <a:spLocks noGrp="1"/>
+          </p:cNvSpPr>
+          <p:nvPr>
+            <p:ph type="hdr" sz="quarter"/>
+          </p:nvPr>
+        </p:nvSpPr>
+        <p:spPr>
+          <a:xfrm>
+            <a:off x="0" y="0"/>
+            <a:ext cx="2971800" cy="457200"/>
+          </a:xfrm>
+          <a:prstGeom prst="rect">
+            <a:avLst/>
+          </a:prstGeom>
+        </p:spPr>
+        <p:txBody>
+          <a:bodyPr vert="horz" lIns="91440" tIns="45720" rIns="91440" bIns="45720" rtlCol="0"/>
+          <a:lstStyle>
+            <a:lvl1pPr algn="l">
+              <a:defRPr sz="1200"/>
+            </a:lvl1pPr>
+          </a:lstStyle>
+          <a:p>
+            <a:endParaRPr lang="de-DE"/>
+          </a:p>
+        </p:txBody>
+      </p:sp>
+      <p:sp>
+        <p:nvSpPr>
+          <p:cNvPr id="3" name="Datumsplatzhalter 2"/>
+          <p:cNvSpPr>
+            <a:spLocks noGrp="1"/>
+          </p:cNvSpPr>
+          <p:nvPr>
+            <p:ph type="dt" idx="1"/>
+          </p:nvPr>
+        </p:nvSpPr>
+        <p:spPr>
+          <a:xfrm>
+            <a:off x="3884613" y="0"/>
+            <a:ext cx="2971800" cy="457200"/>
+          </a:xfrm>
+          <a:prstGeom prst="rect">
+            <a:avLst/>
+          </a:prstGeom>
+        </p:spPr>
+        <p:txBody>
+          <a:bodyPr vert="horz" lIns="91440" tIns="45720" rIns="91440" bIns="45720" rtlCol="0"/>
+          <a:lstStyle>
+            <a:lvl1pPr algn="r">
+              <a:defRPr sz="1200"/>
+            </a:lvl1pPr>
+          </a:lstStyle>
+          <a:p>
+            <a:fld id="{A16A628E-191E-4420-B82E-DA035AF69D08}" type="datetimeFigureOut">
+              <a:rPr lang="de-DE" smtClean="0"/>
+              <a:t>08.02.2011</a:t>
+            </a:fld>
+            <a:endParaRPr lang="de-DE"/>
+          </a:p>
+        </p:txBody>
+      </p:sp>
+      <p:sp>
+        <p:nvSpPr>
+          <p:cNvPr id="4" name="Folienbildplatzhalter 3"/>
+          <p:cNvSpPr>
+            <a:spLocks noGrp="1" noRot="1" noChangeAspect="1"/>
+          </p:cNvSpPr>
+          <p:nvPr>
+            <p:ph type="sldImg" idx="2"/>
+          </p:nvPr>
+        </p:nvSpPr>
+        <p:spPr>
+          <a:xfrm>
+            <a:off x="1143000" y="685800"/>
+            <a:ext cx="4572000" cy="3429000"/>
+          </a:xfrm>
+          <a:prstGeom prst="rect">
+            <a:avLst/>
+          </a:prstGeom>
+          <a:noFill/>
+          <a:ln w="12700">
+            <a:solidFill>
+              <a:prstClr val="black"/>
+            </a:solidFill>
+          </a:ln>
+        </p:spPr>
+        <p:txBody>
+          <a:bodyPr vert="horz" lIns="91440" tIns="45720" rIns="91440" bIns="45720" rtlCol="0" anchor="ctr"/>
+          <a:lstStyle/>
+          <a:p>
+            <a:endParaRPr lang="de-DE"/>
+          </a:p>
+        </p:txBody>
+      </p:sp>
+      <p:sp>
+        <p:nvSpPr>
+          <p:cNvPr id="5" name="Notizenplatzhalter 4"/>
+          <p:cNvSpPr>
+            <a:spLocks noGrp="1"/>
+          </p:cNvSpPr>
+          <p:nvPr>
+            <p:ph type="body" sz="quarter" idx="3"/>
+          </p:nvPr>
+        </p:nvSpPr>
+        <p:spPr>
+          <a:xfrm>
+            <a:off x="685800" y="4343400"/>
+            <a:ext cx="5486400" cy="4114800"/>
+          </a:xfrm>
+          <a:prstGeom prst="rect">
+            <a:avLst/>
+          </a:prstGeom>
+        </p:spPr>
+        <p:txBody>
+          <a:bodyPr vert="horz" lIns="91440" tIns="45720" rIns="91440" bIns="45720" rtlCol="0"/>
+          <a:lstStyle/>
+          <a:p>
+            <a:pPr lvl="0"/>
+            <a:r>
+              <a:rPr lang="de-DE" smtClean="0"/>
+              <a:t>Textmasterformat bearbeiten</a:t>
+            </a:r>
+          </a:p>
+          <a:p>
+            <a:pPr lvl="1"/>
+            <a:r>
+              <a:rPr lang="de-DE" smtClean="0"/>
+              <a:t>Zweite Ebene</a:t>
+            </a:r>
+          </a:p>
+          <a:p>
+            <a:pPr lvl="2"/>
+            <a:r>
+              <a:rPr lang="de-DE" smtClean="0"/>
+              <a:t>Dritte Ebene</a:t>
+            </a:r>
+          </a:p>
+          <a:p>
+            <a:pPr lvl="3"/>
+            <a:r>
+              <a:rPr lang="de-DE" smtClean="0"/>
+              <a:t>Vierte Ebene</a:t>
+            </a:r>
+          </a:p>
+          <a:p>
+            <a:pPr lvl="4"/>
+            <a:r>
+              <a:rPr lang="de-DE" smtClean="0"/>
+              <a:t>Fünfte Ebene</a:t>
+            </a:r>
+            <a:endParaRPr lang="de-DE"/>
+          </a:p>
+        </p:txBody>
+      </p:sp>
+      <p:sp>
+        <p:nvSpPr>
+          <p:cNvPr id="6" name="Fußzeilenplatzhalter 5"/>
+          <p:cNvSpPr>
+            <a:spLocks noGrp="1"/>
+          </p:cNvSpPr>
+          <p:nvPr>
+            <p:ph type="ftr" sz="quarter" idx="4"/>
+          </p:nvPr>
+        </p:nvSpPr>
+        <p:spPr>
+          <a:xfrm>
+            <a:off x="0" y="8685213"/>
+            <a:ext cx="2971800" cy="457200"/>
+          </a:xfrm>
+          <a:prstGeom prst="rect">
+            <a:avLst/>
+          </a:prstGeom>
+        </p:spPr>
+        <p:txBody>
+          <a:bodyPr vert="horz" lIns="91440" tIns="45720" rIns="91440" bIns="45720" rtlCol="0" anchor="b"/>
+          <a:lstStyle>
+            <a:lvl1pPr algn="l">
+              <a:defRPr sz="1200"/>
+            </a:lvl1pPr>
+          </a:lstStyle>
+          <a:p>
+            <a:endParaRPr lang="de-DE"/>
+          </a:p>
+        </p:txBody>
+      </p:sp>
+      <p:sp>
+        <p:nvSpPr>
+          <p:cNvPr id="7" name="Foliennummernplatzhalter 6"/>
+          <p:cNvSpPr>
+            <a:spLocks noGrp="1"/>
+          </p:cNvSpPr>
+          <p:nvPr>
+            <p:ph type="sldNum" sz="quarter" idx="5"/>
+          </p:nvPr>
+        </p:nvSpPr>
+        <p:spPr>
+          <a:xfrm>
+            <a:off x="3884613" y="8685213"/>
+            <a:ext cx="2971800" cy="457200"/>
+          </a:xfrm>
+          <a:prstGeom prst="rect">
+            <a:avLst/>
+          </a:prstGeom>
+        </p:spPr>
+        <p:txBody>
+          <a:bodyPr vert="horz" lIns="91440" tIns="45720" rIns="91440" bIns="45720" rtlCol="0" anchor="b"/>
+          <a:lstStyle>
+            <a:lvl1pPr algn="r">
+              <a:defRPr sz="1200"/>
+            </a:lvl1pPr>
+          </a:lstStyle>
+          <a:p>
+            <a:fld id="{675759A9-FEAE-43C2-96D3-CE3AC1216194}" type="slidenum">
+              <a:rPr lang="de-DE" smtClean="0"/>
+              <a:t>‹Nr.›</a:t>
+            </a:fld>
+            <a:endParaRPr lang="de-DE"/>
+          </a:p>
+        </p:txBody>
+      </p:sp>
+    </p:spTree>
+    <p:extLst>
+      <p:ext uri="{BB962C8B-B14F-4D97-AF65-F5344CB8AC3E}">
+        <p14:creationId xmlns:p14="http://schemas.microsoft.com/office/powerpoint/2010/main" val="397744506"/>
+      </p:ext>
+    </p:extLst>
+  </p:cSld>
+  <p:clrMap bg1="lt1" tx1="dk1" bg2="lt2" tx2="dk2" accent1="accent1" accent2="accent2" accent3="accent3" accent4="accent4" accent5="accent5" accent6="accent6" hlink="hlink" folHlink="folHlink"/>
+  <p:notesStyle>
+    <a:lvl1pPr marL="0" algn="l" defTabSz="914400" rtl="0" eaLnBrk="1" latinLnBrk="0" hangingPunct="1">
+      <a:defRPr sz="1200" kern="1200">
+        <a:solidFill>
+          <a:schemeClr val="tx1"/>
+        </a:solidFill>
+        <a:latin typeface="+mn-lt"/>
+        <a:ea typeface="+mn-ea"/>
+        <a:cs typeface="+mn-cs"/>
+      </a:defRPr>
+    </a:lvl1pPr>
+    <a:lvl2pPr marL="457200" algn="l" defTabSz="914400" rtl="0" eaLnBrk="1" latinLnBrk="0" hangingPunct="1">
+      <a:defRPr sz="1200" kern="1200">
+        <a:solidFill>
+          <a:schemeClr val="tx1"/>
+        </a:solidFill>
+        <a:latin typeface="+mn-lt"/>
+        <a:ea typeface="+mn-ea"/>
+        <a:cs typeface="+mn-cs"/>
+      </a:defRPr>
+    </a:lvl2pPr>
+    <a:lvl3pPr marL="914400" algn="l" defTabSz="914400" rtl="0" eaLnBrk="1" latinLnBrk="0" hangingPunct="1">
+      <a:defRPr sz="1200" kern="1200">
+        <a:solidFill>
+          <a:schemeClr val="tx1"/>
+        </a:solidFill>
+        <a:latin typeface="+mn-lt"/>
+        <a:ea typeface="+mn-ea"/>
+        <a:cs typeface="+mn-cs"/>
+      </a:defRPr>
+    </a:lvl3pPr>
+    <a:lvl4pPr marL="1371600" algn="l" defTabSz="914400" rtl="0" eaLnBrk="1" latinLnBrk="0" hangingPunct="1">
+      <a:defRPr sz="1200" kern="1200">
+        <a:solidFill>
+          <a:schemeClr val="tx1"/>
+        </a:solidFill>
+        <a:latin typeface="+mn-lt"/>
+        <a:ea typeface="+mn-ea"/>
+        <a:cs typeface="+mn-cs"/>
+      </a:defRPr>
+    </a:lvl4pPr>
+    <a:lvl5pPr marL="1828800" algn="l" defTabSz="914400" rtl="0" eaLnBrk="1" latinLnBrk="0" hangingPunct="1">
+      <a:defRPr sz="1200" kern="1200">
+        <a:solidFill>
+          <a:schemeClr val="tx1"/>
+        </a:solidFill>
+        <a:latin typeface="+mn-lt"/>
+        <a:ea typeface="+mn-ea"/>
+        <a:cs typeface="+mn-cs"/>
+      </a:defRPr>
+    </a:lvl5pPr>
+    <a:lvl6pPr marL="2286000" algn="l" defTabSz="914400" rtl="0" eaLnBrk="1" latinLnBrk="0" hangingPunct="1">
+      <a:defRPr sz="1200" kern="1200">
+        <a:solidFill>
+          <a:schemeClr val="tx1"/>
+        </a:solidFill>
+        <a:latin typeface="+mn-lt"/>
+        <a:ea typeface="+mn-ea"/>
+        <a:cs typeface="+mn-cs"/>
+      </a:defRPr>
+    </a:lvl6pPr>
+    <a:lvl7pPr marL="2743200" algn="l" defTabSz="914400" rtl="0" eaLnBrk="1" latinLnBrk="0" hangingPunct="1">
+      <a:defRPr sz="1200" kern="1200">
+        <a:solidFill>
+          <a:schemeClr val="tx1"/>
+        </a:solidFill>
+        <a:latin typeface="+mn-lt"/>
+        <a:ea typeface="+mn-ea"/>
+        <a:cs typeface="+mn-cs"/>
+      </a:defRPr>
+    </a:lvl7pPr>
+    <a:lvl8pPr marL="3200400" algn="l" defTabSz="914400" rtl="0" eaLnBrk="1" latinLnBrk="0" hangingPunct="1">
+      <a:defRPr sz="1200" kern="1200">
+        <a:solidFill>
+          <a:schemeClr val="tx1"/>
+        </a:solidFill>
+        <a:latin typeface="+mn-lt"/>
+        <a:ea typeface="+mn-ea"/>
+        <a:cs typeface="+mn-cs"/>
+      </a:defRPr>
+    </a:lvl8pPr>
+    <a:lvl9pPr marL="3657600" algn="l" defTabSz="914400" rtl="0" eaLnBrk="1" latinLnBrk="0" hangingPunct="1">
+      <a:defRPr sz="1200" kern="1200">
+        <a:solidFill>
+          <a:schemeClr val="tx1"/>
+        </a:solidFill>
+        <a:latin typeface="+mn-lt"/>
+        <a:ea typeface="+mn-ea"/>
+        <a:cs typeface="+mn-cs"/>
+      </a:defRPr>
+    </a:lvl9pPr>
+  </p:notesStyle>
+</p:notesMaster>
+</file>
+
+<file path=ppt/notesSlides/notesSlide1.xml><?xml version="1.0" encoding="utf-8"?>
+<p:notes xmlns:a="http://schemas.openxmlformats.org/drawingml/2006/main" xmlns:r="http://schemas.openxmlformats.org/officeDocument/2006/relationships" xmlns:p="http://schemas.openxmlformats.org/presentationml/2006/main">
+  <p:cSld>
+    <p:spTree>
+      <p:nvGrpSpPr>
+        <p:cNvPr id="1" name=""/>
+        <p:cNvGrpSpPr/>
+        <p:nvPr/>
+      </p:nvGrpSpPr>
+      <p:grpSpPr>
+        <a:xfrm>
+          <a:off x="0" y="0"/>
+          <a:ext cx="0" cy="0"/>
+          <a:chOff x="0" y="0"/>
+          <a:chExt cx="0" cy="0"/>
+        </a:xfrm>
+      </p:grpSpPr>
+      <p:sp>
+        <p:nvSpPr>
+          <p:cNvPr id="2" name="Folienbildplatzhalter 1"/>
+          <p:cNvSpPr>
+            <a:spLocks noGrp="1" noRot="1" noChangeAspect="1"/>
+          </p:cNvSpPr>
+          <p:nvPr>
+            <p:ph type="sldImg"/>
+          </p:nvPr>
+        </p:nvSpPr>
+        <p:spPr/>
+      </p:sp>
+      <p:sp>
+        <p:nvSpPr>
+          <p:cNvPr id="3" name="Notizenplatzhalter 2"/>
+          <p:cNvSpPr>
+            <a:spLocks noGrp="1"/>
+          </p:cNvSpPr>
+          <p:nvPr>
+            <p:ph type="body" idx="1"/>
+          </p:nvPr>
+        </p:nvSpPr>
+        <p:spPr/>
+        <p:txBody>
+          <a:bodyPr/>
+          <a:lstStyle/>
+          <a:p>
+            <a:r>
+              <a:rPr lang="de-DE" dirty="0" smtClean="0"/>
+              <a:t>Der</a:t>
+            </a:r>
+            <a:r>
+              <a:rPr lang="de-DE" baseline="0" dirty="0" smtClean="0"/>
+              <a:t> </a:t>
+            </a:r>
+            <a:r>
+              <a:rPr lang="de-DE" baseline="0" dirty="0" err="1" smtClean="0"/>
+              <a:t>GameController</a:t>
+            </a:r>
+            <a:r>
+              <a:rPr lang="de-DE" baseline="0" dirty="0" smtClean="0"/>
+              <a:t> aktualisiert alle </a:t>
+            </a:r>
+            <a:r>
+              <a:rPr lang="de-DE" baseline="0" dirty="0" err="1" smtClean="0"/>
+              <a:t>IUpdatables</a:t>
+            </a:r>
+            <a:r>
+              <a:rPr lang="de-DE" baseline="0" dirty="0" smtClean="0"/>
+              <a:t>, beim Ball bewirkt dies die Bewegung</a:t>
+            </a:r>
+            <a:endParaRPr lang="de-DE" dirty="0"/>
+          </a:p>
+        </p:txBody>
+      </p:sp>
+      <p:sp>
+        <p:nvSpPr>
+          <p:cNvPr id="4" name="Foliennummernplatzhalter 3"/>
+          <p:cNvSpPr>
+            <a:spLocks noGrp="1"/>
+          </p:cNvSpPr>
+          <p:nvPr>
+            <p:ph type="sldNum" sz="quarter" idx="10"/>
+          </p:nvPr>
+        </p:nvSpPr>
+        <p:spPr/>
+        <p:txBody>
+          <a:bodyPr/>
+          <a:lstStyle/>
+          <a:p>
+            <a:fld id="{675759A9-FEAE-43C2-96D3-CE3AC1216194}" type="slidenum">
+              <a:rPr lang="de-DE" smtClean="0"/>
+              <a:t>12</a:t>
+            </a:fld>
+            <a:endParaRPr lang="de-DE"/>
+          </a:p>
+        </p:txBody>
+      </p:sp>
+    </p:spTree>
+    <p:extLst>
+      <p:ext uri="{BB962C8B-B14F-4D97-AF65-F5344CB8AC3E}">
+        <p14:creationId xmlns:p14="http://schemas.microsoft.com/office/powerpoint/2010/main" val="3979599418"/>
+      </p:ext>
+    </p:extLst>
+  </p:cSld>
+  <p:clrMapOvr>
+    <a:masterClrMapping/>
+  </p:clrMapOvr>
+</p:notes>
+</file>
+
+<file path=ppt/notesSlides/notesSlide2.xml><?xml version="1.0" encoding="utf-8"?>
+<p:notes xmlns:a="http://schemas.openxmlformats.org/drawingml/2006/main" xmlns:r="http://schemas.openxmlformats.org/officeDocument/2006/relationships" xmlns:p="http://schemas.openxmlformats.org/presentationml/2006/main">
+  <p:cSld>
+    <p:spTree>
+      <p:nvGrpSpPr>
+        <p:cNvPr id="1" name=""/>
+        <p:cNvGrpSpPr/>
+        <p:nvPr/>
+      </p:nvGrpSpPr>
+      <p:grpSpPr>
+        <a:xfrm>
+          <a:off x="0" y="0"/>
+          <a:ext cx="0" cy="0"/>
+          <a:chOff x="0" y="0"/>
+          <a:chExt cx="0" cy="0"/>
+        </a:xfrm>
+      </p:grpSpPr>
+      <p:sp>
+        <p:nvSpPr>
+          <p:cNvPr id="2" name="Folienbildplatzhalter 1"/>
+          <p:cNvSpPr>
+            <a:spLocks noGrp="1" noRot="1" noChangeAspect="1"/>
+          </p:cNvSpPr>
+          <p:nvPr>
+            <p:ph type="sldImg"/>
+          </p:nvPr>
+        </p:nvSpPr>
+        <p:spPr/>
+      </p:sp>
+      <p:sp>
+        <p:nvSpPr>
+          <p:cNvPr id="3" name="Notizenplatzhalter 2"/>
+          <p:cNvSpPr>
+            <a:spLocks noGrp="1"/>
+          </p:cNvSpPr>
+          <p:nvPr>
+            <p:ph type="body" idx="1"/>
+          </p:nvPr>
+        </p:nvSpPr>
+        <p:spPr/>
+        <p:txBody>
+          <a:bodyPr/>
+          <a:lstStyle/>
+          <a:p>
+            <a:r>
+              <a:rPr lang="de-DE" dirty="0" smtClean="0"/>
+              <a:t>Der</a:t>
+            </a:r>
+            <a:r>
+              <a:rPr lang="de-DE" baseline="0" dirty="0" smtClean="0"/>
+              <a:t> </a:t>
+            </a:r>
+            <a:r>
+              <a:rPr lang="de-DE" baseline="0" dirty="0" err="1" smtClean="0"/>
+              <a:t>GameController</a:t>
+            </a:r>
+            <a:r>
+              <a:rPr lang="de-DE" baseline="0" dirty="0" smtClean="0"/>
+              <a:t> aktualisiert alle </a:t>
+            </a:r>
+            <a:r>
+              <a:rPr lang="de-DE" baseline="0" dirty="0" err="1" smtClean="0"/>
+              <a:t>IUpdatables</a:t>
+            </a:r>
+            <a:r>
+              <a:rPr lang="de-DE" baseline="0" dirty="0" smtClean="0"/>
+              <a:t>, beim Ball bewirkt dies </a:t>
+            </a:r>
+            <a:r>
+              <a:rPr lang="de-DE" baseline="0" smtClean="0"/>
+              <a:t>die Bewegung</a:t>
+            </a:r>
+            <a:endParaRPr lang="de-DE" dirty="0"/>
+          </a:p>
+        </p:txBody>
+      </p:sp>
+      <p:sp>
+        <p:nvSpPr>
+          <p:cNvPr id="4" name="Foliennummernplatzhalter 3"/>
+          <p:cNvSpPr>
+            <a:spLocks noGrp="1"/>
+          </p:cNvSpPr>
+          <p:nvPr>
+            <p:ph type="sldNum" sz="quarter" idx="10"/>
+          </p:nvPr>
+        </p:nvSpPr>
+        <p:spPr/>
+        <p:txBody>
+          <a:bodyPr/>
+          <a:lstStyle/>
+          <a:p>
+            <a:fld id="{675759A9-FEAE-43C2-96D3-CE3AC1216194}" type="slidenum">
+              <a:rPr lang="de-DE" smtClean="0"/>
+              <a:t>13</a:t>
+            </a:fld>
+            <a:endParaRPr lang="de-DE"/>
+          </a:p>
+        </p:txBody>
+      </p:sp>
+    </p:spTree>
+    <p:extLst>
+      <p:ext uri="{BB962C8B-B14F-4D97-AF65-F5344CB8AC3E}">
+        <p14:creationId xmlns:p14="http://schemas.microsoft.com/office/powerpoint/2010/main" val="3979599418"/>
+      </p:ext>
+    </p:extLst>
+  </p:cSld>
+  <p:clrMapOvr>
+    <a:masterClrMapping/>
+  </p:clrMapOvr>
+</p:notes>
+</file>
+
+<file path=ppt/notesSlides/notesSlide3.xml><?xml version="1.0" encoding="utf-8"?>
+<p:notes xmlns:a="http://schemas.openxmlformats.org/drawingml/2006/main" xmlns:r="http://schemas.openxmlformats.org/officeDocument/2006/relationships" xmlns:p="http://schemas.openxmlformats.org/presentationml/2006/main">
+  <p:cSld>
+    <p:spTree>
+      <p:nvGrpSpPr>
+        <p:cNvPr id="1" name=""/>
+        <p:cNvGrpSpPr/>
+        <p:nvPr/>
+      </p:nvGrpSpPr>
+      <p:grpSpPr>
+        <a:xfrm>
+          <a:off x="0" y="0"/>
+          <a:ext cx="0" cy="0"/>
+          <a:chOff x="0" y="0"/>
+          <a:chExt cx="0" cy="0"/>
+        </a:xfrm>
+      </p:grpSpPr>
+      <p:sp>
+        <p:nvSpPr>
+          <p:cNvPr id="2" name="Folienbildplatzhalter 1"/>
+          <p:cNvSpPr>
+            <a:spLocks noGrp="1" noRot="1" noChangeAspect="1"/>
+          </p:cNvSpPr>
+          <p:nvPr>
+            <p:ph type="sldImg"/>
+          </p:nvPr>
+        </p:nvSpPr>
+        <p:spPr/>
+      </p:sp>
+      <p:sp>
+        <p:nvSpPr>
+          <p:cNvPr id="3" name="Notizenplatzhalter 2"/>
+          <p:cNvSpPr>
+            <a:spLocks noGrp="1"/>
+          </p:cNvSpPr>
+          <p:nvPr>
+            <p:ph type="body" idx="1"/>
+          </p:nvPr>
+        </p:nvSpPr>
+        <p:spPr/>
+        <p:txBody>
+          <a:bodyPr/>
+          <a:lstStyle/>
+          <a:p>
+            <a:r>
+              <a:rPr lang="de-DE" dirty="0" smtClean="0"/>
+              <a:t>Der</a:t>
+            </a:r>
+            <a:r>
+              <a:rPr lang="de-DE" baseline="0" dirty="0" smtClean="0"/>
+              <a:t> </a:t>
+            </a:r>
+            <a:r>
+              <a:rPr lang="de-DE" baseline="0" dirty="0" err="1" smtClean="0"/>
+              <a:t>GameController</a:t>
+            </a:r>
+            <a:r>
+              <a:rPr lang="de-DE" baseline="0" dirty="0" smtClean="0"/>
+              <a:t> aktualisiert alle </a:t>
+            </a:r>
+            <a:r>
+              <a:rPr lang="de-DE" baseline="0" dirty="0" err="1" smtClean="0"/>
+              <a:t>IUpdatables</a:t>
+            </a:r>
+            <a:r>
+              <a:rPr lang="de-DE" baseline="0" dirty="0" smtClean="0"/>
+              <a:t>, beim Ball bewirkt dies </a:t>
+            </a:r>
+            <a:r>
+              <a:rPr lang="de-DE" baseline="0" smtClean="0"/>
+              <a:t>die Bewegung</a:t>
+            </a:r>
+            <a:endParaRPr lang="de-DE" dirty="0"/>
+          </a:p>
+        </p:txBody>
+      </p:sp>
+      <p:sp>
+        <p:nvSpPr>
+          <p:cNvPr id="4" name="Foliennummernplatzhalter 3"/>
+          <p:cNvSpPr>
+            <a:spLocks noGrp="1"/>
+          </p:cNvSpPr>
+          <p:nvPr>
+            <p:ph type="sldNum" sz="quarter" idx="10"/>
+          </p:nvPr>
+        </p:nvSpPr>
+        <p:spPr/>
+        <p:txBody>
+          <a:bodyPr/>
+          <a:lstStyle/>
+          <a:p>
+            <a:fld id="{675759A9-FEAE-43C2-96D3-CE3AC1216194}" type="slidenum">
+              <a:rPr lang="de-DE" smtClean="0"/>
+              <a:t>14</a:t>
+            </a:fld>
+            <a:endParaRPr lang="de-DE"/>
+          </a:p>
+        </p:txBody>
+      </p:sp>
+    </p:spTree>
+    <p:extLst>
+      <p:ext uri="{BB962C8B-B14F-4D97-AF65-F5344CB8AC3E}">
+        <p14:creationId xmlns:p14="http://schemas.microsoft.com/office/powerpoint/2010/main" val="3979599418"/>
+      </p:ext>
+    </p:extLst>
+  </p:cSld>
+  <p:clrMapOvr>
+    <a:masterClrMapping/>
+  </p:clrMapOvr>
+</p:notes>
+</file>
+
 <file path=ppt/slideLayouts/slideLayout1.xml><?xml version="1.0" encoding="utf-8"?>
 <p:sldLayout xmlns:a="http://schemas.openxmlformats.org/drawingml/2006/main" xmlns:r="http://schemas.openxmlformats.org/officeDocument/2006/relationships" xmlns:p="http://schemas.openxmlformats.org/presentationml/2006/main" type="title" preserve="1">
   <p:cSld name="Titelfolie">
@@ -293,9 +988,9 @@
           <a:bodyPr/>
           <a:lstStyle/>
           <a:p>
-            <a:fld id="{002890F2-EED7-458E-9249-75BCB8601173}" type="datetimeFigureOut">
+            <a:fld id="{78BECE68-37DD-41F5-AAA3-157A411DF2BD}" type="datetime1">
               <a:rPr lang="de-AT" smtClean="0"/>
-              <a:t>06.02.2011</a:t>
+              <a:t>08.02.2011</a:t>
             </a:fld>
             <a:endParaRPr lang="de-AT"/>
           </a:p>
@@ -337,9 +1032,14 @@
           <a:p>
             <a:fld id="{4FACE48E-4A67-48DB-AD36-251A6BBFC9D3}" type="slidenum">
               <a:rPr lang="de-AT" smtClean="0"/>
+              <a:pPr/>
               <a:t>‹Nr.›</a:t>
             </a:fld>
-            <a:endParaRPr lang="de-AT"/>
+            <a:r>
+              <a:rPr lang="de-AT" dirty="0" smtClean="0"/>
+              <a:t> </a:t>
+            </a:r>
+            <a:endParaRPr lang="de-AT" dirty="0"/>
           </a:p>
         </p:txBody>
       </p:sp>
@@ -470,9 +1170,9 @@
           <a:bodyPr/>
           <a:lstStyle/>
           <a:p>
-            <a:fld id="{002890F2-EED7-458E-9249-75BCB8601173}" type="datetimeFigureOut">
+            <a:fld id="{4560E31F-037F-4A66-9EC6-BE0AD8FC5442}" type="datetime1">
               <a:rPr lang="de-AT" smtClean="0"/>
-              <a:t>06.02.2011</a:t>
+              <a:t>08.02.2011</a:t>
             </a:fld>
             <a:endParaRPr lang="de-AT"/>
           </a:p>
@@ -657,9 +1357,9 @@
           <a:bodyPr/>
           <a:lstStyle/>
           <a:p>
-            <a:fld id="{002890F2-EED7-458E-9249-75BCB8601173}" type="datetimeFigureOut">
+            <a:fld id="{33E1343C-4F63-4388-AF1C-071694A5BDCD}" type="datetime1">
               <a:rPr lang="de-AT" smtClean="0"/>
-              <a:t>06.02.2011</a:t>
+              <a:t>08.02.2011</a:t>
             </a:fld>
             <a:endParaRPr lang="de-AT"/>
           </a:p>
@@ -834,9 +1534,9 @@
           <a:bodyPr/>
           <a:lstStyle/>
           <a:p>
-            <a:fld id="{002890F2-EED7-458E-9249-75BCB8601173}" type="datetimeFigureOut">
+            <a:fld id="{3BB95A0D-2275-4EDE-9A2E-2B7C1F151319}" type="datetime1">
               <a:rPr lang="de-AT" smtClean="0"/>
-              <a:t>06.02.2011</a:t>
+              <a:t>08.02.2011</a:t>
             </a:fld>
             <a:endParaRPr lang="de-AT"/>
           </a:p>
@@ -1087,9 +1787,9 @@
           <a:bodyPr/>
           <a:lstStyle/>
           <a:p>
-            <a:fld id="{002890F2-EED7-458E-9249-75BCB8601173}" type="datetimeFigureOut">
+            <a:fld id="{D99B5C95-3E9C-433A-8108-1A1323E6CE97}" type="datetime1">
               <a:rPr lang="de-AT" smtClean="0"/>
-              <a:t>06.02.2011</a:t>
+              <a:t>08.02.2011</a:t>
             </a:fld>
             <a:endParaRPr lang="de-AT"/>
           </a:p>
@@ -1386,9 +2086,9 @@
           <a:bodyPr/>
           <a:lstStyle/>
           <a:p>
-            <a:fld id="{002890F2-EED7-458E-9249-75BCB8601173}" type="datetimeFigureOut">
+            <a:fld id="{B5889153-AFE7-4A59-A750-FC215141C2DC}" type="datetime1">
               <a:rPr lang="de-AT" smtClean="0"/>
-              <a:t>06.02.2011</a:t>
+              <a:t>08.02.2011</a:t>
             </a:fld>
             <a:endParaRPr lang="de-AT"/>
           </a:p>
@@ -1815,9 +2515,9 @@
           <a:bodyPr/>
           <a:lstStyle/>
           <a:p>
-            <a:fld id="{002890F2-EED7-458E-9249-75BCB8601173}" type="datetimeFigureOut">
+            <a:fld id="{18829874-DCF1-47AA-9C01-17C3930CD0E2}" type="datetime1">
               <a:rPr lang="de-AT" smtClean="0"/>
-              <a:t>06.02.2011</a:t>
+              <a:t>08.02.2011</a:t>
             </a:fld>
             <a:endParaRPr lang="de-AT"/>
           </a:p>
@@ -1944,9 +2644,9 @@
           <a:bodyPr/>
           <a:lstStyle/>
           <a:p>
-            <a:fld id="{002890F2-EED7-458E-9249-75BCB8601173}" type="datetimeFigureOut">
+            <a:fld id="{EE66D445-D7BA-4D0F-9430-0328708D0CA0}" type="datetime1">
               <a:rPr lang="de-AT" smtClean="0"/>
-              <a:t>06.02.2011</a:t>
+              <a:t>08.02.2011</a:t>
             </a:fld>
             <a:endParaRPr lang="de-AT"/>
           </a:p>
@@ -2046,9 +2746,9 @@
           <a:bodyPr/>
           <a:lstStyle/>
           <a:p>
-            <a:fld id="{002890F2-EED7-458E-9249-75BCB8601173}" type="datetimeFigureOut">
+            <a:fld id="{8E7223A3-3826-4C52-A064-A5E2A39DF76A}" type="datetime1">
               <a:rPr lang="de-AT" smtClean="0"/>
-              <a:t>06.02.2011</a:t>
+              <a:t>08.02.2011</a:t>
             </a:fld>
             <a:endParaRPr lang="de-AT"/>
           </a:p>
@@ -2330,9 +3030,9 @@
           <a:bodyPr/>
           <a:lstStyle/>
           <a:p>
-            <a:fld id="{002890F2-EED7-458E-9249-75BCB8601173}" type="datetimeFigureOut">
+            <a:fld id="{F8077542-C4D6-4760-992E-1774AEF7DF17}" type="datetime1">
               <a:rPr lang="de-AT" smtClean="0"/>
-              <a:t>06.02.2011</a:t>
+              <a:t>08.02.2011</a:t>
             </a:fld>
             <a:endParaRPr lang="de-AT"/>
           </a:p>
@@ -2590,9 +3290,9 @@
           <a:bodyPr/>
           <a:lstStyle/>
           <a:p>
-            <a:fld id="{002890F2-EED7-458E-9249-75BCB8601173}" type="datetimeFigureOut">
+            <a:fld id="{FAF88EC0-D469-4D32-A794-860B0190E1AA}" type="datetime1">
               <a:rPr lang="de-AT" smtClean="0"/>
-              <a:t>06.02.2011</a:t>
+              <a:t>08.02.2011</a:t>
             </a:fld>
             <a:endParaRPr lang="de-AT"/>
           </a:p>
@@ -2819,9 +3519,9 @@
             </a:lvl1pPr>
           </a:lstStyle>
           <a:p>
-            <a:fld id="{002890F2-EED7-458E-9249-75BCB8601173}" type="datetimeFigureOut">
+            <a:fld id="{0E31B7FF-B11B-42B8-BEBE-52A0B4B0FA33}" type="datetime1">
               <a:rPr lang="de-AT" smtClean="0"/>
-              <a:t>06.02.2011</a:t>
+              <a:t>08.02.2011</a:t>
             </a:fld>
             <a:endParaRPr lang="de-AT"/>
           </a:p>
@@ -2933,6 +3633,7 @@
       </p:par>
     </p:tnLst>
   </p:timing>
+  <p:hf hdr="0" ftr="0" dt="0"/>
   <p:txStyles>
     <p:titleStyle>
       <a:lvl1pPr algn="l" defTabSz="914400" rtl="0" eaLnBrk="1" latinLnBrk="0" hangingPunct="1">
@@ -3280,10 +3981,3770 @@
           </a:prstGeom>
         </p:spPr>
       </p:pic>
+      <p:sp>
+        <p:nvSpPr>
+          <p:cNvPr id="2" name="Foliennummernplatzhalter 1"/>
+          <p:cNvSpPr>
+            <a:spLocks noGrp="1"/>
+          </p:cNvSpPr>
+          <p:nvPr>
+            <p:ph type="sldNum" sz="quarter" idx="12"/>
+          </p:nvPr>
+        </p:nvSpPr>
+        <p:spPr/>
+        <p:txBody>
+          <a:bodyPr/>
+          <a:lstStyle/>
+          <a:p>
+            <a:fld id="{4FACE48E-4A67-48DB-AD36-251A6BBFC9D3}" type="slidenum">
+              <a:rPr lang="de-AT" smtClean="0"/>
+              <a:t>1</a:t>
+            </a:fld>
+            <a:endParaRPr lang="de-AT"/>
+          </a:p>
+        </p:txBody>
+      </p:sp>
     </p:spTree>
     <p:extLst>
       <p:ext uri="{BB962C8B-B14F-4D97-AF65-F5344CB8AC3E}">
         <p14:creationId xmlns:p14="http://schemas.microsoft.com/office/powerpoint/2010/main" val="1205394147"/>
+      </p:ext>
+    </p:extLst>
+  </p:cSld>
+  <p:clrMapOvr>
+    <a:masterClrMapping/>
+  </p:clrMapOvr>
+  <p:timing>
+    <p:tnLst>
+      <p:par>
+        <p:cTn id="1" dur="indefinite" restart="never" nodeType="tmRoot"/>
+      </p:par>
+    </p:tnLst>
+  </p:timing>
+</p:sld>
+</file>
+
+<file path=ppt/slides/slide10.xml><?xml version="1.0" encoding="utf-8"?>
+<p:sld xmlns:a="http://schemas.openxmlformats.org/drawingml/2006/main" xmlns:r="http://schemas.openxmlformats.org/officeDocument/2006/relationships" xmlns:p="http://schemas.openxmlformats.org/presentationml/2006/main">
+  <p:cSld>
+    <p:spTree>
+      <p:nvGrpSpPr>
+        <p:cNvPr id="1" name=""/>
+        <p:cNvGrpSpPr/>
+        <p:nvPr/>
+      </p:nvGrpSpPr>
+      <p:grpSpPr>
+        <a:xfrm>
+          <a:off x="0" y="0"/>
+          <a:ext cx="0" cy="0"/>
+          <a:chOff x="0" y="0"/>
+          <a:chExt cx="0" cy="0"/>
+        </a:xfrm>
+      </p:grpSpPr>
+      <p:sp>
+        <p:nvSpPr>
+          <p:cNvPr id="2" name="Titel 1"/>
+          <p:cNvSpPr>
+            <a:spLocks noGrp="1"/>
+          </p:cNvSpPr>
+          <p:nvPr>
+            <p:ph type="title"/>
+          </p:nvPr>
+        </p:nvSpPr>
+        <p:spPr/>
+        <p:txBody>
+          <a:bodyPr/>
+          <a:lstStyle/>
+          <a:p>
+            <a:r>
+              <a:rPr lang="de-AT" dirty="0" smtClean="0"/>
+              <a:t>Infrastruktur - Server</a:t>
+            </a:r>
+            <a:endParaRPr lang="de-AT" dirty="0"/>
+          </a:p>
+        </p:txBody>
+      </p:sp>
+      <p:pic>
+        <p:nvPicPr>
+          <p:cNvPr id="4" name="Inhaltsplatzhalter 3"/>
+          <p:cNvPicPr>
+            <a:picLocks noGrp="1" noChangeAspect="1"/>
+          </p:cNvPicPr>
+          <p:nvPr>
+            <p:ph idx="1"/>
+          </p:nvPr>
+        </p:nvPicPr>
+        <p:blipFill rotWithShape="1">
+          <a:blip r:embed="rId2">
+            <a:extLst>
+              <a:ext uri="{28A0092B-C50C-407E-A947-70E740481C1C}">
+                <a14:useLocalDpi xmlns:a14="http://schemas.microsoft.com/office/drawing/2010/main" val="0"/>
+              </a:ext>
+            </a:extLst>
+          </a:blip>
+          <a:srcRect r="6919" b="16314"/>
+          <a:stretch/>
+        </p:blipFill>
+        <p:spPr>
+          <a:xfrm>
+            <a:off x="755576" y="1340768"/>
+            <a:ext cx="7632848" cy="5146823"/>
+          </a:xfrm>
+        </p:spPr>
+      </p:pic>
+      <p:sp>
+        <p:nvSpPr>
+          <p:cNvPr id="5" name="Foliennummernplatzhalter 4"/>
+          <p:cNvSpPr>
+            <a:spLocks noGrp="1"/>
+          </p:cNvSpPr>
+          <p:nvPr>
+            <p:ph type="sldNum" sz="quarter" idx="12"/>
+          </p:nvPr>
+        </p:nvSpPr>
+        <p:spPr/>
+        <p:txBody>
+          <a:bodyPr/>
+          <a:lstStyle/>
+          <a:p>
+            <a:fld id="{4FACE48E-4A67-48DB-AD36-251A6BBFC9D3}" type="slidenum">
+              <a:rPr lang="de-AT" smtClean="0"/>
+              <a:t>10</a:t>
+            </a:fld>
+            <a:endParaRPr lang="de-AT"/>
+          </a:p>
+        </p:txBody>
+      </p:sp>
+    </p:spTree>
+    <p:extLst>
+      <p:ext uri="{BB962C8B-B14F-4D97-AF65-F5344CB8AC3E}">
+        <p14:creationId xmlns:p14="http://schemas.microsoft.com/office/powerpoint/2010/main" val="3048387615"/>
+      </p:ext>
+    </p:extLst>
+  </p:cSld>
+  <p:clrMapOvr>
+    <a:masterClrMapping/>
+  </p:clrMapOvr>
+  <p:timing>
+    <p:tnLst>
+      <p:par>
+        <p:cTn id="1" dur="indefinite" restart="never" nodeType="tmRoot"/>
+      </p:par>
+    </p:tnLst>
+  </p:timing>
+</p:sld>
+</file>
+
+<file path=ppt/slides/slide11.xml><?xml version="1.0" encoding="utf-8"?>
+<p:sld xmlns:a="http://schemas.openxmlformats.org/drawingml/2006/main" xmlns:r="http://schemas.openxmlformats.org/officeDocument/2006/relationships" xmlns:p="http://schemas.openxmlformats.org/presentationml/2006/main">
+  <p:cSld>
+    <p:spTree>
+      <p:nvGrpSpPr>
+        <p:cNvPr id="1" name=""/>
+        <p:cNvGrpSpPr/>
+        <p:nvPr/>
+      </p:nvGrpSpPr>
+      <p:grpSpPr>
+        <a:xfrm>
+          <a:off x="0" y="0"/>
+          <a:ext cx="0" cy="0"/>
+          <a:chOff x="0" y="0"/>
+          <a:chExt cx="0" cy="0"/>
+        </a:xfrm>
+      </p:grpSpPr>
+      <p:sp>
+        <p:nvSpPr>
+          <p:cNvPr id="2" name="Titel 1"/>
+          <p:cNvSpPr>
+            <a:spLocks noGrp="1"/>
+          </p:cNvSpPr>
+          <p:nvPr>
+            <p:ph type="title"/>
+          </p:nvPr>
+        </p:nvSpPr>
+        <p:spPr/>
+        <p:txBody>
+          <a:bodyPr/>
+          <a:lstStyle/>
+          <a:p>
+            <a:r>
+              <a:rPr lang="de-AT" dirty="0" smtClean="0"/>
+              <a:t>Infrastruktur - Client</a:t>
+            </a:r>
+            <a:endParaRPr lang="de-AT" dirty="0"/>
+          </a:p>
+        </p:txBody>
+      </p:sp>
+      <p:pic>
+        <p:nvPicPr>
+          <p:cNvPr id="6" name="Inhaltsplatzhalter 5"/>
+          <p:cNvPicPr>
+            <a:picLocks noGrp="1" noChangeAspect="1"/>
+          </p:cNvPicPr>
+          <p:nvPr>
+            <p:ph idx="1"/>
+          </p:nvPr>
+        </p:nvPicPr>
+        <p:blipFill rotWithShape="1">
+          <a:blip r:embed="rId2">
+            <a:extLst>
+              <a:ext uri="{28A0092B-C50C-407E-A947-70E740481C1C}">
+                <a14:useLocalDpi xmlns:a14="http://schemas.microsoft.com/office/drawing/2010/main" val="0"/>
+              </a:ext>
+            </a:extLst>
+          </a:blip>
+          <a:srcRect l="18952" t="25256" r="19249" b="13540"/>
+          <a:stretch/>
+        </p:blipFill>
+        <p:spPr>
+          <a:xfrm>
+            <a:off x="1241702" y="1661201"/>
+            <a:ext cx="6642666" cy="4934094"/>
+          </a:xfrm>
+        </p:spPr>
+      </p:pic>
+      <p:sp>
+        <p:nvSpPr>
+          <p:cNvPr id="7" name="Foliennummernplatzhalter 6"/>
+          <p:cNvSpPr>
+            <a:spLocks noGrp="1"/>
+          </p:cNvSpPr>
+          <p:nvPr>
+            <p:ph type="sldNum" sz="quarter" idx="12"/>
+          </p:nvPr>
+        </p:nvSpPr>
+        <p:spPr/>
+        <p:txBody>
+          <a:bodyPr/>
+          <a:lstStyle/>
+          <a:p>
+            <a:fld id="{4FACE48E-4A67-48DB-AD36-251A6BBFC9D3}" type="slidenum">
+              <a:rPr lang="de-AT" smtClean="0"/>
+              <a:t>11</a:t>
+            </a:fld>
+            <a:endParaRPr lang="de-AT"/>
+          </a:p>
+        </p:txBody>
+      </p:sp>
+    </p:spTree>
+    <p:extLst>
+      <p:ext uri="{BB962C8B-B14F-4D97-AF65-F5344CB8AC3E}">
+        <p14:creationId xmlns:p14="http://schemas.microsoft.com/office/powerpoint/2010/main" val="2887702835"/>
+      </p:ext>
+    </p:extLst>
+  </p:cSld>
+  <p:clrMapOvr>
+    <a:masterClrMapping/>
+  </p:clrMapOvr>
+  <p:timing>
+    <p:tnLst>
+      <p:par>
+        <p:cTn id="1" dur="indefinite" restart="never" nodeType="tmRoot"/>
+      </p:par>
+    </p:tnLst>
+  </p:timing>
+</p:sld>
+</file>
+
+<file path=ppt/slides/slide12.xml><?xml version="1.0" encoding="utf-8"?>
+<p:sld xmlns:a="http://schemas.openxmlformats.org/drawingml/2006/main" xmlns:r="http://schemas.openxmlformats.org/officeDocument/2006/relationships" xmlns:p="http://schemas.openxmlformats.org/presentationml/2006/main">
+  <p:cSld>
+    <p:spTree>
+      <p:nvGrpSpPr>
+        <p:cNvPr id="1" name=""/>
+        <p:cNvGrpSpPr/>
+        <p:nvPr/>
+      </p:nvGrpSpPr>
+      <p:grpSpPr>
+        <a:xfrm>
+          <a:off x="0" y="0"/>
+          <a:ext cx="0" cy="0"/>
+          <a:chOff x="0" y="0"/>
+          <a:chExt cx="0" cy="0"/>
+        </a:xfrm>
+      </p:grpSpPr>
+      <p:sp>
+        <p:nvSpPr>
+          <p:cNvPr id="2" name="Titel 1"/>
+          <p:cNvSpPr>
+            <a:spLocks noGrp="1"/>
+          </p:cNvSpPr>
+          <p:nvPr>
+            <p:ph type="title"/>
+          </p:nvPr>
+        </p:nvSpPr>
+        <p:spPr/>
+        <p:txBody>
+          <a:bodyPr/>
+          <a:lstStyle/>
+          <a:p>
+            <a:r>
+              <a:rPr lang="de-AT" dirty="0" smtClean="0"/>
+              <a:t>Kollisionsregeln</a:t>
+            </a:r>
+            <a:endParaRPr lang="de-AT" dirty="0"/>
+          </a:p>
+        </p:txBody>
+      </p:sp>
+      <p:sp>
+        <p:nvSpPr>
+          <p:cNvPr id="3" name="Inhaltsplatzhalter 2"/>
+          <p:cNvSpPr>
+            <a:spLocks noGrp="1"/>
+          </p:cNvSpPr>
+          <p:nvPr>
+            <p:ph idx="1"/>
+          </p:nvPr>
+        </p:nvSpPr>
+        <p:spPr>
+          <a:xfrm>
+            <a:off x="4572000" y="1600200"/>
+            <a:ext cx="4114800" cy="4525963"/>
+          </a:xfrm>
+        </p:spPr>
+        <p:txBody>
+          <a:bodyPr/>
+          <a:lstStyle/>
+          <a:p>
+            <a:pPr marL="0" indent="0">
+              <a:buNone/>
+            </a:pPr>
+            <a:r>
+              <a:rPr lang="de-AT" u="sng" dirty="0" smtClean="0"/>
+              <a:t> </a:t>
+            </a:r>
+            <a:endParaRPr lang="de-AT" u="sng" dirty="0"/>
+          </a:p>
+        </p:txBody>
+      </p:sp>
+      <p:pic>
+        <p:nvPicPr>
+          <p:cNvPr id="5" name="Inhaltsplatzhalter 3"/>
+          <p:cNvPicPr>
+            <a:picLocks noChangeAspect="1"/>
+          </p:cNvPicPr>
+          <p:nvPr/>
+        </p:nvPicPr>
+        <p:blipFill>
+          <a:blip r:embed="rId3">
+            <a:extLst>
+              <a:ext uri="{28A0092B-C50C-407E-A947-70E740481C1C}">
+                <a14:useLocalDpi xmlns:a14="http://schemas.microsoft.com/office/drawing/2010/main" val="0"/>
+              </a:ext>
+            </a:extLst>
+          </a:blip>
+          <a:stretch>
+            <a:fillRect/>
+          </a:stretch>
+        </p:blipFill>
+        <p:spPr>
+          <a:xfrm>
+            <a:off x="179512" y="1751748"/>
+            <a:ext cx="4114800" cy="4222865"/>
+          </a:xfrm>
+          <a:prstGeom prst="rect">
+            <a:avLst/>
+          </a:prstGeom>
+        </p:spPr>
+      </p:pic>
+      <p:sp>
+        <p:nvSpPr>
+          <p:cNvPr id="6" name="Textfeld 5"/>
+          <p:cNvSpPr txBox="1"/>
+          <p:nvPr/>
+        </p:nvSpPr>
+        <p:spPr>
+          <a:xfrm>
+            <a:off x="4427984" y="1811925"/>
+            <a:ext cx="1368152" cy="369332"/>
+          </a:xfrm>
+          <a:prstGeom prst="rect">
+            <a:avLst/>
+          </a:prstGeom>
+        </p:spPr>
+        <p:style>
+          <a:lnRef idx="1">
+            <a:schemeClr val="dk1"/>
+          </a:lnRef>
+          <a:fillRef idx="2">
+            <a:schemeClr val="dk1"/>
+          </a:fillRef>
+          <a:effectRef idx="1">
+            <a:schemeClr val="dk1"/>
+          </a:effectRef>
+          <a:fontRef idx="minor">
+            <a:schemeClr val="dk1"/>
+          </a:fontRef>
+        </p:style>
+        <p:txBody>
+          <a:bodyPr wrap="square" rtlCol="0">
+            <a:spAutoFit/>
+          </a:bodyPr>
+          <a:lstStyle/>
+          <a:p>
+            <a:pPr algn="ctr"/>
+            <a:r>
+              <a:rPr lang="de-DE" dirty="0" smtClean="0"/>
+              <a:t>Player</a:t>
+            </a:r>
+            <a:endParaRPr lang="de-DE" dirty="0"/>
+          </a:p>
+        </p:txBody>
+      </p:sp>
+      <p:sp>
+        <p:nvSpPr>
+          <p:cNvPr id="8" name="Textfeld 7"/>
+          <p:cNvSpPr txBox="1"/>
+          <p:nvPr/>
+        </p:nvSpPr>
+        <p:spPr>
+          <a:xfrm>
+            <a:off x="6012160" y="1546477"/>
+            <a:ext cx="1368152" cy="369332"/>
+          </a:xfrm>
+          <a:prstGeom prst="rect">
+            <a:avLst/>
+          </a:prstGeom>
+        </p:spPr>
+        <p:style>
+          <a:lnRef idx="1">
+            <a:schemeClr val="accent3"/>
+          </a:lnRef>
+          <a:fillRef idx="2">
+            <a:schemeClr val="accent3"/>
+          </a:fillRef>
+          <a:effectRef idx="1">
+            <a:schemeClr val="accent3"/>
+          </a:effectRef>
+          <a:fontRef idx="minor">
+            <a:schemeClr val="dk1"/>
+          </a:fontRef>
+        </p:style>
+        <p:txBody>
+          <a:bodyPr wrap="square" rtlCol="0">
+            <a:spAutoFit/>
+          </a:bodyPr>
+          <a:lstStyle/>
+          <a:p>
+            <a:pPr algn="ctr"/>
+            <a:r>
+              <a:rPr lang="de-DE" dirty="0" smtClean="0"/>
+              <a:t>Paddle</a:t>
+            </a:r>
+            <a:endParaRPr lang="de-DE" dirty="0"/>
+          </a:p>
+        </p:txBody>
+      </p:sp>
+      <p:sp>
+        <p:nvSpPr>
+          <p:cNvPr id="9" name="Textfeld 8"/>
+          <p:cNvSpPr txBox="1"/>
+          <p:nvPr/>
+        </p:nvSpPr>
+        <p:spPr>
+          <a:xfrm>
+            <a:off x="6012160" y="2111117"/>
+            <a:ext cx="1368152" cy="369332"/>
+          </a:xfrm>
+          <a:prstGeom prst="rect">
+            <a:avLst/>
+          </a:prstGeom>
+        </p:spPr>
+        <p:style>
+          <a:lnRef idx="1">
+            <a:schemeClr val="accent3"/>
+          </a:lnRef>
+          <a:fillRef idx="2">
+            <a:schemeClr val="accent3"/>
+          </a:fillRef>
+          <a:effectRef idx="1">
+            <a:schemeClr val="accent3"/>
+          </a:effectRef>
+          <a:fontRef idx="minor">
+            <a:schemeClr val="dk1"/>
+          </a:fontRef>
+        </p:style>
+        <p:txBody>
+          <a:bodyPr wrap="square" rtlCol="0">
+            <a:spAutoFit/>
+          </a:bodyPr>
+          <a:lstStyle/>
+          <a:p>
+            <a:pPr algn="ctr"/>
+            <a:r>
+              <a:rPr lang="de-DE" dirty="0" err="1" smtClean="0"/>
+              <a:t>HitArea</a:t>
+            </a:r>
+            <a:endParaRPr lang="de-DE" dirty="0"/>
+          </a:p>
+        </p:txBody>
+      </p:sp>
+      <p:cxnSp>
+        <p:nvCxnSpPr>
+          <p:cNvPr id="11" name="Gerade Verbindung mit Pfeil 10"/>
+          <p:cNvCxnSpPr>
+            <a:stCxn id="6" idx="3"/>
+            <a:endCxn id="8" idx="1"/>
+          </p:cNvCxnSpPr>
+          <p:nvPr/>
+        </p:nvCxnSpPr>
+        <p:spPr>
+          <a:xfrm flipV="1">
+            <a:off x="5796136" y="1731143"/>
+            <a:ext cx="216024" cy="265448"/>
+          </a:xfrm>
+          <a:prstGeom prst="straightConnector1">
+            <a:avLst/>
+          </a:prstGeom>
+          <a:ln>
+            <a:solidFill>
+              <a:schemeClr val="bg1"/>
+            </a:solidFill>
+            <a:tailEnd type="arrow"/>
+          </a:ln>
+        </p:spPr>
+        <p:style>
+          <a:lnRef idx="2">
+            <a:schemeClr val="accent1"/>
+          </a:lnRef>
+          <a:fillRef idx="0">
+            <a:schemeClr val="accent1"/>
+          </a:fillRef>
+          <a:effectRef idx="1">
+            <a:schemeClr val="accent1"/>
+          </a:effectRef>
+          <a:fontRef idx="minor">
+            <a:schemeClr val="tx1"/>
+          </a:fontRef>
+        </p:style>
+      </p:cxnSp>
+      <p:cxnSp>
+        <p:nvCxnSpPr>
+          <p:cNvPr id="13" name="Gerade Verbindung mit Pfeil 12"/>
+          <p:cNvCxnSpPr>
+            <a:stCxn id="6" idx="3"/>
+            <a:endCxn id="9" idx="1"/>
+          </p:cNvCxnSpPr>
+          <p:nvPr/>
+        </p:nvCxnSpPr>
+        <p:spPr>
+          <a:xfrm>
+            <a:off x="5796136" y="1996591"/>
+            <a:ext cx="216024" cy="299192"/>
+          </a:xfrm>
+          <a:prstGeom prst="straightConnector1">
+            <a:avLst/>
+          </a:prstGeom>
+          <a:ln>
+            <a:solidFill>
+              <a:schemeClr val="bg1"/>
+            </a:solidFill>
+            <a:tailEnd type="arrow"/>
+          </a:ln>
+        </p:spPr>
+        <p:style>
+          <a:lnRef idx="2">
+            <a:schemeClr val="accent1"/>
+          </a:lnRef>
+          <a:fillRef idx="0">
+            <a:schemeClr val="accent1"/>
+          </a:fillRef>
+          <a:effectRef idx="1">
+            <a:schemeClr val="accent1"/>
+          </a:effectRef>
+          <a:fontRef idx="minor">
+            <a:schemeClr val="tx1"/>
+          </a:fontRef>
+        </p:style>
+      </p:cxnSp>
+      <p:sp>
+        <p:nvSpPr>
+          <p:cNvPr id="21" name="Textfeld 20"/>
+          <p:cNvSpPr txBox="1"/>
+          <p:nvPr/>
+        </p:nvSpPr>
+        <p:spPr>
+          <a:xfrm>
+            <a:off x="7308304" y="1368895"/>
+            <a:ext cx="1584176" cy="307777"/>
+          </a:xfrm>
+          <a:prstGeom prst="rect">
+            <a:avLst/>
+          </a:prstGeom>
+        </p:spPr>
+        <p:style>
+          <a:lnRef idx="1">
+            <a:schemeClr val="accent3"/>
+          </a:lnRef>
+          <a:fillRef idx="2">
+            <a:schemeClr val="accent3"/>
+          </a:fillRef>
+          <a:effectRef idx="1">
+            <a:schemeClr val="accent3"/>
+          </a:effectRef>
+          <a:fontRef idx="minor">
+            <a:schemeClr val="dk1"/>
+          </a:fontRef>
+        </p:style>
+        <p:txBody>
+          <a:bodyPr wrap="square" rtlCol="0">
+            <a:spAutoFit/>
+          </a:bodyPr>
+          <a:lstStyle/>
+          <a:p>
+            <a:pPr algn="ctr"/>
+            <a:r>
+              <a:rPr lang="de-DE" sz="1400" dirty="0" err="1" smtClean="0"/>
+              <a:t>PaddleReflectRule</a:t>
+            </a:r>
+            <a:endParaRPr lang="de-DE" sz="1200" dirty="0"/>
+          </a:p>
+        </p:txBody>
+      </p:sp>
+      <p:sp>
+        <p:nvSpPr>
+          <p:cNvPr id="23" name="Textfeld 22"/>
+          <p:cNvSpPr txBox="1"/>
+          <p:nvPr/>
+        </p:nvSpPr>
+        <p:spPr>
+          <a:xfrm>
+            <a:off x="7308304" y="2027368"/>
+            <a:ext cx="1584176" cy="307777"/>
+          </a:xfrm>
+          <a:prstGeom prst="rect">
+            <a:avLst/>
+          </a:prstGeom>
+        </p:spPr>
+        <p:style>
+          <a:lnRef idx="1">
+            <a:schemeClr val="accent3"/>
+          </a:lnRef>
+          <a:fillRef idx="2">
+            <a:schemeClr val="accent3"/>
+          </a:fillRef>
+          <a:effectRef idx="1">
+            <a:schemeClr val="accent3"/>
+          </a:effectRef>
+          <a:fontRef idx="minor">
+            <a:schemeClr val="dk1"/>
+          </a:fontRef>
+        </p:style>
+        <p:txBody>
+          <a:bodyPr wrap="square" rtlCol="0">
+            <a:spAutoFit/>
+          </a:bodyPr>
+          <a:lstStyle/>
+          <a:p>
+            <a:pPr algn="ctr"/>
+            <a:r>
+              <a:rPr lang="de-DE" sz="1400" dirty="0" err="1" smtClean="0"/>
+              <a:t>HitAreaReflectRule</a:t>
+            </a:r>
+            <a:endParaRPr lang="de-DE" sz="1200" dirty="0"/>
+          </a:p>
+        </p:txBody>
+      </p:sp>
+      <p:sp>
+        <p:nvSpPr>
+          <p:cNvPr id="24" name="Textfeld 23"/>
+          <p:cNvSpPr txBox="1"/>
+          <p:nvPr/>
+        </p:nvSpPr>
+        <p:spPr>
+          <a:xfrm>
+            <a:off x="4427986" y="3124516"/>
+            <a:ext cx="1368152" cy="369332"/>
+          </a:xfrm>
+          <a:prstGeom prst="rect">
+            <a:avLst/>
+          </a:prstGeom>
+        </p:spPr>
+        <p:style>
+          <a:lnRef idx="1">
+            <a:schemeClr val="dk1"/>
+          </a:lnRef>
+          <a:fillRef idx="2">
+            <a:schemeClr val="dk1"/>
+          </a:fillRef>
+          <a:effectRef idx="1">
+            <a:schemeClr val="dk1"/>
+          </a:effectRef>
+          <a:fontRef idx="minor">
+            <a:schemeClr val="dk1"/>
+          </a:fontRef>
+        </p:style>
+        <p:txBody>
+          <a:bodyPr wrap="square" rtlCol="0">
+            <a:spAutoFit/>
+          </a:bodyPr>
+          <a:lstStyle/>
+          <a:p>
+            <a:pPr algn="ctr"/>
+            <a:r>
+              <a:rPr lang="de-DE" dirty="0" smtClean="0"/>
+              <a:t>Player</a:t>
+            </a:r>
+            <a:endParaRPr lang="de-DE" dirty="0"/>
+          </a:p>
+        </p:txBody>
+      </p:sp>
+      <p:sp>
+        <p:nvSpPr>
+          <p:cNvPr id="25" name="Textfeld 24"/>
+          <p:cNvSpPr txBox="1"/>
+          <p:nvPr/>
+        </p:nvSpPr>
+        <p:spPr>
+          <a:xfrm>
+            <a:off x="6012162" y="2859068"/>
+            <a:ext cx="1368152" cy="369332"/>
+          </a:xfrm>
+          <a:prstGeom prst="rect">
+            <a:avLst/>
+          </a:prstGeom>
+        </p:spPr>
+        <p:style>
+          <a:lnRef idx="1">
+            <a:schemeClr val="accent3"/>
+          </a:lnRef>
+          <a:fillRef idx="2">
+            <a:schemeClr val="accent3"/>
+          </a:fillRef>
+          <a:effectRef idx="1">
+            <a:schemeClr val="accent3"/>
+          </a:effectRef>
+          <a:fontRef idx="minor">
+            <a:schemeClr val="dk1"/>
+          </a:fontRef>
+        </p:style>
+        <p:txBody>
+          <a:bodyPr wrap="square" rtlCol="0">
+            <a:spAutoFit/>
+          </a:bodyPr>
+          <a:lstStyle/>
+          <a:p>
+            <a:pPr algn="ctr"/>
+            <a:r>
+              <a:rPr lang="de-DE" dirty="0" smtClean="0"/>
+              <a:t>Paddle</a:t>
+            </a:r>
+            <a:endParaRPr lang="de-DE" dirty="0"/>
+          </a:p>
+        </p:txBody>
+      </p:sp>
+      <p:sp>
+        <p:nvSpPr>
+          <p:cNvPr id="26" name="Textfeld 25"/>
+          <p:cNvSpPr txBox="1"/>
+          <p:nvPr/>
+        </p:nvSpPr>
+        <p:spPr>
+          <a:xfrm>
+            <a:off x="6012162" y="3423708"/>
+            <a:ext cx="1368152" cy="369332"/>
+          </a:xfrm>
+          <a:prstGeom prst="rect">
+            <a:avLst/>
+          </a:prstGeom>
+        </p:spPr>
+        <p:style>
+          <a:lnRef idx="1">
+            <a:schemeClr val="accent3"/>
+          </a:lnRef>
+          <a:fillRef idx="2">
+            <a:schemeClr val="accent3"/>
+          </a:fillRef>
+          <a:effectRef idx="1">
+            <a:schemeClr val="accent3"/>
+          </a:effectRef>
+          <a:fontRef idx="minor">
+            <a:schemeClr val="dk1"/>
+          </a:fontRef>
+        </p:style>
+        <p:txBody>
+          <a:bodyPr wrap="square" rtlCol="0">
+            <a:spAutoFit/>
+          </a:bodyPr>
+          <a:lstStyle/>
+          <a:p>
+            <a:pPr algn="ctr"/>
+            <a:r>
+              <a:rPr lang="de-DE" dirty="0" err="1" smtClean="0"/>
+              <a:t>HitArea</a:t>
+            </a:r>
+            <a:endParaRPr lang="de-DE" dirty="0"/>
+          </a:p>
+        </p:txBody>
+      </p:sp>
+      <p:cxnSp>
+        <p:nvCxnSpPr>
+          <p:cNvPr id="27" name="Gerade Verbindung mit Pfeil 26"/>
+          <p:cNvCxnSpPr>
+            <a:stCxn id="24" idx="3"/>
+            <a:endCxn id="25" idx="1"/>
+          </p:cNvCxnSpPr>
+          <p:nvPr/>
+        </p:nvCxnSpPr>
+        <p:spPr>
+          <a:xfrm flipV="1">
+            <a:off x="5796138" y="3043734"/>
+            <a:ext cx="216024" cy="265448"/>
+          </a:xfrm>
+          <a:prstGeom prst="straightConnector1">
+            <a:avLst/>
+          </a:prstGeom>
+          <a:ln>
+            <a:solidFill>
+              <a:schemeClr val="bg1"/>
+            </a:solidFill>
+            <a:tailEnd type="arrow"/>
+          </a:ln>
+        </p:spPr>
+        <p:style>
+          <a:lnRef idx="2">
+            <a:schemeClr val="accent1"/>
+          </a:lnRef>
+          <a:fillRef idx="0">
+            <a:schemeClr val="accent1"/>
+          </a:fillRef>
+          <a:effectRef idx="1">
+            <a:schemeClr val="accent1"/>
+          </a:effectRef>
+          <a:fontRef idx="minor">
+            <a:schemeClr val="tx1"/>
+          </a:fontRef>
+        </p:style>
+      </p:cxnSp>
+      <p:cxnSp>
+        <p:nvCxnSpPr>
+          <p:cNvPr id="28" name="Gerade Verbindung mit Pfeil 27"/>
+          <p:cNvCxnSpPr>
+            <a:stCxn id="24" idx="3"/>
+            <a:endCxn id="26" idx="1"/>
+          </p:cNvCxnSpPr>
+          <p:nvPr/>
+        </p:nvCxnSpPr>
+        <p:spPr>
+          <a:xfrm>
+            <a:off x="5796138" y="3309182"/>
+            <a:ext cx="216024" cy="299192"/>
+          </a:xfrm>
+          <a:prstGeom prst="straightConnector1">
+            <a:avLst/>
+          </a:prstGeom>
+          <a:ln>
+            <a:solidFill>
+              <a:schemeClr val="bg1"/>
+            </a:solidFill>
+            <a:tailEnd type="arrow"/>
+          </a:ln>
+        </p:spPr>
+        <p:style>
+          <a:lnRef idx="2">
+            <a:schemeClr val="accent1"/>
+          </a:lnRef>
+          <a:fillRef idx="0">
+            <a:schemeClr val="accent1"/>
+          </a:fillRef>
+          <a:effectRef idx="1">
+            <a:schemeClr val="accent1"/>
+          </a:effectRef>
+          <a:fontRef idx="minor">
+            <a:schemeClr val="tx1"/>
+          </a:fontRef>
+        </p:style>
+      </p:cxnSp>
+      <p:sp>
+        <p:nvSpPr>
+          <p:cNvPr id="29" name="Textfeld 28"/>
+          <p:cNvSpPr txBox="1"/>
+          <p:nvPr/>
+        </p:nvSpPr>
+        <p:spPr>
+          <a:xfrm>
+            <a:off x="7308306" y="2681486"/>
+            <a:ext cx="1584176" cy="307777"/>
+          </a:xfrm>
+          <a:prstGeom prst="rect">
+            <a:avLst/>
+          </a:prstGeom>
+        </p:spPr>
+        <p:style>
+          <a:lnRef idx="1">
+            <a:schemeClr val="accent3"/>
+          </a:lnRef>
+          <a:fillRef idx="2">
+            <a:schemeClr val="accent3"/>
+          </a:fillRef>
+          <a:effectRef idx="1">
+            <a:schemeClr val="accent3"/>
+          </a:effectRef>
+          <a:fontRef idx="minor">
+            <a:schemeClr val="dk1"/>
+          </a:fontRef>
+        </p:style>
+        <p:txBody>
+          <a:bodyPr wrap="square" rtlCol="0">
+            <a:spAutoFit/>
+          </a:bodyPr>
+          <a:lstStyle/>
+          <a:p>
+            <a:pPr algn="ctr"/>
+            <a:r>
+              <a:rPr lang="de-DE" sz="1400" dirty="0" err="1" smtClean="0"/>
+              <a:t>PaddleReflectRule</a:t>
+            </a:r>
+            <a:endParaRPr lang="de-DE" sz="1200" dirty="0"/>
+          </a:p>
+        </p:txBody>
+      </p:sp>
+      <p:sp>
+        <p:nvSpPr>
+          <p:cNvPr id="30" name="Textfeld 29"/>
+          <p:cNvSpPr txBox="1"/>
+          <p:nvPr/>
+        </p:nvSpPr>
+        <p:spPr>
+          <a:xfrm>
+            <a:off x="7308306" y="3339959"/>
+            <a:ext cx="1584176" cy="307777"/>
+          </a:xfrm>
+          <a:prstGeom prst="rect">
+            <a:avLst/>
+          </a:prstGeom>
+        </p:spPr>
+        <p:style>
+          <a:lnRef idx="1">
+            <a:schemeClr val="accent3"/>
+          </a:lnRef>
+          <a:fillRef idx="2">
+            <a:schemeClr val="accent3"/>
+          </a:fillRef>
+          <a:effectRef idx="1">
+            <a:schemeClr val="accent3"/>
+          </a:effectRef>
+          <a:fontRef idx="minor">
+            <a:schemeClr val="dk1"/>
+          </a:fontRef>
+        </p:style>
+        <p:txBody>
+          <a:bodyPr wrap="square" rtlCol="0">
+            <a:spAutoFit/>
+          </a:bodyPr>
+          <a:lstStyle/>
+          <a:p>
+            <a:pPr algn="ctr"/>
+            <a:r>
+              <a:rPr lang="de-DE" sz="1400" dirty="0" err="1" smtClean="0"/>
+              <a:t>HitAreaReflectRule</a:t>
+            </a:r>
+            <a:endParaRPr lang="de-DE" sz="1200" dirty="0"/>
+          </a:p>
+        </p:txBody>
+      </p:sp>
+      <p:sp>
+        <p:nvSpPr>
+          <p:cNvPr id="32" name="Textfeld 31"/>
+          <p:cNvSpPr txBox="1"/>
+          <p:nvPr/>
+        </p:nvSpPr>
+        <p:spPr>
+          <a:xfrm>
+            <a:off x="4513312" y="4536990"/>
+            <a:ext cx="1368152" cy="369332"/>
+          </a:xfrm>
+          <a:prstGeom prst="rect">
+            <a:avLst/>
+          </a:prstGeom>
+          <a:ln w="38100">
+            <a:solidFill>
+              <a:schemeClr val="accent3"/>
+            </a:solidFill>
+          </a:ln>
+        </p:spPr>
+        <p:style>
+          <a:lnRef idx="1">
+            <a:schemeClr val="accent3"/>
+          </a:lnRef>
+          <a:fillRef idx="2">
+            <a:schemeClr val="accent3"/>
+          </a:fillRef>
+          <a:effectRef idx="1">
+            <a:schemeClr val="accent3"/>
+          </a:effectRef>
+          <a:fontRef idx="minor">
+            <a:schemeClr val="dk1"/>
+          </a:fontRef>
+        </p:style>
+        <p:txBody>
+          <a:bodyPr wrap="square" rtlCol="0">
+            <a:spAutoFit/>
+          </a:bodyPr>
+          <a:lstStyle/>
+          <a:p>
+            <a:pPr algn="ctr"/>
+            <a:r>
+              <a:rPr lang="de-DE" dirty="0" smtClean="0"/>
+              <a:t>Ball</a:t>
+            </a:r>
+            <a:endParaRPr lang="de-DE" dirty="0"/>
+          </a:p>
+        </p:txBody>
+      </p:sp>
+      <p:sp>
+        <p:nvSpPr>
+          <p:cNvPr id="33" name="Textfeld 32"/>
+          <p:cNvSpPr txBox="1"/>
+          <p:nvPr/>
+        </p:nvSpPr>
+        <p:spPr>
+          <a:xfrm>
+            <a:off x="5798122" y="4383101"/>
+            <a:ext cx="1584176" cy="307777"/>
+          </a:xfrm>
+          <a:prstGeom prst="rect">
+            <a:avLst/>
+          </a:prstGeom>
+        </p:spPr>
+        <p:style>
+          <a:lnRef idx="1">
+            <a:schemeClr val="accent3"/>
+          </a:lnRef>
+          <a:fillRef idx="2">
+            <a:schemeClr val="accent3"/>
+          </a:fillRef>
+          <a:effectRef idx="1">
+            <a:schemeClr val="accent3"/>
+          </a:effectRef>
+          <a:fontRef idx="minor">
+            <a:schemeClr val="dk1"/>
+          </a:fontRef>
+        </p:style>
+        <p:txBody>
+          <a:bodyPr wrap="square" rtlCol="0">
+            <a:spAutoFit/>
+          </a:bodyPr>
+          <a:lstStyle/>
+          <a:p>
+            <a:pPr algn="ctr"/>
+            <a:r>
+              <a:rPr lang="de-DE" sz="1400" dirty="0" err="1" smtClean="0"/>
+              <a:t>PlayTickRule</a:t>
+            </a:r>
+            <a:endParaRPr lang="de-DE" sz="1200" dirty="0"/>
+          </a:p>
+        </p:txBody>
+      </p:sp>
+      <p:sp>
+        <p:nvSpPr>
+          <p:cNvPr id="34" name="Textfeld 33"/>
+          <p:cNvSpPr txBox="1"/>
+          <p:nvPr/>
+        </p:nvSpPr>
+        <p:spPr>
+          <a:xfrm>
+            <a:off x="5796136" y="4752433"/>
+            <a:ext cx="1584176" cy="307777"/>
+          </a:xfrm>
+          <a:prstGeom prst="rect">
+            <a:avLst/>
+          </a:prstGeom>
+        </p:spPr>
+        <p:style>
+          <a:lnRef idx="1">
+            <a:schemeClr val="accent3"/>
+          </a:lnRef>
+          <a:fillRef idx="2">
+            <a:schemeClr val="accent3"/>
+          </a:fillRef>
+          <a:effectRef idx="1">
+            <a:schemeClr val="accent3"/>
+          </a:effectRef>
+          <a:fontRef idx="minor">
+            <a:schemeClr val="dk1"/>
+          </a:fontRef>
+        </p:style>
+        <p:txBody>
+          <a:bodyPr wrap="square" rtlCol="0">
+            <a:spAutoFit/>
+          </a:bodyPr>
+          <a:lstStyle/>
+          <a:p>
+            <a:pPr algn="ctr"/>
+            <a:r>
+              <a:rPr lang="de-DE" sz="1400" dirty="0" err="1" smtClean="0"/>
+              <a:t>IncreaseSpeedRule</a:t>
+            </a:r>
+            <a:endParaRPr lang="de-DE" sz="1200" dirty="0"/>
+          </a:p>
+        </p:txBody>
+      </p:sp>
+      <p:sp>
+        <p:nvSpPr>
+          <p:cNvPr id="35" name="Textfeld 34"/>
+          <p:cNvSpPr txBox="1"/>
+          <p:nvPr/>
+        </p:nvSpPr>
+        <p:spPr>
+          <a:xfrm>
+            <a:off x="323528" y="6309320"/>
+            <a:ext cx="2376264" cy="369332"/>
+          </a:xfrm>
+          <a:prstGeom prst="rect">
+            <a:avLst/>
+          </a:prstGeom>
+          <a:ln w="38100">
+            <a:solidFill>
+              <a:schemeClr val="accent3"/>
+            </a:solidFill>
+          </a:ln>
+        </p:spPr>
+        <p:style>
+          <a:lnRef idx="1">
+            <a:schemeClr val="accent3"/>
+          </a:lnRef>
+          <a:fillRef idx="2">
+            <a:schemeClr val="accent3"/>
+          </a:fillRef>
+          <a:effectRef idx="1">
+            <a:schemeClr val="accent3"/>
+          </a:effectRef>
+          <a:fontRef idx="minor">
+            <a:schemeClr val="dk1"/>
+          </a:fontRef>
+        </p:style>
+        <p:txBody>
+          <a:bodyPr wrap="square" rtlCol="0">
+            <a:spAutoFit/>
+          </a:bodyPr>
+          <a:lstStyle/>
+          <a:p>
+            <a:pPr algn="ctr"/>
+            <a:r>
+              <a:rPr lang="de-DE" dirty="0" err="1" smtClean="0"/>
+              <a:t>IUpdatable</a:t>
+            </a:r>
+            <a:r>
+              <a:rPr lang="de-DE" dirty="0" smtClean="0"/>
+              <a:t>/</a:t>
+            </a:r>
+            <a:r>
+              <a:rPr lang="de-DE" dirty="0" err="1" smtClean="0"/>
+              <a:t>ICollidable</a:t>
+            </a:r>
+            <a:endParaRPr lang="de-DE" dirty="0"/>
+          </a:p>
+        </p:txBody>
+      </p:sp>
+      <p:sp>
+        <p:nvSpPr>
+          <p:cNvPr id="38" name="Textfeld 37"/>
+          <p:cNvSpPr txBox="1"/>
+          <p:nvPr/>
+        </p:nvSpPr>
+        <p:spPr>
+          <a:xfrm>
+            <a:off x="3059834" y="6309320"/>
+            <a:ext cx="1368152" cy="369332"/>
+          </a:xfrm>
+          <a:prstGeom prst="rect">
+            <a:avLst/>
+          </a:prstGeom>
+        </p:spPr>
+        <p:style>
+          <a:lnRef idx="1">
+            <a:schemeClr val="accent3"/>
+          </a:lnRef>
+          <a:fillRef idx="2">
+            <a:schemeClr val="accent3"/>
+          </a:fillRef>
+          <a:effectRef idx="1">
+            <a:schemeClr val="accent3"/>
+          </a:effectRef>
+          <a:fontRef idx="minor">
+            <a:schemeClr val="dk1"/>
+          </a:fontRef>
+        </p:style>
+        <p:txBody>
+          <a:bodyPr wrap="square" rtlCol="0">
+            <a:spAutoFit/>
+          </a:bodyPr>
+          <a:lstStyle/>
+          <a:p>
+            <a:pPr algn="ctr"/>
+            <a:r>
+              <a:rPr lang="de-DE" dirty="0" err="1" smtClean="0"/>
+              <a:t>ICollidable</a:t>
+            </a:r>
+            <a:endParaRPr lang="de-DE" dirty="0"/>
+          </a:p>
+        </p:txBody>
+      </p:sp>
+      <p:sp>
+        <p:nvSpPr>
+          <p:cNvPr id="39" name="Foliennummernplatzhalter 38"/>
+          <p:cNvSpPr>
+            <a:spLocks noGrp="1"/>
+          </p:cNvSpPr>
+          <p:nvPr>
+            <p:ph type="sldNum" sz="quarter" idx="12"/>
+          </p:nvPr>
+        </p:nvSpPr>
+        <p:spPr/>
+        <p:txBody>
+          <a:bodyPr/>
+          <a:lstStyle/>
+          <a:p>
+            <a:fld id="{4FACE48E-4A67-48DB-AD36-251A6BBFC9D3}" type="slidenum">
+              <a:rPr lang="de-AT" smtClean="0"/>
+              <a:t>12</a:t>
+            </a:fld>
+            <a:endParaRPr lang="de-AT"/>
+          </a:p>
+        </p:txBody>
+      </p:sp>
+    </p:spTree>
+    <p:extLst>
+      <p:ext uri="{BB962C8B-B14F-4D97-AF65-F5344CB8AC3E}">
+        <p14:creationId xmlns:p14="http://schemas.microsoft.com/office/powerpoint/2010/main" val="3900897602"/>
+      </p:ext>
+    </p:extLst>
+  </p:cSld>
+  <p:clrMapOvr>
+    <a:masterClrMapping/>
+  </p:clrMapOvr>
+  <p:timing>
+    <p:tnLst>
+      <p:par>
+        <p:cTn id="1" dur="indefinite" restart="never" nodeType="tmRoot"/>
+      </p:par>
+    </p:tnLst>
+  </p:timing>
+</p:sld>
+</file>
+
+<file path=ppt/slides/slide13.xml><?xml version="1.0" encoding="utf-8"?>
+<p:sld xmlns:a="http://schemas.openxmlformats.org/drawingml/2006/main" xmlns:r="http://schemas.openxmlformats.org/officeDocument/2006/relationships" xmlns:p="http://schemas.openxmlformats.org/presentationml/2006/main">
+  <p:cSld>
+    <p:spTree>
+      <p:nvGrpSpPr>
+        <p:cNvPr id="1" name=""/>
+        <p:cNvGrpSpPr/>
+        <p:nvPr/>
+      </p:nvGrpSpPr>
+      <p:grpSpPr>
+        <a:xfrm>
+          <a:off x="0" y="0"/>
+          <a:ext cx="0" cy="0"/>
+          <a:chOff x="0" y="0"/>
+          <a:chExt cx="0" cy="0"/>
+        </a:xfrm>
+      </p:grpSpPr>
+      <p:sp>
+        <p:nvSpPr>
+          <p:cNvPr id="2" name="Titel 1"/>
+          <p:cNvSpPr>
+            <a:spLocks noGrp="1"/>
+          </p:cNvSpPr>
+          <p:nvPr>
+            <p:ph type="title"/>
+          </p:nvPr>
+        </p:nvSpPr>
+        <p:spPr/>
+        <p:txBody>
+          <a:bodyPr/>
+          <a:lstStyle/>
+          <a:p>
+            <a:r>
+              <a:rPr lang="de-AT" dirty="0" smtClean="0"/>
+              <a:t>Kollisionsregeln</a:t>
+            </a:r>
+            <a:endParaRPr lang="de-AT" dirty="0"/>
+          </a:p>
+        </p:txBody>
+      </p:sp>
+      <p:sp>
+        <p:nvSpPr>
+          <p:cNvPr id="3" name="Inhaltsplatzhalter 2"/>
+          <p:cNvSpPr>
+            <a:spLocks noGrp="1"/>
+          </p:cNvSpPr>
+          <p:nvPr>
+            <p:ph idx="1"/>
+          </p:nvPr>
+        </p:nvSpPr>
+        <p:spPr>
+          <a:xfrm>
+            <a:off x="4572000" y="1600200"/>
+            <a:ext cx="4114800" cy="4525963"/>
+          </a:xfrm>
+        </p:spPr>
+        <p:txBody>
+          <a:bodyPr/>
+          <a:lstStyle/>
+          <a:p>
+            <a:pPr marL="0" indent="0">
+              <a:buNone/>
+            </a:pPr>
+            <a:r>
+              <a:rPr lang="de-AT" u="sng" dirty="0" smtClean="0"/>
+              <a:t> </a:t>
+            </a:r>
+            <a:endParaRPr lang="de-AT" u="sng" dirty="0"/>
+          </a:p>
+        </p:txBody>
+      </p:sp>
+      <p:pic>
+        <p:nvPicPr>
+          <p:cNvPr id="5" name="Inhaltsplatzhalter 3"/>
+          <p:cNvPicPr>
+            <a:picLocks noChangeAspect="1"/>
+          </p:cNvPicPr>
+          <p:nvPr/>
+        </p:nvPicPr>
+        <p:blipFill>
+          <a:blip r:embed="rId3">
+            <a:extLst>
+              <a:ext uri="{28A0092B-C50C-407E-A947-70E740481C1C}">
+                <a14:useLocalDpi xmlns:a14="http://schemas.microsoft.com/office/drawing/2010/main" val="0"/>
+              </a:ext>
+            </a:extLst>
+          </a:blip>
+          <a:stretch>
+            <a:fillRect/>
+          </a:stretch>
+        </p:blipFill>
+        <p:spPr>
+          <a:xfrm>
+            <a:off x="179512" y="1751748"/>
+            <a:ext cx="4114799" cy="4222865"/>
+          </a:xfrm>
+          <a:prstGeom prst="rect">
+            <a:avLst/>
+          </a:prstGeom>
+        </p:spPr>
+      </p:pic>
+      <p:sp>
+        <p:nvSpPr>
+          <p:cNvPr id="6" name="Textfeld 5"/>
+          <p:cNvSpPr txBox="1"/>
+          <p:nvPr/>
+        </p:nvSpPr>
+        <p:spPr>
+          <a:xfrm>
+            <a:off x="4427984" y="1811925"/>
+            <a:ext cx="1368152" cy="369332"/>
+          </a:xfrm>
+          <a:prstGeom prst="rect">
+            <a:avLst/>
+          </a:prstGeom>
+        </p:spPr>
+        <p:style>
+          <a:lnRef idx="1">
+            <a:schemeClr val="dk1"/>
+          </a:lnRef>
+          <a:fillRef idx="2">
+            <a:schemeClr val="dk1"/>
+          </a:fillRef>
+          <a:effectRef idx="1">
+            <a:schemeClr val="dk1"/>
+          </a:effectRef>
+          <a:fontRef idx="minor">
+            <a:schemeClr val="dk1"/>
+          </a:fontRef>
+        </p:style>
+        <p:txBody>
+          <a:bodyPr wrap="square" rtlCol="0">
+            <a:spAutoFit/>
+          </a:bodyPr>
+          <a:lstStyle/>
+          <a:p>
+            <a:pPr algn="ctr"/>
+            <a:r>
+              <a:rPr lang="de-DE" dirty="0" smtClean="0"/>
+              <a:t>Player</a:t>
+            </a:r>
+            <a:endParaRPr lang="de-DE" dirty="0"/>
+          </a:p>
+        </p:txBody>
+      </p:sp>
+      <p:sp>
+        <p:nvSpPr>
+          <p:cNvPr id="8" name="Textfeld 7"/>
+          <p:cNvSpPr txBox="1"/>
+          <p:nvPr/>
+        </p:nvSpPr>
+        <p:spPr>
+          <a:xfrm>
+            <a:off x="6012160" y="1546477"/>
+            <a:ext cx="1368152" cy="369332"/>
+          </a:xfrm>
+          <a:prstGeom prst="rect">
+            <a:avLst/>
+          </a:prstGeom>
+        </p:spPr>
+        <p:style>
+          <a:lnRef idx="2">
+            <a:schemeClr val="accent6">
+              <a:shade val="50000"/>
+            </a:schemeClr>
+          </a:lnRef>
+          <a:fillRef idx="1">
+            <a:schemeClr val="accent6"/>
+          </a:fillRef>
+          <a:effectRef idx="0">
+            <a:schemeClr val="accent6"/>
+          </a:effectRef>
+          <a:fontRef idx="minor">
+            <a:schemeClr val="lt1"/>
+          </a:fontRef>
+        </p:style>
+        <p:txBody>
+          <a:bodyPr wrap="square" rtlCol="0">
+            <a:spAutoFit/>
+          </a:bodyPr>
+          <a:lstStyle/>
+          <a:p>
+            <a:pPr algn="ctr"/>
+            <a:r>
+              <a:rPr lang="de-DE" dirty="0" smtClean="0"/>
+              <a:t>Paddle</a:t>
+            </a:r>
+            <a:endParaRPr lang="de-DE" dirty="0"/>
+          </a:p>
+        </p:txBody>
+      </p:sp>
+      <p:sp>
+        <p:nvSpPr>
+          <p:cNvPr id="9" name="Textfeld 8"/>
+          <p:cNvSpPr txBox="1"/>
+          <p:nvPr/>
+        </p:nvSpPr>
+        <p:spPr>
+          <a:xfrm>
+            <a:off x="6012160" y="2111117"/>
+            <a:ext cx="1368152" cy="369332"/>
+          </a:xfrm>
+          <a:prstGeom prst="rect">
+            <a:avLst/>
+          </a:prstGeom>
+        </p:spPr>
+        <p:style>
+          <a:lnRef idx="1">
+            <a:schemeClr val="accent3"/>
+          </a:lnRef>
+          <a:fillRef idx="2">
+            <a:schemeClr val="accent3"/>
+          </a:fillRef>
+          <a:effectRef idx="1">
+            <a:schemeClr val="accent3"/>
+          </a:effectRef>
+          <a:fontRef idx="minor">
+            <a:schemeClr val="dk1"/>
+          </a:fontRef>
+        </p:style>
+        <p:txBody>
+          <a:bodyPr wrap="square" rtlCol="0">
+            <a:spAutoFit/>
+          </a:bodyPr>
+          <a:lstStyle/>
+          <a:p>
+            <a:pPr algn="ctr"/>
+            <a:r>
+              <a:rPr lang="de-DE" dirty="0" err="1" smtClean="0"/>
+              <a:t>HitArea</a:t>
+            </a:r>
+            <a:endParaRPr lang="de-DE" dirty="0"/>
+          </a:p>
+        </p:txBody>
+      </p:sp>
+      <p:cxnSp>
+        <p:nvCxnSpPr>
+          <p:cNvPr id="11" name="Gerade Verbindung mit Pfeil 10"/>
+          <p:cNvCxnSpPr>
+            <a:stCxn id="6" idx="3"/>
+            <a:endCxn id="8" idx="1"/>
+          </p:cNvCxnSpPr>
+          <p:nvPr/>
+        </p:nvCxnSpPr>
+        <p:spPr>
+          <a:xfrm flipV="1">
+            <a:off x="5796136" y="1731143"/>
+            <a:ext cx="216024" cy="265448"/>
+          </a:xfrm>
+          <a:prstGeom prst="straightConnector1">
+            <a:avLst/>
+          </a:prstGeom>
+          <a:ln>
+            <a:solidFill>
+              <a:schemeClr val="bg1"/>
+            </a:solidFill>
+            <a:tailEnd type="arrow"/>
+          </a:ln>
+        </p:spPr>
+        <p:style>
+          <a:lnRef idx="2">
+            <a:schemeClr val="accent1"/>
+          </a:lnRef>
+          <a:fillRef idx="0">
+            <a:schemeClr val="accent1"/>
+          </a:fillRef>
+          <a:effectRef idx="1">
+            <a:schemeClr val="accent1"/>
+          </a:effectRef>
+          <a:fontRef idx="minor">
+            <a:schemeClr val="tx1"/>
+          </a:fontRef>
+        </p:style>
+      </p:cxnSp>
+      <p:cxnSp>
+        <p:nvCxnSpPr>
+          <p:cNvPr id="13" name="Gerade Verbindung mit Pfeil 12"/>
+          <p:cNvCxnSpPr>
+            <a:stCxn id="6" idx="3"/>
+            <a:endCxn id="9" idx="1"/>
+          </p:cNvCxnSpPr>
+          <p:nvPr/>
+        </p:nvCxnSpPr>
+        <p:spPr>
+          <a:xfrm>
+            <a:off x="5796136" y="1996591"/>
+            <a:ext cx="216024" cy="299192"/>
+          </a:xfrm>
+          <a:prstGeom prst="straightConnector1">
+            <a:avLst/>
+          </a:prstGeom>
+          <a:ln>
+            <a:solidFill>
+              <a:schemeClr val="bg1"/>
+            </a:solidFill>
+            <a:tailEnd type="arrow"/>
+          </a:ln>
+        </p:spPr>
+        <p:style>
+          <a:lnRef idx="2">
+            <a:schemeClr val="accent1"/>
+          </a:lnRef>
+          <a:fillRef idx="0">
+            <a:schemeClr val="accent1"/>
+          </a:fillRef>
+          <a:effectRef idx="1">
+            <a:schemeClr val="accent1"/>
+          </a:effectRef>
+          <a:fontRef idx="minor">
+            <a:schemeClr val="tx1"/>
+          </a:fontRef>
+        </p:style>
+      </p:cxnSp>
+      <p:sp>
+        <p:nvSpPr>
+          <p:cNvPr id="21" name="Textfeld 20"/>
+          <p:cNvSpPr txBox="1"/>
+          <p:nvPr/>
+        </p:nvSpPr>
+        <p:spPr>
+          <a:xfrm>
+            <a:off x="7308304" y="1368895"/>
+            <a:ext cx="1584176" cy="307777"/>
+          </a:xfrm>
+          <a:prstGeom prst="rect">
+            <a:avLst/>
+          </a:prstGeom>
+        </p:spPr>
+        <p:style>
+          <a:lnRef idx="1">
+            <a:schemeClr val="accent3"/>
+          </a:lnRef>
+          <a:fillRef idx="2">
+            <a:schemeClr val="accent3"/>
+          </a:fillRef>
+          <a:effectRef idx="1">
+            <a:schemeClr val="accent3"/>
+          </a:effectRef>
+          <a:fontRef idx="minor">
+            <a:schemeClr val="dk1"/>
+          </a:fontRef>
+        </p:style>
+        <p:txBody>
+          <a:bodyPr wrap="square" rtlCol="0">
+            <a:spAutoFit/>
+          </a:bodyPr>
+          <a:lstStyle/>
+          <a:p>
+            <a:pPr algn="ctr"/>
+            <a:r>
+              <a:rPr lang="de-DE" sz="1400" dirty="0" err="1" smtClean="0"/>
+              <a:t>PaddleReflectRule</a:t>
+            </a:r>
+            <a:endParaRPr lang="de-DE" sz="1200" dirty="0"/>
+          </a:p>
+        </p:txBody>
+      </p:sp>
+      <p:sp>
+        <p:nvSpPr>
+          <p:cNvPr id="23" name="Textfeld 22"/>
+          <p:cNvSpPr txBox="1"/>
+          <p:nvPr/>
+        </p:nvSpPr>
+        <p:spPr>
+          <a:xfrm>
+            <a:off x="7308304" y="2027368"/>
+            <a:ext cx="1584176" cy="307777"/>
+          </a:xfrm>
+          <a:prstGeom prst="rect">
+            <a:avLst/>
+          </a:prstGeom>
+        </p:spPr>
+        <p:style>
+          <a:lnRef idx="1">
+            <a:schemeClr val="accent3"/>
+          </a:lnRef>
+          <a:fillRef idx="2">
+            <a:schemeClr val="accent3"/>
+          </a:fillRef>
+          <a:effectRef idx="1">
+            <a:schemeClr val="accent3"/>
+          </a:effectRef>
+          <a:fontRef idx="minor">
+            <a:schemeClr val="dk1"/>
+          </a:fontRef>
+        </p:style>
+        <p:txBody>
+          <a:bodyPr wrap="square" rtlCol="0">
+            <a:spAutoFit/>
+          </a:bodyPr>
+          <a:lstStyle/>
+          <a:p>
+            <a:pPr algn="ctr"/>
+            <a:r>
+              <a:rPr lang="de-DE" sz="1400" dirty="0" err="1" smtClean="0"/>
+              <a:t>HitAreaReflectRule</a:t>
+            </a:r>
+            <a:endParaRPr lang="de-DE" sz="1200" dirty="0"/>
+          </a:p>
+        </p:txBody>
+      </p:sp>
+      <p:sp>
+        <p:nvSpPr>
+          <p:cNvPr id="24" name="Textfeld 23"/>
+          <p:cNvSpPr txBox="1"/>
+          <p:nvPr/>
+        </p:nvSpPr>
+        <p:spPr>
+          <a:xfrm>
+            <a:off x="4427986" y="3124516"/>
+            <a:ext cx="1368152" cy="369332"/>
+          </a:xfrm>
+          <a:prstGeom prst="rect">
+            <a:avLst/>
+          </a:prstGeom>
+        </p:spPr>
+        <p:style>
+          <a:lnRef idx="1">
+            <a:schemeClr val="dk1"/>
+          </a:lnRef>
+          <a:fillRef idx="2">
+            <a:schemeClr val="dk1"/>
+          </a:fillRef>
+          <a:effectRef idx="1">
+            <a:schemeClr val="dk1"/>
+          </a:effectRef>
+          <a:fontRef idx="minor">
+            <a:schemeClr val="dk1"/>
+          </a:fontRef>
+        </p:style>
+        <p:txBody>
+          <a:bodyPr wrap="square" rtlCol="0">
+            <a:spAutoFit/>
+          </a:bodyPr>
+          <a:lstStyle/>
+          <a:p>
+            <a:pPr algn="ctr"/>
+            <a:r>
+              <a:rPr lang="de-DE" dirty="0" smtClean="0"/>
+              <a:t>Player</a:t>
+            </a:r>
+            <a:endParaRPr lang="de-DE" dirty="0"/>
+          </a:p>
+        </p:txBody>
+      </p:sp>
+      <p:sp>
+        <p:nvSpPr>
+          <p:cNvPr id="25" name="Textfeld 24"/>
+          <p:cNvSpPr txBox="1"/>
+          <p:nvPr/>
+        </p:nvSpPr>
+        <p:spPr>
+          <a:xfrm>
+            <a:off x="6012162" y="2859068"/>
+            <a:ext cx="1368152" cy="369332"/>
+          </a:xfrm>
+          <a:prstGeom prst="rect">
+            <a:avLst/>
+          </a:prstGeom>
+        </p:spPr>
+        <p:style>
+          <a:lnRef idx="1">
+            <a:schemeClr val="accent3"/>
+          </a:lnRef>
+          <a:fillRef idx="2">
+            <a:schemeClr val="accent3"/>
+          </a:fillRef>
+          <a:effectRef idx="1">
+            <a:schemeClr val="accent3"/>
+          </a:effectRef>
+          <a:fontRef idx="minor">
+            <a:schemeClr val="dk1"/>
+          </a:fontRef>
+        </p:style>
+        <p:txBody>
+          <a:bodyPr wrap="square" rtlCol="0">
+            <a:spAutoFit/>
+          </a:bodyPr>
+          <a:lstStyle/>
+          <a:p>
+            <a:pPr algn="ctr"/>
+            <a:r>
+              <a:rPr lang="de-DE" dirty="0" smtClean="0"/>
+              <a:t>Paddle</a:t>
+            </a:r>
+            <a:endParaRPr lang="de-DE" dirty="0"/>
+          </a:p>
+        </p:txBody>
+      </p:sp>
+      <p:sp>
+        <p:nvSpPr>
+          <p:cNvPr id="26" name="Textfeld 25"/>
+          <p:cNvSpPr txBox="1"/>
+          <p:nvPr/>
+        </p:nvSpPr>
+        <p:spPr>
+          <a:xfrm>
+            <a:off x="6012162" y="3423708"/>
+            <a:ext cx="1368152" cy="369332"/>
+          </a:xfrm>
+          <a:prstGeom prst="rect">
+            <a:avLst/>
+          </a:prstGeom>
+        </p:spPr>
+        <p:style>
+          <a:lnRef idx="1">
+            <a:schemeClr val="accent3"/>
+          </a:lnRef>
+          <a:fillRef idx="2">
+            <a:schemeClr val="accent3"/>
+          </a:fillRef>
+          <a:effectRef idx="1">
+            <a:schemeClr val="accent3"/>
+          </a:effectRef>
+          <a:fontRef idx="minor">
+            <a:schemeClr val="dk1"/>
+          </a:fontRef>
+        </p:style>
+        <p:txBody>
+          <a:bodyPr wrap="square" rtlCol="0">
+            <a:spAutoFit/>
+          </a:bodyPr>
+          <a:lstStyle/>
+          <a:p>
+            <a:pPr algn="ctr"/>
+            <a:r>
+              <a:rPr lang="de-DE" dirty="0" err="1" smtClean="0"/>
+              <a:t>HitArea</a:t>
+            </a:r>
+            <a:endParaRPr lang="de-DE" dirty="0"/>
+          </a:p>
+        </p:txBody>
+      </p:sp>
+      <p:cxnSp>
+        <p:nvCxnSpPr>
+          <p:cNvPr id="27" name="Gerade Verbindung mit Pfeil 26"/>
+          <p:cNvCxnSpPr>
+            <a:stCxn id="24" idx="3"/>
+            <a:endCxn id="25" idx="1"/>
+          </p:cNvCxnSpPr>
+          <p:nvPr/>
+        </p:nvCxnSpPr>
+        <p:spPr>
+          <a:xfrm flipV="1">
+            <a:off x="5796138" y="3043734"/>
+            <a:ext cx="216024" cy="265448"/>
+          </a:xfrm>
+          <a:prstGeom prst="straightConnector1">
+            <a:avLst/>
+          </a:prstGeom>
+          <a:ln>
+            <a:solidFill>
+              <a:schemeClr val="bg1"/>
+            </a:solidFill>
+            <a:tailEnd type="arrow"/>
+          </a:ln>
+        </p:spPr>
+        <p:style>
+          <a:lnRef idx="2">
+            <a:schemeClr val="accent1"/>
+          </a:lnRef>
+          <a:fillRef idx="0">
+            <a:schemeClr val="accent1"/>
+          </a:fillRef>
+          <a:effectRef idx="1">
+            <a:schemeClr val="accent1"/>
+          </a:effectRef>
+          <a:fontRef idx="minor">
+            <a:schemeClr val="tx1"/>
+          </a:fontRef>
+        </p:style>
+      </p:cxnSp>
+      <p:cxnSp>
+        <p:nvCxnSpPr>
+          <p:cNvPr id="28" name="Gerade Verbindung mit Pfeil 27"/>
+          <p:cNvCxnSpPr>
+            <a:stCxn id="24" idx="3"/>
+            <a:endCxn id="26" idx="1"/>
+          </p:cNvCxnSpPr>
+          <p:nvPr/>
+        </p:nvCxnSpPr>
+        <p:spPr>
+          <a:xfrm>
+            <a:off x="5796138" y="3309182"/>
+            <a:ext cx="216024" cy="299192"/>
+          </a:xfrm>
+          <a:prstGeom prst="straightConnector1">
+            <a:avLst/>
+          </a:prstGeom>
+          <a:ln>
+            <a:solidFill>
+              <a:schemeClr val="bg1"/>
+            </a:solidFill>
+            <a:tailEnd type="arrow"/>
+          </a:ln>
+        </p:spPr>
+        <p:style>
+          <a:lnRef idx="2">
+            <a:schemeClr val="accent1"/>
+          </a:lnRef>
+          <a:fillRef idx="0">
+            <a:schemeClr val="accent1"/>
+          </a:fillRef>
+          <a:effectRef idx="1">
+            <a:schemeClr val="accent1"/>
+          </a:effectRef>
+          <a:fontRef idx="minor">
+            <a:schemeClr val="tx1"/>
+          </a:fontRef>
+        </p:style>
+      </p:cxnSp>
+      <p:sp>
+        <p:nvSpPr>
+          <p:cNvPr id="29" name="Textfeld 28"/>
+          <p:cNvSpPr txBox="1"/>
+          <p:nvPr/>
+        </p:nvSpPr>
+        <p:spPr>
+          <a:xfrm>
+            <a:off x="7308306" y="2681486"/>
+            <a:ext cx="1584176" cy="307777"/>
+          </a:xfrm>
+          <a:prstGeom prst="rect">
+            <a:avLst/>
+          </a:prstGeom>
+        </p:spPr>
+        <p:style>
+          <a:lnRef idx="1">
+            <a:schemeClr val="accent3"/>
+          </a:lnRef>
+          <a:fillRef idx="2">
+            <a:schemeClr val="accent3"/>
+          </a:fillRef>
+          <a:effectRef idx="1">
+            <a:schemeClr val="accent3"/>
+          </a:effectRef>
+          <a:fontRef idx="minor">
+            <a:schemeClr val="dk1"/>
+          </a:fontRef>
+        </p:style>
+        <p:txBody>
+          <a:bodyPr wrap="square" rtlCol="0">
+            <a:spAutoFit/>
+          </a:bodyPr>
+          <a:lstStyle/>
+          <a:p>
+            <a:pPr algn="ctr"/>
+            <a:r>
+              <a:rPr lang="de-DE" sz="1400" dirty="0" err="1" smtClean="0"/>
+              <a:t>PaddleReflectRule</a:t>
+            </a:r>
+            <a:endParaRPr lang="de-DE" sz="1200" dirty="0"/>
+          </a:p>
+        </p:txBody>
+      </p:sp>
+      <p:sp>
+        <p:nvSpPr>
+          <p:cNvPr id="30" name="Textfeld 29"/>
+          <p:cNvSpPr txBox="1"/>
+          <p:nvPr/>
+        </p:nvSpPr>
+        <p:spPr>
+          <a:xfrm>
+            <a:off x="7308306" y="3339959"/>
+            <a:ext cx="1584176" cy="307777"/>
+          </a:xfrm>
+          <a:prstGeom prst="rect">
+            <a:avLst/>
+          </a:prstGeom>
+        </p:spPr>
+        <p:style>
+          <a:lnRef idx="1">
+            <a:schemeClr val="accent3"/>
+          </a:lnRef>
+          <a:fillRef idx="2">
+            <a:schemeClr val="accent3"/>
+          </a:fillRef>
+          <a:effectRef idx="1">
+            <a:schemeClr val="accent3"/>
+          </a:effectRef>
+          <a:fontRef idx="minor">
+            <a:schemeClr val="dk1"/>
+          </a:fontRef>
+        </p:style>
+        <p:txBody>
+          <a:bodyPr wrap="square" rtlCol="0">
+            <a:spAutoFit/>
+          </a:bodyPr>
+          <a:lstStyle/>
+          <a:p>
+            <a:pPr algn="ctr"/>
+            <a:r>
+              <a:rPr lang="de-DE" sz="1400" dirty="0" err="1" smtClean="0"/>
+              <a:t>HitAreaReflectRule</a:t>
+            </a:r>
+            <a:endParaRPr lang="de-DE" sz="1200" dirty="0"/>
+          </a:p>
+        </p:txBody>
+      </p:sp>
+      <p:sp>
+        <p:nvSpPr>
+          <p:cNvPr id="32" name="Textfeld 31"/>
+          <p:cNvSpPr txBox="1"/>
+          <p:nvPr/>
+        </p:nvSpPr>
+        <p:spPr>
+          <a:xfrm>
+            <a:off x="4513312" y="4536990"/>
+            <a:ext cx="1368152" cy="369332"/>
+          </a:xfrm>
+          <a:prstGeom prst="rect">
+            <a:avLst/>
+          </a:prstGeom>
+          <a:ln/>
+        </p:spPr>
+        <p:style>
+          <a:lnRef idx="2">
+            <a:schemeClr val="accent6">
+              <a:shade val="50000"/>
+            </a:schemeClr>
+          </a:lnRef>
+          <a:fillRef idx="1">
+            <a:schemeClr val="accent6"/>
+          </a:fillRef>
+          <a:effectRef idx="0">
+            <a:schemeClr val="accent6"/>
+          </a:effectRef>
+          <a:fontRef idx="minor">
+            <a:schemeClr val="lt1"/>
+          </a:fontRef>
+        </p:style>
+        <p:txBody>
+          <a:bodyPr wrap="square" rtlCol="0">
+            <a:spAutoFit/>
+          </a:bodyPr>
+          <a:lstStyle/>
+          <a:p>
+            <a:pPr algn="ctr"/>
+            <a:r>
+              <a:rPr lang="de-DE" dirty="0" smtClean="0"/>
+              <a:t>Ball</a:t>
+            </a:r>
+            <a:endParaRPr lang="de-DE" dirty="0"/>
+          </a:p>
+        </p:txBody>
+      </p:sp>
+      <p:sp>
+        <p:nvSpPr>
+          <p:cNvPr id="33" name="Textfeld 32"/>
+          <p:cNvSpPr txBox="1"/>
+          <p:nvPr/>
+        </p:nvSpPr>
+        <p:spPr>
+          <a:xfrm>
+            <a:off x="5798122" y="4383101"/>
+            <a:ext cx="1584176" cy="307777"/>
+          </a:xfrm>
+          <a:prstGeom prst="rect">
+            <a:avLst/>
+          </a:prstGeom>
+        </p:spPr>
+        <p:style>
+          <a:lnRef idx="1">
+            <a:schemeClr val="accent3"/>
+          </a:lnRef>
+          <a:fillRef idx="2">
+            <a:schemeClr val="accent3"/>
+          </a:fillRef>
+          <a:effectRef idx="1">
+            <a:schemeClr val="accent3"/>
+          </a:effectRef>
+          <a:fontRef idx="minor">
+            <a:schemeClr val="dk1"/>
+          </a:fontRef>
+        </p:style>
+        <p:txBody>
+          <a:bodyPr wrap="square" rtlCol="0">
+            <a:spAutoFit/>
+          </a:bodyPr>
+          <a:lstStyle/>
+          <a:p>
+            <a:pPr algn="ctr"/>
+            <a:r>
+              <a:rPr lang="de-DE" sz="1400" dirty="0" err="1" smtClean="0"/>
+              <a:t>PlayTickRule</a:t>
+            </a:r>
+            <a:endParaRPr lang="de-DE" sz="1200" dirty="0"/>
+          </a:p>
+        </p:txBody>
+      </p:sp>
+      <p:sp>
+        <p:nvSpPr>
+          <p:cNvPr id="34" name="Textfeld 33"/>
+          <p:cNvSpPr txBox="1"/>
+          <p:nvPr/>
+        </p:nvSpPr>
+        <p:spPr>
+          <a:xfrm>
+            <a:off x="5796136" y="4752433"/>
+            <a:ext cx="1584176" cy="307777"/>
+          </a:xfrm>
+          <a:prstGeom prst="rect">
+            <a:avLst/>
+          </a:prstGeom>
+        </p:spPr>
+        <p:style>
+          <a:lnRef idx="1">
+            <a:schemeClr val="accent3"/>
+          </a:lnRef>
+          <a:fillRef idx="2">
+            <a:schemeClr val="accent3"/>
+          </a:fillRef>
+          <a:effectRef idx="1">
+            <a:schemeClr val="accent3"/>
+          </a:effectRef>
+          <a:fontRef idx="minor">
+            <a:schemeClr val="dk1"/>
+          </a:fontRef>
+        </p:style>
+        <p:txBody>
+          <a:bodyPr wrap="square" rtlCol="0">
+            <a:spAutoFit/>
+          </a:bodyPr>
+          <a:lstStyle/>
+          <a:p>
+            <a:pPr algn="ctr"/>
+            <a:r>
+              <a:rPr lang="de-DE" sz="1400" dirty="0" err="1" smtClean="0"/>
+              <a:t>IncreaseSpeedRule</a:t>
+            </a:r>
+            <a:endParaRPr lang="de-DE" sz="1200" dirty="0"/>
+          </a:p>
+        </p:txBody>
+      </p:sp>
+      <p:sp>
+        <p:nvSpPr>
+          <p:cNvPr id="31" name="Textfeld 30"/>
+          <p:cNvSpPr txBox="1"/>
+          <p:nvPr/>
+        </p:nvSpPr>
+        <p:spPr>
+          <a:xfrm>
+            <a:off x="323528" y="6309320"/>
+            <a:ext cx="2880320" cy="369332"/>
+          </a:xfrm>
+          <a:prstGeom prst="rect">
+            <a:avLst/>
+          </a:prstGeom>
+          <a:ln/>
+        </p:spPr>
+        <p:style>
+          <a:lnRef idx="2">
+            <a:schemeClr val="accent6">
+              <a:shade val="50000"/>
+            </a:schemeClr>
+          </a:lnRef>
+          <a:fillRef idx="1">
+            <a:schemeClr val="accent6"/>
+          </a:fillRef>
+          <a:effectRef idx="0">
+            <a:schemeClr val="accent6"/>
+          </a:effectRef>
+          <a:fontRef idx="minor">
+            <a:schemeClr val="lt1"/>
+          </a:fontRef>
+        </p:style>
+        <p:txBody>
+          <a:bodyPr wrap="square" rtlCol="0">
+            <a:spAutoFit/>
+          </a:bodyPr>
+          <a:lstStyle/>
+          <a:p>
+            <a:pPr algn="ctr"/>
+            <a:r>
+              <a:rPr lang="de-DE" dirty="0" smtClean="0"/>
+              <a:t>Kollidierende Elemente</a:t>
+            </a:r>
+            <a:endParaRPr lang="de-DE" dirty="0"/>
+          </a:p>
+        </p:txBody>
+      </p:sp>
+      <p:sp>
+        <p:nvSpPr>
+          <p:cNvPr id="4" name="Foliennummernplatzhalter 3"/>
+          <p:cNvSpPr>
+            <a:spLocks noGrp="1"/>
+          </p:cNvSpPr>
+          <p:nvPr>
+            <p:ph type="sldNum" sz="quarter" idx="12"/>
+          </p:nvPr>
+        </p:nvSpPr>
+        <p:spPr/>
+        <p:txBody>
+          <a:bodyPr/>
+          <a:lstStyle/>
+          <a:p>
+            <a:fld id="{4FACE48E-4A67-48DB-AD36-251A6BBFC9D3}" type="slidenum">
+              <a:rPr lang="de-AT" smtClean="0"/>
+              <a:t>13</a:t>
+            </a:fld>
+            <a:endParaRPr lang="de-AT"/>
+          </a:p>
+        </p:txBody>
+      </p:sp>
+    </p:spTree>
+    <p:extLst>
+      <p:ext uri="{BB962C8B-B14F-4D97-AF65-F5344CB8AC3E}">
+        <p14:creationId xmlns:p14="http://schemas.microsoft.com/office/powerpoint/2010/main" val="3629394795"/>
+      </p:ext>
+    </p:extLst>
+  </p:cSld>
+  <p:clrMapOvr>
+    <a:masterClrMapping/>
+  </p:clrMapOvr>
+  <p:timing>
+    <p:tnLst>
+      <p:par>
+        <p:cTn id="1" dur="indefinite" restart="never" nodeType="tmRoot"/>
+      </p:par>
+    </p:tnLst>
+  </p:timing>
+</p:sld>
+</file>
+
+<file path=ppt/slides/slide14.xml><?xml version="1.0" encoding="utf-8"?>
+<p:sld xmlns:a="http://schemas.openxmlformats.org/drawingml/2006/main" xmlns:r="http://schemas.openxmlformats.org/officeDocument/2006/relationships" xmlns:p="http://schemas.openxmlformats.org/presentationml/2006/main">
+  <p:cSld>
+    <p:spTree>
+      <p:nvGrpSpPr>
+        <p:cNvPr id="1" name=""/>
+        <p:cNvGrpSpPr/>
+        <p:nvPr/>
+      </p:nvGrpSpPr>
+      <p:grpSpPr>
+        <a:xfrm>
+          <a:off x="0" y="0"/>
+          <a:ext cx="0" cy="0"/>
+          <a:chOff x="0" y="0"/>
+          <a:chExt cx="0" cy="0"/>
+        </a:xfrm>
+      </p:grpSpPr>
+      <p:sp>
+        <p:nvSpPr>
+          <p:cNvPr id="2" name="Titel 1"/>
+          <p:cNvSpPr>
+            <a:spLocks noGrp="1"/>
+          </p:cNvSpPr>
+          <p:nvPr>
+            <p:ph type="title"/>
+          </p:nvPr>
+        </p:nvSpPr>
+        <p:spPr/>
+        <p:txBody>
+          <a:bodyPr/>
+          <a:lstStyle/>
+          <a:p>
+            <a:r>
+              <a:rPr lang="de-AT" dirty="0" smtClean="0"/>
+              <a:t>Kollisionsregeln</a:t>
+            </a:r>
+            <a:endParaRPr lang="de-AT" dirty="0"/>
+          </a:p>
+        </p:txBody>
+      </p:sp>
+      <p:sp>
+        <p:nvSpPr>
+          <p:cNvPr id="3" name="Inhaltsplatzhalter 2"/>
+          <p:cNvSpPr>
+            <a:spLocks noGrp="1"/>
+          </p:cNvSpPr>
+          <p:nvPr>
+            <p:ph idx="1"/>
+          </p:nvPr>
+        </p:nvSpPr>
+        <p:spPr>
+          <a:xfrm>
+            <a:off x="4572000" y="1600200"/>
+            <a:ext cx="4114800" cy="4525963"/>
+          </a:xfrm>
+        </p:spPr>
+        <p:txBody>
+          <a:bodyPr/>
+          <a:lstStyle/>
+          <a:p>
+            <a:pPr marL="0" indent="0">
+              <a:buNone/>
+            </a:pPr>
+            <a:r>
+              <a:rPr lang="de-AT" u="sng" dirty="0" smtClean="0"/>
+              <a:t> </a:t>
+            </a:r>
+            <a:endParaRPr lang="de-AT" u="sng" dirty="0"/>
+          </a:p>
+        </p:txBody>
+      </p:sp>
+      <p:pic>
+        <p:nvPicPr>
+          <p:cNvPr id="5" name="Inhaltsplatzhalter 3"/>
+          <p:cNvPicPr>
+            <a:picLocks noChangeAspect="1"/>
+          </p:cNvPicPr>
+          <p:nvPr/>
+        </p:nvPicPr>
+        <p:blipFill>
+          <a:blip r:embed="rId3">
+            <a:extLst>
+              <a:ext uri="{28A0092B-C50C-407E-A947-70E740481C1C}">
+                <a14:useLocalDpi xmlns:a14="http://schemas.microsoft.com/office/drawing/2010/main" val="0"/>
+              </a:ext>
+            </a:extLst>
+          </a:blip>
+          <a:stretch>
+            <a:fillRect/>
+          </a:stretch>
+        </p:blipFill>
+        <p:spPr>
+          <a:xfrm>
+            <a:off x="179512" y="1751748"/>
+            <a:ext cx="4114799" cy="4222864"/>
+          </a:xfrm>
+          <a:prstGeom prst="rect">
+            <a:avLst/>
+          </a:prstGeom>
+        </p:spPr>
+      </p:pic>
+      <p:sp>
+        <p:nvSpPr>
+          <p:cNvPr id="6" name="Textfeld 5"/>
+          <p:cNvSpPr txBox="1"/>
+          <p:nvPr/>
+        </p:nvSpPr>
+        <p:spPr>
+          <a:xfrm>
+            <a:off x="4427984" y="1811925"/>
+            <a:ext cx="1368152" cy="369332"/>
+          </a:xfrm>
+          <a:prstGeom prst="rect">
+            <a:avLst/>
+          </a:prstGeom>
+        </p:spPr>
+        <p:style>
+          <a:lnRef idx="1">
+            <a:schemeClr val="dk1"/>
+          </a:lnRef>
+          <a:fillRef idx="2">
+            <a:schemeClr val="dk1"/>
+          </a:fillRef>
+          <a:effectRef idx="1">
+            <a:schemeClr val="dk1"/>
+          </a:effectRef>
+          <a:fontRef idx="minor">
+            <a:schemeClr val="dk1"/>
+          </a:fontRef>
+        </p:style>
+        <p:txBody>
+          <a:bodyPr wrap="square" rtlCol="0">
+            <a:spAutoFit/>
+          </a:bodyPr>
+          <a:lstStyle/>
+          <a:p>
+            <a:pPr algn="ctr"/>
+            <a:r>
+              <a:rPr lang="de-DE" dirty="0" smtClean="0"/>
+              <a:t>Player</a:t>
+            </a:r>
+            <a:endParaRPr lang="de-DE" dirty="0"/>
+          </a:p>
+        </p:txBody>
+      </p:sp>
+      <p:sp>
+        <p:nvSpPr>
+          <p:cNvPr id="8" name="Textfeld 7"/>
+          <p:cNvSpPr txBox="1"/>
+          <p:nvPr/>
+        </p:nvSpPr>
+        <p:spPr>
+          <a:xfrm>
+            <a:off x="6012160" y="1546477"/>
+            <a:ext cx="1368152" cy="369332"/>
+          </a:xfrm>
+          <a:prstGeom prst="rect">
+            <a:avLst/>
+          </a:prstGeom>
+        </p:spPr>
+        <p:style>
+          <a:lnRef idx="2">
+            <a:schemeClr val="accent6">
+              <a:shade val="50000"/>
+            </a:schemeClr>
+          </a:lnRef>
+          <a:fillRef idx="1">
+            <a:schemeClr val="accent6"/>
+          </a:fillRef>
+          <a:effectRef idx="0">
+            <a:schemeClr val="accent6"/>
+          </a:effectRef>
+          <a:fontRef idx="minor">
+            <a:schemeClr val="lt1"/>
+          </a:fontRef>
+        </p:style>
+        <p:txBody>
+          <a:bodyPr wrap="square" rtlCol="0">
+            <a:spAutoFit/>
+          </a:bodyPr>
+          <a:lstStyle/>
+          <a:p>
+            <a:pPr algn="ctr"/>
+            <a:r>
+              <a:rPr lang="de-DE" dirty="0" smtClean="0"/>
+              <a:t>Paddle</a:t>
+            </a:r>
+            <a:endParaRPr lang="de-DE" dirty="0"/>
+          </a:p>
+        </p:txBody>
+      </p:sp>
+      <p:sp>
+        <p:nvSpPr>
+          <p:cNvPr id="9" name="Textfeld 8"/>
+          <p:cNvSpPr txBox="1"/>
+          <p:nvPr/>
+        </p:nvSpPr>
+        <p:spPr>
+          <a:xfrm>
+            <a:off x="6012160" y="2111117"/>
+            <a:ext cx="1368152" cy="369332"/>
+          </a:xfrm>
+          <a:prstGeom prst="rect">
+            <a:avLst/>
+          </a:prstGeom>
+        </p:spPr>
+        <p:style>
+          <a:lnRef idx="1">
+            <a:schemeClr val="accent3"/>
+          </a:lnRef>
+          <a:fillRef idx="2">
+            <a:schemeClr val="accent3"/>
+          </a:fillRef>
+          <a:effectRef idx="1">
+            <a:schemeClr val="accent3"/>
+          </a:effectRef>
+          <a:fontRef idx="minor">
+            <a:schemeClr val="dk1"/>
+          </a:fontRef>
+        </p:style>
+        <p:txBody>
+          <a:bodyPr wrap="square" rtlCol="0">
+            <a:spAutoFit/>
+          </a:bodyPr>
+          <a:lstStyle/>
+          <a:p>
+            <a:pPr algn="ctr"/>
+            <a:r>
+              <a:rPr lang="de-DE" dirty="0" err="1" smtClean="0"/>
+              <a:t>HitArea</a:t>
+            </a:r>
+            <a:endParaRPr lang="de-DE" dirty="0"/>
+          </a:p>
+        </p:txBody>
+      </p:sp>
+      <p:cxnSp>
+        <p:nvCxnSpPr>
+          <p:cNvPr id="11" name="Gerade Verbindung mit Pfeil 10"/>
+          <p:cNvCxnSpPr>
+            <a:stCxn id="6" idx="3"/>
+            <a:endCxn id="8" idx="1"/>
+          </p:cNvCxnSpPr>
+          <p:nvPr/>
+        </p:nvCxnSpPr>
+        <p:spPr>
+          <a:xfrm flipV="1">
+            <a:off x="5796136" y="1731143"/>
+            <a:ext cx="216024" cy="265448"/>
+          </a:xfrm>
+          <a:prstGeom prst="straightConnector1">
+            <a:avLst/>
+          </a:prstGeom>
+          <a:ln>
+            <a:solidFill>
+              <a:schemeClr val="bg1"/>
+            </a:solidFill>
+            <a:tailEnd type="arrow"/>
+          </a:ln>
+        </p:spPr>
+        <p:style>
+          <a:lnRef idx="2">
+            <a:schemeClr val="accent1"/>
+          </a:lnRef>
+          <a:fillRef idx="0">
+            <a:schemeClr val="accent1"/>
+          </a:fillRef>
+          <a:effectRef idx="1">
+            <a:schemeClr val="accent1"/>
+          </a:effectRef>
+          <a:fontRef idx="minor">
+            <a:schemeClr val="tx1"/>
+          </a:fontRef>
+        </p:style>
+      </p:cxnSp>
+      <p:cxnSp>
+        <p:nvCxnSpPr>
+          <p:cNvPr id="13" name="Gerade Verbindung mit Pfeil 12"/>
+          <p:cNvCxnSpPr>
+            <a:stCxn id="6" idx="3"/>
+            <a:endCxn id="9" idx="1"/>
+          </p:cNvCxnSpPr>
+          <p:nvPr/>
+        </p:nvCxnSpPr>
+        <p:spPr>
+          <a:xfrm>
+            <a:off x="5796136" y="1996591"/>
+            <a:ext cx="216024" cy="299192"/>
+          </a:xfrm>
+          <a:prstGeom prst="straightConnector1">
+            <a:avLst/>
+          </a:prstGeom>
+          <a:ln>
+            <a:solidFill>
+              <a:schemeClr val="bg1"/>
+            </a:solidFill>
+            <a:tailEnd type="arrow"/>
+          </a:ln>
+        </p:spPr>
+        <p:style>
+          <a:lnRef idx="2">
+            <a:schemeClr val="accent1"/>
+          </a:lnRef>
+          <a:fillRef idx="0">
+            <a:schemeClr val="accent1"/>
+          </a:fillRef>
+          <a:effectRef idx="1">
+            <a:schemeClr val="accent1"/>
+          </a:effectRef>
+          <a:fontRef idx="minor">
+            <a:schemeClr val="tx1"/>
+          </a:fontRef>
+        </p:style>
+      </p:cxnSp>
+      <p:sp>
+        <p:nvSpPr>
+          <p:cNvPr id="21" name="Textfeld 20"/>
+          <p:cNvSpPr txBox="1"/>
+          <p:nvPr/>
+        </p:nvSpPr>
+        <p:spPr>
+          <a:xfrm>
+            <a:off x="7308304" y="1368895"/>
+            <a:ext cx="1584176" cy="307777"/>
+          </a:xfrm>
+          <a:prstGeom prst="rect">
+            <a:avLst/>
+          </a:prstGeom>
+        </p:spPr>
+        <p:style>
+          <a:lnRef idx="1">
+            <a:schemeClr val="accent6"/>
+          </a:lnRef>
+          <a:fillRef idx="2">
+            <a:schemeClr val="accent6"/>
+          </a:fillRef>
+          <a:effectRef idx="1">
+            <a:schemeClr val="accent6"/>
+          </a:effectRef>
+          <a:fontRef idx="minor">
+            <a:schemeClr val="dk1"/>
+          </a:fontRef>
+        </p:style>
+        <p:txBody>
+          <a:bodyPr wrap="square" rtlCol="0">
+            <a:spAutoFit/>
+          </a:bodyPr>
+          <a:lstStyle/>
+          <a:p>
+            <a:pPr algn="ctr"/>
+            <a:r>
+              <a:rPr lang="de-DE" sz="1400" dirty="0" err="1" smtClean="0"/>
+              <a:t>PaddleReflectRule</a:t>
+            </a:r>
+            <a:endParaRPr lang="de-DE" sz="1200" dirty="0"/>
+          </a:p>
+        </p:txBody>
+      </p:sp>
+      <p:sp>
+        <p:nvSpPr>
+          <p:cNvPr id="23" name="Textfeld 22"/>
+          <p:cNvSpPr txBox="1"/>
+          <p:nvPr/>
+        </p:nvSpPr>
+        <p:spPr>
+          <a:xfrm>
+            <a:off x="7308304" y="2027368"/>
+            <a:ext cx="1584176" cy="307777"/>
+          </a:xfrm>
+          <a:prstGeom prst="rect">
+            <a:avLst/>
+          </a:prstGeom>
+        </p:spPr>
+        <p:style>
+          <a:lnRef idx="1">
+            <a:schemeClr val="accent3"/>
+          </a:lnRef>
+          <a:fillRef idx="2">
+            <a:schemeClr val="accent3"/>
+          </a:fillRef>
+          <a:effectRef idx="1">
+            <a:schemeClr val="accent3"/>
+          </a:effectRef>
+          <a:fontRef idx="minor">
+            <a:schemeClr val="dk1"/>
+          </a:fontRef>
+        </p:style>
+        <p:txBody>
+          <a:bodyPr wrap="square" rtlCol="0">
+            <a:spAutoFit/>
+          </a:bodyPr>
+          <a:lstStyle/>
+          <a:p>
+            <a:pPr algn="ctr"/>
+            <a:r>
+              <a:rPr lang="de-DE" sz="1400" dirty="0" err="1" smtClean="0"/>
+              <a:t>HitAreaReflectRule</a:t>
+            </a:r>
+            <a:endParaRPr lang="de-DE" sz="1200" dirty="0"/>
+          </a:p>
+        </p:txBody>
+      </p:sp>
+      <p:sp>
+        <p:nvSpPr>
+          <p:cNvPr id="24" name="Textfeld 23"/>
+          <p:cNvSpPr txBox="1"/>
+          <p:nvPr/>
+        </p:nvSpPr>
+        <p:spPr>
+          <a:xfrm>
+            <a:off x="4427986" y="3124516"/>
+            <a:ext cx="1368152" cy="369332"/>
+          </a:xfrm>
+          <a:prstGeom prst="rect">
+            <a:avLst/>
+          </a:prstGeom>
+        </p:spPr>
+        <p:style>
+          <a:lnRef idx="1">
+            <a:schemeClr val="dk1"/>
+          </a:lnRef>
+          <a:fillRef idx="2">
+            <a:schemeClr val="dk1"/>
+          </a:fillRef>
+          <a:effectRef idx="1">
+            <a:schemeClr val="dk1"/>
+          </a:effectRef>
+          <a:fontRef idx="minor">
+            <a:schemeClr val="dk1"/>
+          </a:fontRef>
+        </p:style>
+        <p:txBody>
+          <a:bodyPr wrap="square" rtlCol="0">
+            <a:spAutoFit/>
+          </a:bodyPr>
+          <a:lstStyle/>
+          <a:p>
+            <a:pPr algn="ctr"/>
+            <a:r>
+              <a:rPr lang="de-DE" dirty="0" smtClean="0"/>
+              <a:t>Player</a:t>
+            </a:r>
+            <a:endParaRPr lang="de-DE" dirty="0"/>
+          </a:p>
+        </p:txBody>
+      </p:sp>
+      <p:sp>
+        <p:nvSpPr>
+          <p:cNvPr id="25" name="Textfeld 24"/>
+          <p:cNvSpPr txBox="1"/>
+          <p:nvPr/>
+        </p:nvSpPr>
+        <p:spPr>
+          <a:xfrm>
+            <a:off x="6012162" y="2859068"/>
+            <a:ext cx="1368152" cy="369332"/>
+          </a:xfrm>
+          <a:prstGeom prst="rect">
+            <a:avLst/>
+          </a:prstGeom>
+        </p:spPr>
+        <p:style>
+          <a:lnRef idx="1">
+            <a:schemeClr val="accent3"/>
+          </a:lnRef>
+          <a:fillRef idx="2">
+            <a:schemeClr val="accent3"/>
+          </a:fillRef>
+          <a:effectRef idx="1">
+            <a:schemeClr val="accent3"/>
+          </a:effectRef>
+          <a:fontRef idx="minor">
+            <a:schemeClr val="dk1"/>
+          </a:fontRef>
+        </p:style>
+        <p:txBody>
+          <a:bodyPr wrap="square" rtlCol="0">
+            <a:spAutoFit/>
+          </a:bodyPr>
+          <a:lstStyle/>
+          <a:p>
+            <a:pPr algn="ctr"/>
+            <a:r>
+              <a:rPr lang="de-DE" dirty="0" smtClean="0"/>
+              <a:t>Paddle</a:t>
+            </a:r>
+            <a:endParaRPr lang="de-DE" dirty="0"/>
+          </a:p>
+        </p:txBody>
+      </p:sp>
+      <p:sp>
+        <p:nvSpPr>
+          <p:cNvPr id="26" name="Textfeld 25"/>
+          <p:cNvSpPr txBox="1"/>
+          <p:nvPr/>
+        </p:nvSpPr>
+        <p:spPr>
+          <a:xfrm>
+            <a:off x="6012162" y="3423708"/>
+            <a:ext cx="1368152" cy="369332"/>
+          </a:xfrm>
+          <a:prstGeom prst="rect">
+            <a:avLst/>
+          </a:prstGeom>
+        </p:spPr>
+        <p:style>
+          <a:lnRef idx="1">
+            <a:schemeClr val="accent3"/>
+          </a:lnRef>
+          <a:fillRef idx="2">
+            <a:schemeClr val="accent3"/>
+          </a:fillRef>
+          <a:effectRef idx="1">
+            <a:schemeClr val="accent3"/>
+          </a:effectRef>
+          <a:fontRef idx="minor">
+            <a:schemeClr val="dk1"/>
+          </a:fontRef>
+        </p:style>
+        <p:txBody>
+          <a:bodyPr wrap="square" rtlCol="0">
+            <a:spAutoFit/>
+          </a:bodyPr>
+          <a:lstStyle/>
+          <a:p>
+            <a:pPr algn="ctr"/>
+            <a:r>
+              <a:rPr lang="de-DE" dirty="0" err="1" smtClean="0"/>
+              <a:t>HitArea</a:t>
+            </a:r>
+            <a:endParaRPr lang="de-DE" dirty="0"/>
+          </a:p>
+        </p:txBody>
+      </p:sp>
+      <p:cxnSp>
+        <p:nvCxnSpPr>
+          <p:cNvPr id="27" name="Gerade Verbindung mit Pfeil 26"/>
+          <p:cNvCxnSpPr>
+            <a:stCxn id="24" idx="3"/>
+            <a:endCxn id="25" idx="1"/>
+          </p:cNvCxnSpPr>
+          <p:nvPr/>
+        </p:nvCxnSpPr>
+        <p:spPr>
+          <a:xfrm flipV="1">
+            <a:off x="5796138" y="3043734"/>
+            <a:ext cx="216024" cy="265448"/>
+          </a:xfrm>
+          <a:prstGeom prst="straightConnector1">
+            <a:avLst/>
+          </a:prstGeom>
+          <a:ln>
+            <a:solidFill>
+              <a:schemeClr val="bg1"/>
+            </a:solidFill>
+            <a:tailEnd type="arrow"/>
+          </a:ln>
+        </p:spPr>
+        <p:style>
+          <a:lnRef idx="2">
+            <a:schemeClr val="accent1"/>
+          </a:lnRef>
+          <a:fillRef idx="0">
+            <a:schemeClr val="accent1"/>
+          </a:fillRef>
+          <a:effectRef idx="1">
+            <a:schemeClr val="accent1"/>
+          </a:effectRef>
+          <a:fontRef idx="minor">
+            <a:schemeClr val="tx1"/>
+          </a:fontRef>
+        </p:style>
+      </p:cxnSp>
+      <p:cxnSp>
+        <p:nvCxnSpPr>
+          <p:cNvPr id="28" name="Gerade Verbindung mit Pfeil 27"/>
+          <p:cNvCxnSpPr>
+            <a:stCxn id="24" idx="3"/>
+            <a:endCxn id="26" idx="1"/>
+          </p:cNvCxnSpPr>
+          <p:nvPr/>
+        </p:nvCxnSpPr>
+        <p:spPr>
+          <a:xfrm>
+            <a:off x="5796138" y="3309182"/>
+            <a:ext cx="216024" cy="299192"/>
+          </a:xfrm>
+          <a:prstGeom prst="straightConnector1">
+            <a:avLst/>
+          </a:prstGeom>
+          <a:ln>
+            <a:solidFill>
+              <a:schemeClr val="bg1"/>
+            </a:solidFill>
+            <a:tailEnd type="arrow"/>
+          </a:ln>
+        </p:spPr>
+        <p:style>
+          <a:lnRef idx="2">
+            <a:schemeClr val="accent1"/>
+          </a:lnRef>
+          <a:fillRef idx="0">
+            <a:schemeClr val="accent1"/>
+          </a:fillRef>
+          <a:effectRef idx="1">
+            <a:schemeClr val="accent1"/>
+          </a:effectRef>
+          <a:fontRef idx="minor">
+            <a:schemeClr val="tx1"/>
+          </a:fontRef>
+        </p:style>
+      </p:cxnSp>
+      <p:sp>
+        <p:nvSpPr>
+          <p:cNvPr id="29" name="Textfeld 28"/>
+          <p:cNvSpPr txBox="1"/>
+          <p:nvPr/>
+        </p:nvSpPr>
+        <p:spPr>
+          <a:xfrm>
+            <a:off x="7308306" y="2681486"/>
+            <a:ext cx="1584176" cy="307777"/>
+          </a:xfrm>
+          <a:prstGeom prst="rect">
+            <a:avLst/>
+          </a:prstGeom>
+        </p:spPr>
+        <p:style>
+          <a:lnRef idx="1">
+            <a:schemeClr val="accent3"/>
+          </a:lnRef>
+          <a:fillRef idx="2">
+            <a:schemeClr val="accent3"/>
+          </a:fillRef>
+          <a:effectRef idx="1">
+            <a:schemeClr val="accent3"/>
+          </a:effectRef>
+          <a:fontRef idx="minor">
+            <a:schemeClr val="dk1"/>
+          </a:fontRef>
+        </p:style>
+        <p:txBody>
+          <a:bodyPr wrap="square" rtlCol="0">
+            <a:spAutoFit/>
+          </a:bodyPr>
+          <a:lstStyle/>
+          <a:p>
+            <a:pPr algn="ctr"/>
+            <a:r>
+              <a:rPr lang="de-DE" sz="1400" dirty="0" err="1" smtClean="0"/>
+              <a:t>PaddleReflectRule</a:t>
+            </a:r>
+            <a:endParaRPr lang="de-DE" sz="1200" dirty="0"/>
+          </a:p>
+        </p:txBody>
+      </p:sp>
+      <p:sp>
+        <p:nvSpPr>
+          <p:cNvPr id="30" name="Textfeld 29"/>
+          <p:cNvSpPr txBox="1"/>
+          <p:nvPr/>
+        </p:nvSpPr>
+        <p:spPr>
+          <a:xfrm>
+            <a:off x="7308306" y="3339959"/>
+            <a:ext cx="1584176" cy="307777"/>
+          </a:xfrm>
+          <a:prstGeom prst="rect">
+            <a:avLst/>
+          </a:prstGeom>
+        </p:spPr>
+        <p:style>
+          <a:lnRef idx="1">
+            <a:schemeClr val="accent3"/>
+          </a:lnRef>
+          <a:fillRef idx="2">
+            <a:schemeClr val="accent3"/>
+          </a:fillRef>
+          <a:effectRef idx="1">
+            <a:schemeClr val="accent3"/>
+          </a:effectRef>
+          <a:fontRef idx="minor">
+            <a:schemeClr val="dk1"/>
+          </a:fontRef>
+        </p:style>
+        <p:txBody>
+          <a:bodyPr wrap="square" rtlCol="0">
+            <a:spAutoFit/>
+          </a:bodyPr>
+          <a:lstStyle/>
+          <a:p>
+            <a:pPr algn="ctr"/>
+            <a:r>
+              <a:rPr lang="de-DE" sz="1400" dirty="0" err="1" smtClean="0"/>
+              <a:t>HitAreaReflectRule</a:t>
+            </a:r>
+            <a:endParaRPr lang="de-DE" sz="1200" dirty="0"/>
+          </a:p>
+        </p:txBody>
+      </p:sp>
+      <p:sp>
+        <p:nvSpPr>
+          <p:cNvPr id="32" name="Textfeld 31"/>
+          <p:cNvSpPr txBox="1"/>
+          <p:nvPr/>
+        </p:nvSpPr>
+        <p:spPr>
+          <a:xfrm>
+            <a:off x="4513312" y="4536990"/>
+            <a:ext cx="1368152" cy="369332"/>
+          </a:xfrm>
+          <a:prstGeom prst="rect">
+            <a:avLst/>
+          </a:prstGeom>
+          <a:ln/>
+        </p:spPr>
+        <p:style>
+          <a:lnRef idx="2">
+            <a:schemeClr val="accent6">
+              <a:shade val="50000"/>
+            </a:schemeClr>
+          </a:lnRef>
+          <a:fillRef idx="1">
+            <a:schemeClr val="accent6"/>
+          </a:fillRef>
+          <a:effectRef idx="0">
+            <a:schemeClr val="accent6"/>
+          </a:effectRef>
+          <a:fontRef idx="minor">
+            <a:schemeClr val="lt1"/>
+          </a:fontRef>
+        </p:style>
+        <p:txBody>
+          <a:bodyPr wrap="square" rtlCol="0">
+            <a:spAutoFit/>
+          </a:bodyPr>
+          <a:lstStyle/>
+          <a:p>
+            <a:pPr algn="ctr"/>
+            <a:r>
+              <a:rPr lang="de-DE" dirty="0" smtClean="0"/>
+              <a:t>Ball</a:t>
+            </a:r>
+            <a:endParaRPr lang="de-DE" dirty="0"/>
+          </a:p>
+        </p:txBody>
+      </p:sp>
+      <p:sp>
+        <p:nvSpPr>
+          <p:cNvPr id="33" name="Textfeld 32"/>
+          <p:cNvSpPr txBox="1"/>
+          <p:nvPr/>
+        </p:nvSpPr>
+        <p:spPr>
+          <a:xfrm>
+            <a:off x="5798122" y="4383101"/>
+            <a:ext cx="1584176" cy="307777"/>
+          </a:xfrm>
+          <a:prstGeom prst="rect">
+            <a:avLst/>
+          </a:prstGeom>
+        </p:spPr>
+        <p:style>
+          <a:lnRef idx="1">
+            <a:schemeClr val="accent6"/>
+          </a:lnRef>
+          <a:fillRef idx="2">
+            <a:schemeClr val="accent6"/>
+          </a:fillRef>
+          <a:effectRef idx="1">
+            <a:schemeClr val="accent6"/>
+          </a:effectRef>
+          <a:fontRef idx="minor">
+            <a:schemeClr val="dk1"/>
+          </a:fontRef>
+        </p:style>
+        <p:txBody>
+          <a:bodyPr wrap="square" rtlCol="0">
+            <a:spAutoFit/>
+          </a:bodyPr>
+          <a:lstStyle/>
+          <a:p>
+            <a:pPr algn="ctr"/>
+            <a:r>
+              <a:rPr lang="de-DE" sz="1400" dirty="0" err="1" smtClean="0"/>
+              <a:t>PlayTickRule</a:t>
+            </a:r>
+            <a:endParaRPr lang="de-DE" sz="1200" dirty="0"/>
+          </a:p>
+        </p:txBody>
+      </p:sp>
+      <p:sp>
+        <p:nvSpPr>
+          <p:cNvPr id="34" name="Textfeld 33"/>
+          <p:cNvSpPr txBox="1"/>
+          <p:nvPr/>
+        </p:nvSpPr>
+        <p:spPr>
+          <a:xfrm>
+            <a:off x="5796136" y="4752433"/>
+            <a:ext cx="1584176" cy="307777"/>
+          </a:xfrm>
+          <a:prstGeom prst="rect">
+            <a:avLst/>
+          </a:prstGeom>
+        </p:spPr>
+        <p:style>
+          <a:lnRef idx="1">
+            <a:schemeClr val="accent6"/>
+          </a:lnRef>
+          <a:fillRef idx="2">
+            <a:schemeClr val="accent6"/>
+          </a:fillRef>
+          <a:effectRef idx="1">
+            <a:schemeClr val="accent6"/>
+          </a:effectRef>
+          <a:fontRef idx="minor">
+            <a:schemeClr val="dk1"/>
+          </a:fontRef>
+        </p:style>
+        <p:txBody>
+          <a:bodyPr wrap="square" rtlCol="0">
+            <a:spAutoFit/>
+          </a:bodyPr>
+          <a:lstStyle/>
+          <a:p>
+            <a:pPr algn="ctr"/>
+            <a:r>
+              <a:rPr lang="de-DE" sz="1400" dirty="0" err="1" smtClean="0"/>
+              <a:t>IncreaseSpeedRule</a:t>
+            </a:r>
+            <a:endParaRPr lang="de-DE" sz="1200" dirty="0"/>
+          </a:p>
+        </p:txBody>
+      </p:sp>
+      <p:sp>
+        <p:nvSpPr>
+          <p:cNvPr id="31" name="Textfeld 30"/>
+          <p:cNvSpPr txBox="1"/>
+          <p:nvPr/>
+        </p:nvSpPr>
+        <p:spPr>
+          <a:xfrm>
+            <a:off x="323528" y="6309320"/>
+            <a:ext cx="2880320" cy="369332"/>
+          </a:xfrm>
+          <a:prstGeom prst="rect">
+            <a:avLst/>
+          </a:prstGeom>
+          <a:ln/>
+        </p:spPr>
+        <p:style>
+          <a:lnRef idx="2">
+            <a:schemeClr val="accent6">
+              <a:shade val="50000"/>
+            </a:schemeClr>
+          </a:lnRef>
+          <a:fillRef idx="1">
+            <a:schemeClr val="accent6"/>
+          </a:fillRef>
+          <a:effectRef idx="0">
+            <a:schemeClr val="accent6"/>
+          </a:effectRef>
+          <a:fontRef idx="minor">
+            <a:schemeClr val="lt1"/>
+          </a:fontRef>
+        </p:style>
+        <p:txBody>
+          <a:bodyPr wrap="square" rtlCol="0">
+            <a:spAutoFit/>
+          </a:bodyPr>
+          <a:lstStyle/>
+          <a:p>
+            <a:pPr algn="ctr"/>
+            <a:r>
+              <a:rPr lang="de-DE" dirty="0" smtClean="0"/>
+              <a:t>Kollidierende Elemente</a:t>
+            </a:r>
+            <a:endParaRPr lang="de-DE" dirty="0"/>
+          </a:p>
+        </p:txBody>
+      </p:sp>
+      <p:sp>
+        <p:nvSpPr>
+          <p:cNvPr id="35" name="Textfeld 34"/>
+          <p:cNvSpPr txBox="1"/>
+          <p:nvPr/>
+        </p:nvSpPr>
+        <p:spPr>
+          <a:xfrm>
+            <a:off x="3361184" y="6340097"/>
+            <a:ext cx="2304256" cy="307777"/>
+          </a:xfrm>
+          <a:prstGeom prst="rect">
+            <a:avLst/>
+          </a:prstGeom>
+        </p:spPr>
+        <p:style>
+          <a:lnRef idx="1">
+            <a:schemeClr val="accent6"/>
+          </a:lnRef>
+          <a:fillRef idx="2">
+            <a:schemeClr val="accent6"/>
+          </a:fillRef>
+          <a:effectRef idx="1">
+            <a:schemeClr val="accent6"/>
+          </a:effectRef>
+          <a:fontRef idx="minor">
+            <a:schemeClr val="dk1"/>
+          </a:fontRef>
+        </p:style>
+        <p:txBody>
+          <a:bodyPr wrap="square" rtlCol="0">
+            <a:spAutoFit/>
+          </a:bodyPr>
+          <a:lstStyle/>
+          <a:p>
+            <a:pPr algn="ctr"/>
+            <a:r>
+              <a:rPr lang="de-DE" sz="1400" dirty="0" smtClean="0"/>
+              <a:t>Angewendete Regeln</a:t>
+            </a:r>
+            <a:endParaRPr lang="de-DE" sz="1200" dirty="0"/>
+          </a:p>
+        </p:txBody>
+      </p:sp>
+      <p:pic>
+        <p:nvPicPr>
+          <p:cNvPr id="4" name="Grafik 3"/>
+          <p:cNvPicPr>
+            <a:picLocks noChangeAspect="1"/>
+          </p:cNvPicPr>
+          <p:nvPr/>
+        </p:nvPicPr>
+        <p:blipFill>
+          <a:blip r:embed="rId4" cstate="print">
+            <a:extLst>
+              <a:ext uri="{28A0092B-C50C-407E-A947-70E740481C1C}">
+                <a14:useLocalDpi xmlns:a14="http://schemas.microsoft.com/office/drawing/2010/main" val="0"/>
+              </a:ext>
+            </a:extLst>
+          </a:blip>
+          <a:stretch>
+            <a:fillRect/>
+          </a:stretch>
+        </p:blipFill>
+        <p:spPr>
+          <a:xfrm>
+            <a:off x="3218293" y="1421816"/>
+            <a:ext cx="561619" cy="561619"/>
+          </a:xfrm>
+          <a:prstGeom prst="rect">
+            <a:avLst/>
+          </a:prstGeom>
+        </p:spPr>
+      </p:pic>
+      <p:sp>
+        <p:nvSpPr>
+          <p:cNvPr id="7" name="Foliennummernplatzhalter 6"/>
+          <p:cNvSpPr>
+            <a:spLocks noGrp="1"/>
+          </p:cNvSpPr>
+          <p:nvPr>
+            <p:ph type="sldNum" sz="quarter" idx="12"/>
+          </p:nvPr>
+        </p:nvSpPr>
+        <p:spPr/>
+        <p:txBody>
+          <a:bodyPr/>
+          <a:lstStyle/>
+          <a:p>
+            <a:fld id="{4FACE48E-4A67-48DB-AD36-251A6BBFC9D3}" type="slidenum">
+              <a:rPr lang="de-AT" smtClean="0"/>
+              <a:t>14</a:t>
+            </a:fld>
+            <a:endParaRPr lang="de-AT"/>
+          </a:p>
+        </p:txBody>
+      </p:sp>
+    </p:spTree>
+    <p:extLst>
+      <p:ext uri="{BB962C8B-B14F-4D97-AF65-F5344CB8AC3E}">
+        <p14:creationId xmlns:p14="http://schemas.microsoft.com/office/powerpoint/2010/main" val="1393594516"/>
+      </p:ext>
+    </p:extLst>
+  </p:cSld>
+  <p:clrMapOvr>
+    <a:masterClrMapping/>
+  </p:clrMapOvr>
+  <p:timing>
+    <p:tnLst>
+      <p:par>
+        <p:cTn id="1" dur="indefinite" restart="never" nodeType="tmRoot"/>
+      </p:par>
+    </p:tnLst>
+  </p:timing>
+</p:sld>
+</file>
+
+<file path=ppt/slides/slide15.xml><?xml version="1.0" encoding="utf-8"?>
+<p:sld xmlns:a="http://schemas.openxmlformats.org/drawingml/2006/main" xmlns:r="http://schemas.openxmlformats.org/officeDocument/2006/relationships" xmlns:p="http://schemas.openxmlformats.org/presentationml/2006/main">
+  <p:cSld>
+    <p:spTree>
+      <p:nvGrpSpPr>
+        <p:cNvPr id="1" name=""/>
+        <p:cNvGrpSpPr/>
+        <p:nvPr/>
+      </p:nvGrpSpPr>
+      <p:grpSpPr>
+        <a:xfrm>
+          <a:off x="0" y="0"/>
+          <a:ext cx="0" cy="0"/>
+          <a:chOff x="0" y="0"/>
+          <a:chExt cx="0" cy="0"/>
+        </a:xfrm>
+      </p:grpSpPr>
+      <p:sp>
+        <p:nvSpPr>
+          <p:cNvPr id="2" name="Titel 1"/>
+          <p:cNvSpPr>
+            <a:spLocks noGrp="1"/>
+          </p:cNvSpPr>
+          <p:nvPr>
+            <p:ph type="title"/>
+          </p:nvPr>
+        </p:nvSpPr>
+        <p:spPr/>
+        <p:txBody>
+          <a:bodyPr/>
+          <a:lstStyle/>
+          <a:p>
+            <a:r>
+              <a:rPr lang="de-DE" dirty="0" smtClean="0"/>
+              <a:t>Wichtige Regeln</a:t>
+            </a:r>
+            <a:endParaRPr lang="de-DE" dirty="0"/>
+          </a:p>
+        </p:txBody>
+      </p:sp>
+      <p:sp>
+        <p:nvSpPr>
+          <p:cNvPr id="3" name="Inhaltsplatzhalter 2"/>
+          <p:cNvSpPr>
+            <a:spLocks noGrp="1"/>
+          </p:cNvSpPr>
+          <p:nvPr>
+            <p:ph idx="1"/>
+          </p:nvPr>
+        </p:nvSpPr>
+        <p:spPr/>
+        <p:txBody>
+          <a:bodyPr>
+            <a:normAutofit fontScale="92500" lnSpcReduction="20000"/>
+          </a:bodyPr>
+          <a:lstStyle/>
+          <a:p>
+            <a:r>
+              <a:rPr lang="de-DE" dirty="0" err="1" smtClean="0"/>
+              <a:t>PaddleReflectRule</a:t>
+            </a:r>
+            <a:r>
+              <a:rPr lang="de-DE" sz="1800" dirty="0" smtClean="0"/>
+              <a:t> </a:t>
+            </a:r>
+            <a:r>
+              <a:rPr lang="de-DE" sz="1600" dirty="0" smtClean="0"/>
+              <a:t>(Wenn Paddle mit Ball kollidiert)</a:t>
+            </a:r>
+            <a:endParaRPr lang="de-DE" sz="2800" dirty="0" smtClean="0"/>
+          </a:p>
+          <a:p>
+            <a:pPr lvl="1"/>
+            <a:r>
+              <a:rPr lang="de-DE" dirty="0" smtClean="0"/>
+              <a:t>Reflektiert den Ball mit entsprechendem Winkel</a:t>
+            </a:r>
+          </a:p>
+          <a:p>
+            <a:pPr lvl="1"/>
+            <a:r>
+              <a:rPr lang="de-DE" dirty="0" smtClean="0"/>
+              <a:t>Färbt den Ball neu</a:t>
+            </a:r>
+          </a:p>
+          <a:p>
+            <a:pPr lvl="1"/>
+            <a:endParaRPr lang="de-DE" dirty="0" smtClean="0"/>
+          </a:p>
+          <a:p>
+            <a:pPr marL="0" indent="0">
+              <a:buNone/>
+            </a:pPr>
+            <a:endParaRPr lang="de-DE" dirty="0"/>
+          </a:p>
+          <a:p>
+            <a:r>
+              <a:rPr lang="de-DE" dirty="0" err="1" smtClean="0"/>
+              <a:t>PlayerHitAreaReflectRule</a:t>
+            </a:r>
+            <a:r>
+              <a:rPr lang="de-DE" dirty="0" smtClean="0"/>
+              <a:t> </a:t>
+            </a:r>
+            <a:r>
+              <a:rPr lang="de-DE" sz="1600" dirty="0"/>
+              <a:t>(Wenn </a:t>
+            </a:r>
+            <a:r>
+              <a:rPr lang="de-DE" sz="1600" dirty="0" smtClean="0"/>
+              <a:t>Ball mit </a:t>
+            </a:r>
+            <a:r>
+              <a:rPr lang="de-DE" sz="1600" dirty="0" err="1" smtClean="0"/>
+              <a:t>HitArea</a:t>
+            </a:r>
+            <a:r>
+              <a:rPr lang="de-DE" sz="1600" dirty="0" smtClean="0"/>
+              <a:t> kollidiert)</a:t>
+            </a:r>
+            <a:endParaRPr lang="de-DE" dirty="0" smtClean="0"/>
+          </a:p>
+          <a:p>
+            <a:pPr lvl="1"/>
+            <a:r>
+              <a:rPr lang="de-DE" dirty="0" smtClean="0"/>
+              <a:t>Reflektiert den Ball </a:t>
+            </a:r>
+          </a:p>
+          <a:p>
+            <a:pPr lvl="1"/>
+            <a:r>
+              <a:rPr lang="de-DE" dirty="0" smtClean="0"/>
+              <a:t>Zieht dem Spieler Leben ab </a:t>
+            </a:r>
+          </a:p>
+          <a:p>
+            <a:r>
+              <a:rPr lang="de-DE" dirty="0" err="1" smtClean="0"/>
+              <a:t>IncreaseBallSpeedRule</a:t>
+            </a:r>
+            <a:endParaRPr lang="de-DE" dirty="0" smtClean="0"/>
+          </a:p>
+          <a:p>
+            <a:pPr lvl="1"/>
+            <a:r>
+              <a:rPr lang="de-DE" dirty="0" smtClean="0"/>
+              <a:t>Beschleunigt den Ball </a:t>
+            </a:r>
+            <a:endParaRPr lang="de-DE" dirty="0"/>
+          </a:p>
+        </p:txBody>
+      </p:sp>
+      <p:pic>
+        <p:nvPicPr>
+          <p:cNvPr id="4" name="Grafik 3"/>
+          <p:cNvPicPr>
+            <a:picLocks noChangeAspect="1"/>
+          </p:cNvPicPr>
+          <p:nvPr/>
+        </p:nvPicPr>
+        <p:blipFill>
+          <a:blip r:embed="rId2">
+            <a:extLst>
+              <a:ext uri="{28A0092B-C50C-407E-A947-70E740481C1C}">
+                <a14:useLocalDpi xmlns:a14="http://schemas.microsoft.com/office/drawing/2010/main" val="0"/>
+              </a:ext>
+            </a:extLst>
+          </a:blip>
+          <a:stretch>
+            <a:fillRect/>
+          </a:stretch>
+        </p:blipFill>
+        <p:spPr>
+          <a:xfrm>
+            <a:off x="1298068" y="2852936"/>
+            <a:ext cx="2160240" cy="813170"/>
+          </a:xfrm>
+          <a:prstGeom prst="rect">
+            <a:avLst/>
+          </a:prstGeom>
+        </p:spPr>
+      </p:pic>
+      <p:sp>
+        <p:nvSpPr>
+          <p:cNvPr id="5" name="Foliennummernplatzhalter 4"/>
+          <p:cNvSpPr>
+            <a:spLocks noGrp="1"/>
+          </p:cNvSpPr>
+          <p:nvPr>
+            <p:ph type="sldNum" sz="quarter" idx="12"/>
+          </p:nvPr>
+        </p:nvSpPr>
+        <p:spPr/>
+        <p:txBody>
+          <a:bodyPr/>
+          <a:lstStyle/>
+          <a:p>
+            <a:fld id="{4FACE48E-4A67-48DB-AD36-251A6BBFC9D3}" type="slidenum">
+              <a:rPr lang="de-AT" smtClean="0"/>
+              <a:t>15</a:t>
+            </a:fld>
+            <a:endParaRPr lang="de-AT"/>
+          </a:p>
+        </p:txBody>
+      </p:sp>
+    </p:spTree>
+    <p:extLst>
+      <p:ext uri="{BB962C8B-B14F-4D97-AF65-F5344CB8AC3E}">
+        <p14:creationId xmlns:p14="http://schemas.microsoft.com/office/powerpoint/2010/main" val="501303254"/>
+      </p:ext>
+    </p:extLst>
+  </p:cSld>
+  <p:clrMapOvr>
+    <a:masterClrMapping/>
+  </p:clrMapOvr>
+  <p:timing>
+    <p:tnLst>
+      <p:par>
+        <p:cTn id="1" dur="indefinite" restart="never" nodeType="tmRoot"/>
+      </p:par>
+    </p:tnLst>
+  </p:timing>
+</p:sld>
+</file>
+
+<file path=ppt/slides/slide16.xml><?xml version="1.0" encoding="utf-8"?>
+<p:sld xmlns:a="http://schemas.openxmlformats.org/drawingml/2006/main" xmlns:r="http://schemas.openxmlformats.org/officeDocument/2006/relationships" xmlns:p="http://schemas.openxmlformats.org/presentationml/2006/main">
+  <p:cSld>
+    <p:spTree>
+      <p:nvGrpSpPr>
+        <p:cNvPr id="1" name=""/>
+        <p:cNvGrpSpPr/>
+        <p:nvPr/>
+      </p:nvGrpSpPr>
+      <p:grpSpPr>
+        <a:xfrm>
+          <a:off x="0" y="0"/>
+          <a:ext cx="0" cy="0"/>
+          <a:chOff x="0" y="0"/>
+          <a:chExt cx="0" cy="0"/>
+        </a:xfrm>
+      </p:grpSpPr>
+      <p:sp>
+        <p:nvSpPr>
+          <p:cNvPr id="2" name="Titel 1"/>
+          <p:cNvSpPr>
+            <a:spLocks noGrp="1"/>
+          </p:cNvSpPr>
+          <p:nvPr>
+            <p:ph type="title"/>
+          </p:nvPr>
+        </p:nvSpPr>
+        <p:spPr/>
+        <p:txBody>
+          <a:bodyPr/>
+          <a:lstStyle/>
+          <a:p>
+            <a:r>
+              <a:rPr lang="de-DE" dirty="0" smtClean="0"/>
+              <a:t>Rundensystem</a:t>
+            </a:r>
+            <a:endParaRPr lang="de-DE" dirty="0"/>
+          </a:p>
+        </p:txBody>
+      </p:sp>
+      <p:pic>
+        <p:nvPicPr>
+          <p:cNvPr id="4" name="Inhaltsplatzhalter 3"/>
+          <p:cNvPicPr>
+            <a:picLocks noGrp="1" noChangeAspect="1"/>
+          </p:cNvPicPr>
+          <p:nvPr>
+            <p:ph idx="1"/>
+          </p:nvPr>
+        </p:nvPicPr>
+        <p:blipFill>
+          <a:blip r:embed="rId2">
+            <a:extLst>
+              <a:ext uri="{28A0092B-C50C-407E-A947-70E740481C1C}">
+                <a14:useLocalDpi xmlns:a14="http://schemas.microsoft.com/office/drawing/2010/main" val="0"/>
+              </a:ext>
+            </a:extLst>
+          </a:blip>
+          <a:stretch>
+            <a:fillRect/>
+          </a:stretch>
+        </p:blipFill>
+        <p:spPr>
+          <a:xfrm>
+            <a:off x="457200" y="2629632"/>
+            <a:ext cx="8229600" cy="2467098"/>
+          </a:xfrm>
+        </p:spPr>
+      </p:pic>
+      <p:sp>
+        <p:nvSpPr>
+          <p:cNvPr id="5" name="Foliennummernplatzhalter 4"/>
+          <p:cNvSpPr>
+            <a:spLocks noGrp="1"/>
+          </p:cNvSpPr>
+          <p:nvPr>
+            <p:ph type="sldNum" sz="quarter" idx="12"/>
+          </p:nvPr>
+        </p:nvSpPr>
+        <p:spPr/>
+        <p:txBody>
+          <a:bodyPr/>
+          <a:lstStyle/>
+          <a:p>
+            <a:fld id="{4FACE48E-4A67-48DB-AD36-251A6BBFC9D3}" type="slidenum">
+              <a:rPr lang="de-AT" smtClean="0"/>
+              <a:t>16</a:t>
+            </a:fld>
+            <a:endParaRPr lang="de-AT"/>
+          </a:p>
+        </p:txBody>
+      </p:sp>
+    </p:spTree>
+    <p:extLst>
+      <p:ext uri="{BB962C8B-B14F-4D97-AF65-F5344CB8AC3E}">
+        <p14:creationId xmlns:p14="http://schemas.microsoft.com/office/powerpoint/2010/main" val="1552669008"/>
+      </p:ext>
+    </p:extLst>
+  </p:cSld>
+  <p:clrMapOvr>
+    <a:masterClrMapping/>
+  </p:clrMapOvr>
+  <p:timing>
+    <p:tnLst>
+      <p:par>
+        <p:cTn id="1" dur="indefinite" restart="never" nodeType="tmRoot"/>
+      </p:par>
+    </p:tnLst>
+  </p:timing>
+</p:sld>
+</file>
+
+<file path=ppt/slides/slide17.xml><?xml version="1.0" encoding="utf-8"?>
+<p:sld xmlns:a="http://schemas.openxmlformats.org/drawingml/2006/main" xmlns:r="http://schemas.openxmlformats.org/officeDocument/2006/relationships" xmlns:p="http://schemas.openxmlformats.org/presentationml/2006/main">
+  <p:cSld>
+    <p:spTree>
+      <p:nvGrpSpPr>
+        <p:cNvPr id="1" name=""/>
+        <p:cNvGrpSpPr/>
+        <p:nvPr/>
+      </p:nvGrpSpPr>
+      <p:grpSpPr>
+        <a:xfrm>
+          <a:off x="0" y="0"/>
+          <a:ext cx="0" cy="0"/>
+          <a:chOff x="0" y="0"/>
+          <a:chExt cx="0" cy="0"/>
+        </a:xfrm>
+      </p:grpSpPr>
+      <p:sp>
+        <p:nvSpPr>
+          <p:cNvPr id="2" name="Titel 1"/>
+          <p:cNvSpPr>
+            <a:spLocks noGrp="1"/>
+          </p:cNvSpPr>
+          <p:nvPr>
+            <p:ph type="title"/>
+          </p:nvPr>
+        </p:nvSpPr>
+        <p:spPr/>
+        <p:txBody>
+          <a:bodyPr/>
+          <a:lstStyle/>
+          <a:p>
+            <a:r>
+              <a:rPr lang="de-DE" dirty="0" err="1" smtClean="0"/>
+              <a:t>OnePlayerSurvivingRule</a:t>
+            </a:r>
+            <a:endParaRPr lang="de-DE" dirty="0"/>
+          </a:p>
+        </p:txBody>
+      </p:sp>
+      <p:sp>
+        <p:nvSpPr>
+          <p:cNvPr id="3" name="Inhaltsplatzhalter 2"/>
+          <p:cNvSpPr>
+            <a:spLocks noGrp="1"/>
+          </p:cNvSpPr>
+          <p:nvPr>
+            <p:ph idx="1"/>
+          </p:nvPr>
+        </p:nvSpPr>
+        <p:spPr/>
+        <p:txBody>
+          <a:bodyPr>
+            <a:normAutofit fontScale="92500" lnSpcReduction="20000"/>
+          </a:bodyPr>
+          <a:lstStyle/>
+          <a:p>
+            <a:r>
+              <a:rPr lang="de-DE" dirty="0" err="1" smtClean="0"/>
+              <a:t>canStartRound</a:t>
+            </a:r>
+            <a:endParaRPr lang="de-DE" dirty="0" smtClean="0"/>
+          </a:p>
+          <a:p>
+            <a:pPr lvl="1"/>
+            <a:r>
+              <a:rPr lang="de-DE" dirty="0" smtClean="0"/>
+              <a:t>Sind mehr als </a:t>
+            </a:r>
+            <a:r>
+              <a:rPr lang="de-DE" dirty="0"/>
+              <a:t>1</a:t>
+            </a:r>
+            <a:r>
+              <a:rPr lang="de-DE" dirty="0" smtClean="0"/>
+              <a:t> Spieler auf dem Server?</a:t>
+            </a:r>
+          </a:p>
+          <a:p>
+            <a:r>
+              <a:rPr lang="de-DE" dirty="0" err="1" smtClean="0"/>
+              <a:t>startRound</a:t>
+            </a:r>
+            <a:endParaRPr lang="de-DE" dirty="0" smtClean="0"/>
+          </a:p>
+          <a:p>
+            <a:pPr lvl="1"/>
+            <a:r>
+              <a:rPr lang="de-DE" dirty="0" smtClean="0"/>
+              <a:t>Setzte bei allen Spielern die Leben auf 100%</a:t>
+            </a:r>
+          </a:p>
+          <a:p>
+            <a:pPr lvl="1"/>
+            <a:r>
+              <a:rPr lang="de-DE" dirty="0" smtClean="0"/>
+              <a:t>Setzte einen Ball auf das Spielfeld</a:t>
+            </a:r>
+          </a:p>
+          <a:p>
+            <a:r>
+              <a:rPr lang="de-DE" dirty="0" err="1" smtClean="0"/>
+              <a:t>isRoundFinished</a:t>
+            </a:r>
+            <a:endParaRPr lang="de-DE" dirty="0" smtClean="0"/>
+          </a:p>
+          <a:p>
+            <a:pPr lvl="1"/>
+            <a:r>
+              <a:rPr lang="de-DE" dirty="0" smtClean="0"/>
+              <a:t>Ist nur noch 1 lebender Spieler auf dem Spielfeld</a:t>
+            </a:r>
+          </a:p>
+          <a:p>
+            <a:r>
+              <a:rPr lang="de-DE" dirty="0" err="1" smtClean="0"/>
+              <a:t>finishRound</a:t>
+            </a:r>
+            <a:endParaRPr lang="de-DE" dirty="0" smtClean="0"/>
+          </a:p>
+          <a:p>
+            <a:pPr lvl="1"/>
+            <a:r>
+              <a:rPr lang="de-DE" dirty="0" smtClean="0"/>
+              <a:t>Entferne alle Bälle aus dem Spielfeld</a:t>
+            </a:r>
+          </a:p>
+          <a:p>
+            <a:pPr lvl="1"/>
+            <a:r>
+              <a:rPr lang="de-DE" dirty="0" smtClean="0"/>
+              <a:t>Überlebender Spieler bekommt einen Punkt</a:t>
+            </a:r>
+          </a:p>
+        </p:txBody>
+      </p:sp>
+      <p:sp>
+        <p:nvSpPr>
+          <p:cNvPr id="4" name="Foliennummernplatzhalter 3"/>
+          <p:cNvSpPr>
+            <a:spLocks noGrp="1"/>
+          </p:cNvSpPr>
+          <p:nvPr>
+            <p:ph type="sldNum" sz="quarter" idx="12"/>
+          </p:nvPr>
+        </p:nvSpPr>
+        <p:spPr/>
+        <p:txBody>
+          <a:bodyPr/>
+          <a:lstStyle/>
+          <a:p>
+            <a:fld id="{4FACE48E-4A67-48DB-AD36-251A6BBFC9D3}" type="slidenum">
+              <a:rPr lang="de-AT" smtClean="0"/>
+              <a:t>17</a:t>
+            </a:fld>
+            <a:endParaRPr lang="de-AT"/>
+          </a:p>
+        </p:txBody>
+      </p:sp>
+    </p:spTree>
+    <p:extLst>
+      <p:ext uri="{BB962C8B-B14F-4D97-AF65-F5344CB8AC3E}">
+        <p14:creationId xmlns:p14="http://schemas.microsoft.com/office/powerpoint/2010/main" val="3148267416"/>
+      </p:ext>
+    </p:extLst>
+  </p:cSld>
+  <p:clrMapOvr>
+    <a:masterClrMapping/>
+  </p:clrMapOvr>
+  <p:timing>
+    <p:tnLst>
+      <p:par>
+        <p:cTn id="1" dur="indefinite" restart="never" nodeType="tmRoot"/>
+      </p:par>
+    </p:tnLst>
+  </p:timing>
+</p:sld>
+</file>
+
+<file path=ppt/slides/slide18.xml><?xml version="1.0" encoding="utf-8"?>
+<p:sld xmlns:a="http://schemas.openxmlformats.org/drawingml/2006/main" xmlns:r="http://schemas.openxmlformats.org/officeDocument/2006/relationships" xmlns:p="http://schemas.openxmlformats.org/presentationml/2006/main">
+  <p:cSld>
+    <p:spTree>
+      <p:nvGrpSpPr>
+        <p:cNvPr id="1" name=""/>
+        <p:cNvGrpSpPr/>
+        <p:nvPr/>
+      </p:nvGrpSpPr>
+      <p:grpSpPr>
+        <a:xfrm>
+          <a:off x="0" y="0"/>
+          <a:ext cx="0" cy="0"/>
+          <a:chOff x="0" y="0"/>
+          <a:chExt cx="0" cy="0"/>
+        </a:xfrm>
+      </p:grpSpPr>
+      <p:sp>
+        <p:nvSpPr>
+          <p:cNvPr id="2" name="Titel 1"/>
+          <p:cNvSpPr>
+            <a:spLocks noGrp="1"/>
+          </p:cNvSpPr>
+          <p:nvPr>
+            <p:ph type="title"/>
+          </p:nvPr>
+        </p:nvSpPr>
+        <p:spPr/>
+        <p:txBody>
+          <a:bodyPr/>
+          <a:lstStyle/>
+          <a:p>
+            <a:endParaRPr lang="de-AT" dirty="0"/>
+          </a:p>
+        </p:txBody>
+      </p:sp>
+      <p:sp>
+        <p:nvSpPr>
+          <p:cNvPr id="3" name="Inhaltsplatzhalter 2"/>
+          <p:cNvSpPr>
+            <a:spLocks noGrp="1"/>
+          </p:cNvSpPr>
+          <p:nvPr>
+            <p:ph idx="1"/>
+          </p:nvPr>
+        </p:nvSpPr>
+        <p:spPr/>
+        <p:txBody>
+          <a:bodyPr/>
+          <a:lstStyle/>
+          <a:p>
+            <a:endParaRPr lang="de-AT"/>
+          </a:p>
+        </p:txBody>
+      </p:sp>
+      <p:sp>
+        <p:nvSpPr>
+          <p:cNvPr id="4" name="Foliennummernplatzhalter 3"/>
+          <p:cNvSpPr>
+            <a:spLocks noGrp="1"/>
+          </p:cNvSpPr>
+          <p:nvPr>
+            <p:ph type="sldNum" sz="quarter" idx="12"/>
+          </p:nvPr>
+        </p:nvSpPr>
+        <p:spPr/>
+        <p:txBody>
+          <a:bodyPr/>
+          <a:lstStyle/>
+          <a:p>
+            <a:fld id="{4FACE48E-4A67-48DB-AD36-251A6BBFC9D3}" type="slidenum">
+              <a:rPr lang="de-AT" smtClean="0"/>
+              <a:t>18</a:t>
+            </a:fld>
+            <a:endParaRPr lang="de-AT"/>
+          </a:p>
+        </p:txBody>
+      </p:sp>
+    </p:spTree>
+    <p:extLst>
+      <p:ext uri="{BB962C8B-B14F-4D97-AF65-F5344CB8AC3E}">
+        <p14:creationId xmlns:p14="http://schemas.microsoft.com/office/powerpoint/2010/main" val="1932120891"/>
       </p:ext>
     </p:extLst>
   </p:cSld>
@@ -3412,6 +7873,29 @@
           </a:prstGeom>
         </p:spPr>
       </p:pic>
+      <p:sp>
+        <p:nvSpPr>
+          <p:cNvPr id="5" name="Foliennummernplatzhalter 4"/>
+          <p:cNvSpPr>
+            <a:spLocks noGrp="1"/>
+          </p:cNvSpPr>
+          <p:nvPr>
+            <p:ph type="sldNum" sz="quarter" idx="12"/>
+          </p:nvPr>
+        </p:nvSpPr>
+        <p:spPr/>
+        <p:txBody>
+          <a:bodyPr/>
+          <a:lstStyle/>
+          <a:p>
+            <a:fld id="{4FACE48E-4A67-48DB-AD36-251A6BBFC9D3}" type="slidenum">
+              <a:rPr lang="de-AT" smtClean="0"/>
+              <a:t>2</a:t>
+            </a:fld>
+            <a:endParaRPr lang="de-AT"/>
+          </a:p>
+        </p:txBody>
+      </p:sp>
     </p:spTree>
     <p:extLst>
       <p:ext uri="{BB962C8B-B14F-4D97-AF65-F5344CB8AC3E}">
@@ -3491,7 +7975,6 @@
               <a:rPr lang="de-AT" dirty="0" smtClean="0"/>
               <a:t>MVC – Pattern</a:t>
             </a:r>
-            <a:endParaRPr lang="de-AT" dirty="0" smtClean="0"/>
           </a:p>
           <a:p>
             <a:r>
@@ -3557,6 +8040,29 @@
           </a:prstGeom>
         </p:spPr>
       </p:pic>
+      <p:sp>
+        <p:nvSpPr>
+          <p:cNvPr id="5" name="Foliennummernplatzhalter 4"/>
+          <p:cNvSpPr>
+            <a:spLocks noGrp="1"/>
+          </p:cNvSpPr>
+          <p:nvPr>
+            <p:ph type="sldNum" sz="quarter" idx="12"/>
+          </p:nvPr>
+        </p:nvSpPr>
+        <p:spPr/>
+        <p:txBody>
+          <a:bodyPr/>
+          <a:lstStyle/>
+          <a:p>
+            <a:fld id="{4FACE48E-4A67-48DB-AD36-251A6BBFC9D3}" type="slidenum">
+              <a:rPr lang="de-AT" smtClean="0"/>
+              <a:t>3</a:t>
+            </a:fld>
+            <a:endParaRPr lang="de-AT"/>
+          </a:p>
+        </p:txBody>
+      </p:sp>
     </p:spTree>
     <p:extLst>
       <p:ext uri="{BB962C8B-B14F-4D97-AF65-F5344CB8AC3E}">
@@ -3702,7 +8208,7 @@
           <a:graphicData uri="http://schemas.openxmlformats.org/presentationml/2006/ole">
             <mc:AlternateContent xmlns:mc="http://schemas.openxmlformats.org/markup-compatibility/2006">
               <mc:Choice xmlns:v="urn:schemas-microsoft-com:vml" Requires="v">
-                <p:oleObj spid="_x0000_s2053" name="Visio" r:id="rId3" imgW="7181201" imgH="4073482" progId="Visio.Drawing.11">
+                <p:oleObj spid="_x0000_s2065" name="Visio" r:id="rId3" imgW="7181201" imgH="4073482" progId="Visio.Drawing.11">
                   <p:embed/>
                 </p:oleObj>
               </mc:Choice>
@@ -3741,6 +8247,29 @@
           </a:graphicData>
         </a:graphic>
       </p:graphicFrame>
+      <p:sp>
+        <p:nvSpPr>
+          <p:cNvPr id="3" name="Foliennummernplatzhalter 2"/>
+          <p:cNvSpPr>
+            <a:spLocks noGrp="1"/>
+          </p:cNvSpPr>
+          <p:nvPr>
+            <p:ph type="sldNum" sz="quarter" idx="12"/>
+          </p:nvPr>
+        </p:nvSpPr>
+        <p:spPr/>
+        <p:txBody>
+          <a:bodyPr/>
+          <a:lstStyle/>
+          <a:p>
+            <a:fld id="{4FACE48E-4A67-48DB-AD36-251A6BBFC9D3}" type="slidenum">
+              <a:rPr lang="de-AT" smtClean="0"/>
+              <a:t>4</a:t>
+            </a:fld>
+            <a:endParaRPr lang="de-AT"/>
+          </a:p>
+        </p:txBody>
+      </p:sp>
     </p:spTree>
     <p:extLst>
       <p:ext uri="{BB962C8B-B14F-4D97-AF65-F5344CB8AC3E}">
@@ -3790,21 +8319,50 @@
         </p:nvSpPr>
         <p:spPr/>
         <p:txBody>
+          <a:bodyPr>
+            <a:normAutofit/>
+          </a:bodyPr>
+          <a:lstStyle/>
+          <a:p>
+            <a:r>
+              <a:rPr lang="de-DE" dirty="0" smtClean="0"/>
+              <a:t>Model</a:t>
+            </a:r>
+            <a:endParaRPr lang="de-DE" dirty="0"/>
+          </a:p>
+        </p:txBody>
+      </p:sp>
+      <p:sp>
+        <p:nvSpPr>
+          <p:cNvPr id="3" name="Inhaltsplatzhalter 2"/>
+          <p:cNvSpPr>
+            <a:spLocks noGrp="1"/>
+          </p:cNvSpPr>
+          <p:nvPr>
+            <p:ph idx="1"/>
+          </p:nvPr>
+        </p:nvSpPr>
+        <p:spPr/>
+        <p:txBody>
           <a:bodyPr/>
           <a:lstStyle/>
           <a:p>
-            <a:endParaRPr lang="de-AT"/>
-          </a:p>
-        </p:txBody>
-      </p:sp>
-      <p:sp>
-        <p:nvSpPr>
-          <p:cNvPr id="3" name="Inhaltsplatzhalter 2"/>
-          <p:cNvSpPr>
-            <a:spLocks noGrp="1"/>
-          </p:cNvSpPr>
-          <p:nvPr>
-            <p:ph idx="1"/>
+            <a:r>
+              <a:rPr lang="de-DE" dirty="0" smtClean="0"/>
+              <a:t>TODO: Klassendiagramm des Models</a:t>
+            </a:r>
+            <a:endParaRPr lang="de-DE" dirty="0"/>
+          </a:p>
+        </p:txBody>
+      </p:sp>
+      <p:sp>
+        <p:nvSpPr>
+          <p:cNvPr id="4" name="Foliennummernplatzhalter 3"/>
+          <p:cNvSpPr>
+            <a:spLocks noGrp="1"/>
+          </p:cNvSpPr>
+          <p:nvPr>
+            <p:ph type="sldNum" sz="quarter" idx="12"/>
           </p:nvPr>
         </p:nvSpPr>
         <p:spPr/>
@@ -3812,6 +8370,10 @@
           <a:bodyPr/>
           <a:lstStyle/>
           <a:p>
+            <a:fld id="{4FACE48E-4A67-48DB-AD36-251A6BBFC9D3}" type="slidenum">
+              <a:rPr lang="de-AT" smtClean="0"/>
+              <a:t>5</a:t>
+            </a:fld>
             <a:endParaRPr lang="de-AT"/>
           </a:p>
         </p:txBody>
@@ -3819,20 +8381,13 @@
     </p:spTree>
     <p:extLst>
       <p:ext uri="{BB962C8B-B14F-4D97-AF65-F5344CB8AC3E}">
-        <p14:creationId xmlns:p14="http://schemas.microsoft.com/office/powerpoint/2010/main" val="3048387615"/>
+        <p14:creationId xmlns:p14="http://schemas.microsoft.com/office/powerpoint/2010/main" val="3376186569"/>
       </p:ext>
     </p:extLst>
   </p:cSld>
   <p:clrMapOvr>
     <a:masterClrMapping/>
   </p:clrMapOvr>
-  <p:timing>
-    <p:tnLst>
-      <p:par>
-        <p:cTn id="1" dur="indefinite" restart="never" nodeType="tmRoot"/>
-      </p:par>
-    </p:tnLst>
-  </p:timing>
 </p:sld>
 </file>
 
@@ -3869,21 +8424,85 @@
           <a:lstStyle/>
           <a:p>
             <a:r>
-              <a:rPr lang="de-AT" dirty="0" smtClean="0"/>
-              <a:t>Netzwerkaufbau</a:t>
-            </a:r>
-            <a:endParaRPr lang="de-AT" dirty="0"/>
-          </a:p>
-        </p:txBody>
-      </p:sp>
-      <p:sp>
-        <p:nvSpPr>
-          <p:cNvPr id="3" name="Inhaltsplatzhalter 2"/>
-          <p:cNvSpPr>
-            <a:spLocks noGrp="1"/>
-          </p:cNvSpPr>
-          <p:nvPr>
-            <p:ph idx="1"/>
+              <a:rPr lang="de-DE" dirty="0" smtClean="0"/>
+              <a:t>View</a:t>
+            </a:r>
+            <a:endParaRPr lang="de-DE" dirty="0"/>
+          </a:p>
+        </p:txBody>
+      </p:sp>
+      <p:pic>
+        <p:nvPicPr>
+          <p:cNvPr id="6147" name="Picture 3"/>
+          <p:cNvPicPr>
+            <a:picLocks noChangeAspect="1" noChangeArrowheads="1"/>
+          </p:cNvPicPr>
+          <p:nvPr/>
+        </p:nvPicPr>
+        <p:blipFill>
+          <a:blip r:embed="rId2">
+            <a:extLst>
+              <a:ext uri="{28A0092B-C50C-407E-A947-70E740481C1C}">
+                <a14:useLocalDpi xmlns:a14="http://schemas.microsoft.com/office/drawing/2010/main" val="0"/>
+              </a:ext>
+            </a:extLst>
+          </a:blip>
+          <a:srcRect/>
+          <a:stretch>
+            <a:fillRect/>
+          </a:stretch>
+        </p:blipFill>
+        <p:spPr bwMode="auto">
+          <a:xfrm>
+            <a:off x="190838" y="1340768"/>
+            <a:ext cx="8784974" cy="4301756"/>
+          </a:xfrm>
+          <a:prstGeom prst="rect">
+            <a:avLst/>
+          </a:prstGeom>
+          <a:noFill/>
+          <a:ln>
+            <a:noFill/>
+          </a:ln>
+          <a:effectLst/>
+          <a:extLst>
+            <a:ext uri="{909E8E84-426E-40DD-AFC4-6F175D3DCCD1}">
+              <a14:hiddenFill xmlns:a14="http://schemas.microsoft.com/office/drawing/2010/main">
+                <a:solidFill>
+                  <a:schemeClr val="accent1"/>
+                </a:solidFill>
+              </a14:hiddenFill>
+            </a:ext>
+            <a:ext uri="{91240B29-F687-4F45-9708-019B960494DF}">
+              <a14:hiddenLine xmlns:a14="http://schemas.microsoft.com/office/drawing/2010/main" w="9525">
+                <a:solidFill>
+                  <a:schemeClr val="tx1"/>
+                </a:solidFill>
+                <a:miter lim="800000"/>
+                <a:headEnd/>
+                <a:tailEnd/>
+              </a14:hiddenLine>
+            </a:ext>
+            <a:ext uri="{AF507438-7753-43E0-B8FC-AC1667EBCBE1}">
+              <a14:hiddenEffects xmlns:a14="http://schemas.microsoft.com/office/drawing/2010/main">
+                <a:effectLst>
+                  <a:outerShdw dist="35921" dir="2700000" algn="ctr" rotWithShape="0">
+                    <a:schemeClr val="bg2"/>
+                  </a:outerShdw>
+                </a:effectLst>
+              </a14:hiddenEffects>
+            </a:ext>
+          </a:extLst>
+        </p:spPr>
+      </p:pic>
+      <p:sp>
+        <p:nvSpPr>
+          <p:cNvPr id="4" name="Foliennummernplatzhalter 3"/>
+          <p:cNvSpPr>
+            <a:spLocks noGrp="1"/>
+          </p:cNvSpPr>
+          <p:nvPr>
+            <p:ph type="sldNum" sz="quarter" idx="12"/>
           </p:nvPr>
         </p:nvSpPr>
         <p:spPr/>
@@ -3891,6 +8510,10 @@
           <a:bodyPr/>
           <a:lstStyle/>
           <a:p>
+            <a:fld id="{4FACE48E-4A67-48DB-AD36-251A6BBFC9D3}" type="slidenum">
+              <a:rPr lang="de-AT" smtClean="0"/>
+              <a:t>6</a:t>
+            </a:fld>
             <a:endParaRPr lang="de-AT"/>
           </a:p>
         </p:txBody>
@@ -3898,7 +8521,7 @@
     </p:spTree>
     <p:extLst>
       <p:ext uri="{BB962C8B-B14F-4D97-AF65-F5344CB8AC3E}">
-        <p14:creationId xmlns:p14="http://schemas.microsoft.com/office/powerpoint/2010/main" val="2887702835"/>
+        <p14:creationId xmlns:p14="http://schemas.microsoft.com/office/powerpoint/2010/main" val="3336952592"/>
       </p:ext>
     </p:extLst>
   </p:cSld>
@@ -3948,21 +8571,21 @@
           <a:lstStyle/>
           <a:p>
             <a:r>
-              <a:rPr lang="de-AT" dirty="0" err="1" smtClean="0"/>
-              <a:t>Collisionsregeln</a:t>
-            </a:r>
-            <a:endParaRPr lang="de-AT" dirty="0"/>
-          </a:p>
-        </p:txBody>
-      </p:sp>
-      <p:sp>
-        <p:nvSpPr>
-          <p:cNvPr id="3" name="Inhaltsplatzhalter 2"/>
-          <p:cNvSpPr>
-            <a:spLocks noGrp="1"/>
-          </p:cNvSpPr>
-          <p:nvPr>
-            <p:ph idx="1"/>
+              <a:rPr lang="de-DE" dirty="0" smtClean="0"/>
+              <a:t>View</a:t>
+            </a:r>
+            <a:endParaRPr lang="de-DE" dirty="0"/>
+          </a:p>
+        </p:txBody>
+      </p:sp>
+      <p:sp>
+        <p:nvSpPr>
+          <p:cNvPr id="4" name="Foliennummernplatzhalter 3"/>
+          <p:cNvSpPr>
+            <a:spLocks noGrp="1"/>
+          </p:cNvSpPr>
+          <p:nvPr>
+            <p:ph type="sldNum" sz="quarter" idx="12"/>
           </p:nvPr>
         </p:nvSpPr>
         <p:spPr/>
@@ -3970,14 +8593,82 @@
           <a:bodyPr/>
           <a:lstStyle/>
           <a:p>
+            <a:fld id="{4FACE48E-4A67-48DB-AD36-251A6BBFC9D3}" type="slidenum">
+              <a:rPr lang="de-AT" smtClean="0"/>
+              <a:t>7</a:t>
+            </a:fld>
             <a:endParaRPr lang="de-AT"/>
           </a:p>
         </p:txBody>
       </p:sp>
+      <p:pic>
+        <p:nvPicPr>
+          <p:cNvPr id="7171" name="Picture 3"/>
+          <p:cNvPicPr>
+            <a:picLocks noChangeAspect="1" noChangeArrowheads="1"/>
+          </p:cNvPicPr>
+          <p:nvPr/>
+        </p:nvPicPr>
+        <p:blipFill>
+          <a:blip r:embed="rId2">
+            <a:extLst>
+              <a:ext uri="{28A0092B-C50C-407E-A947-70E740481C1C}">
+                <a14:useLocalDpi xmlns:a14="http://schemas.microsoft.com/office/drawing/2010/main" val="0"/>
+              </a:ext>
+            </a:extLst>
+          </a:blip>
+          <a:srcRect/>
+          <a:stretch>
+            <a:fillRect/>
+          </a:stretch>
+        </p:blipFill>
+        <p:spPr bwMode="auto">
+          <a:xfrm>
+            <a:off x="179513" y="1954343"/>
+            <a:ext cx="8784976" cy="2949316"/>
+          </a:xfrm>
+          <a:prstGeom prst="rect">
+            <a:avLst/>
+          </a:prstGeom>
+          <a:noFill/>
+          <a:ln>
+            <a:noFill/>
+          </a:ln>
+          <a:effectLst/>
+          <a:extLst>
+            <a:ext uri="{909E8E84-426E-40DD-AFC4-6F175D3DCCD1}">
+              <a14:hiddenFill xmlns:a14="http://schemas.microsoft.com/office/drawing/2010/main">
+                <a:solidFill>
+                  <a:schemeClr val="accent1"/>
+                </a:solidFill>
+              </a14:hiddenFill>
+            </a:ext>
+            <a:ext uri="{91240B29-F687-4F45-9708-019B960494DF}">
+              <a14:hiddenLine xmlns:a14="http://schemas.microsoft.com/office/drawing/2010/main" w="9525">
+                <a:solidFill>
+                  <a:schemeClr val="tx1"/>
+                </a:solidFill>
+                <a:miter lim="800000"/>
+                <a:headEnd/>
+                <a:tailEnd/>
+              </a14:hiddenLine>
+            </a:ext>
+            <a:ext uri="{AF507438-7753-43E0-B8FC-AC1667EBCBE1}">
+              <a14:hiddenEffects xmlns:a14="http://schemas.microsoft.com/office/drawing/2010/main">
+                <a:effectLst>
+                  <a:outerShdw dist="35921" dir="2700000" algn="ctr" rotWithShape="0">
+                    <a:schemeClr val="bg2"/>
+                  </a:outerShdw>
+                </a:effectLst>
+              </a14:hiddenEffects>
+            </a:ext>
+          </a:extLst>
+        </p:spPr>
+      </p:pic>
     </p:spTree>
     <p:extLst>
       <p:ext uri="{BB962C8B-B14F-4D97-AF65-F5344CB8AC3E}">
-        <p14:creationId xmlns:p14="http://schemas.microsoft.com/office/powerpoint/2010/main" val="3900897602"/>
+        <p14:creationId xmlns:p14="http://schemas.microsoft.com/office/powerpoint/2010/main" val="251856714"/>
       </p:ext>
     </p:extLst>
   </p:cSld>
@@ -4026,18 +8717,86 @@
           <a:bodyPr/>
           <a:lstStyle/>
           <a:p>
-            <a:endParaRPr lang="de-AT" dirty="0"/>
-          </a:p>
-        </p:txBody>
-      </p:sp>
-      <p:sp>
-        <p:nvSpPr>
-          <p:cNvPr id="3" name="Inhaltsplatzhalter 2"/>
-          <p:cNvSpPr>
-            <a:spLocks noGrp="1"/>
-          </p:cNvSpPr>
-          <p:nvPr>
-            <p:ph idx="1"/>
+            <a:r>
+              <a:rPr lang="de-DE" dirty="0" smtClean="0"/>
+              <a:t>Netzwerkkommunikation (1)</a:t>
+            </a:r>
+            <a:endParaRPr lang="de-DE" dirty="0"/>
+          </a:p>
+        </p:txBody>
+      </p:sp>
+      <p:pic>
+        <p:nvPicPr>
+          <p:cNvPr id="5122" name="Picture 2"/>
+          <p:cNvPicPr>
+            <a:picLocks noChangeAspect="1" noChangeArrowheads="1"/>
+          </p:cNvPicPr>
+          <p:nvPr/>
+        </p:nvPicPr>
+        <p:blipFill>
+          <a:blip r:embed="rId2">
+            <a:extLst>
+              <a:ext uri="{28A0092B-C50C-407E-A947-70E740481C1C}">
+                <a14:useLocalDpi xmlns:a14="http://schemas.microsoft.com/office/drawing/2010/main" val="0"/>
+              </a:ext>
+            </a:extLst>
+          </a:blip>
+          <a:srcRect/>
+          <a:stretch>
+            <a:fillRect/>
+          </a:stretch>
+        </p:blipFill>
+        <p:spPr bwMode="auto">
+          <a:xfrm>
+            <a:off x="145545" y="2276873"/>
+            <a:ext cx="8852906" cy="2592286"/>
+          </a:xfrm>
+          <a:prstGeom prst="rect">
+            <a:avLst/>
+          </a:prstGeom>
+          <a:noFill/>
+          <a:ln>
+            <a:noFill/>
+          </a:ln>
+          <a:effectLst/>
+          <a:extLst>
+            <a:ext uri="{909E8E84-426E-40DD-AFC4-6F175D3DCCD1}">
+              <a14:hiddenFill xmlns:a14="http://schemas.microsoft.com/office/drawing/2010/main">
+                <a:solidFill>
+                  <a:schemeClr val="accent1"/>
+                </a:solidFill>
+              </a14:hiddenFill>
+            </a:ext>
+            <a:ext uri="{91240B29-F687-4F45-9708-019B960494DF}">
+              <a14:hiddenLine xmlns:a14="http://schemas.microsoft.com/office/drawing/2010/main" w="9525">
+                <a:solidFill>
+                  <a:schemeClr val="tx1"/>
+                </a:solidFill>
+                <a:miter lim="800000"/>
+                <a:headEnd/>
+                <a:tailEnd/>
+              </a14:hiddenLine>
+            </a:ext>
+            <a:ext uri="{AF507438-7753-43E0-B8FC-AC1667EBCBE1}">
+              <a14:hiddenEffects xmlns:a14="http://schemas.microsoft.com/office/drawing/2010/main">
+                <a:effectLst>
+                  <a:outerShdw dist="35921" dir="2700000" algn="ctr" rotWithShape="0">
+                    <a:schemeClr val="bg2"/>
+                  </a:outerShdw>
+                </a:effectLst>
+              </a14:hiddenEffects>
+            </a:ext>
+          </a:extLst>
+        </p:spPr>
+      </p:pic>
+      <p:sp>
+        <p:nvSpPr>
+          <p:cNvPr id="4" name="Foliennummernplatzhalter 3"/>
+          <p:cNvSpPr>
+            <a:spLocks noGrp="1"/>
+          </p:cNvSpPr>
+          <p:nvPr>
+            <p:ph type="sldNum" sz="quarter" idx="12"/>
           </p:nvPr>
         </p:nvSpPr>
         <p:spPr/>
@@ -4045,6 +8804,10 @@
           <a:bodyPr/>
           <a:lstStyle/>
           <a:p>
+            <a:fld id="{4FACE48E-4A67-48DB-AD36-251A6BBFC9D3}" type="slidenum">
+              <a:rPr lang="de-AT" smtClean="0"/>
+              <a:t>8</a:t>
+            </a:fld>
             <a:endParaRPr lang="de-AT"/>
           </a:p>
         </p:txBody>
@@ -4052,7 +8815,119 @@
     </p:spTree>
     <p:extLst>
       <p:ext uri="{BB962C8B-B14F-4D97-AF65-F5344CB8AC3E}">
-        <p14:creationId xmlns:p14="http://schemas.microsoft.com/office/powerpoint/2010/main" val="1932120891"/>
+        <p14:creationId xmlns:p14="http://schemas.microsoft.com/office/powerpoint/2010/main" val="962730881"/>
+      </p:ext>
+    </p:extLst>
+  </p:cSld>
+  <p:clrMapOvr>
+    <a:masterClrMapping/>
+  </p:clrMapOvr>
+  <p:timing>
+    <p:tnLst>
+      <p:par>
+        <p:cTn id="1" dur="indefinite" restart="never" nodeType="tmRoot"/>
+      </p:par>
+    </p:tnLst>
+  </p:timing>
+</p:sld>
+</file>
+
+<file path=ppt/slides/slide9.xml><?xml version="1.0" encoding="utf-8"?>
+<p:sld xmlns:a="http://schemas.openxmlformats.org/drawingml/2006/main" xmlns:r="http://schemas.openxmlformats.org/officeDocument/2006/relationships" xmlns:p="http://schemas.openxmlformats.org/presentationml/2006/main">
+  <p:cSld>
+    <p:spTree>
+      <p:nvGrpSpPr>
+        <p:cNvPr id="1" name=""/>
+        <p:cNvGrpSpPr/>
+        <p:nvPr/>
+      </p:nvGrpSpPr>
+      <p:grpSpPr>
+        <a:xfrm>
+          <a:off x="0" y="0"/>
+          <a:ext cx="0" cy="0"/>
+          <a:chOff x="0" y="0"/>
+          <a:chExt cx="0" cy="0"/>
+        </a:xfrm>
+      </p:grpSpPr>
+      <p:sp>
+        <p:nvSpPr>
+          <p:cNvPr id="2" name="Titel 1"/>
+          <p:cNvSpPr>
+            <a:spLocks noGrp="1"/>
+          </p:cNvSpPr>
+          <p:nvPr>
+            <p:ph type="title"/>
+          </p:nvPr>
+        </p:nvSpPr>
+        <p:spPr/>
+        <p:txBody>
+          <a:bodyPr/>
+          <a:lstStyle/>
+          <a:p>
+            <a:r>
+              <a:rPr lang="de-DE" dirty="0" smtClean="0"/>
+              <a:t>Netzwerkkommunikation (2)</a:t>
+            </a:r>
+            <a:endParaRPr lang="de-DE" dirty="0"/>
+          </a:p>
+        </p:txBody>
+      </p:sp>
+      <p:pic>
+        <p:nvPicPr>
+          <p:cNvPr id="4" name="Inhaltsplatzhalter 3"/>
+          <p:cNvPicPr>
+            <a:picLocks noChangeAspect="1"/>
+          </p:cNvPicPr>
+          <p:nvPr/>
+        </p:nvPicPr>
+        <p:blipFill rotWithShape="1">
+          <a:blip r:embed="rId2">
+            <a:extLst>
+              <a:ext uri="{28A0092B-C50C-407E-A947-70E740481C1C}">
+                <a14:useLocalDpi xmlns:a14="http://schemas.microsoft.com/office/drawing/2010/main" val="0"/>
+              </a:ext>
+            </a:extLst>
+          </a:blip>
+          <a:srcRect l="7067" t="10201" r="6771"/>
+          <a:stretch/>
+        </p:blipFill>
+        <p:spPr>
+          <a:xfrm>
+            <a:off x="1115616" y="1340768"/>
+            <a:ext cx="6840760" cy="5347171"/>
+          </a:xfrm>
+          <a:prstGeom prst="rect">
+            <a:avLst/>
+          </a:prstGeom>
+        </p:spPr>
+      </p:pic>
+      <p:sp>
+        <p:nvSpPr>
+          <p:cNvPr id="5" name="Foliennummernplatzhalter 4"/>
+          <p:cNvSpPr>
+            <a:spLocks noGrp="1"/>
+          </p:cNvSpPr>
+          <p:nvPr>
+            <p:ph type="sldNum" sz="quarter" idx="12"/>
+          </p:nvPr>
+        </p:nvSpPr>
+        <p:spPr/>
+        <p:txBody>
+          <a:bodyPr/>
+          <a:lstStyle/>
+          <a:p>
+            <a:fld id="{4FACE48E-4A67-48DB-AD36-251A6BBFC9D3}" type="slidenum">
+              <a:rPr lang="de-AT" smtClean="0"/>
+              <a:t>9</a:t>
+            </a:fld>
+            <a:endParaRPr lang="de-AT"/>
+          </a:p>
+        </p:txBody>
+      </p:sp>
+    </p:spTree>
+    <p:extLst>
+      <p:ext uri="{BB962C8B-B14F-4D97-AF65-F5344CB8AC3E}">
+        <p14:creationId xmlns:p14="http://schemas.microsoft.com/office/powerpoint/2010/main" val="1337098379"/>
       </p:ext>
     </p:extLst>
   </p:cSld>
@@ -4352,4 +9227,289 @@
   <a:objectDefaults/>
   <a:extraClrSchemeLst/>
 </a:theme>
+</file>
+
+<file path=ppt/theme/theme2.xml><?xml version="1.0" encoding="utf-8"?>
+<a:theme xmlns:a="http://schemas.openxmlformats.org/drawingml/2006/main" name="Larissa">
+  <a:themeElements>
+    <a:clrScheme name="Larissa">
+      <a:dk1>
+        <a:sysClr val="windowText" lastClr="000000"/>
+      </a:dk1>
+      <a:lt1>
+        <a:sysClr val="window" lastClr="FFFFFF"/>
+      </a:lt1>
+      <a:dk2>
+        <a:srgbClr val="1F497D"/>
+      </a:dk2>
+      <a:lt2>
+        <a:srgbClr val="EEECE1"/>
+      </a:lt2>
+      <a:accent1>
+        <a:srgbClr val="4F81BD"/>
+      </a:accent1>
+      <a:accent2>
+        <a:srgbClr val="C0504D"/>
+      </a:accent2>
+      <a:accent3>
+        <a:srgbClr val="9BBB59"/>
+      </a:accent3>
+      <a:accent4>
+        <a:srgbClr val="8064A2"/>
+      </a:accent4>
+      <a:accent5>
+        <a:srgbClr val="4BACC6"/>
+      </a:accent5>
+      <a:accent6>
+        <a:srgbClr val="F79646"/>
+      </a:accent6>
+      <a:hlink>
+        <a:srgbClr val="0000FF"/>
+      </a:hlink>
+      <a:folHlink>
+        <a:srgbClr val="800080"/>
+      </a:folHlink>
+    </a:clrScheme>
+    <a:fontScheme name="Larissa">
+      <a:majorFont>
+        <a:latin typeface="Calibri"/>
+        <a:ea typeface=""/>
+        <a:cs typeface=""/>
+        <a:font script="Jpan" typeface="ＭＳ Ｐゴシック"/>
+        <a:font script="Hang" typeface="맑은 고딕"/>
+        <a:font script="Hans" typeface="宋体"/>
+        <a:font script="Hant" typeface="新細明體"/>
+        <a:font script="Arab" typeface="Times New Roman"/>
+        <a:font script="Hebr" typeface="Times New Roman"/>
+        <a:font script="Thai" typeface="Angsana New"/>
+        <a:font script="Ethi" typeface="Nyala"/>
+        <a:font script="Beng" typeface="Vrinda"/>
+        <a:font script="Gujr" typeface="Shruti"/>
+        <a:font script="Khmr" typeface="MoolBoran"/>
+        <a:font script="Knda" typeface="Tunga"/>
+        <a:font script="Guru" typeface="Raavi"/>
+        <a:font script="Cans" typeface="Euphemia"/>
+        <a:font script="Cher" typeface="Plantagenet Cherokee"/>
+        <a:font script="Yiii" typeface="Microsoft Yi Baiti"/>
+        <a:font script="Tibt" typeface="Microsoft Himalaya"/>
+        <a:font script="Thaa" typeface="MV Boli"/>
+        <a:font script="Deva" typeface="Mangal"/>
+        <a:font script="Telu" typeface="Gautami"/>
+        <a:font script="Taml" typeface="Latha"/>
+        <a:font script="Syrc" typeface="Estrangelo Edessa"/>
+        <a:font script="Orya" typeface="Kalinga"/>
+        <a:font script="Mlym" typeface="Kartika"/>
+        <a:font script="Laoo" typeface="DokChampa"/>
+        <a:font script="Sinh" typeface="Iskoola Pota"/>
+        <a:font script="Mong" typeface="Mongolian Baiti"/>
+        <a:font script="Viet" typeface="Times New Roman"/>
+        <a:font script="Uigh" typeface="Microsoft Uighur"/>
+        <a:font script="Geor" typeface="Sylfaen"/>
+      </a:majorFont>
+      <a:minorFont>
+        <a:latin typeface="Calibri"/>
+        <a:ea typeface=""/>
+        <a:cs typeface=""/>
+        <a:font script="Jpan" typeface="ＭＳ Ｐゴシック"/>
+        <a:font script="Hang" typeface="맑은 고딕"/>
+        <a:font script="Hans" typeface="宋体"/>
+        <a:font script="Hant" typeface="新細明體"/>
+        <a:font script="Arab" typeface="Arial"/>
+        <a:font script="Hebr" typeface="Arial"/>
+        <a:font script="Thai" typeface="Cordia New"/>
+        <a:font script="Ethi" typeface="Nyala"/>
+        <a:font script="Beng" typeface="Vrinda"/>
+        <a:font script="Gujr" typeface="Shruti"/>
+        <a:font script="Khmr" typeface="DaunPenh"/>
+        <a:font script="Knda" typeface="Tunga"/>
+        <a:font script="Guru" typeface="Raavi"/>
+        <a:font script="Cans" typeface="Euphemia"/>
+        <a:font script="Cher" typeface="Plantagenet Cherokee"/>
+        <a:font script="Yiii" typeface="Microsoft Yi Baiti"/>
+        <a:font script="Tibt" typeface="Microsoft Himalaya"/>
+        <a:font script="Thaa" typeface="MV Boli"/>
+        <a:font script="Deva" typeface="Mangal"/>
+        <a:font script="Telu" typeface="Gautami"/>
+        <a:font script="Taml" typeface="Latha"/>
+        <a:font script="Syrc" typeface="Estrangelo Edessa"/>
+        <a:font script="Orya" typeface="Kalinga"/>
+        <a:font script="Mlym" typeface="Kartika"/>
+        <a:font script="Laoo" typeface="DokChampa"/>
+        <a:font script="Sinh" typeface="Iskoola Pota"/>
+        <a:font script="Mong" typeface="Mongolian Baiti"/>
+        <a:font script="Viet" typeface="Arial"/>
+        <a:font script="Uigh" typeface="Microsoft Uighur"/>
+        <a:font script="Geor" typeface="Sylfaen"/>
+      </a:minorFont>
+    </a:fontScheme>
+    <a:fmtScheme name="Larissa">
+      <a:fillStyleLst>
+        <a:solidFill>
+          <a:schemeClr val="phClr"/>
+        </a:solidFill>
+        <a:gradFill rotWithShape="1">
+          <a:gsLst>
+            <a:gs pos="0">
+              <a:schemeClr val="phClr">
+                <a:tint val="50000"/>
+                <a:satMod val="300000"/>
+              </a:schemeClr>
+            </a:gs>
+            <a:gs pos="35000">
+              <a:schemeClr val="phClr">
+                <a:tint val="37000"/>
+                <a:satMod val="300000"/>
+              </a:schemeClr>
+            </a:gs>
+            <a:gs pos="100000">
+              <a:schemeClr val="phClr">
+                <a:tint val="15000"/>
+                <a:satMod val="350000"/>
+              </a:schemeClr>
+            </a:gs>
+          </a:gsLst>
+          <a:lin ang="16200000" scaled="1"/>
+        </a:gradFill>
+        <a:gradFill rotWithShape="1">
+          <a:gsLst>
+            <a:gs pos="0">
+              <a:schemeClr val="phClr">
+                <a:shade val="51000"/>
+                <a:satMod val="130000"/>
+              </a:schemeClr>
+            </a:gs>
+            <a:gs pos="80000">
+              <a:schemeClr val="phClr">
+                <a:shade val="93000"/>
+                <a:satMod val="130000"/>
+              </a:schemeClr>
+            </a:gs>
+            <a:gs pos="100000">
+              <a:schemeClr val="phClr">
+                <a:shade val="94000"/>
+                <a:satMod val="135000"/>
+              </a:schemeClr>
+            </a:gs>
+          </a:gsLst>
+          <a:lin ang="16200000" scaled="0"/>
+        </a:gradFill>
+      </a:fillStyleLst>
+      <a:lnStyleLst>
+        <a:ln w="9525" cap="flat" cmpd="sng" algn="ctr">
+          <a:solidFill>
+            <a:schemeClr val="phClr">
+              <a:shade val="95000"/>
+              <a:satMod val="105000"/>
+            </a:schemeClr>
+          </a:solidFill>
+          <a:prstDash val="solid"/>
+        </a:ln>
+        <a:ln w="25400" cap="flat" cmpd="sng" algn="ctr">
+          <a:solidFill>
+            <a:schemeClr val="phClr"/>
+          </a:solidFill>
+          <a:prstDash val="solid"/>
+        </a:ln>
+        <a:ln w="38100" cap="flat" cmpd="sng" algn="ctr">
+          <a:solidFill>
+            <a:schemeClr val="phClr"/>
+          </a:solidFill>
+          <a:prstDash val="solid"/>
+        </a:ln>
+      </a:lnStyleLst>
+      <a:effectStyleLst>
+        <a:effectStyle>
+          <a:effectLst>
+            <a:outerShdw blurRad="40000" dist="20000" dir="5400000" rotWithShape="0">
+              <a:srgbClr val="000000">
+                <a:alpha val="38000"/>
+              </a:srgbClr>
+            </a:outerShdw>
+          </a:effectLst>
+        </a:effectStyle>
+        <a:effectStyle>
+          <a:effectLst>
+            <a:outerShdw blurRad="40000" dist="23000" dir="5400000" rotWithShape="0">
+              <a:srgbClr val="000000">
+                <a:alpha val="35000"/>
+              </a:srgbClr>
+            </a:outerShdw>
+          </a:effectLst>
+        </a:effectStyle>
+        <a:effectStyle>
+          <a:effectLst>
+            <a:outerShdw blurRad="40000" dist="23000" dir="5400000" rotWithShape="0">
+              <a:srgbClr val="000000">
+                <a:alpha val="35000"/>
+              </a:srgbClr>
+            </a:outerShdw>
+          </a:effectLst>
+          <a:scene3d>
+            <a:camera prst="orthographicFront">
+              <a:rot lat="0" lon="0" rev="0"/>
+            </a:camera>
+            <a:lightRig rig="threePt" dir="t">
+              <a:rot lat="0" lon="0" rev="1200000"/>
+            </a:lightRig>
+          </a:scene3d>
+          <a:sp3d>
+            <a:bevelT w="63500" h="25400"/>
+          </a:sp3d>
+        </a:effectStyle>
+      </a:effectStyleLst>
+      <a:bgFillStyleLst>
+        <a:solidFill>
+          <a:schemeClr val="phClr"/>
+        </a:solidFill>
+        <a:gradFill rotWithShape="1">
+          <a:gsLst>
+            <a:gs pos="0">
+              <a:schemeClr val="phClr">
+                <a:tint val="40000"/>
+                <a:satMod val="350000"/>
+              </a:schemeClr>
+            </a:gs>
+            <a:gs pos="40000">
+              <a:schemeClr val="phClr">
+                <a:tint val="45000"/>
+                <a:shade val="99000"/>
+                <a:satMod val="350000"/>
+              </a:schemeClr>
+            </a:gs>
+            <a:gs pos="100000">
+              <a:schemeClr val="phClr">
+                <a:shade val="20000"/>
+                <a:satMod val="255000"/>
+              </a:schemeClr>
+            </a:gs>
+          </a:gsLst>
+          <a:path path="circle">
+            <a:fillToRect l="50000" t="-80000" r="50000" b="180000"/>
+          </a:path>
+        </a:gradFill>
+        <a:gradFill rotWithShape="1">
+          <a:gsLst>
+            <a:gs pos="0">
+              <a:schemeClr val="phClr">
+                <a:tint val="80000"/>
+                <a:satMod val="300000"/>
+              </a:schemeClr>
+            </a:gs>
+            <a:gs pos="100000">
+              <a:schemeClr val="phClr">
+                <a:shade val="30000"/>
+                <a:satMod val="200000"/>
+              </a:schemeClr>
+            </a:gs>
+          </a:gsLst>
+          <a:path path="circle">
+            <a:fillToRect l="50000" t="50000" r="50000" b="50000"/>
+          </a:path>
+        </a:gradFill>
+      </a:bgFillStyleLst>
+    </a:fmtScheme>
+  </a:themeElements>
+  <a:objectDefaults/>
+  <a:extraClrSchemeLst/>
+</a:theme>
 </file>
--- a/trunk/KuBatsch/docs/presentation/final.pptx
+++ b/trunk/KuBatsch/docs/presentation/final.pptx
@@ -5,7 +5,7 @@
     <p:sldMasterId id="2147483648" r:id="rId1"/>
   </p:sldMasterIdLst>
   <p:notesMasterIdLst>
-    <p:notesMasterId r:id="rId20"/>
+    <p:notesMasterId r:id="rId25"/>
   </p:notesMasterIdLst>
   <p:sldIdLst>
     <p:sldId id="256" r:id="rId2"/>
@@ -25,7 +25,12 @@
     <p:sldId id="267" r:id="rId16"/>
     <p:sldId id="268" r:id="rId17"/>
     <p:sldId id="269" r:id="rId18"/>
-    <p:sldId id="262" r:id="rId19"/>
+    <p:sldId id="275" r:id="rId19"/>
+    <p:sldId id="276" r:id="rId20"/>
+    <p:sldId id="277" r:id="rId21"/>
+    <p:sldId id="278" r:id="rId22"/>
+    <p:sldId id="279" r:id="rId23"/>
+    <p:sldId id="280" r:id="rId24"/>
   </p:sldIdLst>
   <p:sldSz cx="9144000" cy="6858000" type="screen4x3"/>
   <p:notesSz cx="6858000" cy="9144000"/>
@@ -7695,6 +7700,10 @@
           <a:bodyPr/>
           <a:lstStyle/>
           <a:p>
+            <a:r>
+              <a:rPr lang="de-AT" dirty="0" smtClean="0"/>
+              <a:t>Kollision</a:t>
+            </a:r>
             <a:endParaRPr lang="de-AT" dirty="0"/>
           </a:p>
         </p:txBody>
@@ -7714,29 +7723,324 @@
           <a:bodyPr/>
           <a:lstStyle/>
           <a:p>
+            <a:r>
+              <a:rPr lang="de-AT" dirty="0" smtClean="0"/>
+              <a:t>Zwei Phasen</a:t>
+            </a:r>
+          </a:p>
+          <a:p>
+            <a:pPr lvl="1"/>
+            <a:r>
+              <a:rPr lang="de-AT" dirty="0" smtClean="0"/>
+              <a:t>Rechteckkollision</a:t>
+            </a:r>
+          </a:p>
+          <a:p>
+            <a:pPr lvl="1"/>
+            <a:r>
+              <a:rPr lang="de-AT" dirty="0" smtClean="0"/>
+              <a:t>Polygonkollision</a:t>
+            </a:r>
+          </a:p>
+          <a:p>
+            <a:r>
+              <a:rPr lang="de-AT" dirty="0" smtClean="0"/>
+              <a:t>Linienüberschneidung von zwei Polygone = Kollision</a:t>
+            </a:r>
+          </a:p>
+          <a:p>
+            <a:r>
+              <a:rPr lang="de-AT" dirty="0" smtClean="0"/>
+              <a:t>Polygone haben verschiedene Kollisionspunkte -&gt; Basis für Linienüberschneidung</a:t>
+            </a:r>
+          </a:p>
+        </p:txBody>
+      </p:sp>
+      <p:cxnSp>
+        <p:nvCxnSpPr>
+          <p:cNvPr id="9" name="Gerade Verbindung 8"/>
+          <p:cNvCxnSpPr>
+            <a:stCxn id="6" idx="7"/>
+            <a:endCxn id="7" idx="3"/>
+          </p:cNvCxnSpPr>
+          <p:nvPr/>
+        </p:nvCxnSpPr>
+        <p:spPr>
+          <a:xfrm flipV="1">
+            <a:off x="6783157" y="4344013"/>
+            <a:ext cx="978286" cy="1266318"/>
+          </a:xfrm>
+          <a:prstGeom prst="line">
+            <a:avLst/>
+          </a:prstGeom>
+        </p:spPr>
+        <p:style>
+          <a:lnRef idx="3">
+            <a:schemeClr val="accent1"/>
+          </a:lnRef>
+          <a:fillRef idx="0">
+            <a:schemeClr val="accent1"/>
+          </a:fillRef>
+          <a:effectRef idx="2">
+            <a:schemeClr val="accent1"/>
+          </a:effectRef>
+          <a:fontRef idx="minor">
+            <a:schemeClr val="tx1"/>
+          </a:fontRef>
+        </p:style>
+      </p:cxnSp>
+      <p:cxnSp>
+        <p:nvCxnSpPr>
+          <p:cNvPr id="23" name="Gerade Verbindung 22"/>
+          <p:cNvCxnSpPr/>
+          <p:nvPr/>
+        </p:nvCxnSpPr>
+        <p:spPr>
+          <a:xfrm flipV="1">
+            <a:off x="7609529" y="4869160"/>
+            <a:ext cx="978286" cy="1266318"/>
+          </a:xfrm>
+          <a:prstGeom prst="line">
+            <a:avLst/>
+          </a:prstGeom>
+        </p:spPr>
+        <p:style>
+          <a:lnRef idx="3">
+            <a:schemeClr val="accent1"/>
+          </a:lnRef>
+          <a:fillRef idx="0">
+            <a:schemeClr val="accent1"/>
+          </a:fillRef>
+          <a:effectRef idx="2">
+            <a:schemeClr val="accent1"/>
+          </a:effectRef>
+          <a:fontRef idx="minor">
+            <a:schemeClr val="tx1"/>
+          </a:fontRef>
+        </p:style>
+      </p:cxnSp>
+      <p:cxnSp>
+        <p:nvCxnSpPr>
+          <p:cNvPr id="27" name="Gerade Verbindung 26"/>
+          <p:cNvCxnSpPr>
+            <a:stCxn id="6" idx="5"/>
+            <a:endCxn id="25" idx="1"/>
+          </p:cNvCxnSpPr>
+          <p:nvPr/>
+        </p:nvCxnSpPr>
+        <p:spPr>
+          <a:xfrm>
+            <a:off x="6783157" y="5712165"/>
+            <a:ext cx="703447" cy="444404"/>
+          </a:xfrm>
+          <a:prstGeom prst="line">
+            <a:avLst/>
+          </a:prstGeom>
+        </p:spPr>
+        <p:style>
+          <a:lnRef idx="3">
+            <a:schemeClr val="accent1"/>
+          </a:lnRef>
+          <a:fillRef idx="0">
+            <a:schemeClr val="accent1"/>
+          </a:fillRef>
+          <a:effectRef idx="2">
+            <a:schemeClr val="accent1"/>
+          </a:effectRef>
+          <a:fontRef idx="minor">
+            <a:schemeClr val="tx1"/>
+          </a:fontRef>
+        </p:style>
+      </p:cxnSp>
+      <p:cxnSp>
+        <p:nvCxnSpPr>
+          <p:cNvPr id="31" name="Gerade Verbindung 30"/>
+          <p:cNvCxnSpPr>
+            <a:stCxn id="7" idx="5"/>
+            <a:endCxn id="24" idx="1"/>
+          </p:cNvCxnSpPr>
+          <p:nvPr/>
+        </p:nvCxnSpPr>
+        <p:spPr>
+          <a:xfrm>
+            <a:off x="7863277" y="4344013"/>
+            <a:ext cx="703447" cy="444404"/>
+          </a:xfrm>
+          <a:prstGeom prst="line">
+            <a:avLst/>
+          </a:prstGeom>
+        </p:spPr>
+        <p:style>
+          <a:lnRef idx="3">
+            <a:schemeClr val="accent1"/>
+          </a:lnRef>
+          <a:fillRef idx="0">
+            <a:schemeClr val="accent1"/>
+          </a:fillRef>
+          <a:effectRef idx="2">
+            <a:schemeClr val="accent1"/>
+          </a:effectRef>
+          <a:fontRef idx="minor">
+            <a:schemeClr val="tx1"/>
+          </a:fontRef>
+        </p:style>
+      </p:cxnSp>
+      <p:sp>
+        <p:nvSpPr>
+          <p:cNvPr id="7" name="Ellipse 6"/>
+          <p:cNvSpPr/>
+          <p:nvPr/>
+        </p:nvSpPr>
+        <p:spPr>
+          <a:xfrm>
+            <a:off x="7740352" y="4221088"/>
+            <a:ext cx="144016" cy="144016"/>
+          </a:xfrm>
+          <a:prstGeom prst="ellipse">
+            <a:avLst/>
+          </a:prstGeom>
+        </p:spPr>
+        <p:style>
+          <a:lnRef idx="2">
+            <a:schemeClr val="accent1">
+              <a:shade val="50000"/>
+            </a:schemeClr>
+          </a:lnRef>
+          <a:fillRef idx="1">
+            <a:schemeClr val="accent1"/>
+          </a:fillRef>
+          <a:effectRef idx="0">
+            <a:schemeClr val="accent1"/>
+          </a:effectRef>
+          <a:fontRef idx="minor">
+            <a:schemeClr val="lt1"/>
+          </a:fontRef>
+        </p:style>
+        <p:txBody>
+          <a:bodyPr rtlCol="0" anchor="ctr"/>
+          <a:lstStyle/>
+          <a:p>
+            <a:pPr algn="ctr"/>
             <a:endParaRPr lang="de-AT"/>
           </a:p>
         </p:txBody>
       </p:sp>
       <p:sp>
         <p:nvSpPr>
-          <p:cNvPr id="4" name="Foliennummernplatzhalter 3"/>
-          <p:cNvSpPr>
-            <a:spLocks noGrp="1"/>
-          </p:cNvSpPr>
-          <p:nvPr>
-            <p:ph type="sldNum" sz="quarter" idx="12"/>
-          </p:nvPr>
-        </p:nvSpPr>
-        <p:spPr/>
-        <p:txBody>
-          <a:bodyPr/>
-          <a:lstStyle/>
-          <a:p>
-            <a:fld id="{4FACE48E-4A67-48DB-AD36-251A6BBFC9D3}" type="slidenum">
-              <a:rPr lang="de-AT" smtClean="0"/>
-              <a:t>18</a:t>
-            </a:fld>
+          <p:cNvPr id="6" name="Ellipse 5"/>
+          <p:cNvSpPr/>
+          <p:nvPr/>
+        </p:nvSpPr>
+        <p:spPr>
+          <a:xfrm>
+            <a:off x="6660232" y="5589240"/>
+            <a:ext cx="144016" cy="144016"/>
+          </a:xfrm>
+          <a:prstGeom prst="ellipse">
+            <a:avLst/>
+          </a:prstGeom>
+        </p:spPr>
+        <p:style>
+          <a:lnRef idx="2">
+            <a:schemeClr val="accent1">
+              <a:shade val="50000"/>
+            </a:schemeClr>
+          </a:lnRef>
+          <a:fillRef idx="1">
+            <a:schemeClr val="accent1"/>
+          </a:fillRef>
+          <a:effectRef idx="0">
+            <a:schemeClr val="accent1"/>
+          </a:effectRef>
+          <a:fontRef idx="minor">
+            <a:schemeClr val="lt1"/>
+          </a:fontRef>
+        </p:style>
+        <p:txBody>
+          <a:bodyPr rtlCol="0" anchor="ctr"/>
+          <a:lstStyle/>
+          <a:p>
+            <a:pPr algn="ctr"/>
+            <a:endParaRPr lang="de-AT"/>
+          </a:p>
+        </p:txBody>
+      </p:sp>
+      <p:sp>
+        <p:nvSpPr>
+          <p:cNvPr id="24" name="Ellipse 23"/>
+          <p:cNvSpPr/>
+          <p:nvPr/>
+        </p:nvSpPr>
+        <p:spPr>
+          <a:xfrm>
+            <a:off x="8545633" y="4767326"/>
+            <a:ext cx="144016" cy="144016"/>
+          </a:xfrm>
+          <a:prstGeom prst="ellipse">
+            <a:avLst/>
+          </a:prstGeom>
+        </p:spPr>
+        <p:style>
+          <a:lnRef idx="2">
+            <a:schemeClr val="accent1">
+              <a:shade val="50000"/>
+            </a:schemeClr>
+          </a:lnRef>
+          <a:fillRef idx="1">
+            <a:schemeClr val="accent1"/>
+          </a:fillRef>
+          <a:effectRef idx="0">
+            <a:schemeClr val="accent1"/>
+          </a:effectRef>
+          <a:fontRef idx="minor">
+            <a:schemeClr val="lt1"/>
+          </a:fontRef>
+        </p:style>
+        <p:txBody>
+          <a:bodyPr rtlCol="0" anchor="ctr"/>
+          <a:lstStyle/>
+          <a:p>
+            <a:pPr algn="ctr"/>
+            <a:endParaRPr lang="de-AT"/>
+          </a:p>
+        </p:txBody>
+      </p:sp>
+      <p:sp>
+        <p:nvSpPr>
+          <p:cNvPr id="25" name="Ellipse 24"/>
+          <p:cNvSpPr/>
+          <p:nvPr/>
+        </p:nvSpPr>
+        <p:spPr>
+          <a:xfrm>
+            <a:off x="7465513" y="6135478"/>
+            <a:ext cx="144016" cy="144016"/>
+          </a:xfrm>
+          <a:prstGeom prst="ellipse">
+            <a:avLst/>
+          </a:prstGeom>
+        </p:spPr>
+        <p:style>
+          <a:lnRef idx="2">
+            <a:schemeClr val="accent1">
+              <a:shade val="50000"/>
+            </a:schemeClr>
+          </a:lnRef>
+          <a:fillRef idx="1">
+            <a:schemeClr val="accent1"/>
+          </a:fillRef>
+          <a:effectRef idx="0">
+            <a:schemeClr val="accent1"/>
+          </a:effectRef>
+          <a:fontRef idx="minor">
+            <a:schemeClr val="lt1"/>
+          </a:fontRef>
+        </p:style>
+        <p:txBody>
+          <a:bodyPr rtlCol="0" anchor="ctr"/>
+          <a:lstStyle/>
+          <a:p>
+            <a:pPr algn="ctr"/>
             <a:endParaRPr lang="de-AT"/>
           </a:p>
         </p:txBody>
@@ -7744,7 +8048,202 @@
     </p:spTree>
     <p:extLst>
       <p:ext uri="{BB962C8B-B14F-4D97-AF65-F5344CB8AC3E}">
-        <p14:creationId xmlns:p14="http://schemas.microsoft.com/office/powerpoint/2010/main" val="1932120891"/>
+        <p14:creationId xmlns:p14="http://schemas.microsoft.com/office/powerpoint/2010/main" val="401040057"/>
+      </p:ext>
+    </p:extLst>
+  </p:cSld>
+  <p:clrMapOvr>
+    <a:masterClrMapping/>
+  </p:clrMapOvr>
+  <p:timing>
+    <p:tnLst>
+      <p:par>
+        <p:cTn id="1" dur="indefinite" restart="never" nodeType="tmRoot"/>
+      </p:par>
+    </p:tnLst>
+  </p:timing>
+</p:sld>
+</file>
+
+<file path=ppt/slides/slide19.xml><?xml version="1.0" encoding="utf-8"?>
+<p:sld xmlns:a="http://schemas.openxmlformats.org/drawingml/2006/main" xmlns:r="http://schemas.openxmlformats.org/officeDocument/2006/relationships" xmlns:p="http://schemas.openxmlformats.org/presentationml/2006/main">
+  <p:cSld>
+    <p:spTree>
+      <p:nvGrpSpPr>
+        <p:cNvPr id="1" name=""/>
+        <p:cNvGrpSpPr/>
+        <p:nvPr/>
+      </p:nvGrpSpPr>
+      <p:grpSpPr>
+        <a:xfrm>
+          <a:off x="0" y="0"/>
+          <a:ext cx="0" cy="0"/>
+          <a:chOff x="0" y="0"/>
+          <a:chExt cx="0" cy="0"/>
+        </a:xfrm>
+      </p:grpSpPr>
+      <p:sp>
+        <p:nvSpPr>
+          <p:cNvPr id="2" name="Titel 1"/>
+          <p:cNvSpPr>
+            <a:spLocks noGrp="1"/>
+          </p:cNvSpPr>
+          <p:nvPr>
+            <p:ph type="title"/>
+          </p:nvPr>
+        </p:nvSpPr>
+        <p:spPr/>
+        <p:txBody>
+          <a:bodyPr/>
+          <a:lstStyle/>
+          <a:p>
+            <a:r>
+              <a:rPr lang="de-AT" dirty="0" smtClean="0"/>
+              <a:t>Rechteckkollisionsprüfung</a:t>
+            </a:r>
+            <a:endParaRPr lang="de-AT" dirty="0"/>
+          </a:p>
+        </p:txBody>
+      </p:sp>
+      <p:graphicFrame>
+        <p:nvGraphicFramePr>
+          <p:cNvPr id="4" name="Objekt 3"/>
+          <p:cNvGraphicFramePr>
+            <a:graphicFrameLocks noChangeAspect="1"/>
+          </p:cNvGraphicFramePr>
+          <p:nvPr>
+            <p:extLst>
+              <p:ext uri="{D42A27DB-BD31-4B8C-83A1-F6EECF244321}">
+                <p14:modId xmlns:p14="http://schemas.microsoft.com/office/powerpoint/2010/main" val="3672114014"/>
+              </p:ext>
+            </p:extLst>
+          </p:nvPr>
+        </p:nvGraphicFramePr>
+        <p:xfrm>
+          <a:off x="611560" y="1700808"/>
+          <a:ext cx="3672061" cy="4415046"/>
+        </p:xfrm>
+        <a:graphic>
+          <a:graphicData uri="http://schemas.openxmlformats.org/presentationml/2006/ole">
+            <mc:AlternateContent xmlns:mc="http://schemas.openxmlformats.org/markup-compatibility/2006">
+              <mc:Choice xmlns:v="urn:schemas-microsoft-com:vml" Requires="v">
+                <p:oleObj spid="_x0000_s4112" name="Visio" r:id="rId3" imgW="2443795" imgH="2938779" progId="Visio.Drawing.11">
+                  <p:embed/>
+                </p:oleObj>
+              </mc:Choice>
+              <mc:Fallback>
+                <p:oleObj name="Visio" r:id="rId3" imgW="2443795" imgH="2938779" progId="Visio.Drawing.11">
+                  <p:embed/>
+                  <p:pic>
+                    <p:nvPicPr>
+                      <p:cNvPr id="0" name=""/>
+                      <p:cNvPicPr>
+                        <a:picLocks noChangeAspect="1" noChangeArrowheads="1"/>
+                      </p:cNvPicPr>
+                      <p:nvPr/>
+                    </p:nvPicPr>
+                    <p:blipFill>
+                      <a:blip r:embed="rId4">
+                        <a:extLst>
+                          <a:ext uri="{28A0092B-C50C-407E-A947-70E740481C1C}">
+                            <a14:useLocalDpi xmlns:a14="http://schemas.microsoft.com/office/drawing/2010/main" val="0"/>
+                          </a:ext>
+                        </a:extLst>
+                      </a:blip>
+                      <a:srcRect/>
+                      <a:stretch>
+                        <a:fillRect/>
+                      </a:stretch>
+                    </p:blipFill>
+                    <p:spPr bwMode="auto">
+                      <a:xfrm>
+                        <a:off x="611560" y="1700808"/>
+                        <a:ext cx="3672061" cy="4415046"/>
+                      </a:xfrm>
+                      <a:prstGeom prst="rect">
+                        <a:avLst/>
+                      </a:prstGeom>
+                      <a:noFill/>
+                      <a:ln>
+                        <a:noFill/>
+                      </a:ln>
+                    </p:spPr>
+                  </p:pic>
+                </p:oleObj>
+              </mc:Fallback>
+            </mc:AlternateContent>
+          </a:graphicData>
+        </a:graphic>
+      </p:graphicFrame>
+      <p:graphicFrame>
+        <p:nvGraphicFramePr>
+          <p:cNvPr id="5" name="Inhaltsplatzhalter 4"/>
+          <p:cNvGraphicFramePr>
+            <a:graphicFrameLocks noGrp="1" noChangeAspect="1"/>
+          </p:cNvGraphicFramePr>
+          <p:nvPr>
+            <p:ph idx="1"/>
+            <p:extLst>
+              <p:ext uri="{D42A27DB-BD31-4B8C-83A1-F6EECF244321}">
+                <p14:modId xmlns:p14="http://schemas.microsoft.com/office/powerpoint/2010/main" val="2739501753"/>
+              </p:ext>
+            </p:extLst>
+          </p:nvPr>
+        </p:nvGraphicFramePr>
+        <p:xfrm>
+          <a:off x="4211960" y="1700808"/>
+          <a:ext cx="4582070" cy="4419005"/>
+        </p:xfrm>
+        <a:graphic>
+          <a:graphicData uri="http://schemas.openxmlformats.org/presentationml/2006/ole">
+            <mc:AlternateContent xmlns:mc="http://schemas.openxmlformats.org/markup-compatibility/2006">
+              <mc:Choice xmlns:v="urn:schemas-microsoft-com:vml" Requires="v">
+                <p:oleObj spid="_x0000_s4113" name="Visio" r:id="rId5" imgW="2965790" imgH="2749680" progId="Visio.Drawing.11">
+                  <p:embed/>
+                </p:oleObj>
+              </mc:Choice>
+              <mc:Fallback>
+                <p:oleObj name="Visio" r:id="rId5" imgW="2965790" imgH="2749680" progId="Visio.Drawing.11">
+                  <p:embed/>
+                  <p:pic>
+                    <p:nvPicPr>
+                      <p:cNvPr id="0" name=""/>
+                      <p:cNvPicPr>
+                        <a:picLocks noChangeAspect="1" noChangeArrowheads="1"/>
+                      </p:cNvPicPr>
+                      <p:nvPr/>
+                    </p:nvPicPr>
+                    <p:blipFill>
+                      <a:blip r:embed="rId6"/>
+                      <a:srcRect/>
+                      <a:stretch>
+                        <a:fillRect/>
+                      </a:stretch>
+                    </p:blipFill>
+                    <p:spPr bwMode="auto">
+                      <a:xfrm>
+                        <a:off x="4211960" y="1700808"/>
+                        <a:ext cx="4582070" cy="4419005"/>
+                      </a:xfrm>
+                      <a:prstGeom prst="rect">
+                        <a:avLst/>
+                      </a:prstGeom>
+                      <a:noFill/>
+                      <a:ln>
+                        <a:noFill/>
+                      </a:ln>
+                    </p:spPr>
+                  </p:pic>
+                </p:oleObj>
+              </mc:Fallback>
+            </mc:AlternateContent>
+          </a:graphicData>
+        </a:graphic>
+      </p:graphicFrame>
+    </p:spTree>
+    <p:extLst>
+      <p:ext uri="{BB962C8B-B14F-4D97-AF65-F5344CB8AC3E}">
+        <p14:creationId xmlns:p14="http://schemas.microsoft.com/office/powerpoint/2010/main" val="4257582660"/>
       </p:ext>
     </p:extLst>
   </p:cSld>
@@ -7916,6 +8415,899 @@
 </p:sld>
 </file>
 
+<file path=ppt/slides/slide20.xml><?xml version="1.0" encoding="utf-8"?>
+<p:sld xmlns:a="http://schemas.openxmlformats.org/drawingml/2006/main" xmlns:r="http://schemas.openxmlformats.org/officeDocument/2006/relationships" xmlns:p="http://schemas.openxmlformats.org/presentationml/2006/main">
+  <p:cSld>
+    <p:spTree>
+      <p:nvGrpSpPr>
+        <p:cNvPr id="1" name=""/>
+        <p:cNvGrpSpPr/>
+        <p:nvPr/>
+      </p:nvGrpSpPr>
+      <p:grpSpPr>
+        <a:xfrm>
+          <a:off x="0" y="0"/>
+          <a:ext cx="0" cy="0"/>
+          <a:chOff x="0" y="0"/>
+          <a:chExt cx="0" cy="0"/>
+        </a:xfrm>
+      </p:grpSpPr>
+      <p:sp>
+        <p:nvSpPr>
+          <p:cNvPr id="2" name="Titel 1"/>
+          <p:cNvSpPr>
+            <a:spLocks noGrp="1"/>
+          </p:cNvSpPr>
+          <p:nvPr>
+            <p:ph type="title"/>
+          </p:nvPr>
+        </p:nvSpPr>
+        <p:spPr/>
+        <p:txBody>
+          <a:bodyPr/>
+          <a:lstStyle/>
+          <a:p>
+            <a:r>
+              <a:rPr lang="de-AT" dirty="0" smtClean="0"/>
+              <a:t>Polygonkollisionsprüfung</a:t>
+            </a:r>
+            <a:endParaRPr lang="de-AT" dirty="0"/>
+          </a:p>
+        </p:txBody>
+      </p:sp>
+      <p:sp>
+        <p:nvSpPr>
+          <p:cNvPr id="3" name="Inhaltsplatzhalter 2"/>
+          <p:cNvSpPr>
+            <a:spLocks noGrp="1"/>
+          </p:cNvSpPr>
+          <p:nvPr>
+            <p:ph idx="1"/>
+          </p:nvPr>
+        </p:nvSpPr>
+        <p:spPr/>
+        <p:txBody>
+          <a:bodyPr/>
+          <a:lstStyle/>
+          <a:p>
+            <a:r>
+              <a:rPr lang="de-AT" dirty="0" smtClean="0"/>
+              <a:t>Nur wenn Rechtecke kollidieren</a:t>
+            </a:r>
+            <a:endParaRPr lang="de-AT" dirty="0"/>
+          </a:p>
+        </p:txBody>
+      </p:sp>
+      <p:graphicFrame>
+        <p:nvGraphicFramePr>
+          <p:cNvPr id="5" name="Objekt 4"/>
+          <p:cNvGraphicFramePr>
+            <a:graphicFrameLocks noChangeAspect="1"/>
+          </p:cNvGraphicFramePr>
+          <p:nvPr>
+            <p:extLst>
+              <p:ext uri="{D42A27DB-BD31-4B8C-83A1-F6EECF244321}">
+                <p14:modId xmlns:p14="http://schemas.microsoft.com/office/powerpoint/2010/main" val="1203016857"/>
+              </p:ext>
+            </p:extLst>
+          </p:nvPr>
+        </p:nvGraphicFramePr>
+        <p:xfrm>
+          <a:off x="467544" y="2780928"/>
+          <a:ext cx="3747986" cy="3384376"/>
+        </p:xfrm>
+        <a:graphic>
+          <a:graphicData uri="http://schemas.openxmlformats.org/presentationml/2006/ole">
+            <mc:AlternateContent xmlns:mc="http://schemas.openxmlformats.org/markup-compatibility/2006">
+              <mc:Choice xmlns:v="urn:schemas-microsoft-com:vml" Requires="v">
+                <p:oleObj spid="_x0000_s5136" name="Visio" r:id="rId3" imgW="3055822" imgH="2749651" progId="Visio.Drawing.11">
+                  <p:embed/>
+                </p:oleObj>
+              </mc:Choice>
+              <mc:Fallback>
+                <p:oleObj name="Visio" r:id="rId3" imgW="3055822" imgH="2749651" progId="Visio.Drawing.11">
+                  <p:embed/>
+                  <p:pic>
+                    <p:nvPicPr>
+                      <p:cNvPr id="0" name=""/>
+                      <p:cNvPicPr>
+                        <a:picLocks noChangeAspect="1" noChangeArrowheads="1"/>
+                      </p:cNvPicPr>
+                      <p:nvPr/>
+                    </p:nvPicPr>
+                    <p:blipFill>
+                      <a:blip r:embed="rId4">
+                        <a:extLst>
+                          <a:ext uri="{28A0092B-C50C-407E-A947-70E740481C1C}">
+                            <a14:useLocalDpi xmlns:a14="http://schemas.microsoft.com/office/drawing/2010/main" val="0"/>
+                          </a:ext>
+                        </a:extLst>
+                      </a:blip>
+                      <a:srcRect/>
+                      <a:stretch>
+                        <a:fillRect/>
+                      </a:stretch>
+                    </p:blipFill>
+                    <p:spPr bwMode="auto">
+                      <a:xfrm>
+                        <a:off x="467544" y="2780928"/>
+                        <a:ext cx="3747986" cy="3384376"/>
+                      </a:xfrm>
+                      <a:prstGeom prst="rect">
+                        <a:avLst/>
+                      </a:prstGeom>
+                      <a:noFill/>
+                      <a:ln>
+                        <a:noFill/>
+                      </a:ln>
+                    </p:spPr>
+                  </p:pic>
+                </p:oleObj>
+              </mc:Fallback>
+            </mc:AlternateContent>
+          </a:graphicData>
+        </a:graphic>
+      </p:graphicFrame>
+      <p:graphicFrame>
+        <p:nvGraphicFramePr>
+          <p:cNvPr id="6" name="Objekt 5"/>
+          <p:cNvGraphicFramePr>
+            <a:graphicFrameLocks noChangeAspect="1"/>
+          </p:cNvGraphicFramePr>
+          <p:nvPr>
+            <p:extLst>
+              <p:ext uri="{D42A27DB-BD31-4B8C-83A1-F6EECF244321}">
+                <p14:modId xmlns:p14="http://schemas.microsoft.com/office/powerpoint/2010/main" val="437676008"/>
+              </p:ext>
+            </p:extLst>
+          </p:nvPr>
+        </p:nvGraphicFramePr>
+        <p:xfrm>
+          <a:off x="4236852" y="2204864"/>
+          <a:ext cx="4416787" cy="3960440"/>
+        </p:xfrm>
+        <a:graphic>
+          <a:graphicData uri="http://schemas.openxmlformats.org/presentationml/2006/ole">
+            <mc:AlternateContent xmlns:mc="http://schemas.openxmlformats.org/markup-compatibility/2006">
+              <mc:Choice xmlns:v="urn:schemas-microsoft-com:vml" Requires="v">
+                <p:oleObj spid="_x0000_s5137" name="Visio" r:id="rId5" imgW="3074164" imgH="2749651" progId="Visio.Drawing.11">
+                  <p:embed/>
+                </p:oleObj>
+              </mc:Choice>
+              <mc:Fallback>
+                <p:oleObj name="Visio" r:id="rId5" imgW="3074164" imgH="2749651" progId="Visio.Drawing.11">
+                  <p:embed/>
+                  <p:pic>
+                    <p:nvPicPr>
+                      <p:cNvPr id="0" name=""/>
+                      <p:cNvPicPr>
+                        <a:picLocks noChangeAspect="1" noChangeArrowheads="1"/>
+                      </p:cNvPicPr>
+                      <p:nvPr/>
+                    </p:nvPicPr>
+                    <p:blipFill>
+                      <a:blip r:embed="rId6">
+                        <a:extLst>
+                          <a:ext uri="{28A0092B-C50C-407E-A947-70E740481C1C}">
+                            <a14:useLocalDpi xmlns:a14="http://schemas.microsoft.com/office/drawing/2010/main" val="0"/>
+                          </a:ext>
+                        </a:extLst>
+                      </a:blip>
+                      <a:srcRect/>
+                      <a:stretch>
+                        <a:fillRect/>
+                      </a:stretch>
+                    </p:blipFill>
+                    <p:spPr bwMode="auto">
+                      <a:xfrm>
+                        <a:off x="4236852" y="2204864"/>
+                        <a:ext cx="4416787" cy="3960440"/>
+                      </a:xfrm>
+                      <a:prstGeom prst="rect">
+                        <a:avLst/>
+                      </a:prstGeom>
+                      <a:noFill/>
+                      <a:ln>
+                        <a:noFill/>
+                      </a:ln>
+                    </p:spPr>
+                  </p:pic>
+                </p:oleObj>
+              </mc:Fallback>
+            </mc:AlternateContent>
+          </a:graphicData>
+        </a:graphic>
+      </p:graphicFrame>
+    </p:spTree>
+    <p:extLst>
+      <p:ext uri="{BB962C8B-B14F-4D97-AF65-F5344CB8AC3E}">
+        <p14:creationId xmlns:p14="http://schemas.microsoft.com/office/powerpoint/2010/main" val="631780472"/>
+      </p:ext>
+    </p:extLst>
+  </p:cSld>
+  <p:clrMapOvr>
+    <a:masterClrMapping/>
+  </p:clrMapOvr>
+  <p:timing>
+    <p:tnLst>
+      <p:par>
+        <p:cTn id="1" dur="indefinite" restart="never" nodeType="tmRoot"/>
+      </p:par>
+    </p:tnLst>
+  </p:timing>
+</p:sld>
+</file>
+
+<file path=ppt/slides/slide21.xml><?xml version="1.0" encoding="utf-8"?>
+<p:sld xmlns:a="http://schemas.openxmlformats.org/drawingml/2006/main" xmlns:r="http://schemas.openxmlformats.org/officeDocument/2006/relationships" xmlns:p="http://schemas.openxmlformats.org/presentationml/2006/main">
+  <p:cSld>
+    <p:spTree>
+      <p:nvGrpSpPr>
+        <p:cNvPr id="1" name=""/>
+        <p:cNvGrpSpPr/>
+        <p:nvPr/>
+      </p:nvGrpSpPr>
+      <p:grpSpPr>
+        <a:xfrm>
+          <a:off x="0" y="0"/>
+          <a:ext cx="0" cy="0"/>
+          <a:chOff x="0" y="0"/>
+          <a:chExt cx="0" cy="0"/>
+        </a:xfrm>
+      </p:grpSpPr>
+      <p:sp>
+        <p:nvSpPr>
+          <p:cNvPr id="2" name="Titel 1"/>
+          <p:cNvSpPr>
+            <a:spLocks noGrp="1"/>
+          </p:cNvSpPr>
+          <p:nvPr>
+            <p:ph type="title"/>
+          </p:nvPr>
+        </p:nvSpPr>
+        <p:spPr/>
+        <p:txBody>
+          <a:bodyPr/>
+          <a:lstStyle/>
+          <a:p>
+            <a:r>
+              <a:rPr lang="de-AT" dirty="0" smtClean="0"/>
+              <a:t>Polygonkollisionsprüfung</a:t>
+            </a:r>
+            <a:endParaRPr lang="de-AT" dirty="0"/>
+          </a:p>
+        </p:txBody>
+      </p:sp>
+      <p:sp>
+        <p:nvSpPr>
+          <p:cNvPr id="3" name="Inhaltsplatzhalter 2"/>
+          <p:cNvSpPr>
+            <a:spLocks noGrp="1"/>
+          </p:cNvSpPr>
+          <p:nvPr>
+            <p:ph idx="1"/>
+          </p:nvPr>
+        </p:nvSpPr>
+        <p:spPr/>
+        <p:txBody>
+          <a:bodyPr/>
+          <a:lstStyle/>
+          <a:p>
+            <a:endParaRPr lang="de-AT" dirty="0"/>
+          </a:p>
+        </p:txBody>
+      </p:sp>
+      <p:graphicFrame>
+        <p:nvGraphicFramePr>
+          <p:cNvPr id="6" name="Objekt 5"/>
+          <p:cNvGraphicFramePr>
+            <a:graphicFrameLocks noChangeAspect="1"/>
+          </p:cNvGraphicFramePr>
+          <p:nvPr>
+            <p:extLst>
+              <p:ext uri="{D42A27DB-BD31-4B8C-83A1-F6EECF244321}">
+                <p14:modId xmlns:p14="http://schemas.microsoft.com/office/powerpoint/2010/main" val="694452362"/>
+              </p:ext>
+            </p:extLst>
+          </p:nvPr>
+        </p:nvGraphicFramePr>
+        <p:xfrm>
+          <a:off x="1547664" y="1412776"/>
+          <a:ext cx="5904656" cy="5294581"/>
+        </p:xfrm>
+        <a:graphic>
+          <a:graphicData uri="http://schemas.openxmlformats.org/presentationml/2006/ole">
+            <mc:AlternateContent xmlns:mc="http://schemas.openxmlformats.org/markup-compatibility/2006">
+              <mc:Choice xmlns:v="urn:schemas-microsoft-com:vml" Requires="v">
+                <p:oleObj spid="_x0000_s3082" name="Visio" r:id="rId3" imgW="3074164" imgH="2749651" progId="Visio.Drawing.11">
+                  <p:embed/>
+                </p:oleObj>
+              </mc:Choice>
+              <mc:Fallback>
+                <p:oleObj name="Visio" r:id="rId3" imgW="3074164" imgH="2749651" progId="Visio.Drawing.11">
+                  <p:embed/>
+                  <p:pic>
+                    <p:nvPicPr>
+                      <p:cNvPr id="0" name=""/>
+                      <p:cNvPicPr>
+                        <a:picLocks noChangeAspect="1" noChangeArrowheads="1"/>
+                      </p:cNvPicPr>
+                      <p:nvPr/>
+                    </p:nvPicPr>
+                    <p:blipFill>
+                      <a:blip r:embed="rId4">
+                        <a:extLst>
+                          <a:ext uri="{28A0092B-C50C-407E-A947-70E740481C1C}">
+                            <a14:useLocalDpi xmlns:a14="http://schemas.microsoft.com/office/drawing/2010/main" val="0"/>
+                          </a:ext>
+                        </a:extLst>
+                      </a:blip>
+                      <a:srcRect/>
+                      <a:stretch>
+                        <a:fillRect/>
+                      </a:stretch>
+                    </p:blipFill>
+                    <p:spPr bwMode="auto">
+                      <a:xfrm>
+                        <a:off x="1547664" y="1412776"/>
+                        <a:ext cx="5904656" cy="5294581"/>
+                      </a:xfrm>
+                      <a:prstGeom prst="rect">
+                        <a:avLst/>
+                      </a:prstGeom>
+                      <a:noFill/>
+                      <a:ln>
+                        <a:noFill/>
+                      </a:ln>
+                    </p:spPr>
+                  </p:pic>
+                </p:oleObj>
+              </mc:Fallback>
+            </mc:AlternateContent>
+          </a:graphicData>
+        </a:graphic>
+      </p:graphicFrame>
+      <p:cxnSp>
+        <p:nvCxnSpPr>
+          <p:cNvPr id="7" name="Gerade Verbindung 6"/>
+          <p:cNvCxnSpPr/>
+          <p:nvPr/>
+        </p:nvCxnSpPr>
+        <p:spPr>
+          <a:xfrm flipV="1">
+            <a:off x="4355976" y="2492896"/>
+            <a:ext cx="216024" cy="432048"/>
+          </a:xfrm>
+          <a:prstGeom prst="line">
+            <a:avLst/>
+          </a:prstGeom>
+          <a:ln/>
+        </p:spPr>
+        <p:style>
+          <a:lnRef idx="3">
+            <a:schemeClr val="dk1"/>
+          </a:lnRef>
+          <a:fillRef idx="0">
+            <a:schemeClr val="dk1"/>
+          </a:fillRef>
+          <a:effectRef idx="2">
+            <a:schemeClr val="dk1"/>
+          </a:effectRef>
+          <a:fontRef idx="minor">
+            <a:schemeClr val="tx1"/>
+          </a:fontRef>
+        </p:style>
+      </p:cxnSp>
+      <p:cxnSp>
+        <p:nvCxnSpPr>
+          <p:cNvPr id="11" name="Gerade Verbindung 10"/>
+          <p:cNvCxnSpPr/>
+          <p:nvPr/>
+        </p:nvCxnSpPr>
+        <p:spPr>
+          <a:xfrm flipV="1">
+            <a:off x="5724128" y="3356992"/>
+            <a:ext cx="504056" cy="1512168"/>
+          </a:xfrm>
+          <a:prstGeom prst="line">
+            <a:avLst/>
+          </a:prstGeom>
+        </p:spPr>
+        <p:style>
+          <a:lnRef idx="3">
+            <a:schemeClr val="dk1"/>
+          </a:lnRef>
+          <a:fillRef idx="0">
+            <a:schemeClr val="dk1"/>
+          </a:fillRef>
+          <a:effectRef idx="2">
+            <a:schemeClr val="dk1"/>
+          </a:effectRef>
+          <a:fontRef idx="minor">
+            <a:schemeClr val="tx1"/>
+          </a:fontRef>
+        </p:style>
+      </p:cxnSp>
+    </p:spTree>
+    <p:extLst>
+      <p:ext uri="{BB962C8B-B14F-4D97-AF65-F5344CB8AC3E}">
+        <p14:creationId xmlns:p14="http://schemas.microsoft.com/office/powerpoint/2010/main" val="1303993636"/>
+      </p:ext>
+    </p:extLst>
+  </p:cSld>
+  <p:clrMapOvr>
+    <a:masterClrMapping/>
+  </p:clrMapOvr>
+  <p:timing>
+    <p:tnLst>
+      <p:par>
+        <p:cTn id="1" dur="indefinite" restart="never" nodeType="tmRoot"/>
+      </p:par>
+    </p:tnLst>
+  </p:timing>
+</p:sld>
+</file>
+
+<file path=ppt/slides/slide22.xml><?xml version="1.0" encoding="utf-8"?>
+<p:sld xmlns:a="http://schemas.openxmlformats.org/drawingml/2006/main" xmlns:r="http://schemas.openxmlformats.org/officeDocument/2006/relationships" xmlns:p="http://schemas.openxmlformats.org/presentationml/2006/main">
+  <p:cSld>
+    <p:spTree>
+      <p:nvGrpSpPr>
+        <p:cNvPr id="1" name=""/>
+        <p:cNvGrpSpPr/>
+        <p:nvPr/>
+      </p:nvGrpSpPr>
+      <p:grpSpPr>
+        <a:xfrm>
+          <a:off x="0" y="0"/>
+          <a:ext cx="0" cy="0"/>
+          <a:chOff x="0" y="0"/>
+          <a:chExt cx="0" cy="0"/>
+        </a:xfrm>
+      </p:grpSpPr>
+      <p:sp>
+        <p:nvSpPr>
+          <p:cNvPr id="2" name="Titel 1"/>
+          <p:cNvSpPr>
+            <a:spLocks noGrp="1"/>
+          </p:cNvSpPr>
+          <p:nvPr>
+            <p:ph type="title"/>
+          </p:nvPr>
+        </p:nvSpPr>
+        <p:spPr/>
+        <p:txBody>
+          <a:bodyPr/>
+          <a:lstStyle/>
+          <a:p>
+            <a:r>
+              <a:rPr lang="de-AT" dirty="0" smtClean="0"/>
+              <a:t>Polygonkollisionsprüfung</a:t>
+            </a:r>
+            <a:endParaRPr lang="de-AT" dirty="0"/>
+          </a:p>
+        </p:txBody>
+      </p:sp>
+      <p:sp>
+        <p:nvSpPr>
+          <p:cNvPr id="3" name="Inhaltsplatzhalter 2"/>
+          <p:cNvSpPr>
+            <a:spLocks noGrp="1"/>
+          </p:cNvSpPr>
+          <p:nvPr>
+            <p:ph idx="1"/>
+          </p:nvPr>
+        </p:nvSpPr>
+        <p:spPr/>
+        <p:txBody>
+          <a:bodyPr/>
+          <a:lstStyle/>
+          <a:p>
+            <a:endParaRPr lang="de-AT" dirty="0"/>
+          </a:p>
+        </p:txBody>
+      </p:sp>
+      <p:graphicFrame>
+        <p:nvGraphicFramePr>
+          <p:cNvPr id="6" name="Objekt 5"/>
+          <p:cNvGraphicFramePr>
+            <a:graphicFrameLocks noChangeAspect="1"/>
+          </p:cNvGraphicFramePr>
+          <p:nvPr>
+            <p:extLst>
+              <p:ext uri="{D42A27DB-BD31-4B8C-83A1-F6EECF244321}">
+                <p14:modId xmlns:p14="http://schemas.microsoft.com/office/powerpoint/2010/main" val="3135917377"/>
+              </p:ext>
+            </p:extLst>
+          </p:nvPr>
+        </p:nvGraphicFramePr>
+        <p:xfrm>
+          <a:off x="1547664" y="1412776"/>
+          <a:ext cx="5904656" cy="5294581"/>
+        </p:xfrm>
+        <a:graphic>
+          <a:graphicData uri="http://schemas.openxmlformats.org/presentationml/2006/ole">
+            <mc:AlternateContent xmlns:mc="http://schemas.openxmlformats.org/markup-compatibility/2006">
+              <mc:Choice xmlns:v="urn:schemas-microsoft-com:vml" Requires="v">
+                <p:oleObj spid="_x0000_s6153" name="Visio" r:id="rId3" imgW="3074164" imgH="2749651" progId="Visio.Drawing.11">
+                  <p:embed/>
+                </p:oleObj>
+              </mc:Choice>
+              <mc:Fallback>
+                <p:oleObj name="Visio" r:id="rId3" imgW="3074164" imgH="2749651" progId="Visio.Drawing.11">
+                  <p:embed/>
+                  <p:pic>
+                    <p:nvPicPr>
+                      <p:cNvPr id="0" name=""/>
+                      <p:cNvPicPr>
+                        <a:picLocks noChangeAspect="1" noChangeArrowheads="1"/>
+                      </p:cNvPicPr>
+                      <p:nvPr/>
+                    </p:nvPicPr>
+                    <p:blipFill>
+                      <a:blip r:embed="rId4">
+                        <a:extLst>
+                          <a:ext uri="{28A0092B-C50C-407E-A947-70E740481C1C}">
+                            <a14:useLocalDpi xmlns:a14="http://schemas.microsoft.com/office/drawing/2010/main" val="0"/>
+                          </a:ext>
+                        </a:extLst>
+                      </a:blip>
+                      <a:srcRect/>
+                      <a:stretch>
+                        <a:fillRect/>
+                      </a:stretch>
+                    </p:blipFill>
+                    <p:spPr bwMode="auto">
+                      <a:xfrm>
+                        <a:off x="1547664" y="1412776"/>
+                        <a:ext cx="5904656" cy="5294581"/>
+                      </a:xfrm>
+                      <a:prstGeom prst="rect">
+                        <a:avLst/>
+                      </a:prstGeom>
+                      <a:noFill/>
+                      <a:ln>
+                        <a:noFill/>
+                      </a:ln>
+                    </p:spPr>
+                  </p:pic>
+                </p:oleObj>
+              </mc:Fallback>
+            </mc:AlternateContent>
+          </a:graphicData>
+        </a:graphic>
+      </p:graphicFrame>
+      <p:cxnSp>
+        <p:nvCxnSpPr>
+          <p:cNvPr id="7" name="Gerade Verbindung 6"/>
+          <p:cNvCxnSpPr/>
+          <p:nvPr/>
+        </p:nvCxnSpPr>
+        <p:spPr>
+          <a:xfrm flipV="1">
+            <a:off x="4355976" y="2492896"/>
+            <a:ext cx="216024" cy="432048"/>
+          </a:xfrm>
+          <a:prstGeom prst="line">
+            <a:avLst/>
+          </a:prstGeom>
+          <a:ln/>
+        </p:spPr>
+        <p:style>
+          <a:lnRef idx="3">
+            <a:schemeClr val="dk1"/>
+          </a:lnRef>
+          <a:fillRef idx="0">
+            <a:schemeClr val="dk1"/>
+          </a:fillRef>
+          <a:effectRef idx="2">
+            <a:schemeClr val="dk1"/>
+          </a:effectRef>
+          <a:fontRef idx="minor">
+            <a:schemeClr val="tx1"/>
+          </a:fontRef>
+        </p:style>
+      </p:cxnSp>
+      <p:cxnSp>
+        <p:nvCxnSpPr>
+          <p:cNvPr id="5" name="Gerade Verbindung 4"/>
+          <p:cNvCxnSpPr/>
+          <p:nvPr/>
+        </p:nvCxnSpPr>
+        <p:spPr>
+          <a:xfrm flipH="1" flipV="1">
+            <a:off x="4788024" y="2492896"/>
+            <a:ext cx="1440160" cy="864096"/>
+          </a:xfrm>
+          <a:prstGeom prst="line">
+            <a:avLst/>
+          </a:prstGeom>
+        </p:spPr>
+        <p:style>
+          <a:lnRef idx="3">
+            <a:schemeClr val="dk1"/>
+          </a:lnRef>
+          <a:fillRef idx="0">
+            <a:schemeClr val="dk1"/>
+          </a:fillRef>
+          <a:effectRef idx="2">
+            <a:schemeClr val="dk1"/>
+          </a:effectRef>
+          <a:fontRef idx="minor">
+            <a:schemeClr val="tx1"/>
+          </a:fontRef>
+        </p:style>
+      </p:cxnSp>
+    </p:spTree>
+    <p:extLst>
+      <p:ext uri="{BB962C8B-B14F-4D97-AF65-F5344CB8AC3E}">
+        <p14:creationId xmlns:p14="http://schemas.microsoft.com/office/powerpoint/2010/main" val="4211431933"/>
+      </p:ext>
+    </p:extLst>
+  </p:cSld>
+  <p:clrMapOvr>
+    <a:masterClrMapping/>
+  </p:clrMapOvr>
+  <p:timing>
+    <p:tnLst>
+      <p:par>
+        <p:cTn id="1" dur="indefinite" restart="never" nodeType="tmRoot"/>
+      </p:par>
+    </p:tnLst>
+  </p:timing>
+</p:sld>
+</file>
+
+<file path=ppt/slides/slide23.xml><?xml version="1.0" encoding="utf-8"?>
+<p:sld xmlns:a="http://schemas.openxmlformats.org/drawingml/2006/main" xmlns:r="http://schemas.openxmlformats.org/officeDocument/2006/relationships" xmlns:p="http://schemas.openxmlformats.org/presentationml/2006/main">
+  <p:cSld>
+    <p:spTree>
+      <p:nvGrpSpPr>
+        <p:cNvPr id="1" name=""/>
+        <p:cNvGrpSpPr/>
+        <p:nvPr/>
+      </p:nvGrpSpPr>
+      <p:grpSpPr>
+        <a:xfrm>
+          <a:off x="0" y="0"/>
+          <a:ext cx="0" cy="0"/>
+          <a:chOff x="0" y="0"/>
+          <a:chExt cx="0" cy="0"/>
+        </a:xfrm>
+      </p:grpSpPr>
+      <p:sp>
+        <p:nvSpPr>
+          <p:cNvPr id="2" name="Titel 1"/>
+          <p:cNvSpPr>
+            <a:spLocks noGrp="1"/>
+          </p:cNvSpPr>
+          <p:nvPr>
+            <p:ph type="title"/>
+          </p:nvPr>
+        </p:nvSpPr>
+        <p:spPr/>
+        <p:txBody>
+          <a:bodyPr/>
+          <a:lstStyle/>
+          <a:p>
+            <a:r>
+              <a:rPr lang="de-AT" dirty="0" smtClean="0"/>
+              <a:t>Polygonkollisionsprüfung</a:t>
+            </a:r>
+            <a:endParaRPr lang="de-AT" dirty="0"/>
+          </a:p>
+        </p:txBody>
+      </p:sp>
+      <p:sp>
+        <p:nvSpPr>
+          <p:cNvPr id="3" name="Inhaltsplatzhalter 2"/>
+          <p:cNvSpPr>
+            <a:spLocks noGrp="1"/>
+          </p:cNvSpPr>
+          <p:nvPr>
+            <p:ph idx="1"/>
+          </p:nvPr>
+        </p:nvSpPr>
+        <p:spPr/>
+        <p:txBody>
+          <a:bodyPr/>
+          <a:lstStyle/>
+          <a:p>
+            <a:endParaRPr lang="de-AT" dirty="0"/>
+          </a:p>
+        </p:txBody>
+      </p:sp>
+      <p:graphicFrame>
+        <p:nvGraphicFramePr>
+          <p:cNvPr id="6" name="Objekt 5"/>
+          <p:cNvGraphicFramePr>
+            <a:graphicFrameLocks noChangeAspect="1"/>
+          </p:cNvGraphicFramePr>
+          <p:nvPr>
+            <p:extLst>
+              <p:ext uri="{D42A27DB-BD31-4B8C-83A1-F6EECF244321}">
+                <p14:modId xmlns:p14="http://schemas.microsoft.com/office/powerpoint/2010/main" val="3135917377"/>
+              </p:ext>
+            </p:extLst>
+          </p:nvPr>
+        </p:nvGraphicFramePr>
+        <p:xfrm>
+          <a:off x="1547664" y="1412776"/>
+          <a:ext cx="5904656" cy="5294581"/>
+        </p:xfrm>
+        <a:graphic>
+          <a:graphicData uri="http://schemas.openxmlformats.org/presentationml/2006/ole">
+            <mc:AlternateContent xmlns:mc="http://schemas.openxmlformats.org/markup-compatibility/2006">
+              <mc:Choice xmlns:v="urn:schemas-microsoft-com:vml" Requires="v">
+                <p:oleObj spid="_x0000_s7177" name="Visio" r:id="rId3" imgW="3074164" imgH="2749651" progId="Visio.Drawing.11">
+                  <p:embed/>
+                </p:oleObj>
+              </mc:Choice>
+              <mc:Fallback>
+                <p:oleObj name="Visio" r:id="rId3" imgW="3074164" imgH="2749651" progId="Visio.Drawing.11">
+                  <p:embed/>
+                  <p:pic>
+                    <p:nvPicPr>
+                      <p:cNvPr id="0" name=""/>
+                      <p:cNvPicPr>
+                        <a:picLocks noChangeAspect="1" noChangeArrowheads="1"/>
+                      </p:cNvPicPr>
+                      <p:nvPr/>
+                    </p:nvPicPr>
+                    <p:blipFill>
+                      <a:blip r:embed="rId4">
+                        <a:extLst>
+                          <a:ext uri="{28A0092B-C50C-407E-A947-70E740481C1C}">
+                            <a14:useLocalDpi xmlns:a14="http://schemas.microsoft.com/office/drawing/2010/main" val="0"/>
+                          </a:ext>
+                        </a:extLst>
+                      </a:blip>
+                      <a:srcRect/>
+                      <a:stretch>
+                        <a:fillRect/>
+                      </a:stretch>
+                    </p:blipFill>
+                    <p:spPr bwMode="auto">
+                      <a:xfrm>
+                        <a:off x="1547664" y="1412776"/>
+                        <a:ext cx="5904656" cy="5294581"/>
+                      </a:xfrm>
+                      <a:prstGeom prst="rect">
+                        <a:avLst/>
+                      </a:prstGeom>
+                      <a:noFill/>
+                      <a:ln>
+                        <a:noFill/>
+                      </a:ln>
+                    </p:spPr>
+                  </p:pic>
+                </p:oleObj>
+              </mc:Fallback>
+            </mc:AlternateContent>
+          </a:graphicData>
+        </a:graphic>
+      </p:graphicFrame>
+      <p:cxnSp>
+        <p:nvCxnSpPr>
+          <p:cNvPr id="7" name="Gerade Verbindung 6"/>
+          <p:cNvCxnSpPr/>
+          <p:nvPr/>
+        </p:nvCxnSpPr>
+        <p:spPr>
+          <a:xfrm flipV="1">
+            <a:off x="4355976" y="2492896"/>
+            <a:ext cx="216024" cy="432048"/>
+          </a:xfrm>
+          <a:prstGeom prst="line">
+            <a:avLst/>
+          </a:prstGeom>
+          <a:ln/>
+        </p:spPr>
+        <p:style>
+          <a:lnRef idx="3">
+            <a:schemeClr val="dk1"/>
+          </a:lnRef>
+          <a:fillRef idx="0">
+            <a:schemeClr val="dk1"/>
+          </a:fillRef>
+          <a:effectRef idx="2">
+            <a:schemeClr val="dk1"/>
+          </a:effectRef>
+          <a:fontRef idx="minor">
+            <a:schemeClr val="tx1"/>
+          </a:fontRef>
+        </p:style>
+      </p:cxnSp>
+      <p:cxnSp>
+        <p:nvCxnSpPr>
+          <p:cNvPr id="5" name="Gerade Verbindung 4"/>
+          <p:cNvCxnSpPr/>
+          <p:nvPr/>
+        </p:nvCxnSpPr>
+        <p:spPr>
+          <a:xfrm flipV="1">
+            <a:off x="3347864" y="2492896"/>
+            <a:ext cx="1440160" cy="864096"/>
+          </a:xfrm>
+          <a:prstGeom prst="line">
+            <a:avLst/>
+          </a:prstGeom>
+        </p:spPr>
+        <p:style>
+          <a:lnRef idx="3">
+            <a:schemeClr val="dk1"/>
+          </a:lnRef>
+          <a:fillRef idx="0">
+            <a:schemeClr val="dk1"/>
+          </a:fillRef>
+          <a:effectRef idx="2">
+            <a:schemeClr val="dk1"/>
+          </a:effectRef>
+          <a:fontRef idx="minor">
+            <a:schemeClr val="tx1"/>
+          </a:fontRef>
+        </p:style>
+      </p:cxnSp>
+      <p:sp>
+        <p:nvSpPr>
+          <p:cNvPr id="8" name="Rechteck 7"/>
+          <p:cNvSpPr/>
+          <p:nvPr/>
+        </p:nvSpPr>
+        <p:spPr>
+          <a:xfrm>
+            <a:off x="4283968" y="2492896"/>
+            <a:ext cx="432048" cy="432048"/>
+          </a:xfrm>
+          <a:prstGeom prst="rect">
+            <a:avLst/>
+          </a:prstGeom>
+          <a:noFill/>
+          <a:ln w="38100"/>
+        </p:spPr>
+        <p:style>
+          <a:lnRef idx="2">
+            <a:schemeClr val="accent6"/>
+          </a:lnRef>
+          <a:fillRef idx="1">
+            <a:schemeClr val="lt1"/>
+          </a:fillRef>
+          <a:effectRef idx="0">
+            <a:schemeClr val="accent6"/>
+          </a:effectRef>
+          <a:fontRef idx="minor">
+            <a:schemeClr val="dk1"/>
+          </a:fontRef>
+        </p:style>
+        <p:txBody>
+          <a:bodyPr rtlCol="0" anchor="ctr"/>
+          <a:lstStyle/>
+          <a:p>
+            <a:pPr algn="ctr"/>
+            <a:endParaRPr lang="de-AT"/>
+          </a:p>
+        </p:txBody>
+      </p:sp>
+    </p:spTree>
+    <p:extLst>
+      <p:ext uri="{BB962C8B-B14F-4D97-AF65-F5344CB8AC3E}">
+        <p14:creationId xmlns:p14="http://schemas.microsoft.com/office/powerpoint/2010/main" val="4211431933"/>
+      </p:ext>
+    </p:extLst>
+  </p:cSld>
+  <p:clrMapOvr>
+    <a:masterClrMapping/>
+  </p:clrMapOvr>
+  <p:timing>
+    <p:tnLst>
+      <p:par>
+        <p:cTn id="1" dur="indefinite" restart="never" nodeType="tmRoot"/>
+      </p:par>
+    </p:tnLst>
+  </p:timing>
+</p:sld>
+</file>
+
 <file path=ppt/slides/slide3.xml><?xml version="1.0" encoding="utf-8"?>
 <p:sld xmlns:a="http://schemas.openxmlformats.org/drawingml/2006/main" xmlns:r="http://schemas.openxmlformats.org/officeDocument/2006/relationships" xmlns:p="http://schemas.openxmlformats.org/presentationml/2006/main">
   <p:cSld>
@@ -7986,7 +9378,7 @@
             <a:pPr lvl="1"/>
             <a:r>
               <a:rPr lang="de-AT" dirty="0" smtClean="0"/>
-              <a:t>4 Spieler</a:t>
+              <a:t>2 bis 4 Spieler</a:t>
             </a:r>
           </a:p>
           <a:p>
@@ -8208,7 +9600,7 @@
           <a:graphicData uri="http://schemas.openxmlformats.org/presentationml/2006/ole">
             <mc:AlternateContent xmlns:mc="http://schemas.openxmlformats.org/markup-compatibility/2006">
               <mc:Choice xmlns:v="urn:schemas-microsoft-com:vml" Requires="v">
-                <p:oleObj spid="_x0000_s2065" name="Visio" r:id="rId3" imgW="7181201" imgH="4073482" progId="Visio.Drawing.11">
+                <p:oleObj spid="_x0000_s2073" name="Visio" r:id="rId3" imgW="7181201" imgH="4073482" progId="Visio.Drawing.11">
                   <p:embed/>
                 </p:oleObj>
               </mc:Choice>
@@ -8388,6 +9780,13 @@
   <p:clrMapOvr>
     <a:masterClrMapping/>
   </p:clrMapOvr>
+  <p:timing>
+    <p:tnLst>
+      <p:par>
+        <p:cTn id="1" dur="indefinite" restart="never" nodeType="tmRoot"/>
+      </p:par>
+    </p:tnLst>
+  </p:timing>
 </p:sld>
 </file>
 

--- a/trunk/KuBatsch/docs/presentation/final.pptx
+++ b/trunk/KuBatsch/docs/presentation/final.pptx
@@ -526,31 +526,7 @@
           <a:bodyPr/>
           <a:lstStyle/>
           <a:p>
-            <a:r>
-              <a:rPr lang="de-DE" dirty="0" smtClean="0"/>
-              <a:t>Der</a:t>
-            </a:r>
-            <a:r>
-              <a:rPr lang="de-DE" baseline="0" dirty="0" smtClean="0"/>
-              <a:t> </a:t>
-            </a:r>
-            <a:r>
-              <a:rPr lang="de-DE" baseline="0" dirty="0" err="1" smtClean="0"/>
-              <a:t>GameController</a:t>
-            </a:r>
-            <a:r>
-              <a:rPr lang="de-DE" baseline="0" dirty="0" smtClean="0"/>
-              <a:t> aktualisiert alle </a:t>
-            </a:r>
-            <a:r>
-              <a:rPr lang="de-DE" baseline="0" dirty="0" err="1" smtClean="0"/>
-              <a:t>IUpdatables</a:t>
-            </a:r>
-            <a:r>
-              <a:rPr lang="de-DE" baseline="0" dirty="0" smtClean="0"/>
-              <a:t>, beim Ball bewirkt dies die Bewegung</a:t>
-            </a:r>
-            <a:endParaRPr lang="de-DE" dirty="0"/>
+            <a:endParaRPr lang="de-AT" dirty="0"/>
           </a:p>
         </p:txBody>
       </p:sp>
@@ -571,7 +547,7 @@
           <a:p>
             <a:fld id="{675759A9-FEAE-43C2-96D3-CE3AC1216194}" type="slidenum">
               <a:rPr lang="de-DE" smtClean="0"/>
-              <a:t>12</a:t>
+              <a:t>2</a:t>
             </a:fld>
             <a:endParaRPr lang="de-DE"/>
           </a:p>
@@ -580,7 +556,491 @@
     </p:spTree>
     <p:extLst>
       <p:ext uri="{BB962C8B-B14F-4D97-AF65-F5344CB8AC3E}">
-        <p14:creationId xmlns:p14="http://schemas.microsoft.com/office/powerpoint/2010/main" val="3979599418"/>
+        <p14:creationId xmlns:p14="http://schemas.microsoft.com/office/powerpoint/2010/main" val="167824115"/>
+      </p:ext>
+    </p:extLst>
+  </p:cSld>
+  <p:clrMapOvr>
+    <a:masterClrMapping/>
+  </p:clrMapOvr>
+</p:notes>
+</file>
+
+<file path=ppt/notesSlides/notesSlide10.xml><?xml version="1.0" encoding="utf-8"?>
+<p:notes xmlns:a="http://schemas.openxmlformats.org/drawingml/2006/main" xmlns:r="http://schemas.openxmlformats.org/officeDocument/2006/relationships" xmlns:p="http://schemas.openxmlformats.org/presentationml/2006/main">
+  <p:cSld>
+    <p:spTree>
+      <p:nvGrpSpPr>
+        <p:cNvPr id="1" name=""/>
+        <p:cNvGrpSpPr/>
+        <p:nvPr/>
+      </p:nvGrpSpPr>
+      <p:grpSpPr>
+        <a:xfrm>
+          <a:off x="0" y="0"/>
+          <a:ext cx="0" cy="0"/>
+          <a:chOff x="0" y="0"/>
+          <a:chExt cx="0" cy="0"/>
+        </a:xfrm>
+      </p:grpSpPr>
+      <p:sp>
+        <p:nvSpPr>
+          <p:cNvPr id="2" name="Folienbildplatzhalter 1"/>
+          <p:cNvSpPr>
+            <a:spLocks noGrp="1" noRot="1" noChangeAspect="1"/>
+          </p:cNvSpPr>
+          <p:nvPr>
+            <p:ph type="sldImg"/>
+          </p:nvPr>
+        </p:nvSpPr>
+        <p:spPr/>
+      </p:sp>
+      <p:sp>
+        <p:nvSpPr>
+          <p:cNvPr id="3" name="Notizenplatzhalter 2"/>
+          <p:cNvSpPr>
+            <a:spLocks noGrp="1"/>
+          </p:cNvSpPr>
+          <p:nvPr>
+            <p:ph type="body" idx="1"/>
+          </p:nvPr>
+        </p:nvSpPr>
+        <p:spPr/>
+        <p:txBody>
+          <a:bodyPr/>
+          <a:lstStyle/>
+          <a:p>
+            <a:endParaRPr lang="de-AT" dirty="0"/>
+          </a:p>
+        </p:txBody>
+      </p:sp>
+      <p:sp>
+        <p:nvSpPr>
+          <p:cNvPr id="4" name="Foliennummernplatzhalter 3"/>
+          <p:cNvSpPr>
+            <a:spLocks noGrp="1"/>
+          </p:cNvSpPr>
+          <p:nvPr>
+            <p:ph type="sldNum" sz="quarter" idx="10"/>
+          </p:nvPr>
+        </p:nvSpPr>
+        <p:spPr/>
+        <p:txBody>
+          <a:bodyPr/>
+          <a:lstStyle/>
+          <a:p>
+            <a:fld id="{675759A9-FEAE-43C2-96D3-CE3AC1216194}" type="slidenum">
+              <a:rPr lang="de-DE" smtClean="0"/>
+              <a:t>17</a:t>
+            </a:fld>
+            <a:endParaRPr lang="de-DE"/>
+          </a:p>
+        </p:txBody>
+      </p:sp>
+    </p:spTree>
+    <p:extLst>
+      <p:ext uri="{BB962C8B-B14F-4D97-AF65-F5344CB8AC3E}">
+        <p14:creationId xmlns:p14="http://schemas.microsoft.com/office/powerpoint/2010/main" val="3389010217"/>
+      </p:ext>
+    </p:extLst>
+  </p:cSld>
+  <p:clrMapOvr>
+    <a:masterClrMapping/>
+  </p:clrMapOvr>
+</p:notes>
+</file>
+
+<file path=ppt/notesSlides/notesSlide11.xml><?xml version="1.0" encoding="utf-8"?>
+<p:notes xmlns:a="http://schemas.openxmlformats.org/drawingml/2006/main" xmlns:r="http://schemas.openxmlformats.org/officeDocument/2006/relationships" xmlns:p="http://schemas.openxmlformats.org/presentationml/2006/main">
+  <p:cSld>
+    <p:spTree>
+      <p:nvGrpSpPr>
+        <p:cNvPr id="1" name=""/>
+        <p:cNvGrpSpPr/>
+        <p:nvPr/>
+      </p:nvGrpSpPr>
+      <p:grpSpPr>
+        <a:xfrm>
+          <a:off x="0" y="0"/>
+          <a:ext cx="0" cy="0"/>
+          <a:chOff x="0" y="0"/>
+          <a:chExt cx="0" cy="0"/>
+        </a:xfrm>
+      </p:grpSpPr>
+      <p:sp>
+        <p:nvSpPr>
+          <p:cNvPr id="2" name="Folienbildplatzhalter 1"/>
+          <p:cNvSpPr>
+            <a:spLocks noGrp="1" noRot="1" noChangeAspect="1"/>
+          </p:cNvSpPr>
+          <p:nvPr>
+            <p:ph type="sldImg"/>
+          </p:nvPr>
+        </p:nvSpPr>
+        <p:spPr/>
+      </p:sp>
+      <p:sp>
+        <p:nvSpPr>
+          <p:cNvPr id="3" name="Notizenplatzhalter 2"/>
+          <p:cNvSpPr>
+            <a:spLocks noGrp="1"/>
+          </p:cNvSpPr>
+          <p:nvPr>
+            <p:ph type="body" idx="1"/>
+          </p:nvPr>
+        </p:nvSpPr>
+        <p:spPr/>
+        <p:txBody>
+          <a:bodyPr/>
+          <a:lstStyle/>
+          <a:p>
+            <a:r>
+              <a:rPr lang="de-AT" dirty="0" smtClean="0"/>
+              <a:t>Phase 1)</a:t>
+            </a:r>
+            <a:br>
+              <a:rPr lang="de-AT" dirty="0" smtClean="0"/>
+            </a:br>
+            <a:r>
+              <a:rPr lang="de-AT" dirty="0" smtClean="0"/>
+              <a:t>2 Fälle</a:t>
+            </a:r>
+            <a:br>
+              <a:rPr lang="de-AT" dirty="0" smtClean="0"/>
+            </a:br>
+            <a:r>
+              <a:rPr lang="de-AT" dirty="0" smtClean="0"/>
+              <a:t>Überschneidung</a:t>
+            </a:r>
+            <a:r>
+              <a:rPr lang="de-AT" baseline="0" dirty="0" smtClean="0"/>
+              <a:t> </a:t>
+            </a:r>
+            <a:r>
+              <a:rPr lang="de-AT" baseline="0" dirty="0" err="1" smtClean="0"/>
+              <a:t>bzw</a:t>
+            </a:r>
+            <a:r>
+              <a:rPr lang="de-AT" baseline="0" dirty="0" smtClean="0"/>
+              <a:t> keine </a:t>
+            </a:r>
+            <a:r>
+              <a:rPr lang="de-AT" baseline="0" dirty="0" err="1" smtClean="0"/>
+              <a:t>Überschneitung</a:t>
+            </a:r>
+            <a:endParaRPr lang="de-AT" dirty="0"/>
+          </a:p>
+        </p:txBody>
+      </p:sp>
+      <p:sp>
+        <p:nvSpPr>
+          <p:cNvPr id="4" name="Foliennummernplatzhalter 3"/>
+          <p:cNvSpPr>
+            <a:spLocks noGrp="1"/>
+          </p:cNvSpPr>
+          <p:nvPr>
+            <p:ph type="sldNum" sz="quarter" idx="10"/>
+          </p:nvPr>
+        </p:nvSpPr>
+        <p:spPr/>
+        <p:txBody>
+          <a:bodyPr/>
+          <a:lstStyle/>
+          <a:p>
+            <a:fld id="{675759A9-FEAE-43C2-96D3-CE3AC1216194}" type="slidenum">
+              <a:rPr lang="de-DE" smtClean="0"/>
+              <a:t>19</a:t>
+            </a:fld>
+            <a:endParaRPr lang="de-DE"/>
+          </a:p>
+        </p:txBody>
+      </p:sp>
+    </p:spTree>
+    <p:extLst>
+      <p:ext uri="{BB962C8B-B14F-4D97-AF65-F5344CB8AC3E}">
+        <p14:creationId xmlns:p14="http://schemas.microsoft.com/office/powerpoint/2010/main" val="1167706246"/>
+      </p:ext>
+    </p:extLst>
+  </p:cSld>
+  <p:clrMapOvr>
+    <a:masterClrMapping/>
+  </p:clrMapOvr>
+</p:notes>
+</file>
+
+<file path=ppt/notesSlides/notesSlide12.xml><?xml version="1.0" encoding="utf-8"?>
+<p:notes xmlns:a="http://schemas.openxmlformats.org/drawingml/2006/main" xmlns:r="http://schemas.openxmlformats.org/officeDocument/2006/relationships" xmlns:p="http://schemas.openxmlformats.org/presentationml/2006/main">
+  <p:cSld>
+    <p:spTree>
+      <p:nvGrpSpPr>
+        <p:cNvPr id="1" name=""/>
+        <p:cNvGrpSpPr/>
+        <p:nvPr/>
+      </p:nvGrpSpPr>
+      <p:grpSpPr>
+        <a:xfrm>
+          <a:off x="0" y="0"/>
+          <a:ext cx="0" cy="0"/>
+          <a:chOff x="0" y="0"/>
+          <a:chExt cx="0" cy="0"/>
+        </a:xfrm>
+      </p:grpSpPr>
+      <p:sp>
+        <p:nvSpPr>
+          <p:cNvPr id="2" name="Folienbildplatzhalter 1"/>
+          <p:cNvSpPr>
+            <a:spLocks noGrp="1" noRot="1" noChangeAspect="1"/>
+          </p:cNvSpPr>
+          <p:nvPr>
+            <p:ph type="sldImg"/>
+          </p:nvPr>
+        </p:nvSpPr>
+        <p:spPr/>
+      </p:sp>
+      <p:sp>
+        <p:nvSpPr>
+          <p:cNvPr id="3" name="Notizenplatzhalter 2"/>
+          <p:cNvSpPr>
+            <a:spLocks noGrp="1"/>
+          </p:cNvSpPr>
+          <p:nvPr>
+            <p:ph type="body" idx="1"/>
+          </p:nvPr>
+        </p:nvSpPr>
+        <p:spPr/>
+        <p:txBody>
+          <a:bodyPr/>
+          <a:lstStyle/>
+          <a:p>
+            <a:r>
+              <a:rPr lang="de-AT" dirty="0" smtClean="0"/>
+              <a:t>Phase 2</a:t>
+            </a:r>
+            <a:r>
+              <a:rPr lang="de-AT" baseline="0" dirty="0" smtClean="0"/>
+              <a:t>)</a:t>
+            </a:r>
+            <a:br>
+              <a:rPr lang="de-AT" baseline="0" dirty="0" smtClean="0"/>
+            </a:br>
+            <a:r>
+              <a:rPr lang="de-AT" baseline="0" dirty="0" smtClean="0"/>
+              <a:t>2 Fälle</a:t>
+            </a:r>
+            <a:br>
+              <a:rPr lang="de-AT" baseline="0" dirty="0" smtClean="0"/>
+            </a:br>
+            <a:r>
+              <a:rPr lang="de-AT" baseline="0" dirty="0" err="1" smtClean="0"/>
+              <a:t>Poligonkollision</a:t>
+            </a:r>
+            <a:r>
+              <a:rPr lang="de-AT" baseline="0" dirty="0" smtClean="0"/>
+              <a:t> und keine </a:t>
+            </a:r>
+            <a:r>
+              <a:rPr lang="de-AT" baseline="0" dirty="0" err="1" smtClean="0"/>
+              <a:t>Plyigonkolision</a:t>
+            </a:r>
+            <a:endParaRPr lang="de-AT" dirty="0"/>
+          </a:p>
+        </p:txBody>
+      </p:sp>
+      <p:sp>
+        <p:nvSpPr>
+          <p:cNvPr id="4" name="Foliennummernplatzhalter 3"/>
+          <p:cNvSpPr>
+            <a:spLocks noGrp="1"/>
+          </p:cNvSpPr>
+          <p:nvPr>
+            <p:ph type="sldNum" sz="quarter" idx="10"/>
+          </p:nvPr>
+        </p:nvSpPr>
+        <p:spPr/>
+        <p:txBody>
+          <a:bodyPr/>
+          <a:lstStyle/>
+          <a:p>
+            <a:fld id="{675759A9-FEAE-43C2-96D3-CE3AC1216194}" type="slidenum">
+              <a:rPr lang="de-DE" smtClean="0"/>
+              <a:t>20</a:t>
+            </a:fld>
+            <a:endParaRPr lang="de-DE"/>
+          </a:p>
+        </p:txBody>
+      </p:sp>
+    </p:spTree>
+    <p:extLst>
+      <p:ext uri="{BB962C8B-B14F-4D97-AF65-F5344CB8AC3E}">
+        <p14:creationId xmlns:p14="http://schemas.microsoft.com/office/powerpoint/2010/main" val="2424910424"/>
+      </p:ext>
+    </p:extLst>
+  </p:cSld>
+  <p:clrMapOvr>
+    <a:masterClrMapping/>
+  </p:clrMapOvr>
+</p:notes>
+</file>
+
+<file path=ppt/notesSlides/notesSlide13.xml><?xml version="1.0" encoding="utf-8"?>
+<p:notes xmlns:a="http://schemas.openxmlformats.org/drawingml/2006/main" xmlns:r="http://schemas.openxmlformats.org/officeDocument/2006/relationships" xmlns:p="http://schemas.openxmlformats.org/presentationml/2006/main">
+  <p:cSld>
+    <p:spTree>
+      <p:nvGrpSpPr>
+        <p:cNvPr id="1" name=""/>
+        <p:cNvGrpSpPr/>
+        <p:nvPr/>
+      </p:nvGrpSpPr>
+      <p:grpSpPr>
+        <a:xfrm>
+          <a:off x="0" y="0"/>
+          <a:ext cx="0" cy="0"/>
+          <a:chOff x="0" y="0"/>
+          <a:chExt cx="0" cy="0"/>
+        </a:xfrm>
+      </p:grpSpPr>
+      <p:sp>
+        <p:nvSpPr>
+          <p:cNvPr id="2" name="Folienbildplatzhalter 1"/>
+          <p:cNvSpPr>
+            <a:spLocks noGrp="1" noRot="1" noChangeAspect="1"/>
+          </p:cNvSpPr>
+          <p:nvPr>
+            <p:ph type="sldImg"/>
+          </p:nvPr>
+        </p:nvSpPr>
+        <p:spPr/>
+      </p:sp>
+      <p:sp>
+        <p:nvSpPr>
+          <p:cNvPr id="3" name="Notizenplatzhalter 2"/>
+          <p:cNvSpPr>
+            <a:spLocks noGrp="1"/>
+          </p:cNvSpPr>
+          <p:nvPr>
+            <p:ph type="body" idx="1"/>
+          </p:nvPr>
+        </p:nvSpPr>
+        <p:spPr/>
+        <p:txBody>
+          <a:bodyPr/>
+          <a:lstStyle/>
+          <a:p>
+            <a:endParaRPr lang="de-AT" dirty="0"/>
+          </a:p>
+        </p:txBody>
+      </p:sp>
+      <p:sp>
+        <p:nvSpPr>
+          <p:cNvPr id="4" name="Foliennummernplatzhalter 3"/>
+          <p:cNvSpPr>
+            <a:spLocks noGrp="1"/>
+          </p:cNvSpPr>
+          <p:nvPr>
+            <p:ph type="sldNum" sz="quarter" idx="10"/>
+          </p:nvPr>
+        </p:nvSpPr>
+        <p:spPr/>
+        <p:txBody>
+          <a:bodyPr/>
+          <a:lstStyle/>
+          <a:p>
+            <a:fld id="{675759A9-FEAE-43C2-96D3-CE3AC1216194}" type="slidenum">
+              <a:rPr lang="de-DE" smtClean="0"/>
+              <a:t>21</a:t>
+            </a:fld>
+            <a:endParaRPr lang="de-DE"/>
+          </a:p>
+        </p:txBody>
+      </p:sp>
+    </p:spTree>
+    <p:extLst>
+      <p:ext uri="{BB962C8B-B14F-4D97-AF65-F5344CB8AC3E}">
+        <p14:creationId xmlns:p14="http://schemas.microsoft.com/office/powerpoint/2010/main" val="3280958453"/>
+      </p:ext>
+    </p:extLst>
+  </p:cSld>
+  <p:clrMapOvr>
+    <a:masterClrMapping/>
+  </p:clrMapOvr>
+</p:notes>
+</file>
+
+<file path=ppt/notesSlides/notesSlide14.xml><?xml version="1.0" encoding="utf-8"?>
+<p:notes xmlns:a="http://schemas.openxmlformats.org/drawingml/2006/main" xmlns:r="http://schemas.openxmlformats.org/officeDocument/2006/relationships" xmlns:p="http://schemas.openxmlformats.org/presentationml/2006/main">
+  <p:cSld>
+    <p:spTree>
+      <p:nvGrpSpPr>
+        <p:cNvPr id="1" name=""/>
+        <p:cNvGrpSpPr/>
+        <p:nvPr/>
+      </p:nvGrpSpPr>
+      <p:grpSpPr>
+        <a:xfrm>
+          <a:off x="0" y="0"/>
+          <a:ext cx="0" cy="0"/>
+          <a:chOff x="0" y="0"/>
+          <a:chExt cx="0" cy="0"/>
+        </a:xfrm>
+      </p:grpSpPr>
+      <p:sp>
+        <p:nvSpPr>
+          <p:cNvPr id="2" name="Folienbildplatzhalter 1"/>
+          <p:cNvSpPr>
+            <a:spLocks noGrp="1" noRot="1" noChangeAspect="1"/>
+          </p:cNvSpPr>
+          <p:nvPr>
+            <p:ph type="sldImg"/>
+          </p:nvPr>
+        </p:nvSpPr>
+        <p:spPr/>
+      </p:sp>
+      <p:sp>
+        <p:nvSpPr>
+          <p:cNvPr id="3" name="Notizenplatzhalter 2"/>
+          <p:cNvSpPr>
+            <a:spLocks noGrp="1"/>
+          </p:cNvSpPr>
+          <p:nvPr>
+            <p:ph type="body" idx="1"/>
+          </p:nvPr>
+        </p:nvSpPr>
+        <p:spPr/>
+        <p:txBody>
+          <a:bodyPr/>
+          <a:lstStyle/>
+          <a:p>
+            <a:endParaRPr lang="de-AT" dirty="0"/>
+          </a:p>
+        </p:txBody>
+      </p:sp>
+      <p:sp>
+        <p:nvSpPr>
+          <p:cNvPr id="4" name="Foliennummernplatzhalter 3"/>
+          <p:cNvSpPr>
+            <a:spLocks noGrp="1"/>
+          </p:cNvSpPr>
+          <p:nvPr>
+            <p:ph type="sldNum" sz="quarter" idx="10"/>
+          </p:nvPr>
+        </p:nvSpPr>
+        <p:spPr/>
+        <p:txBody>
+          <a:bodyPr/>
+          <a:lstStyle/>
+          <a:p>
+            <a:fld id="{675759A9-FEAE-43C2-96D3-CE3AC1216194}" type="slidenum">
+              <a:rPr lang="de-DE" smtClean="0"/>
+              <a:t>22</a:t>
+            </a:fld>
+            <a:endParaRPr lang="de-DE"/>
+          </a:p>
+        </p:txBody>
+      </p:sp>
+    </p:spTree>
+    <p:extLst>
+      <p:ext uri="{BB962C8B-B14F-4D97-AF65-F5344CB8AC3E}">
+        <p14:creationId xmlns:p14="http://schemas.microsoft.com/office/powerpoint/2010/main" val="4210620308"/>
       </p:ext>
     </p:extLst>
   </p:cSld>
@@ -635,34 +1095,34 @@
           <a:lstStyle/>
           <a:p>
             <a:r>
-              <a:rPr lang="de-DE" dirty="0" smtClean="0"/>
-              <a:t>Der</a:t>
-            </a:r>
-            <a:r>
-              <a:rPr lang="de-DE" baseline="0" dirty="0" smtClean="0"/>
-              <a:t> </a:t>
-            </a:r>
-            <a:r>
-              <a:rPr lang="de-DE" baseline="0" dirty="0" err="1" smtClean="0"/>
-              <a:t>GameController</a:t>
-            </a:r>
-            <a:r>
-              <a:rPr lang="de-DE" baseline="0" dirty="0" smtClean="0"/>
-              <a:t> aktualisiert alle </a:t>
-            </a:r>
-            <a:r>
-              <a:rPr lang="de-DE" baseline="0" dirty="0" err="1" smtClean="0"/>
-              <a:t>IUpdatables</a:t>
-            </a:r>
-            <a:r>
-              <a:rPr lang="de-DE" baseline="0" dirty="0" smtClean="0"/>
-              <a:t>, beim Ball bewirkt dies </a:t>
-            </a:r>
-            <a:r>
-              <a:rPr lang="de-DE" baseline="0" smtClean="0"/>
-              <a:t>die Bewegung</a:t>
-            </a:r>
-            <a:endParaRPr lang="de-DE" dirty="0"/>
+              <a:rPr lang="de-AT" dirty="0" smtClean="0"/>
+              <a:t>Server Client Architektur</a:t>
+            </a:r>
+          </a:p>
+          <a:p>
+            <a:r>
+              <a:rPr lang="de-AT" dirty="0" smtClean="0"/>
+              <a:t>Kommuniziert</a:t>
+            </a:r>
+            <a:r>
+              <a:rPr lang="de-AT" baseline="0" dirty="0" smtClean="0"/>
+              <a:t> Sockets</a:t>
+            </a:r>
+          </a:p>
+          <a:p>
+            <a:r>
+              <a:rPr lang="de-AT" baseline="0" dirty="0" smtClean="0"/>
+              <a:t>Messages werden über Sockets geschickt</a:t>
+            </a:r>
+          </a:p>
+          <a:p>
+            <a:r>
+              <a:rPr lang="de-AT" baseline="0" dirty="0" smtClean="0"/>
+              <a:t>Klar abstrahiert</a:t>
+            </a:r>
+          </a:p>
+          <a:p>
+            <a:endParaRPr lang="de-AT" dirty="0"/>
           </a:p>
         </p:txBody>
       </p:sp>
@@ -683,7 +1143,7 @@
           <a:p>
             <a:fld id="{675759A9-FEAE-43C2-96D3-CE3AC1216194}" type="slidenum">
               <a:rPr lang="de-DE" smtClean="0"/>
-              <a:t>13</a:t>
+              <a:t>4</a:t>
             </a:fld>
             <a:endParaRPr lang="de-DE"/>
           </a:p>
@@ -692,7 +1152,7 @@
     </p:spTree>
     <p:extLst>
       <p:ext uri="{BB962C8B-B14F-4D97-AF65-F5344CB8AC3E}">
-        <p14:creationId xmlns:p14="http://schemas.microsoft.com/office/powerpoint/2010/main" val="3979599418"/>
+        <p14:creationId xmlns:p14="http://schemas.microsoft.com/office/powerpoint/2010/main" val="4047360658"/>
       </p:ext>
     </p:extLst>
   </p:cSld>
@@ -747,6 +1207,383 @@
           <a:lstStyle/>
           <a:p>
             <a:r>
+              <a:rPr lang="de-AT" dirty="0" smtClean="0"/>
+              <a:t>Basisklasse</a:t>
+            </a:r>
+            <a:r>
+              <a:rPr lang="de-AT" baseline="0" dirty="0" smtClean="0"/>
+              <a:t> für die Netzwerkkommunikation</a:t>
+            </a:r>
+          </a:p>
+          <a:p>
+            <a:r>
+              <a:rPr lang="de-AT" baseline="0" dirty="0" smtClean="0"/>
+              <a:t>Nachrichten auf </a:t>
+            </a:r>
+            <a:r>
+              <a:rPr lang="de-AT" baseline="0" dirty="0" err="1" smtClean="0"/>
+              <a:t>Stack</a:t>
+            </a:r>
+            <a:r>
+              <a:rPr lang="de-AT" baseline="0" dirty="0" smtClean="0"/>
+              <a:t> -&gt; </a:t>
+            </a:r>
+            <a:r>
+              <a:rPr lang="de-AT" baseline="0" dirty="0" err="1" smtClean="0"/>
+              <a:t>Asyncron</a:t>
+            </a:r>
+            <a:r>
+              <a:rPr lang="de-AT" baseline="0" dirty="0" smtClean="0"/>
+              <a:t> Abarbeitung </a:t>
+            </a:r>
+          </a:p>
+          <a:p>
+            <a:endParaRPr lang="de-AT" baseline="0" dirty="0" smtClean="0"/>
+          </a:p>
+          <a:p>
+            <a:r>
+              <a:rPr lang="de-AT" baseline="0" dirty="0" err="1" smtClean="0"/>
+              <a:t>Asyncroner</a:t>
+            </a:r>
+            <a:r>
+              <a:rPr lang="de-AT" baseline="0" dirty="0" smtClean="0"/>
+              <a:t> Reader </a:t>
+            </a:r>
+            <a:r>
+              <a:rPr lang="de-AT" baseline="0" dirty="0" smtClean="0">
+                <a:sym typeface="Wingdings" pitchFamily="2" charset="2"/>
+              </a:rPr>
+              <a:t> bei erhalt </a:t>
+            </a:r>
+            <a:r>
+              <a:rPr lang="de-AT" baseline="0" dirty="0" err="1" smtClean="0">
+                <a:sym typeface="Wingdings" pitchFamily="2" charset="2"/>
+              </a:rPr>
+              <a:t>fireEvent</a:t>
+            </a:r>
+            <a:endParaRPr lang="de-AT" baseline="0" dirty="0" smtClean="0"/>
+          </a:p>
+        </p:txBody>
+      </p:sp>
+      <p:sp>
+        <p:nvSpPr>
+          <p:cNvPr id="4" name="Foliennummernplatzhalter 3"/>
+          <p:cNvSpPr>
+            <a:spLocks noGrp="1"/>
+          </p:cNvSpPr>
+          <p:nvPr>
+            <p:ph type="sldNum" sz="quarter" idx="10"/>
+          </p:nvPr>
+        </p:nvSpPr>
+        <p:spPr/>
+        <p:txBody>
+          <a:bodyPr/>
+          <a:lstStyle/>
+          <a:p>
+            <a:fld id="{675759A9-FEAE-43C2-96D3-CE3AC1216194}" type="slidenum">
+              <a:rPr lang="de-DE" smtClean="0"/>
+              <a:t>9</a:t>
+            </a:fld>
+            <a:endParaRPr lang="de-DE"/>
+          </a:p>
+        </p:txBody>
+      </p:sp>
+    </p:spTree>
+    <p:extLst>
+      <p:ext uri="{BB962C8B-B14F-4D97-AF65-F5344CB8AC3E}">
+        <p14:creationId xmlns:p14="http://schemas.microsoft.com/office/powerpoint/2010/main" val="4169709491"/>
+      </p:ext>
+    </p:extLst>
+  </p:cSld>
+  <p:clrMapOvr>
+    <a:masterClrMapping/>
+  </p:clrMapOvr>
+</p:notes>
+</file>
+
+<file path=ppt/notesSlides/notesSlide4.xml><?xml version="1.0" encoding="utf-8"?>
+<p:notes xmlns:a="http://schemas.openxmlformats.org/drawingml/2006/main" xmlns:r="http://schemas.openxmlformats.org/officeDocument/2006/relationships" xmlns:p="http://schemas.openxmlformats.org/presentationml/2006/main">
+  <p:cSld>
+    <p:spTree>
+      <p:nvGrpSpPr>
+        <p:cNvPr id="1" name=""/>
+        <p:cNvGrpSpPr/>
+        <p:nvPr/>
+      </p:nvGrpSpPr>
+      <p:grpSpPr>
+        <a:xfrm>
+          <a:off x="0" y="0"/>
+          <a:ext cx="0" cy="0"/>
+          <a:chOff x="0" y="0"/>
+          <a:chExt cx="0" cy="0"/>
+        </a:xfrm>
+      </p:grpSpPr>
+      <p:sp>
+        <p:nvSpPr>
+          <p:cNvPr id="2" name="Folienbildplatzhalter 1"/>
+          <p:cNvSpPr>
+            <a:spLocks noGrp="1" noRot="1" noChangeAspect="1"/>
+          </p:cNvSpPr>
+          <p:nvPr>
+            <p:ph type="sldImg"/>
+          </p:nvPr>
+        </p:nvSpPr>
+        <p:spPr/>
+      </p:sp>
+      <p:sp>
+        <p:nvSpPr>
+          <p:cNvPr id="3" name="Notizenplatzhalter 2"/>
+          <p:cNvSpPr>
+            <a:spLocks noGrp="1"/>
+          </p:cNvSpPr>
+          <p:nvPr>
+            <p:ph type="body" idx="1"/>
+          </p:nvPr>
+        </p:nvSpPr>
+        <p:spPr/>
+        <p:txBody>
+          <a:bodyPr/>
+          <a:lstStyle/>
+          <a:p>
+            <a:r>
+              <a:rPr lang="de-AT" dirty="0" smtClean="0"/>
+              <a:t>Servergamecontroller</a:t>
+            </a:r>
+            <a:r>
+              <a:rPr lang="de-AT" baseline="0" dirty="0" smtClean="0"/>
+              <a:t> kommuniziert über </a:t>
+            </a:r>
+            <a:r>
+              <a:rPr lang="de-AT" baseline="0" dirty="0" err="1" smtClean="0"/>
+              <a:t>NetworkControllerServer</a:t>
+            </a:r>
+            <a:r>
+              <a:rPr lang="de-AT" baseline="0" dirty="0" smtClean="0"/>
+              <a:t/>
+            </a:r>
+            <a:br>
+              <a:rPr lang="de-AT" baseline="0" dirty="0" smtClean="0"/>
+            </a:br>
+            <a:r>
+              <a:rPr lang="de-AT" baseline="0" dirty="0" smtClean="0"/>
+              <a:t>Events werden bei dem Erhalt von Nachrichten gefeuert</a:t>
+            </a:r>
+          </a:p>
+        </p:txBody>
+      </p:sp>
+      <p:sp>
+        <p:nvSpPr>
+          <p:cNvPr id="4" name="Foliennummernplatzhalter 3"/>
+          <p:cNvSpPr>
+            <a:spLocks noGrp="1"/>
+          </p:cNvSpPr>
+          <p:nvPr>
+            <p:ph type="sldNum" sz="quarter" idx="10"/>
+          </p:nvPr>
+        </p:nvSpPr>
+        <p:spPr/>
+        <p:txBody>
+          <a:bodyPr/>
+          <a:lstStyle/>
+          <a:p>
+            <a:fld id="{675759A9-FEAE-43C2-96D3-CE3AC1216194}" type="slidenum">
+              <a:rPr lang="de-DE" smtClean="0"/>
+              <a:t>10</a:t>
+            </a:fld>
+            <a:endParaRPr lang="de-DE"/>
+          </a:p>
+        </p:txBody>
+      </p:sp>
+    </p:spTree>
+    <p:extLst>
+      <p:ext uri="{BB962C8B-B14F-4D97-AF65-F5344CB8AC3E}">
+        <p14:creationId xmlns:p14="http://schemas.microsoft.com/office/powerpoint/2010/main" val="911564366"/>
+      </p:ext>
+    </p:extLst>
+  </p:cSld>
+  <p:clrMapOvr>
+    <a:masterClrMapping/>
+  </p:clrMapOvr>
+</p:notes>
+</file>
+
+<file path=ppt/notesSlides/notesSlide5.xml><?xml version="1.0" encoding="utf-8"?>
+<p:notes xmlns:a="http://schemas.openxmlformats.org/drawingml/2006/main" xmlns:r="http://schemas.openxmlformats.org/officeDocument/2006/relationships" xmlns:p="http://schemas.openxmlformats.org/presentationml/2006/main">
+  <p:cSld>
+    <p:spTree>
+      <p:nvGrpSpPr>
+        <p:cNvPr id="1" name=""/>
+        <p:cNvGrpSpPr/>
+        <p:nvPr/>
+      </p:nvGrpSpPr>
+      <p:grpSpPr>
+        <a:xfrm>
+          <a:off x="0" y="0"/>
+          <a:ext cx="0" cy="0"/>
+          <a:chOff x="0" y="0"/>
+          <a:chExt cx="0" cy="0"/>
+        </a:xfrm>
+      </p:grpSpPr>
+      <p:sp>
+        <p:nvSpPr>
+          <p:cNvPr id="2" name="Folienbildplatzhalter 1"/>
+          <p:cNvSpPr>
+            <a:spLocks noGrp="1" noRot="1" noChangeAspect="1"/>
+          </p:cNvSpPr>
+          <p:nvPr>
+            <p:ph type="sldImg"/>
+          </p:nvPr>
+        </p:nvSpPr>
+        <p:spPr/>
+      </p:sp>
+      <p:sp>
+        <p:nvSpPr>
+          <p:cNvPr id="3" name="Notizenplatzhalter 2"/>
+          <p:cNvSpPr>
+            <a:spLocks noGrp="1"/>
+          </p:cNvSpPr>
+          <p:nvPr>
+            <p:ph type="body" idx="1"/>
+          </p:nvPr>
+        </p:nvSpPr>
+        <p:spPr/>
+        <p:txBody>
+          <a:bodyPr/>
+          <a:lstStyle/>
+          <a:p>
+            <a:r>
+              <a:rPr lang="de-AT" dirty="0" err="1" smtClean="0"/>
+              <a:t>PaddleMoved</a:t>
+            </a:r>
+            <a:r>
+              <a:rPr lang="de-AT" baseline="0" dirty="0" smtClean="0"/>
+              <a:t> Event </a:t>
+            </a:r>
+            <a:r>
+              <a:rPr lang="de-AT" baseline="0" dirty="0" err="1" smtClean="0"/>
+              <a:t>SteuerungsController</a:t>
+            </a:r>
+            <a:endParaRPr lang="de-AT" baseline="0" dirty="0" smtClean="0"/>
+          </a:p>
+          <a:p>
+            <a:r>
+              <a:rPr lang="de-AT" dirty="0" err="1" smtClean="0"/>
+              <a:t>ClientGameController</a:t>
+            </a:r>
+            <a:r>
+              <a:rPr lang="de-AT" dirty="0" smtClean="0"/>
+              <a:t/>
+            </a:r>
+            <a:br>
+              <a:rPr lang="de-AT" dirty="0" smtClean="0"/>
+            </a:br>
+            <a:r>
+              <a:rPr lang="de-AT" dirty="0" smtClean="0"/>
+              <a:t>	interpoliert</a:t>
+            </a:r>
+            <a:br>
+              <a:rPr lang="de-AT" dirty="0" smtClean="0"/>
+            </a:br>
+            <a:r>
+              <a:rPr lang="de-AT" dirty="0" smtClean="0"/>
+              <a:t>	</a:t>
+            </a:r>
+            <a:r>
+              <a:rPr lang="de-AT" dirty="0" err="1" smtClean="0"/>
+              <a:t>GameUpdated</a:t>
+            </a:r>
+            <a:r>
+              <a:rPr lang="de-AT" baseline="0" dirty="0" smtClean="0"/>
+              <a:t> Event (View holt sich dann die benötigten Daten)</a:t>
+            </a:r>
+            <a:br>
+              <a:rPr lang="de-AT" baseline="0" dirty="0" smtClean="0"/>
+            </a:br>
+            <a:endParaRPr lang="de-AT" dirty="0"/>
+          </a:p>
+        </p:txBody>
+      </p:sp>
+      <p:sp>
+        <p:nvSpPr>
+          <p:cNvPr id="4" name="Foliennummernplatzhalter 3"/>
+          <p:cNvSpPr>
+            <a:spLocks noGrp="1"/>
+          </p:cNvSpPr>
+          <p:nvPr>
+            <p:ph type="sldNum" sz="quarter" idx="10"/>
+          </p:nvPr>
+        </p:nvSpPr>
+        <p:spPr/>
+        <p:txBody>
+          <a:bodyPr/>
+          <a:lstStyle/>
+          <a:p>
+            <a:fld id="{675759A9-FEAE-43C2-96D3-CE3AC1216194}" type="slidenum">
+              <a:rPr lang="de-DE" smtClean="0"/>
+              <a:t>11</a:t>
+            </a:fld>
+            <a:endParaRPr lang="de-DE"/>
+          </a:p>
+        </p:txBody>
+      </p:sp>
+    </p:spTree>
+    <p:extLst>
+      <p:ext uri="{BB962C8B-B14F-4D97-AF65-F5344CB8AC3E}">
+        <p14:creationId xmlns:p14="http://schemas.microsoft.com/office/powerpoint/2010/main" val="2913440832"/>
+      </p:ext>
+    </p:extLst>
+  </p:cSld>
+  <p:clrMapOvr>
+    <a:masterClrMapping/>
+  </p:clrMapOvr>
+</p:notes>
+</file>
+
+<file path=ppt/notesSlides/notesSlide6.xml><?xml version="1.0" encoding="utf-8"?>
+<p:notes xmlns:a="http://schemas.openxmlformats.org/drawingml/2006/main" xmlns:r="http://schemas.openxmlformats.org/officeDocument/2006/relationships" xmlns:p="http://schemas.openxmlformats.org/presentationml/2006/main">
+  <p:cSld>
+    <p:spTree>
+      <p:nvGrpSpPr>
+        <p:cNvPr id="1" name=""/>
+        <p:cNvGrpSpPr/>
+        <p:nvPr/>
+      </p:nvGrpSpPr>
+      <p:grpSpPr>
+        <a:xfrm>
+          <a:off x="0" y="0"/>
+          <a:ext cx="0" cy="0"/>
+          <a:chOff x="0" y="0"/>
+          <a:chExt cx="0" cy="0"/>
+        </a:xfrm>
+      </p:grpSpPr>
+      <p:sp>
+        <p:nvSpPr>
+          <p:cNvPr id="2" name="Folienbildplatzhalter 1"/>
+          <p:cNvSpPr>
+            <a:spLocks noGrp="1" noRot="1" noChangeAspect="1"/>
+          </p:cNvSpPr>
+          <p:nvPr>
+            <p:ph type="sldImg"/>
+          </p:nvPr>
+        </p:nvSpPr>
+        <p:spPr/>
+      </p:sp>
+      <p:sp>
+        <p:nvSpPr>
+          <p:cNvPr id="3" name="Notizenplatzhalter 2"/>
+          <p:cNvSpPr>
+            <a:spLocks noGrp="1"/>
+          </p:cNvSpPr>
+          <p:nvPr>
+            <p:ph type="body" idx="1"/>
+          </p:nvPr>
+        </p:nvSpPr>
+        <p:spPr/>
+        <p:txBody>
+          <a:bodyPr/>
+          <a:lstStyle/>
+          <a:p>
+            <a:r>
               <a:rPr lang="de-DE" dirty="0" smtClean="0"/>
               <a:t>Der</a:t>
             </a:r>
@@ -760,7 +1597,11 @@
             </a:r>
             <a:r>
               <a:rPr lang="de-DE" baseline="0" dirty="0" smtClean="0"/>
-              <a:t> aktualisiert alle </a:t>
+              <a:t> aktualisiert </a:t>
+            </a:r>
+            <a:r>
+              <a:rPr lang="de-DE" baseline="0" dirty="0" smtClean="0"/>
+              <a:t>alle </a:t>
             </a:r>
             <a:r>
               <a:rPr lang="de-DE" baseline="0" dirty="0" err="1" smtClean="0"/>
@@ -768,11 +1609,193 @@
             </a:r>
             <a:r>
               <a:rPr lang="de-DE" baseline="0" dirty="0" smtClean="0"/>
-              <a:t>, beim Ball bewirkt dies </a:t>
-            </a:r>
-            <a:r>
-              <a:rPr lang="de-DE" baseline="0" smtClean="0"/>
-              <a:t>die Bewegung</a:t>
+              <a:t>, beim Ball bewirkt dies die </a:t>
+            </a:r>
+            <a:r>
+              <a:rPr lang="de-DE" baseline="0" dirty="0" smtClean="0"/>
+              <a:t>Bewegung</a:t>
+            </a:r>
+          </a:p>
+          <a:p>
+            <a:endParaRPr lang="de-DE" dirty="0"/>
+          </a:p>
+        </p:txBody>
+      </p:sp>
+      <p:sp>
+        <p:nvSpPr>
+          <p:cNvPr id="4" name="Foliennummernplatzhalter 3"/>
+          <p:cNvSpPr>
+            <a:spLocks noGrp="1"/>
+          </p:cNvSpPr>
+          <p:nvPr>
+            <p:ph type="sldNum" sz="quarter" idx="10"/>
+          </p:nvPr>
+        </p:nvSpPr>
+        <p:spPr/>
+        <p:txBody>
+          <a:bodyPr/>
+          <a:lstStyle/>
+          <a:p>
+            <a:fld id="{675759A9-FEAE-43C2-96D3-CE3AC1216194}" type="slidenum">
+              <a:rPr lang="de-DE" smtClean="0"/>
+              <a:t>12</a:t>
+            </a:fld>
+            <a:endParaRPr lang="de-DE"/>
+          </a:p>
+        </p:txBody>
+      </p:sp>
+    </p:spTree>
+    <p:extLst>
+      <p:ext uri="{BB962C8B-B14F-4D97-AF65-F5344CB8AC3E}">
+        <p14:creationId xmlns:p14="http://schemas.microsoft.com/office/powerpoint/2010/main" val="3979599418"/>
+      </p:ext>
+    </p:extLst>
+  </p:cSld>
+  <p:clrMapOvr>
+    <a:masterClrMapping/>
+  </p:clrMapOvr>
+</p:notes>
+</file>
+
+<file path=ppt/notesSlides/notesSlide7.xml><?xml version="1.0" encoding="utf-8"?>
+<p:notes xmlns:a="http://schemas.openxmlformats.org/drawingml/2006/main" xmlns:r="http://schemas.openxmlformats.org/officeDocument/2006/relationships" xmlns:p="http://schemas.openxmlformats.org/presentationml/2006/main">
+  <p:cSld>
+    <p:spTree>
+      <p:nvGrpSpPr>
+        <p:cNvPr id="1" name=""/>
+        <p:cNvGrpSpPr/>
+        <p:nvPr/>
+      </p:nvGrpSpPr>
+      <p:grpSpPr>
+        <a:xfrm>
+          <a:off x="0" y="0"/>
+          <a:ext cx="0" cy="0"/>
+          <a:chOff x="0" y="0"/>
+          <a:chExt cx="0" cy="0"/>
+        </a:xfrm>
+      </p:grpSpPr>
+      <p:sp>
+        <p:nvSpPr>
+          <p:cNvPr id="2" name="Folienbildplatzhalter 1"/>
+          <p:cNvSpPr>
+            <a:spLocks noGrp="1" noRot="1" noChangeAspect="1"/>
+          </p:cNvSpPr>
+          <p:nvPr>
+            <p:ph type="sldImg"/>
+          </p:nvPr>
+        </p:nvSpPr>
+        <p:spPr/>
+      </p:sp>
+      <p:sp>
+        <p:nvSpPr>
+          <p:cNvPr id="3" name="Notizenplatzhalter 2"/>
+          <p:cNvSpPr>
+            <a:spLocks noGrp="1"/>
+          </p:cNvSpPr>
+          <p:nvPr>
+            <p:ph type="body" idx="1"/>
+          </p:nvPr>
+        </p:nvSpPr>
+        <p:spPr/>
+        <p:txBody>
+          <a:bodyPr/>
+          <a:lstStyle/>
+          <a:p>
+            <a:r>
+              <a:rPr lang="de-DE" dirty="0" smtClean="0"/>
+              <a:t>Ball</a:t>
+            </a:r>
+            <a:r>
+              <a:rPr lang="de-DE" baseline="0" dirty="0" smtClean="0"/>
+              <a:t> und Paddle kollidieren miteinander</a:t>
+            </a:r>
+            <a:endParaRPr lang="de-DE" dirty="0"/>
+          </a:p>
+        </p:txBody>
+      </p:sp>
+      <p:sp>
+        <p:nvSpPr>
+          <p:cNvPr id="4" name="Foliennummernplatzhalter 3"/>
+          <p:cNvSpPr>
+            <a:spLocks noGrp="1"/>
+          </p:cNvSpPr>
+          <p:nvPr>
+            <p:ph type="sldNum" sz="quarter" idx="10"/>
+          </p:nvPr>
+        </p:nvSpPr>
+        <p:spPr/>
+        <p:txBody>
+          <a:bodyPr/>
+          <a:lstStyle/>
+          <a:p>
+            <a:fld id="{675759A9-FEAE-43C2-96D3-CE3AC1216194}" type="slidenum">
+              <a:rPr lang="de-DE" smtClean="0"/>
+              <a:t>13</a:t>
+            </a:fld>
+            <a:endParaRPr lang="de-DE"/>
+          </a:p>
+        </p:txBody>
+      </p:sp>
+    </p:spTree>
+    <p:extLst>
+      <p:ext uri="{BB962C8B-B14F-4D97-AF65-F5344CB8AC3E}">
+        <p14:creationId xmlns:p14="http://schemas.microsoft.com/office/powerpoint/2010/main" val="3979599418"/>
+      </p:ext>
+    </p:extLst>
+  </p:cSld>
+  <p:clrMapOvr>
+    <a:masterClrMapping/>
+  </p:clrMapOvr>
+</p:notes>
+</file>
+
+<file path=ppt/notesSlides/notesSlide8.xml><?xml version="1.0" encoding="utf-8"?>
+<p:notes xmlns:a="http://schemas.openxmlformats.org/drawingml/2006/main" xmlns:r="http://schemas.openxmlformats.org/officeDocument/2006/relationships" xmlns:p="http://schemas.openxmlformats.org/presentationml/2006/main">
+  <p:cSld>
+    <p:spTree>
+      <p:nvGrpSpPr>
+        <p:cNvPr id="1" name=""/>
+        <p:cNvGrpSpPr/>
+        <p:nvPr/>
+      </p:nvGrpSpPr>
+      <p:grpSpPr>
+        <a:xfrm>
+          <a:off x="0" y="0"/>
+          <a:ext cx="0" cy="0"/>
+          <a:chOff x="0" y="0"/>
+          <a:chExt cx="0" cy="0"/>
+        </a:xfrm>
+      </p:grpSpPr>
+      <p:sp>
+        <p:nvSpPr>
+          <p:cNvPr id="2" name="Folienbildplatzhalter 1"/>
+          <p:cNvSpPr>
+            <a:spLocks noGrp="1" noRot="1" noChangeAspect="1"/>
+          </p:cNvSpPr>
+          <p:nvPr>
+            <p:ph type="sldImg"/>
+          </p:nvPr>
+        </p:nvSpPr>
+        <p:spPr/>
+      </p:sp>
+      <p:sp>
+        <p:nvSpPr>
+          <p:cNvPr id="3" name="Notizenplatzhalter 2"/>
+          <p:cNvSpPr>
+            <a:spLocks noGrp="1"/>
+          </p:cNvSpPr>
+          <p:nvPr>
+            <p:ph type="body" idx="1"/>
+          </p:nvPr>
+        </p:nvSpPr>
+        <p:spPr/>
+        <p:txBody>
+          <a:bodyPr/>
+          <a:lstStyle/>
+          <a:p>
+            <a:r>
+              <a:rPr lang="de-DE" dirty="0" smtClean="0"/>
+              <a:t>Es werden die Regeln dieser beiden Objekte angewandt</a:t>
             </a:r>
             <a:endParaRPr lang="de-DE" dirty="0"/>
           </a:p>
@@ -805,6 +1828,106 @@
     <p:extLst>
       <p:ext uri="{BB962C8B-B14F-4D97-AF65-F5344CB8AC3E}">
         <p14:creationId xmlns:p14="http://schemas.microsoft.com/office/powerpoint/2010/main" val="3979599418"/>
+      </p:ext>
+    </p:extLst>
+  </p:cSld>
+  <p:clrMapOvr>
+    <a:masterClrMapping/>
+  </p:clrMapOvr>
+</p:notes>
+</file>
+
+<file path=ppt/notesSlides/notesSlide9.xml><?xml version="1.0" encoding="utf-8"?>
+<p:notes xmlns:a="http://schemas.openxmlformats.org/drawingml/2006/main" xmlns:r="http://schemas.openxmlformats.org/officeDocument/2006/relationships" xmlns:p="http://schemas.openxmlformats.org/presentationml/2006/main">
+  <p:cSld>
+    <p:spTree>
+      <p:nvGrpSpPr>
+        <p:cNvPr id="1" name=""/>
+        <p:cNvGrpSpPr/>
+        <p:nvPr/>
+      </p:nvGrpSpPr>
+      <p:grpSpPr>
+        <a:xfrm>
+          <a:off x="0" y="0"/>
+          <a:ext cx="0" cy="0"/>
+          <a:chOff x="0" y="0"/>
+          <a:chExt cx="0" cy="0"/>
+        </a:xfrm>
+      </p:grpSpPr>
+      <p:sp>
+        <p:nvSpPr>
+          <p:cNvPr id="2" name="Folienbildplatzhalter 1"/>
+          <p:cNvSpPr>
+            <a:spLocks noGrp="1" noRot="1" noChangeAspect="1"/>
+          </p:cNvSpPr>
+          <p:nvPr>
+            <p:ph type="sldImg"/>
+          </p:nvPr>
+        </p:nvSpPr>
+        <p:spPr/>
+      </p:sp>
+      <p:sp>
+        <p:nvSpPr>
+          <p:cNvPr id="3" name="Notizenplatzhalter 2"/>
+          <p:cNvSpPr>
+            <a:spLocks noGrp="1"/>
+          </p:cNvSpPr>
+          <p:nvPr>
+            <p:ph type="body" idx="1"/>
+          </p:nvPr>
+        </p:nvSpPr>
+        <p:spPr/>
+        <p:txBody>
+          <a:bodyPr/>
+          <a:lstStyle/>
+          <a:p>
+            <a:r>
+              <a:rPr lang="de-AT" dirty="0" smtClean="0"/>
+              <a:t>Das</a:t>
+            </a:r>
+            <a:r>
+              <a:rPr lang="de-AT" baseline="0" dirty="0" smtClean="0"/>
+              <a:t> Rundensystem wird vom </a:t>
+            </a:r>
+            <a:r>
+              <a:rPr lang="de-AT" baseline="0" dirty="0" err="1" smtClean="0"/>
+              <a:t>ServerGameController</a:t>
+            </a:r>
+            <a:r>
+              <a:rPr lang="de-AT" baseline="0" dirty="0" smtClean="0"/>
+              <a:t> verwaltet. Es können beliebig viele Regeln hinzugefügt werden.</a:t>
+            </a:r>
+            <a:endParaRPr lang="de-AT" dirty="0"/>
+          </a:p>
+        </p:txBody>
+      </p:sp>
+      <p:sp>
+        <p:nvSpPr>
+          <p:cNvPr id="4" name="Foliennummernplatzhalter 3"/>
+          <p:cNvSpPr>
+            <a:spLocks noGrp="1"/>
+          </p:cNvSpPr>
+          <p:nvPr>
+            <p:ph type="sldNum" sz="quarter" idx="10"/>
+          </p:nvPr>
+        </p:nvSpPr>
+        <p:spPr/>
+        <p:txBody>
+          <a:bodyPr/>
+          <a:lstStyle/>
+          <a:p>
+            <a:fld id="{675759A9-FEAE-43C2-96D3-CE3AC1216194}" type="slidenum">
+              <a:rPr lang="de-DE" smtClean="0"/>
+              <a:t>16</a:t>
+            </a:fld>
+            <a:endParaRPr lang="de-DE"/>
+          </a:p>
+        </p:txBody>
+      </p:sp>
+    </p:spTree>
+    <p:extLst>
+      <p:ext uri="{BB962C8B-B14F-4D97-AF65-F5344CB8AC3E}">
+        <p14:creationId xmlns:p14="http://schemas.microsoft.com/office/powerpoint/2010/main" val="3363188151"/>
       </p:ext>
     </p:extLst>
   </p:cSld>
@@ -4080,7 +5203,7 @@
           </p:nvPr>
         </p:nvPicPr>
         <p:blipFill rotWithShape="1">
-          <a:blip r:embed="rId2">
+          <a:blip r:embed="rId3">
             <a:extLst>
               <a:ext uri="{28A0092B-C50C-407E-A947-70E740481C1C}">
                 <a14:useLocalDpi xmlns:a14="http://schemas.microsoft.com/office/drawing/2010/main" val="0"/>
@@ -4191,7 +5314,7 @@
           </p:nvPr>
         </p:nvPicPr>
         <p:blipFill rotWithShape="1">
-          <a:blip r:embed="rId2">
+          <a:blip r:embed="rId3">
             <a:extLst>
               <a:ext uri="{28A0092B-C50C-407E-A947-70E740481C1C}">
                 <a14:useLocalDpi xmlns:a14="http://schemas.microsoft.com/office/drawing/2010/main" val="0"/>
@@ -7428,7 +8551,7 @@
           </p:nvPr>
         </p:nvPicPr>
         <p:blipFill>
-          <a:blip r:embed="rId2">
+          <a:blip r:embed="rId3">
             <a:extLst>
               <a:ext uri="{28A0092B-C50C-407E-A947-70E740481C1C}">
                 <a14:useLocalDpi xmlns:a14="http://schemas.microsoft.com/office/drawing/2010/main" val="0"/>
@@ -8127,12 +9250,12 @@
           <a:graphicData uri="http://schemas.openxmlformats.org/presentationml/2006/ole">
             <mc:AlternateContent xmlns:mc="http://schemas.openxmlformats.org/markup-compatibility/2006">
               <mc:Choice xmlns:v="urn:schemas-microsoft-com:vml" Requires="v">
-                <p:oleObj spid="_x0000_s4112" name="Visio" r:id="rId3" imgW="2443795" imgH="2938779" progId="Visio.Drawing.11">
+                <p:oleObj spid="_x0000_s4144" name="Visio" r:id="rId4" imgW="2443795" imgH="2938779" progId="Visio.Drawing.11">
                   <p:embed/>
                 </p:oleObj>
               </mc:Choice>
               <mc:Fallback>
-                <p:oleObj name="Visio" r:id="rId3" imgW="2443795" imgH="2938779" progId="Visio.Drawing.11">
+                <p:oleObj name="Visio" r:id="rId4" imgW="2443795" imgH="2938779" progId="Visio.Drawing.11">
                   <p:embed/>
                   <p:pic>
                     <p:nvPicPr>
@@ -8143,7 +9266,7 @@
                       <p:nvPr/>
                     </p:nvPicPr>
                     <p:blipFill>
-                      <a:blip r:embed="rId4">
+                      <a:blip r:embed="rId5">
                         <a:extLst>
                           <a:ext uri="{28A0092B-C50C-407E-A947-70E740481C1C}">
                             <a14:useLocalDpi xmlns:a14="http://schemas.microsoft.com/office/drawing/2010/main" val="0"/>
@@ -8198,12 +9321,12 @@
           <a:graphicData uri="http://schemas.openxmlformats.org/presentationml/2006/ole">
             <mc:AlternateContent xmlns:mc="http://schemas.openxmlformats.org/markup-compatibility/2006">
               <mc:Choice xmlns:v="urn:schemas-microsoft-com:vml" Requires="v">
-                <p:oleObj spid="_x0000_s4113" name="Visio" r:id="rId5" imgW="2965790" imgH="2749680" progId="Visio.Drawing.11">
+                <p:oleObj spid="_x0000_s4145" name="Visio" r:id="rId6" imgW="2965790" imgH="2749680" progId="Visio.Drawing.11">
                   <p:embed/>
                 </p:oleObj>
               </mc:Choice>
               <mc:Fallback>
-                <p:oleObj name="Visio" r:id="rId5" imgW="2965790" imgH="2749680" progId="Visio.Drawing.11">
+                <p:oleObj name="Visio" r:id="rId6" imgW="2965790" imgH="2749680" progId="Visio.Drawing.11">
                   <p:embed/>
                   <p:pic>
                     <p:nvPicPr>
@@ -8214,7 +9337,7 @@
                       <p:nvPr/>
                     </p:nvPicPr>
                     <p:blipFill>
-                      <a:blip r:embed="rId6"/>
+                      <a:blip r:embed="rId7"/>
                       <a:srcRect/>
                       <a:stretch>
                         <a:fillRect/>
@@ -8351,7 +9474,7 @@
           <p:nvPr/>
         </p:nvPicPr>
         <p:blipFill>
-          <a:blip r:embed="rId2">
+          <a:blip r:embed="rId3">
             <a:extLst>
               <a:ext uri="{28A0092B-C50C-407E-A947-70E740481C1C}">
                 <a14:useLocalDpi xmlns:a14="http://schemas.microsoft.com/office/drawing/2010/main" val="0"/>
@@ -8500,12 +9623,12 @@
           <a:graphicData uri="http://schemas.openxmlformats.org/presentationml/2006/ole">
             <mc:AlternateContent xmlns:mc="http://schemas.openxmlformats.org/markup-compatibility/2006">
               <mc:Choice xmlns:v="urn:schemas-microsoft-com:vml" Requires="v">
-                <p:oleObj spid="_x0000_s5136" name="Visio" r:id="rId3" imgW="3055822" imgH="2749651" progId="Visio.Drawing.11">
+                <p:oleObj spid="_x0000_s5168" name="Visio" r:id="rId4" imgW="3055822" imgH="2749651" progId="Visio.Drawing.11">
                   <p:embed/>
                 </p:oleObj>
               </mc:Choice>
               <mc:Fallback>
-                <p:oleObj name="Visio" r:id="rId3" imgW="3055822" imgH="2749651" progId="Visio.Drawing.11">
+                <p:oleObj name="Visio" r:id="rId4" imgW="3055822" imgH="2749651" progId="Visio.Drawing.11">
                   <p:embed/>
                   <p:pic>
                     <p:nvPicPr>
@@ -8516,7 +9639,7 @@
                       <p:nvPr/>
                     </p:nvPicPr>
                     <p:blipFill>
-                      <a:blip r:embed="rId4">
+                      <a:blip r:embed="rId5">
                         <a:extLst>
                           <a:ext uri="{28A0092B-C50C-407E-A947-70E740481C1C}">
                             <a14:useLocalDpi xmlns:a14="http://schemas.microsoft.com/office/drawing/2010/main" val="0"/>
@@ -8570,12 +9693,12 @@
           <a:graphicData uri="http://schemas.openxmlformats.org/presentationml/2006/ole">
             <mc:AlternateContent xmlns:mc="http://schemas.openxmlformats.org/markup-compatibility/2006">
               <mc:Choice xmlns:v="urn:schemas-microsoft-com:vml" Requires="v">
-                <p:oleObj spid="_x0000_s5137" name="Visio" r:id="rId5" imgW="3074164" imgH="2749651" progId="Visio.Drawing.11">
+                <p:oleObj spid="_x0000_s5169" name="Visio" r:id="rId6" imgW="3074164" imgH="2749651" progId="Visio.Drawing.11">
                   <p:embed/>
                 </p:oleObj>
               </mc:Choice>
               <mc:Fallback>
-                <p:oleObj name="Visio" r:id="rId5" imgW="3074164" imgH="2749651" progId="Visio.Drawing.11">
+                <p:oleObj name="Visio" r:id="rId6" imgW="3074164" imgH="2749651" progId="Visio.Drawing.11">
                   <p:embed/>
                   <p:pic>
                     <p:nvPicPr>
@@ -8586,7 +9709,7 @@
                       <p:nvPr/>
                     </p:nvPicPr>
                     <p:blipFill>
-                      <a:blip r:embed="rId6">
+                      <a:blip r:embed="rId7">
                         <a:extLst>
                           <a:ext uri="{28A0092B-C50C-407E-A947-70E740481C1C}">
                             <a14:useLocalDpi xmlns:a14="http://schemas.microsoft.com/office/drawing/2010/main" val="0"/>
@@ -8719,12 +9842,12 @@
           <a:graphicData uri="http://schemas.openxmlformats.org/presentationml/2006/ole">
             <mc:AlternateContent xmlns:mc="http://schemas.openxmlformats.org/markup-compatibility/2006">
               <mc:Choice xmlns:v="urn:schemas-microsoft-com:vml" Requires="v">
-                <p:oleObj spid="_x0000_s3082" name="Visio" r:id="rId3" imgW="3074164" imgH="2749651" progId="Visio.Drawing.11">
+                <p:oleObj spid="_x0000_s3098" name="Visio" r:id="rId4" imgW="3074164" imgH="2749651" progId="Visio.Drawing.11">
                   <p:embed/>
                 </p:oleObj>
               </mc:Choice>
               <mc:Fallback>
-                <p:oleObj name="Visio" r:id="rId3" imgW="3074164" imgH="2749651" progId="Visio.Drawing.11">
+                <p:oleObj name="Visio" r:id="rId4" imgW="3074164" imgH="2749651" progId="Visio.Drawing.11">
                   <p:embed/>
                   <p:pic>
                     <p:nvPicPr>
@@ -8735,7 +9858,7 @@
                       <p:nvPr/>
                     </p:nvPicPr>
                     <p:blipFill>
-                      <a:blip r:embed="rId4">
+                      <a:blip r:embed="rId5">
                         <a:extLst>
                           <a:ext uri="{28A0092B-C50C-407E-A947-70E740481C1C}">
                             <a14:useLocalDpi xmlns:a14="http://schemas.microsoft.com/office/drawing/2010/main" val="0"/>
@@ -8929,12 +10052,12 @@
           <a:graphicData uri="http://schemas.openxmlformats.org/presentationml/2006/ole">
             <mc:AlternateContent xmlns:mc="http://schemas.openxmlformats.org/markup-compatibility/2006">
               <mc:Choice xmlns:v="urn:schemas-microsoft-com:vml" Requires="v">
-                <p:oleObj spid="_x0000_s6153" name="Visio" r:id="rId3" imgW="3074164" imgH="2749651" progId="Visio.Drawing.11">
+                <p:oleObj spid="_x0000_s6169" name="Visio" r:id="rId4" imgW="3074164" imgH="2749651" progId="Visio.Drawing.11">
                   <p:embed/>
                 </p:oleObj>
               </mc:Choice>
               <mc:Fallback>
-                <p:oleObj name="Visio" r:id="rId3" imgW="3074164" imgH="2749651" progId="Visio.Drawing.11">
+                <p:oleObj name="Visio" r:id="rId4" imgW="3074164" imgH="2749651" progId="Visio.Drawing.11">
                   <p:embed/>
                   <p:pic>
                     <p:nvPicPr>
@@ -8945,7 +10068,7 @@
                       <p:nvPr/>
                     </p:nvPicPr>
                     <p:blipFill>
-                      <a:blip r:embed="rId4">
+                      <a:blip r:embed="rId5">
                         <a:extLst>
                           <a:ext uri="{28A0092B-C50C-407E-A947-70E740481C1C}">
                             <a14:useLocalDpi xmlns:a14="http://schemas.microsoft.com/office/drawing/2010/main" val="0"/>
@@ -9139,7 +10262,7 @@
           <a:graphicData uri="http://schemas.openxmlformats.org/presentationml/2006/ole">
             <mc:AlternateContent xmlns:mc="http://schemas.openxmlformats.org/markup-compatibility/2006">
               <mc:Choice xmlns:v="urn:schemas-microsoft-com:vml" Requires="v">
-                <p:oleObj spid="_x0000_s7177" name="Visio" r:id="rId3" imgW="3074164" imgH="2749651" progId="Visio.Drawing.11">
+                <p:oleObj spid="_x0000_s7193" name="Visio" r:id="rId3" imgW="3074164" imgH="2749651" progId="Visio.Drawing.11">
                   <p:embed/>
                 </p:oleObj>
               </mc:Choice>
@@ -9600,12 +10723,12 @@
           <a:graphicData uri="http://schemas.openxmlformats.org/presentationml/2006/ole">
             <mc:AlternateContent xmlns:mc="http://schemas.openxmlformats.org/markup-compatibility/2006">
               <mc:Choice xmlns:v="urn:schemas-microsoft-com:vml" Requires="v">
-                <p:oleObj spid="_x0000_s2073" name="Visio" r:id="rId3" imgW="7181201" imgH="4073482" progId="Visio.Drawing.11">
+                <p:oleObj spid="_x0000_s2089" name="Visio" r:id="rId4" imgW="7181201" imgH="4073482" progId="Visio.Drawing.11">
                   <p:embed/>
                 </p:oleObj>
               </mc:Choice>
               <mc:Fallback>
-                <p:oleObj name="Visio" r:id="rId3" imgW="7181201" imgH="4073482" progId="Visio.Drawing.11">
+                <p:oleObj name="Visio" r:id="rId4" imgW="7181201" imgH="4073482" progId="Visio.Drawing.11">
                   <p:embed/>
                   <p:pic>
                     <p:nvPicPr>
@@ -9616,7 +10739,7 @@
                       <p:nvPr/>
                     </p:nvPicPr>
                     <p:blipFill>
-                      <a:blip r:embed="rId4"/>
+                      <a:blip r:embed="rId5"/>
                       <a:srcRect/>
                       <a:stretch>
                         <a:fillRect/>
@@ -10280,7 +11403,7 @@
           <p:nvPr/>
         </p:nvPicPr>
         <p:blipFill rotWithShape="1">
-          <a:blip r:embed="rId2">
+          <a:blip r:embed="rId3">
             <a:extLst>
               <a:ext uri="{28A0092B-C50C-407E-A947-70E740481C1C}">
                 <a14:useLocalDpi xmlns:a14="http://schemas.microsoft.com/office/drawing/2010/main" val="0"/>

--- a/trunk/KuBatsch/docs/presentation/final.pptx
+++ b/trunk/KuBatsch/docs/presentation/final.pptx
@@ -5,32 +5,39 @@
     <p:sldMasterId id="2147483648" r:id="rId1"/>
   </p:sldMasterIdLst>
   <p:notesMasterIdLst>
-    <p:notesMasterId r:id="rId25"/>
+    <p:notesMasterId r:id="rId32"/>
   </p:notesMasterIdLst>
   <p:sldIdLst>
     <p:sldId id="256" r:id="rId2"/>
-    <p:sldId id="257" r:id="rId3"/>
-    <p:sldId id="258" r:id="rId4"/>
-    <p:sldId id="259" r:id="rId5"/>
-    <p:sldId id="272" r:id="rId6"/>
-    <p:sldId id="273" r:id="rId7"/>
-    <p:sldId id="274" r:id="rId8"/>
-    <p:sldId id="270" r:id="rId9"/>
-    <p:sldId id="271" r:id="rId10"/>
-    <p:sldId id="263" r:id="rId11"/>
-    <p:sldId id="260" r:id="rId12"/>
-    <p:sldId id="261" r:id="rId13"/>
-    <p:sldId id="264" r:id="rId14"/>
-    <p:sldId id="266" r:id="rId15"/>
-    <p:sldId id="267" r:id="rId16"/>
-    <p:sldId id="268" r:id="rId17"/>
-    <p:sldId id="269" r:id="rId18"/>
-    <p:sldId id="275" r:id="rId19"/>
-    <p:sldId id="276" r:id="rId20"/>
-    <p:sldId id="277" r:id="rId21"/>
-    <p:sldId id="278" r:id="rId22"/>
-    <p:sldId id="279" r:id="rId23"/>
-    <p:sldId id="280" r:id="rId24"/>
+    <p:sldId id="287" r:id="rId3"/>
+    <p:sldId id="257" r:id="rId4"/>
+    <p:sldId id="258" r:id="rId5"/>
+    <p:sldId id="259" r:id="rId6"/>
+    <p:sldId id="272" r:id="rId7"/>
+    <p:sldId id="281" r:id="rId8"/>
+    <p:sldId id="282" r:id="rId9"/>
+    <p:sldId id="283" r:id="rId10"/>
+    <p:sldId id="273" r:id="rId11"/>
+    <p:sldId id="284" r:id="rId12"/>
+    <p:sldId id="288" r:id="rId13"/>
+    <p:sldId id="270" r:id="rId14"/>
+    <p:sldId id="271" r:id="rId15"/>
+    <p:sldId id="263" r:id="rId16"/>
+    <p:sldId id="260" r:id="rId17"/>
+    <p:sldId id="261" r:id="rId18"/>
+    <p:sldId id="264" r:id="rId19"/>
+    <p:sldId id="266" r:id="rId20"/>
+    <p:sldId id="267" r:id="rId21"/>
+    <p:sldId id="275" r:id="rId22"/>
+    <p:sldId id="276" r:id="rId23"/>
+    <p:sldId id="277" r:id="rId24"/>
+    <p:sldId id="278" r:id="rId25"/>
+    <p:sldId id="279" r:id="rId26"/>
+    <p:sldId id="280" r:id="rId27"/>
+    <p:sldId id="268" r:id="rId28"/>
+    <p:sldId id="269" r:id="rId29"/>
+    <p:sldId id="285" r:id="rId30"/>
+    <p:sldId id="286" r:id="rId31"/>
   </p:sldIdLst>
   <p:sldSz cx="9144000" cy="6858000" type="screen4x3"/>
   <p:notesSz cx="6858000" cy="9144000"/>
@@ -526,6 +533,10 @@
           <a:bodyPr/>
           <a:lstStyle/>
           <a:p>
+            <a:r>
+              <a:rPr lang="de-AT" smtClean="0"/>
+              <a:t>BALTER</a:t>
+            </a:r>
             <a:endParaRPr lang="de-AT" dirty="0"/>
           </a:p>
         </p:txBody>
@@ -547,7 +558,7 @@
           <a:p>
             <a:fld id="{675759A9-FEAE-43C2-96D3-CE3AC1216194}" type="slidenum">
               <a:rPr lang="de-DE" smtClean="0"/>
-              <a:t>2</a:t>
+              <a:t>1</a:t>
             </a:fld>
             <a:endParaRPr lang="de-DE"/>
           </a:p>
@@ -556,7 +567,7 @@
     </p:spTree>
     <p:extLst>
       <p:ext uri="{BB962C8B-B14F-4D97-AF65-F5344CB8AC3E}">
-        <p14:creationId xmlns:p14="http://schemas.microsoft.com/office/powerpoint/2010/main" val="167824115"/>
+        <p14:creationId xmlns:p14="http://schemas.microsoft.com/office/powerpoint/2010/main" val="3361720814"/>
       </p:ext>
     </p:extLst>
   </p:cSld>
@@ -610,7 +621,11 @@
           <a:bodyPr/>
           <a:lstStyle/>
           <a:p>
-            <a:endParaRPr lang="de-AT" dirty="0"/>
+            <a:r>
+              <a:rPr lang="de-DE" dirty="0" smtClean="0"/>
+              <a:t>Es werden die Regeln dieser beiden Objekte angewandt</a:t>
+            </a:r>
+            <a:endParaRPr lang="de-DE" dirty="0"/>
           </a:p>
         </p:txBody>
       </p:sp>
@@ -631,7 +646,7 @@
           <a:p>
             <a:fld id="{675759A9-FEAE-43C2-96D3-CE3AC1216194}" type="slidenum">
               <a:rPr lang="de-DE" smtClean="0"/>
-              <a:t>17</a:t>
+              <a:t>19</a:t>
             </a:fld>
             <a:endParaRPr lang="de-DE"/>
           </a:p>
@@ -640,7 +655,7 @@
     </p:spTree>
     <p:extLst>
       <p:ext uri="{BB962C8B-B14F-4D97-AF65-F5344CB8AC3E}">
-        <p14:creationId xmlns:p14="http://schemas.microsoft.com/office/powerpoint/2010/main" val="3389010217"/>
+        <p14:creationId xmlns:p14="http://schemas.microsoft.com/office/powerpoint/2010/main" val="3979599418"/>
       </p:ext>
     </p:extLst>
   </p:cSld>
@@ -749,7 +764,7 @@
           <a:p>
             <a:fld id="{675759A9-FEAE-43C2-96D3-CE3AC1216194}" type="slidenum">
               <a:rPr lang="de-DE" smtClean="0"/>
-              <a:t>19</a:t>
+              <a:t>22</a:t>
             </a:fld>
             <a:endParaRPr lang="de-DE"/>
           </a:p>
@@ -863,7 +878,7 @@
           <a:p>
             <a:fld id="{675759A9-FEAE-43C2-96D3-CE3AC1216194}" type="slidenum">
               <a:rPr lang="de-DE" smtClean="0"/>
-              <a:t>20</a:t>
+              <a:t>23</a:t>
             </a:fld>
             <a:endParaRPr lang="de-DE"/>
           </a:p>
@@ -947,7 +962,7 @@
           <a:p>
             <a:fld id="{675759A9-FEAE-43C2-96D3-CE3AC1216194}" type="slidenum">
               <a:rPr lang="de-DE" smtClean="0"/>
-              <a:t>21</a:t>
+              <a:t>24</a:t>
             </a:fld>
             <a:endParaRPr lang="de-DE"/>
           </a:p>
@@ -1031,7 +1046,7 @@
           <a:p>
             <a:fld id="{675759A9-FEAE-43C2-96D3-CE3AC1216194}" type="slidenum">
               <a:rPr lang="de-DE" smtClean="0"/>
-              <a:t>22</a:t>
+              <a:t>25</a:t>
             </a:fld>
             <a:endParaRPr lang="de-DE"/>
           </a:p>
@@ -1041,6 +1056,190 @@
     <p:extLst>
       <p:ext uri="{BB962C8B-B14F-4D97-AF65-F5344CB8AC3E}">
         <p14:creationId xmlns:p14="http://schemas.microsoft.com/office/powerpoint/2010/main" val="4210620308"/>
+      </p:ext>
+    </p:extLst>
+  </p:cSld>
+  <p:clrMapOvr>
+    <a:masterClrMapping/>
+  </p:clrMapOvr>
+</p:notes>
+</file>
+
+<file path=ppt/notesSlides/notesSlide15.xml><?xml version="1.0" encoding="utf-8"?>
+<p:notes xmlns:a="http://schemas.openxmlformats.org/drawingml/2006/main" xmlns:r="http://schemas.openxmlformats.org/officeDocument/2006/relationships" xmlns:p="http://schemas.openxmlformats.org/presentationml/2006/main">
+  <p:cSld>
+    <p:spTree>
+      <p:nvGrpSpPr>
+        <p:cNvPr id="1" name=""/>
+        <p:cNvGrpSpPr/>
+        <p:nvPr/>
+      </p:nvGrpSpPr>
+      <p:grpSpPr>
+        <a:xfrm>
+          <a:off x="0" y="0"/>
+          <a:ext cx="0" cy="0"/>
+          <a:chOff x="0" y="0"/>
+          <a:chExt cx="0" cy="0"/>
+        </a:xfrm>
+      </p:grpSpPr>
+      <p:sp>
+        <p:nvSpPr>
+          <p:cNvPr id="2" name="Folienbildplatzhalter 1"/>
+          <p:cNvSpPr>
+            <a:spLocks noGrp="1" noRot="1" noChangeAspect="1"/>
+          </p:cNvSpPr>
+          <p:nvPr>
+            <p:ph type="sldImg"/>
+          </p:nvPr>
+        </p:nvSpPr>
+        <p:spPr/>
+      </p:sp>
+      <p:sp>
+        <p:nvSpPr>
+          <p:cNvPr id="3" name="Notizenplatzhalter 2"/>
+          <p:cNvSpPr>
+            <a:spLocks noGrp="1"/>
+          </p:cNvSpPr>
+          <p:nvPr>
+            <p:ph type="body" idx="1"/>
+          </p:nvPr>
+        </p:nvSpPr>
+        <p:spPr/>
+        <p:txBody>
+          <a:bodyPr/>
+          <a:lstStyle/>
+          <a:p>
+            <a:r>
+              <a:rPr lang="de-AT" dirty="0" smtClean="0"/>
+              <a:t>Das</a:t>
+            </a:r>
+            <a:r>
+              <a:rPr lang="de-AT" baseline="0" dirty="0" smtClean="0"/>
+              <a:t> Rundensystem wird vom </a:t>
+            </a:r>
+            <a:r>
+              <a:rPr lang="de-AT" baseline="0" dirty="0" err="1" smtClean="0"/>
+              <a:t>ServerGameController</a:t>
+            </a:r>
+            <a:r>
+              <a:rPr lang="de-AT" baseline="0" dirty="0" smtClean="0"/>
+              <a:t> verwaltet. Es können beliebig viele Regeln hinzugefügt werden.</a:t>
+            </a:r>
+            <a:endParaRPr lang="de-AT" dirty="0"/>
+          </a:p>
+        </p:txBody>
+      </p:sp>
+      <p:sp>
+        <p:nvSpPr>
+          <p:cNvPr id="4" name="Foliennummernplatzhalter 3"/>
+          <p:cNvSpPr>
+            <a:spLocks noGrp="1"/>
+          </p:cNvSpPr>
+          <p:nvPr>
+            <p:ph type="sldNum" sz="quarter" idx="10"/>
+          </p:nvPr>
+        </p:nvSpPr>
+        <p:spPr/>
+        <p:txBody>
+          <a:bodyPr/>
+          <a:lstStyle/>
+          <a:p>
+            <a:fld id="{675759A9-FEAE-43C2-96D3-CE3AC1216194}" type="slidenum">
+              <a:rPr lang="de-DE" smtClean="0"/>
+              <a:t>27</a:t>
+            </a:fld>
+            <a:endParaRPr lang="de-DE"/>
+          </a:p>
+        </p:txBody>
+      </p:sp>
+    </p:spTree>
+    <p:extLst>
+      <p:ext uri="{BB962C8B-B14F-4D97-AF65-F5344CB8AC3E}">
+        <p14:creationId xmlns:p14="http://schemas.microsoft.com/office/powerpoint/2010/main" val="3363188151"/>
+      </p:ext>
+    </p:extLst>
+  </p:cSld>
+  <p:clrMapOvr>
+    <a:masterClrMapping/>
+  </p:clrMapOvr>
+</p:notes>
+</file>
+
+<file path=ppt/notesSlides/notesSlide16.xml><?xml version="1.0" encoding="utf-8"?>
+<p:notes xmlns:a="http://schemas.openxmlformats.org/drawingml/2006/main" xmlns:r="http://schemas.openxmlformats.org/officeDocument/2006/relationships" xmlns:p="http://schemas.openxmlformats.org/presentationml/2006/main">
+  <p:cSld>
+    <p:spTree>
+      <p:nvGrpSpPr>
+        <p:cNvPr id="1" name=""/>
+        <p:cNvGrpSpPr/>
+        <p:nvPr/>
+      </p:nvGrpSpPr>
+      <p:grpSpPr>
+        <a:xfrm>
+          <a:off x="0" y="0"/>
+          <a:ext cx="0" cy="0"/>
+          <a:chOff x="0" y="0"/>
+          <a:chExt cx="0" cy="0"/>
+        </a:xfrm>
+      </p:grpSpPr>
+      <p:sp>
+        <p:nvSpPr>
+          <p:cNvPr id="2" name="Folienbildplatzhalter 1"/>
+          <p:cNvSpPr>
+            <a:spLocks noGrp="1" noRot="1" noChangeAspect="1"/>
+          </p:cNvSpPr>
+          <p:nvPr>
+            <p:ph type="sldImg"/>
+          </p:nvPr>
+        </p:nvSpPr>
+        <p:spPr/>
+      </p:sp>
+      <p:sp>
+        <p:nvSpPr>
+          <p:cNvPr id="3" name="Notizenplatzhalter 2"/>
+          <p:cNvSpPr>
+            <a:spLocks noGrp="1"/>
+          </p:cNvSpPr>
+          <p:nvPr>
+            <p:ph type="body" idx="1"/>
+          </p:nvPr>
+        </p:nvSpPr>
+        <p:spPr/>
+        <p:txBody>
+          <a:bodyPr/>
+          <a:lstStyle/>
+          <a:p>
+            <a:endParaRPr lang="de-AT" dirty="0"/>
+          </a:p>
+        </p:txBody>
+      </p:sp>
+      <p:sp>
+        <p:nvSpPr>
+          <p:cNvPr id="4" name="Foliennummernplatzhalter 3"/>
+          <p:cNvSpPr>
+            <a:spLocks noGrp="1"/>
+          </p:cNvSpPr>
+          <p:nvPr>
+            <p:ph type="sldNum" sz="quarter" idx="10"/>
+          </p:nvPr>
+        </p:nvSpPr>
+        <p:spPr/>
+        <p:txBody>
+          <a:bodyPr/>
+          <a:lstStyle/>
+          <a:p>
+            <a:fld id="{675759A9-FEAE-43C2-96D3-CE3AC1216194}" type="slidenum">
+              <a:rPr lang="de-DE" smtClean="0"/>
+              <a:t>28</a:t>
+            </a:fld>
+            <a:endParaRPr lang="de-DE"/>
+          </a:p>
+        </p:txBody>
+      </p:sp>
+    </p:spTree>
+    <p:extLst>
+      <p:ext uri="{BB962C8B-B14F-4D97-AF65-F5344CB8AC3E}">
+        <p14:creationId xmlns:p14="http://schemas.microsoft.com/office/powerpoint/2010/main" val="3389010217"/>
       </p:ext>
     </p:extLst>
   </p:cSld>
@@ -1094,34 +1293,6 @@
           <a:bodyPr/>
           <a:lstStyle/>
           <a:p>
-            <a:r>
-              <a:rPr lang="de-AT" dirty="0" smtClean="0"/>
-              <a:t>Server Client Architektur</a:t>
-            </a:r>
-          </a:p>
-          <a:p>
-            <a:r>
-              <a:rPr lang="de-AT" dirty="0" smtClean="0"/>
-              <a:t>Kommuniziert</a:t>
-            </a:r>
-            <a:r>
-              <a:rPr lang="de-AT" baseline="0" dirty="0" smtClean="0"/>
-              <a:t> Sockets</a:t>
-            </a:r>
-          </a:p>
-          <a:p>
-            <a:r>
-              <a:rPr lang="de-AT" baseline="0" dirty="0" smtClean="0"/>
-              <a:t>Messages werden über Sockets geschickt</a:t>
-            </a:r>
-          </a:p>
-          <a:p>
-            <a:r>
-              <a:rPr lang="de-AT" baseline="0" dirty="0" smtClean="0"/>
-              <a:t>Klar abstrahiert</a:t>
-            </a:r>
-          </a:p>
-          <a:p>
             <a:endParaRPr lang="de-AT" dirty="0"/>
           </a:p>
         </p:txBody>
@@ -1143,7 +1314,7 @@
           <a:p>
             <a:fld id="{675759A9-FEAE-43C2-96D3-CE3AC1216194}" type="slidenum">
               <a:rPr lang="de-DE" smtClean="0"/>
-              <a:t>4</a:t>
+              <a:t>3</a:t>
             </a:fld>
             <a:endParaRPr lang="de-DE"/>
           </a:p>
@@ -1152,7 +1323,7 @@
     </p:spTree>
     <p:extLst>
       <p:ext uri="{BB962C8B-B14F-4D97-AF65-F5344CB8AC3E}">
-        <p14:creationId xmlns:p14="http://schemas.microsoft.com/office/powerpoint/2010/main" val="4047360658"/>
+        <p14:creationId xmlns:p14="http://schemas.microsoft.com/office/powerpoint/2010/main" val="167824115"/>
       </p:ext>
     </p:extLst>
   </p:cSld>
@@ -1208,60 +1379,33 @@
           <a:p>
             <a:r>
               <a:rPr lang="de-AT" dirty="0" smtClean="0"/>
-              <a:t>Basisklasse</a:t>
+              <a:t>Server Client Architektur</a:t>
+            </a:r>
+          </a:p>
+          <a:p>
+            <a:r>
+              <a:rPr lang="de-AT" dirty="0" smtClean="0"/>
+              <a:t>Kommuniziert</a:t>
             </a:r>
             <a:r>
               <a:rPr lang="de-AT" baseline="0" dirty="0" smtClean="0"/>
-              <a:t> für die Netzwerkkommunikation</a:t>
+              <a:t> Sockets</a:t>
             </a:r>
           </a:p>
           <a:p>
             <a:r>
               <a:rPr lang="de-AT" baseline="0" dirty="0" smtClean="0"/>
-              <a:t>Nachrichten auf </a:t>
-            </a:r>
-            <a:r>
-              <a:rPr lang="de-AT" baseline="0" dirty="0" err="1" smtClean="0"/>
-              <a:t>Stack</a:t>
-            </a:r>
+              <a:t>Messages werden über Sockets geschickt</a:t>
+            </a:r>
+          </a:p>
+          <a:p>
             <a:r>
               <a:rPr lang="de-AT" baseline="0" dirty="0" smtClean="0"/>
-              <a:t> -&gt; </a:t>
-            </a:r>
-            <a:r>
-              <a:rPr lang="de-AT" baseline="0" dirty="0" err="1" smtClean="0"/>
-              <a:t>Asyncron</a:t>
-            </a:r>
-            <a:r>
-              <a:rPr lang="de-AT" baseline="0" dirty="0" smtClean="0"/>
-              <a:t> Abarbeitung </a:t>
-            </a:r>
-          </a:p>
-          <a:p>
-            <a:endParaRPr lang="de-AT" baseline="0" dirty="0" smtClean="0"/>
-          </a:p>
-          <a:p>
-            <a:r>
-              <a:rPr lang="de-AT" baseline="0" dirty="0" err="1" smtClean="0"/>
-              <a:t>Asyncroner</a:t>
-            </a:r>
-            <a:r>
-              <a:rPr lang="de-AT" baseline="0" dirty="0" smtClean="0"/>
-              <a:t> Reader </a:t>
-            </a:r>
-            <a:r>
-              <a:rPr lang="de-AT" baseline="0" dirty="0" smtClean="0">
-                <a:sym typeface="Wingdings" pitchFamily="2" charset="2"/>
-              </a:rPr>
-              <a:t> bei erhalt </a:t>
-            </a:r>
-            <a:r>
-              <a:rPr lang="de-AT" baseline="0" dirty="0" err="1" smtClean="0">
-                <a:sym typeface="Wingdings" pitchFamily="2" charset="2"/>
-              </a:rPr>
-              <a:t>fireEvent</a:t>
-            </a:r>
-            <a:endParaRPr lang="de-AT" baseline="0" dirty="0" smtClean="0"/>
+              <a:t>Klar abstrahiert</a:t>
+            </a:r>
+          </a:p>
+          <a:p>
+            <a:endParaRPr lang="de-AT" dirty="0"/>
           </a:p>
         </p:txBody>
       </p:sp>
@@ -1282,7 +1426,7 @@
           <a:p>
             <a:fld id="{675759A9-FEAE-43C2-96D3-CE3AC1216194}" type="slidenum">
               <a:rPr lang="de-DE" smtClean="0"/>
-              <a:t>9</a:t>
+              <a:t>5</a:t>
             </a:fld>
             <a:endParaRPr lang="de-DE"/>
           </a:p>
@@ -1291,7 +1435,7 @@
     </p:spTree>
     <p:extLst>
       <p:ext uri="{BB962C8B-B14F-4D97-AF65-F5344CB8AC3E}">
-        <p14:creationId xmlns:p14="http://schemas.microsoft.com/office/powerpoint/2010/main" val="4169709491"/>
+        <p14:creationId xmlns:p14="http://schemas.microsoft.com/office/powerpoint/2010/main" val="4047360658"/>
       </p:ext>
     </p:extLst>
   </p:cSld>
@@ -1347,27 +1491,9 @@
           <a:p>
             <a:r>
               <a:rPr lang="de-AT" dirty="0" smtClean="0"/>
-              <a:t>Servergamecontroller</a:t>
-            </a:r>
-            <a:r>
-              <a:rPr lang="de-AT" baseline="0" dirty="0" smtClean="0"/>
-              <a:t> kommuniziert über </a:t>
-            </a:r>
-            <a:r>
-              <a:rPr lang="de-AT" baseline="0" dirty="0" err="1" smtClean="0"/>
-              <a:t>NetworkControllerServer</a:t>
-            </a:r>
-            <a:r>
-              <a:rPr lang="de-AT" baseline="0" dirty="0" smtClean="0"/>
-              <a:t/>
-            </a:r>
-            <a:br>
-              <a:rPr lang="de-AT" baseline="0" dirty="0" smtClean="0"/>
-            </a:br>
-            <a:r>
-              <a:rPr lang="de-AT" baseline="0" dirty="0" smtClean="0"/>
-              <a:t>Events werden bei dem Erhalt von Nachrichten gefeuert</a:t>
-            </a:r>
+              <a:t>KUSCHNYYYYYYYYY</a:t>
+            </a:r>
+            <a:endParaRPr lang="de-AT" dirty="0"/>
           </a:p>
         </p:txBody>
       </p:sp>
@@ -1388,7 +1514,7 @@
           <a:p>
             <a:fld id="{675759A9-FEAE-43C2-96D3-CE3AC1216194}" type="slidenum">
               <a:rPr lang="de-DE" smtClean="0"/>
-              <a:t>10</a:t>
+              <a:t>13</a:t>
             </a:fld>
             <a:endParaRPr lang="de-DE"/>
           </a:p>
@@ -1397,7 +1523,7 @@
     </p:spTree>
     <p:extLst>
       <p:ext uri="{BB962C8B-B14F-4D97-AF65-F5344CB8AC3E}">
-        <p14:creationId xmlns:p14="http://schemas.microsoft.com/office/powerpoint/2010/main" val="911564366"/>
+        <p14:creationId xmlns:p14="http://schemas.microsoft.com/office/powerpoint/2010/main" val="1296984984"/>
       </p:ext>
     </p:extLst>
   </p:cSld>
@@ -1452,54 +1578,61 @@
           <a:lstStyle/>
           <a:p>
             <a:r>
-              <a:rPr lang="de-AT" dirty="0" err="1" smtClean="0"/>
-              <a:t>PaddleMoved</a:t>
+              <a:rPr lang="de-AT" dirty="0" smtClean="0"/>
+              <a:t>Basisklasse</a:t>
             </a:r>
             <a:r>
               <a:rPr lang="de-AT" baseline="0" dirty="0" smtClean="0"/>
-              <a:t> Event </a:t>
+              <a:t> für die Netzwerkkommunikation</a:t>
+            </a:r>
+          </a:p>
+          <a:p>
+            <a:r>
+              <a:rPr lang="de-AT" baseline="0" dirty="0" smtClean="0"/>
+              <a:t>Nachrichten auf </a:t>
             </a:r>
             <a:r>
               <a:rPr lang="de-AT" baseline="0" dirty="0" err="1" smtClean="0"/>
-              <a:t>SteuerungsController</a:t>
-            </a:r>
+              <a:t>Stack</a:t>
+            </a:r>
+            <a:r>
+              <a:rPr lang="de-AT" baseline="0" dirty="0" smtClean="0"/>
+              <a:t> -&gt; </a:t>
+            </a:r>
+            <a:r>
+              <a:rPr lang="de-AT" baseline="0" dirty="0" err="1" smtClean="0"/>
+              <a:t>Asyncron</a:t>
+            </a:r>
+            <a:r>
+              <a:rPr lang="de-AT" baseline="0" dirty="0" smtClean="0"/>
+              <a:t> Abarbeitung </a:t>
+            </a:r>
+          </a:p>
+          <a:p>
             <a:endParaRPr lang="de-AT" baseline="0" dirty="0" smtClean="0"/>
           </a:p>
           <a:p>
             <a:r>
-              <a:rPr lang="de-AT" dirty="0" err="1" smtClean="0"/>
-              <a:t>ClientGameController</a:t>
-            </a:r>
-            <a:r>
-              <a:rPr lang="de-AT" dirty="0" smtClean="0"/>
-              <a:t/>
-            </a:r>
-            <a:br>
-              <a:rPr lang="de-AT" dirty="0" smtClean="0"/>
-            </a:br>
-            <a:r>
-              <a:rPr lang="de-AT" dirty="0" smtClean="0"/>
-              <a:t>	interpoliert</a:t>
-            </a:r>
-            <a:br>
-              <a:rPr lang="de-AT" dirty="0" smtClean="0"/>
-            </a:br>
-            <a:r>
-              <a:rPr lang="de-AT" dirty="0" smtClean="0"/>
-              <a:t>	</a:t>
-            </a:r>
-            <a:r>
-              <a:rPr lang="de-AT" dirty="0" err="1" smtClean="0"/>
-              <a:t>GameUpdated</a:t>
+              <a:rPr lang="de-AT" baseline="0" dirty="0" err="1" smtClean="0"/>
+              <a:t>Asyncroner</a:t>
             </a:r>
             <a:r>
               <a:rPr lang="de-AT" baseline="0" dirty="0" smtClean="0"/>
-              <a:t> Event (View holt sich dann die benötigten Daten)</a:t>
-            </a:r>
-            <a:br>
-              <a:rPr lang="de-AT" baseline="0" dirty="0" smtClean="0"/>
-            </a:br>
-            <a:endParaRPr lang="de-AT" dirty="0"/>
+              <a:t> Reader </a:t>
+            </a:r>
+            <a:r>
+              <a:rPr lang="de-AT" baseline="0" dirty="0" smtClean="0">
+                <a:sym typeface="Wingdings" pitchFamily="2" charset="2"/>
+              </a:rPr>
+              <a:t> bei erhalt </a:t>
+            </a:r>
+            <a:r>
+              <a:rPr lang="de-AT" baseline="0" dirty="0" err="1" smtClean="0">
+                <a:sym typeface="Wingdings" pitchFamily="2" charset="2"/>
+              </a:rPr>
+              <a:t>fireEvent</a:t>
+            </a:r>
+            <a:endParaRPr lang="de-AT" baseline="0" dirty="0" smtClean="0"/>
           </a:p>
         </p:txBody>
       </p:sp>
@@ -1520,7 +1653,7 @@
           <a:p>
             <a:fld id="{675759A9-FEAE-43C2-96D3-CE3AC1216194}" type="slidenum">
               <a:rPr lang="de-DE" smtClean="0"/>
-              <a:t>11</a:t>
+              <a:t>14</a:t>
             </a:fld>
             <a:endParaRPr lang="de-DE"/>
           </a:p>
@@ -1529,7 +1662,7 @@
     </p:spTree>
     <p:extLst>
       <p:ext uri="{BB962C8B-B14F-4D97-AF65-F5344CB8AC3E}">
-        <p14:creationId xmlns:p14="http://schemas.microsoft.com/office/powerpoint/2010/main" val="2913440832"/>
+        <p14:creationId xmlns:p14="http://schemas.microsoft.com/office/powerpoint/2010/main" val="4169709491"/>
       </p:ext>
     </p:extLst>
   </p:cSld>
@@ -1584,40 +1717,28 @@
           <a:lstStyle/>
           <a:p>
             <a:r>
-              <a:rPr lang="de-DE" dirty="0" smtClean="0"/>
-              <a:t>Der</a:t>
-            </a:r>
-            <a:r>
-              <a:rPr lang="de-DE" baseline="0" dirty="0" smtClean="0"/>
-              <a:t> </a:t>
-            </a:r>
-            <a:r>
-              <a:rPr lang="de-DE" baseline="0" dirty="0" err="1" smtClean="0"/>
-              <a:t>GameController</a:t>
-            </a:r>
-            <a:r>
-              <a:rPr lang="de-DE" baseline="0" dirty="0" smtClean="0"/>
-              <a:t> aktualisiert </a:t>
-            </a:r>
-            <a:r>
-              <a:rPr lang="de-DE" baseline="0" dirty="0" smtClean="0"/>
-              <a:t>alle </a:t>
-            </a:r>
-            <a:r>
-              <a:rPr lang="de-DE" baseline="0" dirty="0" err="1" smtClean="0"/>
-              <a:t>IUpdatables</a:t>
-            </a:r>
-            <a:r>
-              <a:rPr lang="de-DE" baseline="0" dirty="0" smtClean="0"/>
-              <a:t>, beim Ball bewirkt dies die </a:t>
-            </a:r>
-            <a:r>
-              <a:rPr lang="de-DE" baseline="0" dirty="0" smtClean="0"/>
-              <a:t>Bewegung</a:t>
-            </a:r>
-          </a:p>
-          <a:p>
-            <a:endParaRPr lang="de-DE" dirty="0"/>
+              <a:rPr lang="de-AT" dirty="0" smtClean="0"/>
+              <a:t>Servergamecontroller</a:t>
+            </a:r>
+            <a:r>
+              <a:rPr lang="de-AT" baseline="0" dirty="0" smtClean="0"/>
+              <a:t> kommuniziert über </a:t>
+            </a:r>
+            <a:r>
+              <a:rPr lang="de-AT" baseline="0" dirty="0" err="1" smtClean="0"/>
+              <a:t>NetworkControllerServer</a:t>
+            </a:r>
+            <a:r>
+              <a:rPr lang="de-AT" baseline="0" dirty="0" smtClean="0"/>
+              <a:t/>
+            </a:r>
+            <a:br>
+              <a:rPr lang="de-AT" baseline="0" dirty="0" smtClean="0"/>
+            </a:br>
+            <a:r>
+              <a:rPr lang="de-AT" baseline="0" dirty="0" smtClean="0"/>
+              <a:t>Events werden bei dem Erhalt von Nachrichten gefeuert</a:t>
+            </a:r>
           </a:p>
         </p:txBody>
       </p:sp>
@@ -1638,7 +1759,7 @@
           <a:p>
             <a:fld id="{675759A9-FEAE-43C2-96D3-CE3AC1216194}" type="slidenum">
               <a:rPr lang="de-DE" smtClean="0"/>
-              <a:t>12</a:t>
+              <a:t>15</a:t>
             </a:fld>
             <a:endParaRPr lang="de-DE"/>
           </a:p>
@@ -1647,7 +1768,7 @@
     </p:spTree>
     <p:extLst>
       <p:ext uri="{BB962C8B-B14F-4D97-AF65-F5344CB8AC3E}">
-        <p14:creationId xmlns:p14="http://schemas.microsoft.com/office/powerpoint/2010/main" val="3979599418"/>
+        <p14:creationId xmlns:p14="http://schemas.microsoft.com/office/powerpoint/2010/main" val="911564366"/>
       </p:ext>
     </p:extLst>
   </p:cSld>
@@ -1702,14 +1823,54 @@
           <a:lstStyle/>
           <a:p>
             <a:r>
-              <a:rPr lang="de-DE" dirty="0" smtClean="0"/>
-              <a:t>Ball</a:t>
-            </a:r>
-            <a:r>
-              <a:rPr lang="de-DE" baseline="0" dirty="0" smtClean="0"/>
-              <a:t> und Paddle kollidieren miteinander</a:t>
-            </a:r>
-            <a:endParaRPr lang="de-DE" dirty="0"/>
+              <a:rPr lang="de-AT" dirty="0" err="1" smtClean="0"/>
+              <a:t>PaddleMoved</a:t>
+            </a:r>
+            <a:r>
+              <a:rPr lang="de-AT" baseline="0" dirty="0" smtClean="0"/>
+              <a:t> Event </a:t>
+            </a:r>
+            <a:r>
+              <a:rPr lang="de-AT" baseline="0" dirty="0" err="1" smtClean="0"/>
+              <a:t>SteuerungsController</a:t>
+            </a:r>
+            <a:endParaRPr lang="de-AT" baseline="0" dirty="0" smtClean="0"/>
+          </a:p>
+          <a:p>
+            <a:r>
+              <a:rPr lang="de-AT" dirty="0" err="1" smtClean="0"/>
+              <a:t>ClientGameController</a:t>
+            </a:r>
+            <a:r>
+              <a:rPr lang="de-AT" dirty="0" smtClean="0"/>
+              <a:t/>
+            </a:r>
+            <a:br>
+              <a:rPr lang="de-AT" dirty="0" smtClean="0"/>
+            </a:br>
+            <a:r>
+              <a:rPr lang="de-AT" dirty="0" smtClean="0"/>
+              <a:t>	interpoliert</a:t>
+            </a:r>
+            <a:br>
+              <a:rPr lang="de-AT" dirty="0" smtClean="0"/>
+            </a:br>
+            <a:r>
+              <a:rPr lang="de-AT" dirty="0" smtClean="0"/>
+              <a:t>	</a:t>
+            </a:r>
+            <a:r>
+              <a:rPr lang="de-AT" dirty="0" err="1" smtClean="0"/>
+              <a:t>GameUpdated</a:t>
+            </a:r>
+            <a:r>
+              <a:rPr lang="de-AT" baseline="0" dirty="0" smtClean="0"/>
+              <a:t> Event (View holt sich dann die benötigten Daten)</a:t>
+            </a:r>
+            <a:br>
+              <a:rPr lang="de-AT" baseline="0" dirty="0" smtClean="0"/>
+            </a:br>
+            <a:endParaRPr lang="de-AT" dirty="0"/>
           </a:p>
         </p:txBody>
       </p:sp>
@@ -1730,7 +1891,7 @@
           <a:p>
             <a:fld id="{675759A9-FEAE-43C2-96D3-CE3AC1216194}" type="slidenum">
               <a:rPr lang="de-DE" smtClean="0"/>
-              <a:t>13</a:t>
+              <a:t>16</a:t>
             </a:fld>
             <a:endParaRPr lang="de-DE"/>
           </a:p>
@@ -1739,7 +1900,7 @@
     </p:spTree>
     <p:extLst>
       <p:ext uri="{BB962C8B-B14F-4D97-AF65-F5344CB8AC3E}">
-        <p14:creationId xmlns:p14="http://schemas.microsoft.com/office/powerpoint/2010/main" val="3979599418"/>
+        <p14:creationId xmlns:p14="http://schemas.microsoft.com/office/powerpoint/2010/main" val="2913440832"/>
       </p:ext>
     </p:extLst>
   </p:cSld>
@@ -1795,8 +1956,30 @@
           <a:p>
             <a:r>
               <a:rPr lang="de-DE" dirty="0" smtClean="0"/>
-              <a:t>Es werden die Regeln dieser beiden Objekte angewandt</a:t>
-            </a:r>
+              <a:t>MANUEL!!!! Der</a:t>
+            </a:r>
+            <a:r>
+              <a:rPr lang="de-DE" baseline="0" dirty="0" smtClean="0"/>
+              <a:t> </a:t>
+            </a:r>
+            <a:r>
+              <a:rPr lang="de-DE" baseline="0" dirty="0" err="1" smtClean="0"/>
+              <a:t>GameController</a:t>
+            </a:r>
+            <a:r>
+              <a:rPr lang="de-DE" baseline="0" dirty="0" smtClean="0"/>
+              <a:t> aktualisiert alle </a:t>
+            </a:r>
+            <a:r>
+              <a:rPr lang="de-DE" baseline="0" dirty="0" err="1" smtClean="0"/>
+              <a:t>IUpdatables</a:t>
+            </a:r>
+            <a:r>
+              <a:rPr lang="de-DE" baseline="0" dirty="0" smtClean="0"/>
+              <a:t>, beim Ball bewirkt dies die Bewegung</a:t>
+            </a:r>
+          </a:p>
+          <a:p>
             <a:endParaRPr lang="de-DE" dirty="0"/>
           </a:p>
         </p:txBody>
@@ -1818,7 +2001,7 @@
           <a:p>
             <a:fld id="{675759A9-FEAE-43C2-96D3-CE3AC1216194}" type="slidenum">
               <a:rPr lang="de-DE" smtClean="0"/>
-              <a:t>14</a:t>
+              <a:t>17</a:t>
             </a:fld>
             <a:endParaRPr lang="de-DE"/>
           </a:p>
@@ -1882,22 +2065,14 @@
           <a:lstStyle/>
           <a:p>
             <a:r>
-              <a:rPr lang="de-AT" dirty="0" smtClean="0"/>
-              <a:t>Das</a:t>
-            </a:r>
-            <a:r>
-              <a:rPr lang="de-AT" baseline="0" dirty="0" smtClean="0"/>
-              <a:t> Rundensystem wird vom </a:t>
-            </a:r>
-            <a:r>
-              <a:rPr lang="de-AT" baseline="0" dirty="0" err="1" smtClean="0"/>
-              <a:t>ServerGameController</a:t>
-            </a:r>
-            <a:r>
-              <a:rPr lang="de-AT" baseline="0" dirty="0" smtClean="0"/>
-              <a:t> verwaltet. Es können beliebig viele Regeln hinzugefügt werden.</a:t>
-            </a:r>
-            <a:endParaRPr lang="de-AT" dirty="0"/>
+              <a:rPr lang="de-DE" dirty="0" smtClean="0"/>
+              <a:t>Ball</a:t>
+            </a:r>
+            <a:r>
+              <a:rPr lang="de-DE" baseline="0" dirty="0" smtClean="0"/>
+              <a:t> und Paddle kollidieren miteinander</a:t>
+            </a:r>
+            <a:endParaRPr lang="de-DE" dirty="0"/>
           </a:p>
         </p:txBody>
       </p:sp>
@@ -1918,7 +2093,7 @@
           <a:p>
             <a:fld id="{675759A9-FEAE-43C2-96D3-CE3AC1216194}" type="slidenum">
               <a:rPr lang="de-DE" smtClean="0"/>
-              <a:t>16</a:t>
+              <a:t>18</a:t>
             </a:fld>
             <a:endParaRPr lang="de-DE"/>
           </a:p>
@@ -1927,7 +2102,7 @@
     </p:spTree>
     <p:extLst>
       <p:ext uri="{BB962C8B-B14F-4D97-AF65-F5344CB8AC3E}">
-        <p14:creationId xmlns:p14="http://schemas.microsoft.com/office/powerpoint/2010/main" val="3363188151"/>
+        <p14:creationId xmlns:p14="http://schemas.microsoft.com/office/powerpoint/2010/main" val="3979599418"/>
       </p:ext>
     </p:extLst>
   </p:cSld>
@@ -2181,6 +2356,18 @@
   <p:clrMapOvr>
     <a:masterClrMapping/>
   </p:clrMapOvr>
+  <mc:AlternateContent xmlns:mc="http://schemas.openxmlformats.org/markup-compatibility/2006">
+    <mc:Choice xmlns:p14="http://schemas.microsoft.com/office/powerpoint/2010/main" Requires="p14">
+      <p:transition spd="med" p14:dur="700">
+        <p:fade/>
+      </p:transition>
+    </mc:Choice>
+    <mc:Fallback>
+      <p:transition spd="med">
+        <p:fade/>
+      </p:transition>
+    </mc:Fallback>
+  </mc:AlternateContent>
   <p:timing>
     <p:tnLst>
       <p:par>
@@ -2358,6 +2545,18 @@
   <p:clrMapOvr>
     <a:masterClrMapping/>
   </p:clrMapOvr>
+  <mc:AlternateContent xmlns:mc="http://schemas.openxmlformats.org/markup-compatibility/2006">
+    <mc:Choice xmlns:p14="http://schemas.microsoft.com/office/powerpoint/2010/main" Requires="p14">
+      <p:transition spd="med" p14:dur="700">
+        <p:fade/>
+      </p:transition>
+    </mc:Choice>
+    <mc:Fallback>
+      <p:transition spd="med">
+        <p:fade/>
+      </p:transition>
+    </mc:Fallback>
+  </mc:AlternateContent>
   <p:timing>
     <p:tnLst>
       <p:par>
@@ -2545,6 +2744,18 @@
   <p:clrMapOvr>
     <a:masterClrMapping/>
   </p:clrMapOvr>
+  <mc:AlternateContent xmlns:mc="http://schemas.openxmlformats.org/markup-compatibility/2006">
+    <mc:Choice xmlns:p14="http://schemas.microsoft.com/office/powerpoint/2010/main" Requires="p14">
+      <p:transition spd="med" p14:dur="700">
+        <p:fade/>
+      </p:transition>
+    </mc:Choice>
+    <mc:Fallback>
+      <p:transition spd="med">
+        <p:fade/>
+      </p:transition>
+    </mc:Fallback>
+  </mc:AlternateContent>
   <p:timing>
     <p:tnLst>
       <p:par>
@@ -2722,6 +2933,18 @@
   <p:clrMapOvr>
     <a:masterClrMapping/>
   </p:clrMapOvr>
+  <mc:AlternateContent xmlns:mc="http://schemas.openxmlformats.org/markup-compatibility/2006">
+    <mc:Choice xmlns:p14="http://schemas.microsoft.com/office/powerpoint/2010/main" Requires="p14">
+      <p:transition spd="med" p14:dur="700">
+        <p:fade/>
+      </p:transition>
+    </mc:Choice>
+    <mc:Fallback>
+      <p:transition spd="med">
+        <p:fade/>
+      </p:transition>
+    </mc:Fallback>
+  </mc:AlternateContent>
   <p:timing>
     <p:tnLst>
       <p:par>
@@ -2975,6 +3198,18 @@
   <p:clrMapOvr>
     <a:masterClrMapping/>
   </p:clrMapOvr>
+  <mc:AlternateContent xmlns:mc="http://schemas.openxmlformats.org/markup-compatibility/2006">
+    <mc:Choice xmlns:p14="http://schemas.microsoft.com/office/powerpoint/2010/main" Requires="p14">
+      <p:transition spd="med" p14:dur="700">
+        <p:fade/>
+      </p:transition>
+    </mc:Choice>
+    <mc:Fallback>
+      <p:transition spd="med">
+        <p:fade/>
+      </p:transition>
+    </mc:Fallback>
+  </mc:AlternateContent>
   <p:timing>
     <p:tnLst>
       <p:par>
@@ -3274,6 +3509,18 @@
   <p:clrMapOvr>
     <a:masterClrMapping/>
   </p:clrMapOvr>
+  <mc:AlternateContent xmlns:mc="http://schemas.openxmlformats.org/markup-compatibility/2006">
+    <mc:Choice xmlns:p14="http://schemas.microsoft.com/office/powerpoint/2010/main" Requires="p14">
+      <p:transition spd="med" p14:dur="700">
+        <p:fade/>
+      </p:transition>
+    </mc:Choice>
+    <mc:Fallback>
+      <p:transition spd="med">
+        <p:fade/>
+      </p:transition>
+    </mc:Fallback>
+  </mc:AlternateContent>
   <p:timing>
     <p:tnLst>
       <p:par>
@@ -3703,6 +3950,18 @@
   <p:clrMapOvr>
     <a:masterClrMapping/>
   </p:clrMapOvr>
+  <mc:AlternateContent xmlns:mc="http://schemas.openxmlformats.org/markup-compatibility/2006">
+    <mc:Choice xmlns:p14="http://schemas.microsoft.com/office/powerpoint/2010/main" Requires="p14">
+      <p:transition spd="med" p14:dur="700">
+        <p:fade/>
+      </p:transition>
+    </mc:Choice>
+    <mc:Fallback>
+      <p:transition spd="med">
+        <p:fade/>
+      </p:transition>
+    </mc:Fallback>
+  </mc:AlternateContent>
   <p:timing>
     <p:tnLst>
       <p:par>
@@ -3832,6 +4091,18 @@
   <p:clrMapOvr>
     <a:masterClrMapping/>
   </p:clrMapOvr>
+  <mc:AlternateContent xmlns:mc="http://schemas.openxmlformats.org/markup-compatibility/2006">
+    <mc:Choice xmlns:p14="http://schemas.microsoft.com/office/powerpoint/2010/main" Requires="p14">
+      <p:transition spd="med" p14:dur="700">
+        <p:fade/>
+      </p:transition>
+    </mc:Choice>
+    <mc:Fallback>
+      <p:transition spd="med">
+        <p:fade/>
+      </p:transition>
+    </mc:Fallback>
+  </mc:AlternateContent>
   <p:timing>
     <p:tnLst>
       <p:par>
@@ -3934,6 +4205,18 @@
   <p:clrMapOvr>
     <a:masterClrMapping/>
   </p:clrMapOvr>
+  <mc:AlternateContent xmlns:mc="http://schemas.openxmlformats.org/markup-compatibility/2006">
+    <mc:Choice xmlns:p14="http://schemas.microsoft.com/office/powerpoint/2010/main" Requires="p14">
+      <p:transition spd="med" p14:dur="700">
+        <p:fade/>
+      </p:transition>
+    </mc:Choice>
+    <mc:Fallback>
+      <p:transition spd="med">
+        <p:fade/>
+      </p:transition>
+    </mc:Fallback>
+  </mc:AlternateContent>
   <p:timing>
     <p:tnLst>
       <p:par>
@@ -4218,6 +4501,18 @@
   <p:clrMapOvr>
     <a:masterClrMapping/>
   </p:clrMapOvr>
+  <mc:AlternateContent xmlns:mc="http://schemas.openxmlformats.org/markup-compatibility/2006">
+    <mc:Choice xmlns:p14="http://schemas.microsoft.com/office/powerpoint/2010/main" Requires="p14">
+      <p:transition spd="med" p14:dur="700">
+        <p:fade/>
+      </p:transition>
+    </mc:Choice>
+    <mc:Fallback>
+      <p:transition spd="med">
+        <p:fade/>
+      </p:transition>
+    </mc:Fallback>
+  </mc:AlternateContent>
   <p:timing>
     <p:tnLst>
       <p:par>
@@ -4478,6 +4773,18 @@
   <p:clrMapOvr>
     <a:masterClrMapping/>
   </p:clrMapOvr>
+  <mc:AlternateContent xmlns:mc="http://schemas.openxmlformats.org/markup-compatibility/2006">
+    <mc:Choice xmlns:p14="http://schemas.microsoft.com/office/powerpoint/2010/main" Requires="p14">
+      <p:transition spd="med" p14:dur="700">
+        <p:fade/>
+      </p:transition>
+    </mc:Choice>
+    <mc:Fallback>
+      <p:transition spd="med">
+        <p:fade/>
+      </p:transition>
+    </mc:Fallback>
+  </mc:AlternateContent>
   <p:timing>
     <p:tnLst>
       <p:par>
@@ -4754,6 +5061,18 @@
     <p:sldLayoutId id="2147483658" r:id="rId10"/>
     <p:sldLayoutId id="2147483659" r:id="rId11"/>
   </p:sldLayoutIdLst>
+  <mc:AlternateContent xmlns:mc="http://schemas.openxmlformats.org/markup-compatibility/2006">
+    <mc:Choice xmlns:p14="http://schemas.microsoft.com/office/powerpoint/2010/main" Requires="p14">
+      <p:transition spd="med" p14:dur="700">
+        <p:fade/>
+      </p:transition>
+    </mc:Choice>
+    <mc:Fallback>
+      <p:transition spd="med">
+        <p:fade/>
+      </p:transition>
+    </mc:Fallback>
+  </mc:AlternateContent>
   <p:timing>
     <p:tnLst>
       <p:par>
@@ -5088,7 +5407,7 @@
           <p:nvPr/>
         </p:nvPicPr>
         <p:blipFill>
-          <a:blip r:embed="rId2">
+          <a:blip r:embed="rId3">
             <a:extLst>
               <a:ext uri="{28A0092B-C50C-407E-A947-70E740481C1C}">
                 <a14:useLocalDpi xmlns:a14="http://schemas.microsoft.com/office/drawing/2010/main" val="0"/>
@@ -5142,6 +5461,18 @@
   <p:clrMapOvr>
     <a:masterClrMapping/>
   </p:clrMapOvr>
+  <mc:AlternateContent xmlns:mc="http://schemas.openxmlformats.org/markup-compatibility/2006">
+    <mc:Choice xmlns:p14="http://schemas.microsoft.com/office/powerpoint/2010/main" Requires="p14">
+      <p:transition spd="med" p14:dur="700">
+        <p:fade/>
+      </p:transition>
+    </mc:Choice>
+    <mc:Fallback>
+      <p:transition spd="med">
+        <p:fade/>
+      </p:transition>
+    </mc:Fallback>
+  </mc:AlternateContent>
   <p:timing>
     <p:tnLst>
       <p:par>
@@ -5185,44 +5516,55 @@
           <a:lstStyle/>
           <a:p>
             <a:r>
-              <a:rPr lang="de-AT" dirty="0" smtClean="0"/>
-              <a:t>Infrastruktur - Server</a:t>
-            </a:r>
-            <a:endParaRPr lang="de-AT" dirty="0"/>
+              <a:rPr lang="de-DE" dirty="0" smtClean="0"/>
+              <a:t>Client View</a:t>
+            </a:r>
+            <a:endParaRPr lang="de-DE" dirty="0"/>
           </a:p>
         </p:txBody>
       </p:sp>
       <p:pic>
         <p:nvPicPr>
-          <p:cNvPr id="4" name="Inhaltsplatzhalter 3"/>
+          <p:cNvPr id="6147" name="Picture 3"/>
           <p:cNvPicPr>
-            <a:picLocks noGrp="1" noChangeAspect="1"/>
+            <a:picLocks noChangeAspect="1" noChangeArrowheads="1"/>
           </p:cNvPicPr>
-          <p:nvPr>
-            <p:ph idx="1"/>
-          </p:nvPr>
+          <p:nvPr/>
         </p:nvPicPr>
-        <p:blipFill rotWithShape="1">
-          <a:blip r:embed="rId3">
+        <p:blipFill>
+          <a:blip r:embed="rId2">
             <a:extLst>
               <a:ext uri="{28A0092B-C50C-407E-A947-70E740481C1C}">
                 <a14:useLocalDpi xmlns:a14="http://schemas.microsoft.com/office/drawing/2010/main" val="0"/>
               </a:ext>
             </a:extLst>
           </a:blip>
-          <a:srcRect r="6919" b="16314"/>
-          <a:stretch/>
+          <a:srcRect/>
+          <a:stretch>
+            <a:fillRect/>
+          </a:stretch>
         </p:blipFill>
-        <p:spPr>
+        <p:spPr bwMode="auto">
           <a:xfrm>
-            <a:off x="755576" y="1340768"/>
-            <a:ext cx="7632848" cy="5146823"/>
+            <a:off x="190838" y="1340768"/>
+            <a:ext cx="8784974" cy="4301756"/>
           </a:xfrm>
+          <a:prstGeom prst="rect">
+            <a:avLst/>
+          </a:prstGeom>
+          <a:solidFill>
+            <a:schemeClr val="bg1"/>
+          </a:solidFill>
+          <a:ln>
+            <a:noFill/>
+          </a:ln>
+          <a:effectLst/>
+          <a:extLst/>
         </p:spPr>
       </p:pic>
       <p:sp>
         <p:nvSpPr>
-          <p:cNvPr id="5" name="Foliennummernplatzhalter 4"/>
+          <p:cNvPr id="4" name="Foliennummernplatzhalter 3"/>
           <p:cNvSpPr>
             <a:spLocks noGrp="1"/>
           </p:cNvSpPr>
@@ -5246,13 +5588,25 @@
     </p:spTree>
     <p:extLst>
       <p:ext uri="{BB962C8B-B14F-4D97-AF65-F5344CB8AC3E}">
-        <p14:creationId xmlns:p14="http://schemas.microsoft.com/office/powerpoint/2010/main" val="3048387615"/>
+        <p14:creationId xmlns:p14="http://schemas.microsoft.com/office/powerpoint/2010/main" val="3336952592"/>
       </p:ext>
     </p:extLst>
   </p:cSld>
   <p:clrMapOvr>
     <a:masterClrMapping/>
   </p:clrMapOvr>
+  <mc:AlternateContent xmlns:mc="http://schemas.openxmlformats.org/markup-compatibility/2006">
+    <mc:Choice xmlns:p14="http://schemas.microsoft.com/office/powerpoint/2010/main" Requires="p14">
+      <p:transition spd="med" p14:dur="700">
+        <p:fade/>
+      </p:transition>
+    </mc:Choice>
+    <mc:Fallback>
+      <p:transition spd="med">
+        <p:fade/>
+      </p:transition>
+    </mc:Fallback>
+  </mc:AlternateContent>
   <p:timing>
     <p:tnLst>
       <p:par>
@@ -5297,6 +5651,706 @@
           <a:p>
             <a:r>
               <a:rPr lang="de-AT" dirty="0" smtClean="0"/>
+              <a:t>Controller zur View</a:t>
+            </a:r>
+            <a:endParaRPr lang="de-AT" dirty="0"/>
+          </a:p>
+        </p:txBody>
+      </p:sp>
+      <p:sp>
+        <p:nvSpPr>
+          <p:cNvPr id="3" name="Inhaltsplatzhalter 2"/>
+          <p:cNvSpPr>
+            <a:spLocks noGrp="1"/>
+          </p:cNvSpPr>
+          <p:nvPr>
+            <p:ph idx="1"/>
+          </p:nvPr>
+        </p:nvSpPr>
+        <p:spPr/>
+        <p:txBody>
+          <a:bodyPr/>
+          <a:lstStyle/>
+          <a:p>
+            <a:endParaRPr lang="de-AT"/>
+          </a:p>
+        </p:txBody>
+      </p:sp>
+      <p:sp>
+        <p:nvSpPr>
+          <p:cNvPr id="4" name="Foliennummernplatzhalter 3"/>
+          <p:cNvSpPr>
+            <a:spLocks noGrp="1"/>
+          </p:cNvSpPr>
+          <p:nvPr>
+            <p:ph type="sldNum" sz="quarter" idx="12"/>
+          </p:nvPr>
+        </p:nvSpPr>
+        <p:spPr/>
+        <p:txBody>
+          <a:bodyPr/>
+          <a:lstStyle/>
+          <a:p>
+            <a:fld id="{4FACE48E-4A67-48DB-AD36-251A6BBFC9D3}" type="slidenum">
+              <a:rPr lang="de-AT" smtClean="0"/>
+              <a:t>11</a:t>
+            </a:fld>
+            <a:endParaRPr lang="de-AT"/>
+          </a:p>
+        </p:txBody>
+      </p:sp>
+      <p:pic>
+        <p:nvPicPr>
+          <p:cNvPr id="10242" name="Picture 2" descr="C:\Users\Manuel\Pictures\TFRCD.tmp.jpg"/>
+          <p:cNvPicPr>
+            <a:picLocks noChangeAspect="1" noChangeArrowheads="1"/>
+          </p:cNvPicPr>
+          <p:nvPr/>
+        </p:nvPicPr>
+        <p:blipFill>
+          <a:blip r:embed="rId2">
+            <a:extLst>
+              <a:ext uri="{28A0092B-C50C-407E-A947-70E740481C1C}">
+                <a14:useLocalDpi xmlns:a14="http://schemas.microsoft.com/office/drawing/2010/main" val="0"/>
+              </a:ext>
+            </a:extLst>
+          </a:blip>
+          <a:srcRect/>
+          <a:stretch>
+            <a:fillRect/>
+          </a:stretch>
+        </p:blipFill>
+        <p:spPr bwMode="auto">
+          <a:xfrm>
+            <a:off x="0" y="1628800"/>
+            <a:ext cx="9144000" cy="3096344"/>
+          </a:xfrm>
+          <a:prstGeom prst="rect">
+            <a:avLst/>
+          </a:prstGeom>
+          <a:noFill/>
+          <a:extLst>
+            <a:ext uri="{909E8E84-426E-40DD-AFC4-6F175D3DCCD1}">
+              <a14:hiddenFill xmlns:a14="http://schemas.microsoft.com/office/drawing/2010/main">
+                <a:solidFill>
+                  <a:srgbClr val="FFFFFF"/>
+                </a:solidFill>
+              </a14:hiddenFill>
+            </a:ext>
+          </a:extLst>
+        </p:spPr>
+      </p:pic>
+    </p:spTree>
+    <p:extLst>
+      <p:ext uri="{BB962C8B-B14F-4D97-AF65-F5344CB8AC3E}">
+        <p14:creationId xmlns:p14="http://schemas.microsoft.com/office/powerpoint/2010/main" val="2583689599"/>
+      </p:ext>
+    </p:extLst>
+  </p:cSld>
+  <p:clrMapOvr>
+    <a:masterClrMapping/>
+  </p:clrMapOvr>
+  <mc:AlternateContent xmlns:mc="http://schemas.openxmlformats.org/markup-compatibility/2006">
+    <mc:Choice xmlns:p14="http://schemas.microsoft.com/office/powerpoint/2010/main" Requires="p14">
+      <p:transition spd="med" p14:dur="700">
+        <p:fade/>
+      </p:transition>
+    </mc:Choice>
+    <mc:Fallback>
+      <p:transition spd="med">
+        <p:fade/>
+      </p:transition>
+    </mc:Fallback>
+  </mc:AlternateContent>
+  <p:timing>
+    <p:tnLst>
+      <p:par>
+        <p:cTn id="1" dur="indefinite" restart="never" nodeType="tmRoot"/>
+      </p:par>
+    </p:tnLst>
+  </p:timing>
+</p:sld>
+</file>
+
+<file path=ppt/slides/slide12.xml><?xml version="1.0" encoding="utf-8"?>
+<p:sld xmlns:a="http://schemas.openxmlformats.org/drawingml/2006/main" xmlns:r="http://schemas.openxmlformats.org/officeDocument/2006/relationships" xmlns:p="http://schemas.openxmlformats.org/presentationml/2006/main">
+  <p:cSld>
+    <p:spTree>
+      <p:nvGrpSpPr>
+        <p:cNvPr id="1" name=""/>
+        <p:cNvGrpSpPr/>
+        <p:nvPr/>
+      </p:nvGrpSpPr>
+      <p:grpSpPr>
+        <a:xfrm>
+          <a:off x="0" y="0"/>
+          <a:ext cx="0" cy="0"/>
+          <a:chOff x="0" y="0"/>
+          <a:chExt cx="0" cy="0"/>
+        </a:xfrm>
+      </p:grpSpPr>
+      <p:sp>
+        <p:nvSpPr>
+          <p:cNvPr id="2" name="Titel 1"/>
+          <p:cNvSpPr>
+            <a:spLocks noGrp="1"/>
+          </p:cNvSpPr>
+          <p:nvPr>
+            <p:ph type="title"/>
+          </p:nvPr>
+        </p:nvSpPr>
+        <p:spPr/>
+        <p:txBody>
+          <a:bodyPr/>
+          <a:lstStyle/>
+          <a:p>
+            <a:r>
+              <a:rPr lang="de-AT" dirty="0" smtClean="0"/>
+              <a:t>Agenda</a:t>
+            </a:r>
+            <a:endParaRPr lang="de-AT" dirty="0"/>
+          </a:p>
+        </p:txBody>
+      </p:sp>
+      <p:sp>
+        <p:nvSpPr>
+          <p:cNvPr id="3" name="Inhaltsplatzhalter 2"/>
+          <p:cNvSpPr>
+            <a:spLocks noGrp="1"/>
+          </p:cNvSpPr>
+          <p:nvPr>
+            <p:ph idx="1"/>
+          </p:nvPr>
+        </p:nvSpPr>
+        <p:spPr/>
+        <p:txBody>
+          <a:bodyPr>
+            <a:normAutofit/>
+          </a:bodyPr>
+          <a:lstStyle/>
+          <a:p>
+            <a:r>
+              <a:rPr lang="de-AT" dirty="0" smtClean="0"/>
+              <a:t>Was ist </a:t>
+            </a:r>
+            <a:r>
+              <a:rPr lang="de-AT" dirty="0" err="1" smtClean="0"/>
+              <a:t>KuBaTsch</a:t>
+            </a:r>
+            <a:r>
+              <a:rPr lang="de-AT" dirty="0" smtClean="0"/>
+              <a:t>?</a:t>
+            </a:r>
+          </a:p>
+          <a:p>
+            <a:r>
+              <a:rPr lang="de-AT" dirty="0" smtClean="0"/>
+              <a:t>MVC</a:t>
+            </a:r>
+          </a:p>
+          <a:p>
+            <a:r>
+              <a:rPr lang="de-AT" dirty="0" smtClean="0"/>
+              <a:t>Model</a:t>
+            </a:r>
+          </a:p>
+          <a:p>
+            <a:r>
+              <a:rPr lang="de-AT" dirty="0" smtClean="0"/>
+              <a:t>View</a:t>
+            </a:r>
+          </a:p>
+          <a:p>
+            <a:r>
+              <a:rPr lang="de-AT" b="1" dirty="0" smtClean="0"/>
+              <a:t>Netzwerk</a:t>
+            </a:r>
+          </a:p>
+          <a:p>
+            <a:r>
+              <a:rPr lang="de-AT" dirty="0" smtClean="0"/>
+              <a:t>Kollisionssystem</a:t>
+            </a:r>
+          </a:p>
+          <a:p>
+            <a:r>
+              <a:rPr lang="de-AT" dirty="0" smtClean="0"/>
+              <a:t>Rundensystem</a:t>
+            </a:r>
+            <a:endParaRPr lang="de-AT" dirty="0"/>
+          </a:p>
+        </p:txBody>
+      </p:sp>
+      <p:sp>
+        <p:nvSpPr>
+          <p:cNvPr id="4" name="Foliennummernplatzhalter 3"/>
+          <p:cNvSpPr>
+            <a:spLocks noGrp="1"/>
+          </p:cNvSpPr>
+          <p:nvPr>
+            <p:ph type="sldNum" sz="quarter" idx="12"/>
+          </p:nvPr>
+        </p:nvSpPr>
+        <p:spPr/>
+        <p:txBody>
+          <a:bodyPr/>
+          <a:lstStyle/>
+          <a:p>
+            <a:fld id="{4FACE48E-4A67-48DB-AD36-251A6BBFC9D3}" type="slidenum">
+              <a:rPr lang="de-AT" smtClean="0"/>
+              <a:t>12</a:t>
+            </a:fld>
+            <a:endParaRPr lang="de-AT"/>
+          </a:p>
+        </p:txBody>
+      </p:sp>
+    </p:spTree>
+    <p:extLst>
+      <p:ext uri="{BB962C8B-B14F-4D97-AF65-F5344CB8AC3E}">
+        <p14:creationId xmlns:p14="http://schemas.microsoft.com/office/powerpoint/2010/main" val="16785733"/>
+      </p:ext>
+    </p:extLst>
+  </p:cSld>
+  <p:clrMapOvr>
+    <a:masterClrMapping/>
+  </p:clrMapOvr>
+  <mc:AlternateContent xmlns:mc="http://schemas.openxmlformats.org/markup-compatibility/2006">
+    <mc:Choice xmlns:p14="http://schemas.microsoft.com/office/powerpoint/2010/main" Requires="p14">
+      <p:transition spd="med" p14:dur="700">
+        <p:fade/>
+      </p:transition>
+    </mc:Choice>
+    <mc:Fallback>
+      <p:transition spd="med">
+        <p:fade/>
+      </p:transition>
+    </mc:Fallback>
+  </mc:AlternateContent>
+  <p:timing>
+    <p:tnLst>
+      <p:par>
+        <p:cTn id="1" dur="indefinite" restart="never" nodeType="tmRoot"/>
+      </p:par>
+    </p:tnLst>
+  </p:timing>
+</p:sld>
+</file>
+
+<file path=ppt/slides/slide13.xml><?xml version="1.0" encoding="utf-8"?>
+<p:sld xmlns:a="http://schemas.openxmlformats.org/drawingml/2006/main" xmlns:r="http://schemas.openxmlformats.org/officeDocument/2006/relationships" xmlns:p="http://schemas.openxmlformats.org/presentationml/2006/main">
+  <p:cSld>
+    <p:spTree>
+      <p:nvGrpSpPr>
+        <p:cNvPr id="1" name=""/>
+        <p:cNvGrpSpPr/>
+        <p:nvPr/>
+      </p:nvGrpSpPr>
+      <p:grpSpPr>
+        <a:xfrm>
+          <a:off x="0" y="0"/>
+          <a:ext cx="0" cy="0"/>
+          <a:chOff x="0" y="0"/>
+          <a:chExt cx="0" cy="0"/>
+        </a:xfrm>
+      </p:grpSpPr>
+      <p:sp>
+        <p:nvSpPr>
+          <p:cNvPr id="2" name="Titel 1"/>
+          <p:cNvSpPr>
+            <a:spLocks noGrp="1"/>
+          </p:cNvSpPr>
+          <p:nvPr>
+            <p:ph type="title"/>
+          </p:nvPr>
+        </p:nvSpPr>
+        <p:spPr/>
+        <p:txBody>
+          <a:bodyPr/>
+          <a:lstStyle/>
+          <a:p>
+            <a:r>
+              <a:rPr lang="de-DE" dirty="0" smtClean="0"/>
+              <a:t>Netzwerkkommunikation (1)</a:t>
+            </a:r>
+            <a:endParaRPr lang="de-DE" dirty="0"/>
+          </a:p>
+        </p:txBody>
+      </p:sp>
+      <p:pic>
+        <p:nvPicPr>
+          <p:cNvPr id="5122" name="Picture 2"/>
+          <p:cNvPicPr>
+            <a:picLocks noChangeAspect="1" noChangeArrowheads="1"/>
+          </p:cNvPicPr>
+          <p:nvPr/>
+        </p:nvPicPr>
+        <p:blipFill>
+          <a:blip r:embed="rId3">
+            <a:extLst>
+              <a:ext uri="{28A0092B-C50C-407E-A947-70E740481C1C}">
+                <a14:useLocalDpi xmlns:a14="http://schemas.microsoft.com/office/drawing/2010/main" val="0"/>
+              </a:ext>
+            </a:extLst>
+          </a:blip>
+          <a:srcRect/>
+          <a:stretch>
+            <a:fillRect/>
+          </a:stretch>
+        </p:blipFill>
+        <p:spPr bwMode="auto">
+          <a:xfrm>
+            <a:off x="145545" y="2276873"/>
+            <a:ext cx="8852906" cy="2592286"/>
+          </a:xfrm>
+          <a:prstGeom prst="rect">
+            <a:avLst/>
+          </a:prstGeom>
+          <a:solidFill>
+            <a:schemeClr val="bg1"/>
+          </a:solidFill>
+          <a:ln>
+            <a:noFill/>
+          </a:ln>
+          <a:effectLst/>
+          <a:extLst/>
+        </p:spPr>
+      </p:pic>
+      <p:sp>
+        <p:nvSpPr>
+          <p:cNvPr id="4" name="Foliennummernplatzhalter 3"/>
+          <p:cNvSpPr>
+            <a:spLocks noGrp="1"/>
+          </p:cNvSpPr>
+          <p:nvPr>
+            <p:ph type="sldNum" sz="quarter" idx="12"/>
+          </p:nvPr>
+        </p:nvSpPr>
+        <p:spPr/>
+        <p:txBody>
+          <a:bodyPr/>
+          <a:lstStyle/>
+          <a:p>
+            <a:fld id="{4FACE48E-4A67-48DB-AD36-251A6BBFC9D3}" type="slidenum">
+              <a:rPr lang="de-AT" smtClean="0"/>
+              <a:t>13</a:t>
+            </a:fld>
+            <a:endParaRPr lang="de-AT"/>
+          </a:p>
+        </p:txBody>
+      </p:sp>
+    </p:spTree>
+    <p:extLst>
+      <p:ext uri="{BB962C8B-B14F-4D97-AF65-F5344CB8AC3E}">
+        <p14:creationId xmlns:p14="http://schemas.microsoft.com/office/powerpoint/2010/main" val="962730881"/>
+      </p:ext>
+    </p:extLst>
+  </p:cSld>
+  <p:clrMapOvr>
+    <a:masterClrMapping/>
+  </p:clrMapOvr>
+  <mc:AlternateContent xmlns:mc="http://schemas.openxmlformats.org/markup-compatibility/2006">
+    <mc:Choice xmlns:p14="http://schemas.microsoft.com/office/powerpoint/2010/main" Requires="p14">
+      <p:transition spd="med" p14:dur="700">
+        <p:fade/>
+      </p:transition>
+    </mc:Choice>
+    <mc:Fallback>
+      <p:transition spd="med">
+        <p:fade/>
+      </p:transition>
+    </mc:Fallback>
+  </mc:AlternateContent>
+  <p:timing>
+    <p:tnLst>
+      <p:par>
+        <p:cTn id="1" dur="indefinite" restart="never" nodeType="tmRoot"/>
+      </p:par>
+    </p:tnLst>
+  </p:timing>
+</p:sld>
+</file>
+
+<file path=ppt/slides/slide14.xml><?xml version="1.0" encoding="utf-8"?>
+<p:sld xmlns:a="http://schemas.openxmlformats.org/drawingml/2006/main" xmlns:r="http://schemas.openxmlformats.org/officeDocument/2006/relationships" xmlns:p="http://schemas.openxmlformats.org/presentationml/2006/main">
+  <p:cSld>
+    <p:spTree>
+      <p:nvGrpSpPr>
+        <p:cNvPr id="1" name=""/>
+        <p:cNvGrpSpPr/>
+        <p:nvPr/>
+      </p:nvGrpSpPr>
+      <p:grpSpPr>
+        <a:xfrm>
+          <a:off x="0" y="0"/>
+          <a:ext cx="0" cy="0"/>
+          <a:chOff x="0" y="0"/>
+          <a:chExt cx="0" cy="0"/>
+        </a:xfrm>
+      </p:grpSpPr>
+      <p:sp>
+        <p:nvSpPr>
+          <p:cNvPr id="2" name="Titel 1"/>
+          <p:cNvSpPr>
+            <a:spLocks noGrp="1"/>
+          </p:cNvSpPr>
+          <p:nvPr>
+            <p:ph type="title"/>
+          </p:nvPr>
+        </p:nvSpPr>
+        <p:spPr/>
+        <p:txBody>
+          <a:bodyPr/>
+          <a:lstStyle/>
+          <a:p>
+            <a:r>
+              <a:rPr lang="de-DE" dirty="0" smtClean="0"/>
+              <a:t>Netzwerkkommunikation (2)</a:t>
+            </a:r>
+            <a:endParaRPr lang="de-DE" dirty="0"/>
+          </a:p>
+        </p:txBody>
+      </p:sp>
+      <p:pic>
+        <p:nvPicPr>
+          <p:cNvPr id="4" name="Inhaltsplatzhalter 3"/>
+          <p:cNvPicPr>
+            <a:picLocks noChangeAspect="1"/>
+          </p:cNvPicPr>
+          <p:nvPr/>
+        </p:nvPicPr>
+        <p:blipFill rotWithShape="1">
+          <a:blip r:embed="rId3">
+            <a:extLst>
+              <a:ext uri="{28A0092B-C50C-407E-A947-70E740481C1C}">
+                <a14:useLocalDpi xmlns:a14="http://schemas.microsoft.com/office/drawing/2010/main" val="0"/>
+              </a:ext>
+            </a:extLst>
+          </a:blip>
+          <a:srcRect l="7067" t="10201" r="6771"/>
+          <a:stretch/>
+        </p:blipFill>
+        <p:spPr>
+          <a:xfrm>
+            <a:off x="1115616" y="1340768"/>
+            <a:ext cx="6840760" cy="5347171"/>
+          </a:xfrm>
+          <a:prstGeom prst="rect">
+            <a:avLst/>
+          </a:prstGeom>
+        </p:spPr>
+      </p:pic>
+      <p:sp>
+        <p:nvSpPr>
+          <p:cNvPr id="5" name="Foliennummernplatzhalter 4"/>
+          <p:cNvSpPr>
+            <a:spLocks noGrp="1"/>
+          </p:cNvSpPr>
+          <p:nvPr>
+            <p:ph type="sldNum" sz="quarter" idx="12"/>
+          </p:nvPr>
+        </p:nvSpPr>
+        <p:spPr/>
+        <p:txBody>
+          <a:bodyPr/>
+          <a:lstStyle/>
+          <a:p>
+            <a:fld id="{4FACE48E-4A67-48DB-AD36-251A6BBFC9D3}" type="slidenum">
+              <a:rPr lang="de-AT" smtClean="0"/>
+              <a:t>14</a:t>
+            </a:fld>
+            <a:endParaRPr lang="de-AT"/>
+          </a:p>
+        </p:txBody>
+      </p:sp>
+    </p:spTree>
+    <p:extLst>
+      <p:ext uri="{BB962C8B-B14F-4D97-AF65-F5344CB8AC3E}">
+        <p14:creationId xmlns:p14="http://schemas.microsoft.com/office/powerpoint/2010/main" val="1337098379"/>
+      </p:ext>
+    </p:extLst>
+  </p:cSld>
+  <p:clrMapOvr>
+    <a:masterClrMapping/>
+  </p:clrMapOvr>
+  <mc:AlternateContent xmlns:mc="http://schemas.openxmlformats.org/markup-compatibility/2006">
+    <mc:Choice xmlns:p14="http://schemas.microsoft.com/office/powerpoint/2010/main" Requires="p14">
+      <p:transition spd="med" p14:dur="700">
+        <p:fade/>
+      </p:transition>
+    </mc:Choice>
+    <mc:Fallback>
+      <p:transition spd="med">
+        <p:fade/>
+      </p:transition>
+    </mc:Fallback>
+  </mc:AlternateContent>
+  <p:timing>
+    <p:tnLst>
+      <p:par>
+        <p:cTn id="1" dur="indefinite" restart="never" nodeType="tmRoot"/>
+      </p:par>
+    </p:tnLst>
+  </p:timing>
+</p:sld>
+</file>
+
+<file path=ppt/slides/slide15.xml><?xml version="1.0" encoding="utf-8"?>
+<p:sld xmlns:a="http://schemas.openxmlformats.org/drawingml/2006/main" xmlns:r="http://schemas.openxmlformats.org/officeDocument/2006/relationships" xmlns:p="http://schemas.openxmlformats.org/presentationml/2006/main">
+  <p:cSld>
+    <p:spTree>
+      <p:nvGrpSpPr>
+        <p:cNvPr id="1" name=""/>
+        <p:cNvGrpSpPr/>
+        <p:nvPr/>
+      </p:nvGrpSpPr>
+      <p:grpSpPr>
+        <a:xfrm>
+          <a:off x="0" y="0"/>
+          <a:ext cx="0" cy="0"/>
+          <a:chOff x="0" y="0"/>
+          <a:chExt cx="0" cy="0"/>
+        </a:xfrm>
+      </p:grpSpPr>
+      <p:sp>
+        <p:nvSpPr>
+          <p:cNvPr id="2" name="Titel 1"/>
+          <p:cNvSpPr>
+            <a:spLocks noGrp="1"/>
+          </p:cNvSpPr>
+          <p:nvPr>
+            <p:ph type="title"/>
+          </p:nvPr>
+        </p:nvSpPr>
+        <p:spPr/>
+        <p:txBody>
+          <a:bodyPr/>
+          <a:lstStyle/>
+          <a:p>
+            <a:r>
+              <a:rPr lang="de-AT" dirty="0" smtClean="0"/>
+              <a:t>Infrastruktur - Server</a:t>
+            </a:r>
+            <a:endParaRPr lang="de-AT" dirty="0"/>
+          </a:p>
+        </p:txBody>
+      </p:sp>
+      <p:pic>
+        <p:nvPicPr>
+          <p:cNvPr id="4" name="Inhaltsplatzhalter 3"/>
+          <p:cNvPicPr>
+            <a:picLocks noGrp="1" noChangeAspect="1"/>
+          </p:cNvPicPr>
+          <p:nvPr>
+            <p:ph idx="1"/>
+          </p:nvPr>
+        </p:nvPicPr>
+        <p:blipFill rotWithShape="1">
+          <a:blip r:embed="rId3">
+            <a:extLst>
+              <a:ext uri="{28A0092B-C50C-407E-A947-70E740481C1C}">
+                <a14:useLocalDpi xmlns:a14="http://schemas.microsoft.com/office/drawing/2010/main" val="0"/>
+              </a:ext>
+            </a:extLst>
+          </a:blip>
+          <a:srcRect r="6919" b="16314"/>
+          <a:stretch/>
+        </p:blipFill>
+        <p:spPr>
+          <a:xfrm>
+            <a:off x="755576" y="1340768"/>
+            <a:ext cx="7632848" cy="5146823"/>
+          </a:xfrm>
+        </p:spPr>
+      </p:pic>
+      <p:sp>
+        <p:nvSpPr>
+          <p:cNvPr id="5" name="Foliennummernplatzhalter 4"/>
+          <p:cNvSpPr>
+            <a:spLocks noGrp="1"/>
+          </p:cNvSpPr>
+          <p:nvPr>
+            <p:ph type="sldNum" sz="quarter" idx="12"/>
+          </p:nvPr>
+        </p:nvSpPr>
+        <p:spPr/>
+        <p:txBody>
+          <a:bodyPr/>
+          <a:lstStyle/>
+          <a:p>
+            <a:fld id="{4FACE48E-4A67-48DB-AD36-251A6BBFC9D3}" type="slidenum">
+              <a:rPr lang="de-AT" smtClean="0"/>
+              <a:t>15</a:t>
+            </a:fld>
+            <a:endParaRPr lang="de-AT"/>
+          </a:p>
+        </p:txBody>
+      </p:sp>
+    </p:spTree>
+    <p:extLst>
+      <p:ext uri="{BB962C8B-B14F-4D97-AF65-F5344CB8AC3E}">
+        <p14:creationId xmlns:p14="http://schemas.microsoft.com/office/powerpoint/2010/main" val="3048387615"/>
+      </p:ext>
+    </p:extLst>
+  </p:cSld>
+  <p:clrMapOvr>
+    <a:masterClrMapping/>
+  </p:clrMapOvr>
+  <mc:AlternateContent xmlns:mc="http://schemas.openxmlformats.org/markup-compatibility/2006">
+    <mc:Choice xmlns:p14="http://schemas.microsoft.com/office/powerpoint/2010/main" Requires="p14">
+      <p:transition spd="med" p14:dur="700">
+        <p:fade/>
+      </p:transition>
+    </mc:Choice>
+    <mc:Fallback>
+      <p:transition spd="med">
+        <p:fade/>
+      </p:transition>
+    </mc:Fallback>
+  </mc:AlternateContent>
+  <p:timing>
+    <p:tnLst>
+      <p:par>
+        <p:cTn id="1" dur="indefinite" restart="never" nodeType="tmRoot"/>
+      </p:par>
+    </p:tnLst>
+  </p:timing>
+</p:sld>
+</file>
+
+<file path=ppt/slides/slide16.xml><?xml version="1.0" encoding="utf-8"?>
+<p:sld xmlns:a="http://schemas.openxmlformats.org/drawingml/2006/main" xmlns:r="http://schemas.openxmlformats.org/officeDocument/2006/relationships" xmlns:p="http://schemas.openxmlformats.org/presentationml/2006/main">
+  <p:cSld>
+    <p:spTree>
+      <p:nvGrpSpPr>
+        <p:cNvPr id="1" name=""/>
+        <p:cNvGrpSpPr/>
+        <p:nvPr/>
+      </p:nvGrpSpPr>
+      <p:grpSpPr>
+        <a:xfrm>
+          <a:off x="0" y="0"/>
+          <a:ext cx="0" cy="0"/>
+          <a:chOff x="0" y="0"/>
+          <a:chExt cx="0" cy="0"/>
+        </a:xfrm>
+      </p:grpSpPr>
+      <p:sp>
+        <p:nvSpPr>
+          <p:cNvPr id="2" name="Titel 1"/>
+          <p:cNvSpPr>
+            <a:spLocks noGrp="1"/>
+          </p:cNvSpPr>
+          <p:nvPr>
+            <p:ph type="title"/>
+          </p:nvPr>
+        </p:nvSpPr>
+        <p:spPr/>
+        <p:txBody>
+          <a:bodyPr/>
+          <a:lstStyle/>
+          <a:p>
+            <a:r>
+              <a:rPr lang="de-AT" dirty="0" smtClean="0"/>
               <a:t>Infrastruktur - Client</a:t>
             </a:r>
             <a:endParaRPr lang="de-AT" dirty="0"/>
@@ -5348,7 +6402,7 @@
           <a:p>
             <a:fld id="{4FACE48E-4A67-48DB-AD36-251A6BBFC9D3}" type="slidenum">
               <a:rPr lang="de-AT" smtClean="0"/>
-              <a:t>11</a:t>
+              <a:t>16</a:t>
             </a:fld>
             <a:endParaRPr lang="de-AT"/>
           </a:p>
@@ -5364,6 +6418,18 @@
   <p:clrMapOvr>
     <a:masterClrMapping/>
   </p:clrMapOvr>
+  <mc:AlternateContent xmlns:mc="http://schemas.openxmlformats.org/markup-compatibility/2006">
+    <mc:Choice xmlns:p14="http://schemas.microsoft.com/office/powerpoint/2010/main" Requires="p14">
+      <p:transition spd="med" p14:dur="700">
+        <p:fade/>
+      </p:transition>
+    </mc:Choice>
+    <mc:Fallback>
+      <p:transition spd="med">
+        <p:fade/>
+      </p:transition>
+    </mc:Fallback>
+  </mc:AlternateContent>
   <p:timing>
     <p:tnLst>
       <p:par>
@@ -5374,7 +6440,7 @@
 </p:sld>
 </file>
 
-<file path=ppt/slides/slide12.xml><?xml version="1.0" encoding="utf-8"?>
+<file path=ppt/slides/slide17.xml><?xml version="1.0" encoding="utf-8"?>
 <p:sld xmlns:a="http://schemas.openxmlformats.org/drawingml/2006/main" xmlns:r="http://schemas.openxmlformats.org/officeDocument/2006/relationships" xmlns:p="http://schemas.openxmlformats.org/presentationml/2006/main">
   <p:cSld>
     <p:spTree>
@@ -6326,7 +7392,7 @@
           <a:p>
             <a:fld id="{4FACE48E-4A67-48DB-AD36-251A6BBFC9D3}" type="slidenum">
               <a:rPr lang="de-AT" smtClean="0"/>
-              <a:t>12</a:t>
+              <a:t>17</a:t>
             </a:fld>
             <a:endParaRPr lang="de-AT"/>
           </a:p>
@@ -6342,6 +7408,18 @@
   <p:clrMapOvr>
     <a:masterClrMapping/>
   </p:clrMapOvr>
+  <mc:AlternateContent xmlns:mc="http://schemas.openxmlformats.org/markup-compatibility/2006">
+    <mc:Choice xmlns:p14="http://schemas.microsoft.com/office/powerpoint/2010/main" Requires="p14">
+      <p:transition spd="med" p14:dur="700">
+        <p:fade/>
+      </p:transition>
+    </mc:Choice>
+    <mc:Fallback>
+      <p:transition spd="med">
+        <p:fade/>
+      </p:transition>
+    </mc:Fallback>
+  </mc:AlternateContent>
   <p:timing>
     <p:tnLst>
       <p:par>
@@ -6352,7 +7430,7 @@
 </p:sld>
 </file>
 
-<file path=ppt/slides/slide13.xml><?xml version="1.0" encoding="utf-8"?>
+<file path=ppt/slides/slide18.xml><?xml version="1.0" encoding="utf-8"?>
 <p:sld xmlns:a="http://schemas.openxmlformats.org/drawingml/2006/main" xmlns:r="http://schemas.openxmlformats.org/officeDocument/2006/relationships" xmlns:p="http://schemas.openxmlformats.org/presentationml/2006/main">
   <p:cSld>
     <p:spTree>
@@ -7250,7 +8328,7 @@
           <a:p>
             <a:fld id="{4FACE48E-4A67-48DB-AD36-251A6BBFC9D3}" type="slidenum">
               <a:rPr lang="de-AT" smtClean="0"/>
-              <a:t>13</a:t>
+              <a:t>18</a:t>
             </a:fld>
             <a:endParaRPr lang="de-AT"/>
           </a:p>
@@ -7266,6 +8344,18 @@
   <p:clrMapOvr>
     <a:masterClrMapping/>
   </p:clrMapOvr>
+  <mc:AlternateContent xmlns:mc="http://schemas.openxmlformats.org/markup-compatibility/2006">
+    <mc:Choice xmlns:p14="http://schemas.microsoft.com/office/powerpoint/2010/main" Requires="p14">
+      <p:transition spd="med" p14:dur="700">
+        <p:fade/>
+      </p:transition>
+    </mc:Choice>
+    <mc:Fallback>
+      <p:transition spd="med">
+        <p:fade/>
+      </p:transition>
+    </mc:Fallback>
+  </mc:AlternateContent>
   <p:timing>
     <p:tnLst>
       <p:par>
@@ -7276,7 +8366,7 @@
 </p:sld>
 </file>
 
-<file path=ppt/slides/slide14.xml><?xml version="1.0" encoding="utf-8"?>
+<file path=ppt/slides/slide19.xml><?xml version="1.0" encoding="utf-8"?>
 <p:sld xmlns:a="http://schemas.openxmlformats.org/drawingml/2006/main" xmlns:r="http://schemas.openxmlformats.org/officeDocument/2006/relationships" xmlns:p="http://schemas.openxmlformats.org/presentationml/2006/main">
   <p:cSld>
     <p:spTree>
@@ -8248,7 +9338,7 @@
           <a:p>
             <a:fld id="{4FACE48E-4A67-48DB-AD36-251A6BBFC9D3}" type="slidenum">
               <a:rPr lang="de-AT" smtClean="0"/>
-              <a:t>14</a:t>
+              <a:t>19</a:t>
             </a:fld>
             <a:endParaRPr lang="de-AT"/>
           </a:p>
@@ -8264,6 +9354,18 @@
   <p:clrMapOvr>
     <a:masterClrMapping/>
   </p:clrMapOvr>
+  <mc:AlternateContent xmlns:mc="http://schemas.openxmlformats.org/markup-compatibility/2006">
+    <mc:Choice xmlns:p14="http://schemas.microsoft.com/office/powerpoint/2010/main" Requires="p14">
+      <p:transition spd="med" p14:dur="700">
+        <p:fade/>
+      </p:transition>
+    </mc:Choice>
+    <mc:Fallback>
+      <p:transition spd="med">
+        <p:fade/>
+      </p:transition>
+    </mc:Fallback>
+  </mc:AlternateContent>
   <p:timing>
     <p:tnLst>
       <p:par>
@@ -8274,7 +9376,169 @@
 </p:sld>
 </file>
 
-<file path=ppt/slides/slide15.xml><?xml version="1.0" encoding="utf-8"?>
+<file path=ppt/slides/slide2.xml><?xml version="1.0" encoding="utf-8"?>
+<p:sld xmlns:a="http://schemas.openxmlformats.org/drawingml/2006/main" xmlns:r="http://schemas.openxmlformats.org/officeDocument/2006/relationships" xmlns:p="http://schemas.openxmlformats.org/presentationml/2006/main">
+  <p:cSld>
+    <p:spTree>
+      <p:nvGrpSpPr>
+        <p:cNvPr id="1" name=""/>
+        <p:cNvGrpSpPr/>
+        <p:nvPr/>
+      </p:nvGrpSpPr>
+      <p:grpSpPr>
+        <a:xfrm>
+          <a:off x="0" y="0"/>
+          <a:ext cx="0" cy="0"/>
+          <a:chOff x="0" y="0"/>
+          <a:chExt cx="0" cy="0"/>
+        </a:xfrm>
+      </p:grpSpPr>
+      <p:sp>
+        <p:nvSpPr>
+          <p:cNvPr id="2" name="Titel 1"/>
+          <p:cNvSpPr>
+            <a:spLocks noGrp="1"/>
+          </p:cNvSpPr>
+          <p:nvPr>
+            <p:ph type="title"/>
+          </p:nvPr>
+        </p:nvSpPr>
+        <p:spPr/>
+        <p:txBody>
+          <a:bodyPr/>
+          <a:lstStyle/>
+          <a:p>
+            <a:r>
+              <a:rPr lang="de-AT" dirty="0" smtClean="0"/>
+              <a:t>Agenda</a:t>
+            </a:r>
+            <a:endParaRPr lang="de-AT" dirty="0"/>
+          </a:p>
+        </p:txBody>
+      </p:sp>
+      <p:sp>
+        <p:nvSpPr>
+          <p:cNvPr id="3" name="Inhaltsplatzhalter 2"/>
+          <p:cNvSpPr>
+            <a:spLocks noGrp="1"/>
+          </p:cNvSpPr>
+          <p:nvPr>
+            <p:ph idx="1"/>
+          </p:nvPr>
+        </p:nvSpPr>
+        <p:spPr/>
+        <p:txBody>
+          <a:bodyPr/>
+          <a:lstStyle/>
+          <a:p>
+            <a:r>
+              <a:rPr lang="de-AT" b="1" dirty="0"/>
+              <a:t>Was ist </a:t>
+            </a:r>
+            <a:r>
+              <a:rPr lang="de-AT" b="1" dirty="0" err="1"/>
+              <a:t>KuBaTsch</a:t>
+            </a:r>
+            <a:r>
+              <a:rPr lang="de-AT" b="1" dirty="0"/>
+              <a:t>?</a:t>
+            </a:r>
+          </a:p>
+          <a:p>
+            <a:r>
+              <a:rPr lang="de-AT" dirty="0"/>
+              <a:t>MVC</a:t>
+            </a:r>
+          </a:p>
+          <a:p>
+            <a:r>
+              <a:rPr lang="de-AT" dirty="0"/>
+              <a:t>Model</a:t>
+            </a:r>
+          </a:p>
+          <a:p>
+            <a:r>
+              <a:rPr lang="de-AT" dirty="0"/>
+              <a:t>View</a:t>
+            </a:r>
+          </a:p>
+          <a:p>
+            <a:r>
+              <a:rPr lang="de-AT" dirty="0"/>
+              <a:t>Netzwerk</a:t>
+            </a:r>
+          </a:p>
+          <a:p>
+            <a:r>
+              <a:rPr lang="de-AT" dirty="0"/>
+              <a:t>Kollisionssystem</a:t>
+            </a:r>
+          </a:p>
+          <a:p>
+            <a:r>
+              <a:rPr lang="de-AT" dirty="0"/>
+              <a:t>Rundensystem</a:t>
+            </a:r>
+            <a:endParaRPr lang="de-AT" dirty="0"/>
+          </a:p>
+        </p:txBody>
+      </p:sp>
+      <p:sp>
+        <p:nvSpPr>
+          <p:cNvPr id="4" name="Foliennummernplatzhalter 3"/>
+          <p:cNvSpPr>
+            <a:spLocks noGrp="1"/>
+          </p:cNvSpPr>
+          <p:nvPr>
+            <p:ph type="sldNum" sz="quarter" idx="12"/>
+          </p:nvPr>
+        </p:nvSpPr>
+        <p:spPr/>
+        <p:txBody>
+          <a:bodyPr/>
+          <a:lstStyle/>
+          <a:p>
+            <a:fld id="{4FACE48E-4A67-48DB-AD36-251A6BBFC9D3}" type="slidenum">
+              <a:rPr lang="de-AT" smtClean="0"/>
+              <a:t>2</a:t>
+            </a:fld>
+            <a:endParaRPr lang="de-AT"/>
+          </a:p>
+        </p:txBody>
+      </p:sp>
+    </p:spTree>
+    <p:extLst>
+      <p:ext uri="{BB962C8B-B14F-4D97-AF65-F5344CB8AC3E}">
+        <p14:creationId xmlns:p14="http://schemas.microsoft.com/office/powerpoint/2010/main" val="1220743707"/>
+      </p:ext>
+    </p:extLst>
+  </p:cSld>
+  <p:clrMapOvr>
+    <a:masterClrMapping/>
+  </p:clrMapOvr>
+  <mc:AlternateContent xmlns:mc="http://schemas.openxmlformats.org/markup-compatibility/2006">
+    <mc:Choice xmlns:p14="http://schemas.microsoft.com/office/powerpoint/2010/main" Requires="p14">
+      <p:transition spd="med" p14:dur="700">
+        <p:fade/>
+      </p:transition>
+    </mc:Choice>
+    <mc:Fallback>
+      <p:transition spd="med">
+        <p:fade/>
+      </p:transition>
+    </mc:Fallback>
+  </mc:AlternateContent>
+  <p:timing>
+    <p:tnLst>
+      <p:par>
+        <p:cTn id="1" dur="indefinite" restart="never" nodeType="tmRoot"/>
+      </p:par>
+    </p:tnLst>
+  </p:timing>
+</p:sld>
+</file>
+
+<file path=ppt/slides/slide20.xml><?xml version="1.0" encoding="utf-8"?>
 <p:sld xmlns:a="http://schemas.openxmlformats.org/drawingml/2006/main" xmlns:r="http://schemas.openxmlformats.org/officeDocument/2006/relationships" xmlns:p="http://schemas.openxmlformats.org/presentationml/2006/main">
   <p:cSld>
     <p:spTree>
@@ -8474,7 +9738,7 @@
           <a:p>
             <a:fld id="{4FACE48E-4A67-48DB-AD36-251A6BBFC9D3}" type="slidenum">
               <a:rPr lang="de-AT" smtClean="0"/>
-              <a:t>15</a:t>
+              <a:t>20</a:t>
             </a:fld>
             <a:endParaRPr lang="de-AT"/>
           </a:p>
@@ -8490,6 +9754,18 @@
   <p:clrMapOvr>
     <a:masterClrMapping/>
   </p:clrMapOvr>
+  <mc:AlternateContent xmlns:mc="http://schemas.openxmlformats.org/markup-compatibility/2006">
+    <mc:Choice xmlns:p14="http://schemas.microsoft.com/office/powerpoint/2010/main" Requires="p14">
+      <p:transition spd="med" p14:dur="700">
+        <p:fade/>
+      </p:transition>
+    </mc:Choice>
+    <mc:Fallback>
+      <p:transition spd="med">
+        <p:fade/>
+      </p:transition>
+    </mc:Fallback>
+  </mc:AlternateContent>
   <p:timing>
     <p:tnLst>
       <p:par>
@@ -8500,298 +9776,7 @@
 </p:sld>
 </file>
 
-<file path=ppt/slides/slide16.xml><?xml version="1.0" encoding="utf-8"?>
-<p:sld xmlns:a="http://schemas.openxmlformats.org/drawingml/2006/main" xmlns:r="http://schemas.openxmlformats.org/officeDocument/2006/relationships" xmlns:p="http://schemas.openxmlformats.org/presentationml/2006/main">
-  <p:cSld>
-    <p:spTree>
-      <p:nvGrpSpPr>
-        <p:cNvPr id="1" name=""/>
-        <p:cNvGrpSpPr/>
-        <p:nvPr/>
-      </p:nvGrpSpPr>
-      <p:grpSpPr>
-        <a:xfrm>
-          <a:off x="0" y="0"/>
-          <a:ext cx="0" cy="0"/>
-          <a:chOff x="0" y="0"/>
-          <a:chExt cx="0" cy="0"/>
-        </a:xfrm>
-      </p:grpSpPr>
-      <p:sp>
-        <p:nvSpPr>
-          <p:cNvPr id="2" name="Titel 1"/>
-          <p:cNvSpPr>
-            <a:spLocks noGrp="1"/>
-          </p:cNvSpPr>
-          <p:nvPr>
-            <p:ph type="title"/>
-          </p:nvPr>
-        </p:nvSpPr>
-        <p:spPr/>
-        <p:txBody>
-          <a:bodyPr/>
-          <a:lstStyle/>
-          <a:p>
-            <a:r>
-              <a:rPr lang="de-DE" dirty="0" smtClean="0"/>
-              <a:t>Rundensystem</a:t>
-            </a:r>
-            <a:endParaRPr lang="de-DE" dirty="0"/>
-          </a:p>
-        </p:txBody>
-      </p:sp>
-      <p:pic>
-        <p:nvPicPr>
-          <p:cNvPr id="4" name="Inhaltsplatzhalter 3"/>
-          <p:cNvPicPr>
-            <a:picLocks noGrp="1" noChangeAspect="1"/>
-          </p:cNvPicPr>
-          <p:nvPr>
-            <p:ph idx="1"/>
-          </p:nvPr>
-        </p:nvPicPr>
-        <p:blipFill>
-          <a:blip r:embed="rId3">
-            <a:extLst>
-              <a:ext uri="{28A0092B-C50C-407E-A947-70E740481C1C}">
-                <a14:useLocalDpi xmlns:a14="http://schemas.microsoft.com/office/drawing/2010/main" val="0"/>
-              </a:ext>
-            </a:extLst>
-          </a:blip>
-          <a:stretch>
-            <a:fillRect/>
-          </a:stretch>
-        </p:blipFill>
-        <p:spPr>
-          <a:xfrm>
-            <a:off x="457200" y="2629632"/>
-            <a:ext cx="8229600" cy="2467098"/>
-          </a:xfrm>
-        </p:spPr>
-      </p:pic>
-      <p:sp>
-        <p:nvSpPr>
-          <p:cNvPr id="5" name="Foliennummernplatzhalter 4"/>
-          <p:cNvSpPr>
-            <a:spLocks noGrp="1"/>
-          </p:cNvSpPr>
-          <p:nvPr>
-            <p:ph type="sldNum" sz="quarter" idx="12"/>
-          </p:nvPr>
-        </p:nvSpPr>
-        <p:spPr/>
-        <p:txBody>
-          <a:bodyPr/>
-          <a:lstStyle/>
-          <a:p>
-            <a:fld id="{4FACE48E-4A67-48DB-AD36-251A6BBFC9D3}" type="slidenum">
-              <a:rPr lang="de-AT" smtClean="0"/>
-              <a:t>16</a:t>
-            </a:fld>
-            <a:endParaRPr lang="de-AT"/>
-          </a:p>
-        </p:txBody>
-      </p:sp>
-    </p:spTree>
-    <p:extLst>
-      <p:ext uri="{BB962C8B-B14F-4D97-AF65-F5344CB8AC3E}">
-        <p14:creationId xmlns:p14="http://schemas.microsoft.com/office/powerpoint/2010/main" val="1552669008"/>
-      </p:ext>
-    </p:extLst>
-  </p:cSld>
-  <p:clrMapOvr>
-    <a:masterClrMapping/>
-  </p:clrMapOvr>
-  <p:timing>
-    <p:tnLst>
-      <p:par>
-        <p:cTn id="1" dur="indefinite" restart="never" nodeType="tmRoot"/>
-      </p:par>
-    </p:tnLst>
-  </p:timing>
-</p:sld>
-</file>
-
-<file path=ppt/slides/slide17.xml><?xml version="1.0" encoding="utf-8"?>
-<p:sld xmlns:a="http://schemas.openxmlformats.org/drawingml/2006/main" xmlns:r="http://schemas.openxmlformats.org/officeDocument/2006/relationships" xmlns:p="http://schemas.openxmlformats.org/presentationml/2006/main">
-  <p:cSld>
-    <p:spTree>
-      <p:nvGrpSpPr>
-        <p:cNvPr id="1" name=""/>
-        <p:cNvGrpSpPr/>
-        <p:nvPr/>
-      </p:nvGrpSpPr>
-      <p:grpSpPr>
-        <a:xfrm>
-          <a:off x="0" y="0"/>
-          <a:ext cx="0" cy="0"/>
-          <a:chOff x="0" y="0"/>
-          <a:chExt cx="0" cy="0"/>
-        </a:xfrm>
-      </p:grpSpPr>
-      <p:sp>
-        <p:nvSpPr>
-          <p:cNvPr id="2" name="Titel 1"/>
-          <p:cNvSpPr>
-            <a:spLocks noGrp="1"/>
-          </p:cNvSpPr>
-          <p:nvPr>
-            <p:ph type="title"/>
-          </p:nvPr>
-        </p:nvSpPr>
-        <p:spPr/>
-        <p:txBody>
-          <a:bodyPr/>
-          <a:lstStyle/>
-          <a:p>
-            <a:r>
-              <a:rPr lang="de-DE" dirty="0" err="1" smtClean="0"/>
-              <a:t>OnePlayerSurvivingRule</a:t>
-            </a:r>
-            <a:endParaRPr lang="de-DE" dirty="0"/>
-          </a:p>
-        </p:txBody>
-      </p:sp>
-      <p:sp>
-        <p:nvSpPr>
-          <p:cNvPr id="3" name="Inhaltsplatzhalter 2"/>
-          <p:cNvSpPr>
-            <a:spLocks noGrp="1"/>
-          </p:cNvSpPr>
-          <p:nvPr>
-            <p:ph idx="1"/>
-          </p:nvPr>
-        </p:nvSpPr>
-        <p:spPr/>
-        <p:txBody>
-          <a:bodyPr>
-            <a:normAutofit fontScale="92500" lnSpcReduction="20000"/>
-          </a:bodyPr>
-          <a:lstStyle/>
-          <a:p>
-            <a:r>
-              <a:rPr lang="de-DE" dirty="0" err="1" smtClean="0"/>
-              <a:t>canStartRound</a:t>
-            </a:r>
-            <a:endParaRPr lang="de-DE" dirty="0" smtClean="0"/>
-          </a:p>
-          <a:p>
-            <a:pPr lvl="1"/>
-            <a:r>
-              <a:rPr lang="de-DE" dirty="0" smtClean="0"/>
-              <a:t>Sind mehr als </a:t>
-            </a:r>
-            <a:r>
-              <a:rPr lang="de-DE" dirty="0"/>
-              <a:t>1</a:t>
-            </a:r>
-            <a:r>
-              <a:rPr lang="de-DE" dirty="0" smtClean="0"/>
-              <a:t> Spieler auf dem Server?</a:t>
-            </a:r>
-          </a:p>
-          <a:p>
-            <a:r>
-              <a:rPr lang="de-DE" dirty="0" err="1" smtClean="0"/>
-              <a:t>startRound</a:t>
-            </a:r>
-            <a:endParaRPr lang="de-DE" dirty="0" smtClean="0"/>
-          </a:p>
-          <a:p>
-            <a:pPr lvl="1"/>
-            <a:r>
-              <a:rPr lang="de-DE" dirty="0" smtClean="0"/>
-              <a:t>Setzte bei allen Spielern die Leben auf 100%</a:t>
-            </a:r>
-          </a:p>
-          <a:p>
-            <a:pPr lvl="1"/>
-            <a:r>
-              <a:rPr lang="de-DE" dirty="0" smtClean="0"/>
-              <a:t>Setzte einen Ball auf das Spielfeld</a:t>
-            </a:r>
-          </a:p>
-          <a:p>
-            <a:r>
-              <a:rPr lang="de-DE" dirty="0" err="1" smtClean="0"/>
-              <a:t>isRoundFinished</a:t>
-            </a:r>
-            <a:endParaRPr lang="de-DE" dirty="0" smtClean="0"/>
-          </a:p>
-          <a:p>
-            <a:pPr lvl="1"/>
-            <a:r>
-              <a:rPr lang="de-DE" dirty="0" smtClean="0"/>
-              <a:t>Ist nur noch 1 lebender Spieler auf dem Spielfeld</a:t>
-            </a:r>
-          </a:p>
-          <a:p>
-            <a:r>
-              <a:rPr lang="de-DE" dirty="0" err="1" smtClean="0"/>
-              <a:t>finishRound</a:t>
-            </a:r>
-            <a:endParaRPr lang="de-DE" dirty="0" smtClean="0"/>
-          </a:p>
-          <a:p>
-            <a:pPr lvl="1"/>
-            <a:r>
-              <a:rPr lang="de-DE" dirty="0" smtClean="0"/>
-              <a:t>Entferne alle Bälle aus dem Spielfeld</a:t>
-            </a:r>
-          </a:p>
-          <a:p>
-            <a:pPr lvl="1"/>
-            <a:r>
-              <a:rPr lang="de-DE" dirty="0" smtClean="0"/>
-              <a:t>Überlebender Spieler bekommt einen Punkt</a:t>
-            </a:r>
-          </a:p>
-        </p:txBody>
-      </p:sp>
-      <p:sp>
-        <p:nvSpPr>
-          <p:cNvPr id="4" name="Foliennummernplatzhalter 3"/>
-          <p:cNvSpPr>
-            <a:spLocks noGrp="1"/>
-          </p:cNvSpPr>
-          <p:nvPr>
-            <p:ph type="sldNum" sz="quarter" idx="12"/>
-          </p:nvPr>
-        </p:nvSpPr>
-        <p:spPr/>
-        <p:txBody>
-          <a:bodyPr/>
-          <a:lstStyle/>
-          <a:p>
-            <a:fld id="{4FACE48E-4A67-48DB-AD36-251A6BBFC9D3}" type="slidenum">
-              <a:rPr lang="de-AT" smtClean="0"/>
-              <a:t>17</a:t>
-            </a:fld>
-            <a:endParaRPr lang="de-AT"/>
-          </a:p>
-        </p:txBody>
-      </p:sp>
-    </p:spTree>
-    <p:extLst>
-      <p:ext uri="{BB962C8B-B14F-4D97-AF65-F5344CB8AC3E}">
-        <p14:creationId xmlns:p14="http://schemas.microsoft.com/office/powerpoint/2010/main" val="3148267416"/>
-      </p:ext>
-    </p:extLst>
-  </p:cSld>
-  <p:clrMapOvr>
-    <a:masterClrMapping/>
-  </p:clrMapOvr>
-  <p:timing>
-    <p:tnLst>
-      <p:par>
-        <p:cTn id="1" dur="indefinite" restart="never" nodeType="tmRoot"/>
-      </p:par>
-    </p:tnLst>
-  </p:timing>
-</p:sld>
-</file>
-
-<file path=ppt/slides/slide18.xml><?xml version="1.0" encoding="utf-8"?>
+<file path=ppt/slides/slide21.xml><?xml version="1.0" encoding="utf-8"?>
 <p:sld xmlns:a="http://schemas.openxmlformats.org/drawingml/2006/main" xmlns:r="http://schemas.openxmlformats.org/officeDocument/2006/relationships" xmlns:p="http://schemas.openxmlformats.org/presentationml/2006/main">
   <p:cSld>
     <p:spTree>
@@ -9178,6 +10163,18 @@
   <p:clrMapOvr>
     <a:masterClrMapping/>
   </p:clrMapOvr>
+  <mc:AlternateContent xmlns:mc="http://schemas.openxmlformats.org/markup-compatibility/2006">
+    <mc:Choice xmlns:p14="http://schemas.microsoft.com/office/powerpoint/2010/main" Requires="p14">
+      <p:transition spd="med" p14:dur="700">
+        <p:fade/>
+      </p:transition>
+    </mc:Choice>
+    <mc:Fallback>
+      <p:transition spd="med">
+        <p:fade/>
+      </p:transition>
+    </mc:Fallback>
+  </mc:AlternateContent>
   <p:timing>
     <p:tnLst>
       <p:par>
@@ -9188,7 +10185,7 @@
 </p:sld>
 </file>
 
-<file path=ppt/slides/slide19.xml><?xml version="1.0" encoding="utf-8"?>
+<file path=ppt/slides/slide22.xml><?xml version="1.0" encoding="utf-8"?>
 <p:sld xmlns:a="http://schemas.openxmlformats.org/drawingml/2006/main" xmlns:r="http://schemas.openxmlformats.org/officeDocument/2006/relationships" xmlns:p="http://schemas.openxmlformats.org/presentationml/2006/main">
   <p:cSld>
     <p:spTree>
@@ -9250,7 +10247,7 @@
           <a:graphicData uri="http://schemas.openxmlformats.org/presentationml/2006/ole">
             <mc:AlternateContent xmlns:mc="http://schemas.openxmlformats.org/markup-compatibility/2006">
               <mc:Choice xmlns:v="urn:schemas-microsoft-com:vml" Requires="v">
-                <p:oleObj spid="_x0000_s4144" name="Visio" r:id="rId4" imgW="2443795" imgH="2938779" progId="Visio.Drawing.11">
+                <p:oleObj spid="_x0000_s4192" name="Visio" r:id="rId4" imgW="2443795" imgH="2938779" progId="Visio.Drawing.11">
                   <p:embed/>
                 </p:oleObj>
               </mc:Choice>
@@ -9321,7 +10318,7 @@
           <a:graphicData uri="http://schemas.openxmlformats.org/presentationml/2006/ole">
             <mc:AlternateContent xmlns:mc="http://schemas.openxmlformats.org/markup-compatibility/2006">
               <mc:Choice xmlns:v="urn:schemas-microsoft-com:vml" Requires="v">
-                <p:oleObj spid="_x0000_s4145" name="Visio" r:id="rId6" imgW="2965790" imgH="2749680" progId="Visio.Drawing.11">
+                <p:oleObj spid="_x0000_s4193" name="Visio" r:id="rId6" imgW="2965790" imgH="2749680" progId="Visio.Drawing.11">
                   <p:embed/>
                 </p:oleObj>
               </mc:Choice>
@@ -9373,6 +10370,18 @@
   <p:clrMapOvr>
     <a:masterClrMapping/>
   </p:clrMapOvr>
+  <mc:AlternateContent xmlns:mc="http://schemas.openxmlformats.org/markup-compatibility/2006">
+    <mc:Choice xmlns:p14="http://schemas.microsoft.com/office/powerpoint/2010/main" Requires="p14">
+      <p:transition spd="med" p14:dur="700">
+        <p:fade/>
+      </p:transition>
+    </mc:Choice>
+    <mc:Fallback>
+      <p:transition spd="med">
+        <p:fade/>
+      </p:transition>
+    </mc:Fallback>
+  </mc:AlternateContent>
   <p:timing>
     <p:tnLst>
       <p:par>
@@ -9383,7 +10392,7 @@
 </p:sld>
 </file>
 
-<file path=ppt/slides/slide2.xml><?xml version="1.0" encoding="utf-8"?>
+<file path=ppt/slides/slide23.xml><?xml version="1.0" encoding="utf-8"?>
 <p:sld xmlns:a="http://schemas.openxmlformats.org/drawingml/2006/main" xmlns:r="http://schemas.openxmlformats.org/officeDocument/2006/relationships" xmlns:p="http://schemas.openxmlformats.org/presentationml/2006/main">
   <p:cSld>
     <p:spTree>
@@ -9412,161 +10421,6 @@
         </p:nvSpPr>
         <p:spPr/>
         <p:txBody>
-          <a:bodyPr>
-            <a:normAutofit/>
-          </a:bodyPr>
-          <a:lstStyle/>
-          <a:p>
-            <a:r>
-              <a:rPr lang="de-AT" dirty="0" smtClean="0"/>
-              <a:t>Was ist</a:t>
-            </a:r>
-            <a:endParaRPr lang="de-AT" dirty="0"/>
-          </a:p>
-        </p:txBody>
-      </p:sp>
-      <p:sp>
-        <p:nvSpPr>
-          <p:cNvPr id="3" name="Inhaltsplatzhalter 2"/>
-          <p:cNvSpPr>
-            <a:spLocks noGrp="1"/>
-          </p:cNvSpPr>
-          <p:nvPr>
-            <p:ph idx="1"/>
-          </p:nvPr>
-        </p:nvSpPr>
-        <p:spPr/>
-        <p:txBody>
-          <a:bodyPr/>
-          <a:lstStyle/>
-          <a:p>
-            <a:r>
-              <a:rPr lang="de-AT" dirty="0" smtClean="0"/>
-              <a:t>4 Spieler Ping </a:t>
-            </a:r>
-            <a:r>
-              <a:rPr lang="de-AT" dirty="0" err="1" smtClean="0"/>
-              <a:t>Pong</a:t>
-            </a:r>
-            <a:endParaRPr lang="de-AT" dirty="0" smtClean="0"/>
-          </a:p>
-          <a:p>
-            <a:r>
-              <a:rPr lang="de-AT" dirty="0" smtClean="0"/>
-              <a:t>Netzwerk fähig</a:t>
-            </a:r>
-          </a:p>
-          <a:p>
-            <a:r>
-              <a:rPr lang="de-AT" dirty="0" smtClean="0"/>
-              <a:t>Rundenbasierend</a:t>
-            </a:r>
-            <a:endParaRPr lang="de-AT" dirty="0"/>
-          </a:p>
-        </p:txBody>
-      </p:sp>
-      <p:pic>
-        <p:nvPicPr>
-          <p:cNvPr id="4" name="Grafik 3"/>
-          <p:cNvPicPr>
-            <a:picLocks noChangeAspect="1"/>
-          </p:cNvPicPr>
-          <p:nvPr/>
-        </p:nvPicPr>
-        <p:blipFill>
-          <a:blip r:embed="rId3">
-            <a:extLst>
-              <a:ext uri="{28A0092B-C50C-407E-A947-70E740481C1C}">
-                <a14:useLocalDpi xmlns:a14="http://schemas.microsoft.com/office/drawing/2010/main" val="0"/>
-              </a:ext>
-            </a:extLst>
-          </a:blip>
-          <a:stretch>
-            <a:fillRect/>
-          </a:stretch>
-        </p:blipFill>
-        <p:spPr>
-          <a:xfrm>
-            <a:off x="2078067" y="494428"/>
-            <a:ext cx="4366141" cy="712686"/>
-          </a:xfrm>
-          <a:prstGeom prst="rect">
-            <a:avLst/>
-          </a:prstGeom>
-        </p:spPr>
-      </p:pic>
-      <p:sp>
-        <p:nvSpPr>
-          <p:cNvPr id="5" name="Foliennummernplatzhalter 4"/>
-          <p:cNvSpPr>
-            <a:spLocks noGrp="1"/>
-          </p:cNvSpPr>
-          <p:nvPr>
-            <p:ph type="sldNum" sz="quarter" idx="12"/>
-          </p:nvPr>
-        </p:nvSpPr>
-        <p:spPr/>
-        <p:txBody>
-          <a:bodyPr/>
-          <a:lstStyle/>
-          <a:p>
-            <a:fld id="{4FACE48E-4A67-48DB-AD36-251A6BBFC9D3}" type="slidenum">
-              <a:rPr lang="de-AT" smtClean="0"/>
-              <a:t>2</a:t>
-            </a:fld>
-            <a:endParaRPr lang="de-AT"/>
-          </a:p>
-        </p:txBody>
-      </p:sp>
-    </p:spTree>
-    <p:extLst>
-      <p:ext uri="{BB962C8B-B14F-4D97-AF65-F5344CB8AC3E}">
-        <p14:creationId xmlns:p14="http://schemas.microsoft.com/office/powerpoint/2010/main" val="2090385765"/>
-      </p:ext>
-    </p:extLst>
-  </p:cSld>
-  <p:clrMapOvr>
-    <a:masterClrMapping/>
-  </p:clrMapOvr>
-  <p:timing>
-    <p:tnLst>
-      <p:par>
-        <p:cTn id="1" dur="indefinite" restart="never" nodeType="tmRoot"/>
-      </p:par>
-    </p:tnLst>
-  </p:timing>
-</p:sld>
-</file>
-
-<file path=ppt/slides/slide20.xml><?xml version="1.0" encoding="utf-8"?>
-<p:sld xmlns:a="http://schemas.openxmlformats.org/drawingml/2006/main" xmlns:r="http://schemas.openxmlformats.org/officeDocument/2006/relationships" xmlns:p="http://schemas.openxmlformats.org/presentationml/2006/main">
-  <p:cSld>
-    <p:spTree>
-      <p:nvGrpSpPr>
-        <p:cNvPr id="1" name=""/>
-        <p:cNvGrpSpPr/>
-        <p:nvPr/>
-      </p:nvGrpSpPr>
-      <p:grpSpPr>
-        <a:xfrm>
-          <a:off x="0" y="0"/>
-          <a:ext cx="0" cy="0"/>
-          <a:chOff x="0" y="0"/>
-          <a:chExt cx="0" cy="0"/>
-        </a:xfrm>
-      </p:grpSpPr>
-      <p:sp>
-        <p:nvSpPr>
-          <p:cNvPr id="2" name="Titel 1"/>
-          <p:cNvSpPr>
-            <a:spLocks noGrp="1"/>
-          </p:cNvSpPr>
-          <p:nvPr>
-            <p:ph type="title"/>
-          </p:nvPr>
-        </p:nvSpPr>
-        <p:spPr/>
-        <p:txBody>
           <a:bodyPr/>
           <a:lstStyle/>
           <a:p>
@@ -9623,7 +10477,7 @@
           <a:graphicData uri="http://schemas.openxmlformats.org/presentationml/2006/ole">
             <mc:AlternateContent xmlns:mc="http://schemas.openxmlformats.org/markup-compatibility/2006">
               <mc:Choice xmlns:v="urn:schemas-microsoft-com:vml" Requires="v">
-                <p:oleObj spid="_x0000_s5168" name="Visio" r:id="rId4" imgW="3055822" imgH="2749651" progId="Visio.Drawing.11">
+                <p:oleObj spid="_x0000_s5216" name="Visio" r:id="rId4" imgW="3055822" imgH="2749651" progId="Visio.Drawing.11">
                   <p:embed/>
                 </p:oleObj>
               </mc:Choice>
@@ -9693,7 +10547,7 @@
           <a:graphicData uri="http://schemas.openxmlformats.org/presentationml/2006/ole">
             <mc:AlternateContent xmlns:mc="http://schemas.openxmlformats.org/markup-compatibility/2006">
               <mc:Choice xmlns:v="urn:schemas-microsoft-com:vml" Requires="v">
-                <p:oleObj spid="_x0000_s5169" name="Visio" r:id="rId6" imgW="3074164" imgH="2749651" progId="Visio.Drawing.11">
+                <p:oleObj spid="_x0000_s5217" name="Visio" r:id="rId6" imgW="3074164" imgH="2749651" progId="Visio.Drawing.11">
                   <p:embed/>
                 </p:oleObj>
               </mc:Choice>
@@ -9751,6 +10605,18 @@
   <p:clrMapOvr>
     <a:masterClrMapping/>
   </p:clrMapOvr>
+  <mc:AlternateContent xmlns:mc="http://schemas.openxmlformats.org/markup-compatibility/2006">
+    <mc:Choice xmlns:p14="http://schemas.microsoft.com/office/powerpoint/2010/main" Requires="p14">
+      <p:transition spd="med" p14:dur="700">
+        <p:fade/>
+      </p:transition>
+    </mc:Choice>
+    <mc:Fallback>
+      <p:transition spd="med">
+        <p:fade/>
+      </p:transition>
+    </mc:Fallback>
+  </mc:AlternateContent>
   <p:timing>
     <p:tnLst>
       <p:par>
@@ -9761,7 +10627,7 @@
 </p:sld>
 </file>
 
-<file path=ppt/slides/slide21.xml><?xml version="1.0" encoding="utf-8"?>
+<file path=ppt/slides/slide24.xml><?xml version="1.0" encoding="utf-8"?>
 <p:sld xmlns:a="http://schemas.openxmlformats.org/drawingml/2006/main" xmlns:r="http://schemas.openxmlformats.org/officeDocument/2006/relationships" xmlns:p="http://schemas.openxmlformats.org/presentationml/2006/main">
   <p:cSld>
     <p:spTree>
@@ -9842,7 +10708,7 @@
           <a:graphicData uri="http://schemas.openxmlformats.org/presentationml/2006/ole">
             <mc:AlternateContent xmlns:mc="http://schemas.openxmlformats.org/markup-compatibility/2006">
               <mc:Choice xmlns:v="urn:schemas-microsoft-com:vml" Requires="v">
-                <p:oleObj spid="_x0000_s3098" name="Visio" r:id="rId4" imgW="3074164" imgH="2749651" progId="Visio.Drawing.11">
+                <p:oleObj spid="_x0000_s3122" name="Visio" r:id="rId4" imgW="3074164" imgH="2749651" progId="Visio.Drawing.11">
                   <p:embed/>
                 </p:oleObj>
               </mc:Choice>
@@ -9904,17 +10770,21 @@
           <a:prstGeom prst="line">
             <a:avLst/>
           </a:prstGeom>
-          <a:ln/>
+          <a:ln>
+            <a:solidFill>
+              <a:srgbClr val="39FB19"/>
+            </a:solidFill>
+          </a:ln>
         </p:spPr>
         <p:style>
           <a:lnRef idx="3">
-            <a:schemeClr val="dk1"/>
+            <a:schemeClr val="accent3"/>
           </a:lnRef>
           <a:fillRef idx="0">
-            <a:schemeClr val="dk1"/>
+            <a:schemeClr val="accent3"/>
           </a:fillRef>
           <a:effectRef idx="2">
-            <a:schemeClr val="dk1"/>
+            <a:schemeClr val="accent3"/>
           </a:effectRef>
           <a:fontRef idx="minor">
             <a:schemeClr val="tx1"/>
@@ -9935,16 +10805,21 @@
           <a:prstGeom prst="line">
             <a:avLst/>
           </a:prstGeom>
+          <a:ln>
+            <a:solidFill>
+              <a:srgbClr val="39FB19"/>
+            </a:solidFill>
+          </a:ln>
         </p:spPr>
         <p:style>
           <a:lnRef idx="3">
-            <a:schemeClr val="dk1"/>
+            <a:schemeClr val="accent3"/>
           </a:lnRef>
           <a:fillRef idx="0">
-            <a:schemeClr val="dk1"/>
+            <a:schemeClr val="accent3"/>
           </a:fillRef>
           <a:effectRef idx="2">
-            <a:schemeClr val="dk1"/>
+            <a:schemeClr val="accent3"/>
           </a:effectRef>
           <a:fontRef idx="minor">
             <a:schemeClr val="tx1"/>
@@ -9961,6 +10836,18 @@
   <p:clrMapOvr>
     <a:masterClrMapping/>
   </p:clrMapOvr>
+  <mc:AlternateContent xmlns:mc="http://schemas.openxmlformats.org/markup-compatibility/2006">
+    <mc:Choice xmlns:p14="http://schemas.microsoft.com/office/powerpoint/2010/main" Requires="p14">
+      <p:transition spd="med" p14:dur="700">
+        <p:fade/>
+      </p:transition>
+    </mc:Choice>
+    <mc:Fallback>
+      <p:transition spd="med">
+        <p:fade/>
+      </p:transition>
+    </mc:Fallback>
+  </mc:AlternateContent>
   <p:timing>
     <p:tnLst>
       <p:par>
@@ -9971,7 +10858,7 @@
 </p:sld>
 </file>
 
-<file path=ppt/slides/slide22.xml><?xml version="1.0" encoding="utf-8"?>
+<file path=ppt/slides/slide25.xml><?xml version="1.0" encoding="utf-8"?>
 <p:sld xmlns:a="http://schemas.openxmlformats.org/drawingml/2006/main" xmlns:r="http://schemas.openxmlformats.org/officeDocument/2006/relationships" xmlns:p="http://schemas.openxmlformats.org/presentationml/2006/main">
   <p:cSld>
     <p:spTree>
@@ -10052,7 +10939,7 @@
           <a:graphicData uri="http://schemas.openxmlformats.org/presentationml/2006/ole">
             <mc:AlternateContent xmlns:mc="http://schemas.openxmlformats.org/markup-compatibility/2006">
               <mc:Choice xmlns:v="urn:schemas-microsoft-com:vml" Requires="v">
-                <p:oleObj spid="_x0000_s6169" name="Visio" r:id="rId4" imgW="3074164" imgH="2749651" progId="Visio.Drawing.11">
+                <p:oleObj spid="_x0000_s6193" name="Visio" r:id="rId4" imgW="3074164" imgH="2749651" progId="Visio.Drawing.11">
                   <p:embed/>
                 </p:oleObj>
               </mc:Choice>
@@ -10114,7 +11001,11 @@
           <a:prstGeom prst="line">
             <a:avLst/>
           </a:prstGeom>
-          <a:ln/>
+          <a:ln>
+            <a:solidFill>
+              <a:srgbClr val="39FB19"/>
+            </a:solidFill>
+          </a:ln>
         </p:spPr>
         <p:style>
           <a:lnRef idx="3">
@@ -10145,6 +11036,11 @@
           <a:prstGeom prst="line">
             <a:avLst/>
           </a:prstGeom>
+          <a:ln>
+            <a:solidFill>
+              <a:srgbClr val="39FB19"/>
+            </a:solidFill>
+          </a:ln>
         </p:spPr>
         <p:style>
           <a:lnRef idx="3">
@@ -10171,6 +11067,18 @@
   <p:clrMapOvr>
     <a:masterClrMapping/>
   </p:clrMapOvr>
+  <mc:AlternateContent xmlns:mc="http://schemas.openxmlformats.org/markup-compatibility/2006">
+    <mc:Choice xmlns:p14="http://schemas.microsoft.com/office/powerpoint/2010/main" Requires="p14">
+      <p:transition spd="med" p14:dur="700">
+        <p:fade/>
+      </p:transition>
+    </mc:Choice>
+    <mc:Fallback>
+      <p:transition spd="med">
+        <p:fade/>
+      </p:transition>
+    </mc:Fallback>
+  </mc:AlternateContent>
   <p:timing>
     <p:tnLst>
       <p:par>
@@ -10181,7 +11089,7 @@
 </p:sld>
 </file>
 
-<file path=ppt/slides/slide23.xml><?xml version="1.0" encoding="utf-8"?>
+<file path=ppt/slides/slide26.xml><?xml version="1.0" encoding="utf-8"?>
 <p:sld xmlns:a="http://schemas.openxmlformats.org/drawingml/2006/main" xmlns:r="http://schemas.openxmlformats.org/officeDocument/2006/relationships" xmlns:p="http://schemas.openxmlformats.org/presentationml/2006/main">
   <p:cSld>
     <p:spTree>
@@ -10262,7 +11170,7 @@
           <a:graphicData uri="http://schemas.openxmlformats.org/presentationml/2006/ole">
             <mc:AlternateContent xmlns:mc="http://schemas.openxmlformats.org/markup-compatibility/2006">
               <mc:Choice xmlns:v="urn:schemas-microsoft-com:vml" Requires="v">
-                <p:oleObj spid="_x0000_s7193" name="Visio" r:id="rId3" imgW="3074164" imgH="2749651" progId="Visio.Drawing.11">
+                <p:oleObj spid="_x0000_s7217" name="Visio" r:id="rId3" imgW="3074164" imgH="2749651" progId="Visio.Drawing.11">
                   <p:embed/>
                 </p:oleObj>
               </mc:Choice>
@@ -10324,7 +11232,11 @@
           <a:prstGeom prst="line">
             <a:avLst/>
           </a:prstGeom>
-          <a:ln/>
+          <a:ln>
+            <a:solidFill>
+              <a:srgbClr val="39FB19"/>
+            </a:solidFill>
+          </a:ln>
         </p:spPr>
         <p:style>
           <a:lnRef idx="3">
@@ -10355,6 +11267,11 @@
           <a:prstGeom prst="line">
             <a:avLst/>
           </a:prstGeom>
+          <a:ln>
+            <a:solidFill>
+              <a:srgbClr val="39FB19"/>
+            </a:solidFill>
+          </a:ln>
         </p:spPr>
         <p:style>
           <a:lnRef idx="3">
@@ -10386,7 +11303,11 @@
             <a:avLst/>
           </a:prstGeom>
           <a:noFill/>
-          <a:ln w="38100"/>
+          <a:ln w="38100">
+            <a:solidFill>
+              <a:srgbClr val="FFA725"/>
+            </a:solidFill>
+          </a:ln>
         </p:spPr>
         <p:style>
           <a:lnRef idx="2">
@@ -10421,6 +11342,451 @@
   <p:clrMapOvr>
     <a:masterClrMapping/>
   </p:clrMapOvr>
+  <mc:AlternateContent xmlns:mc="http://schemas.openxmlformats.org/markup-compatibility/2006">
+    <mc:Choice xmlns:p14="http://schemas.microsoft.com/office/powerpoint/2010/main" Requires="p14">
+      <p:transition spd="med" p14:dur="700">
+        <p:fade/>
+      </p:transition>
+    </mc:Choice>
+    <mc:Fallback>
+      <p:transition spd="med">
+        <p:fade/>
+      </p:transition>
+    </mc:Fallback>
+  </mc:AlternateContent>
+  <p:timing>
+    <p:tnLst>
+      <p:par>
+        <p:cTn id="1" dur="indefinite" restart="never" nodeType="tmRoot"/>
+      </p:par>
+    </p:tnLst>
+  </p:timing>
+</p:sld>
+</file>
+
+<file path=ppt/slides/slide27.xml><?xml version="1.0" encoding="utf-8"?>
+<p:sld xmlns:a="http://schemas.openxmlformats.org/drawingml/2006/main" xmlns:r="http://schemas.openxmlformats.org/officeDocument/2006/relationships" xmlns:p="http://schemas.openxmlformats.org/presentationml/2006/main">
+  <p:cSld>
+    <p:spTree>
+      <p:nvGrpSpPr>
+        <p:cNvPr id="1" name=""/>
+        <p:cNvGrpSpPr/>
+        <p:nvPr/>
+      </p:nvGrpSpPr>
+      <p:grpSpPr>
+        <a:xfrm>
+          <a:off x="0" y="0"/>
+          <a:ext cx="0" cy="0"/>
+          <a:chOff x="0" y="0"/>
+          <a:chExt cx="0" cy="0"/>
+        </a:xfrm>
+      </p:grpSpPr>
+      <p:sp>
+        <p:nvSpPr>
+          <p:cNvPr id="2" name="Titel 1"/>
+          <p:cNvSpPr>
+            <a:spLocks noGrp="1"/>
+          </p:cNvSpPr>
+          <p:nvPr>
+            <p:ph type="title"/>
+          </p:nvPr>
+        </p:nvSpPr>
+        <p:spPr/>
+        <p:txBody>
+          <a:bodyPr/>
+          <a:lstStyle/>
+          <a:p>
+            <a:r>
+              <a:rPr lang="de-DE" dirty="0" smtClean="0"/>
+              <a:t>Rundensystem</a:t>
+            </a:r>
+            <a:endParaRPr lang="de-DE" dirty="0"/>
+          </a:p>
+        </p:txBody>
+      </p:sp>
+      <p:pic>
+        <p:nvPicPr>
+          <p:cNvPr id="4" name="Inhaltsplatzhalter 3"/>
+          <p:cNvPicPr>
+            <a:picLocks noGrp="1" noChangeAspect="1"/>
+          </p:cNvPicPr>
+          <p:nvPr>
+            <p:ph idx="1"/>
+          </p:nvPr>
+        </p:nvPicPr>
+        <p:blipFill>
+          <a:blip r:embed="rId3">
+            <a:extLst>
+              <a:ext uri="{28A0092B-C50C-407E-A947-70E740481C1C}">
+                <a14:useLocalDpi xmlns:a14="http://schemas.microsoft.com/office/drawing/2010/main" val="0"/>
+              </a:ext>
+            </a:extLst>
+          </a:blip>
+          <a:stretch>
+            <a:fillRect/>
+          </a:stretch>
+        </p:blipFill>
+        <p:spPr>
+          <a:xfrm>
+            <a:off x="457200" y="2629632"/>
+            <a:ext cx="8229600" cy="2467098"/>
+          </a:xfrm>
+        </p:spPr>
+      </p:pic>
+      <p:sp>
+        <p:nvSpPr>
+          <p:cNvPr id="5" name="Foliennummernplatzhalter 4"/>
+          <p:cNvSpPr>
+            <a:spLocks noGrp="1"/>
+          </p:cNvSpPr>
+          <p:nvPr>
+            <p:ph type="sldNum" sz="quarter" idx="12"/>
+          </p:nvPr>
+        </p:nvSpPr>
+        <p:spPr/>
+        <p:txBody>
+          <a:bodyPr/>
+          <a:lstStyle/>
+          <a:p>
+            <a:fld id="{4FACE48E-4A67-48DB-AD36-251A6BBFC9D3}" type="slidenum">
+              <a:rPr lang="de-AT" smtClean="0"/>
+              <a:t>27</a:t>
+            </a:fld>
+            <a:endParaRPr lang="de-AT"/>
+          </a:p>
+        </p:txBody>
+      </p:sp>
+    </p:spTree>
+    <p:extLst>
+      <p:ext uri="{BB962C8B-B14F-4D97-AF65-F5344CB8AC3E}">
+        <p14:creationId xmlns:p14="http://schemas.microsoft.com/office/powerpoint/2010/main" val="1552669008"/>
+      </p:ext>
+    </p:extLst>
+  </p:cSld>
+  <p:clrMapOvr>
+    <a:masterClrMapping/>
+  </p:clrMapOvr>
+  <mc:AlternateContent xmlns:mc="http://schemas.openxmlformats.org/markup-compatibility/2006">
+    <mc:Choice xmlns:p14="http://schemas.microsoft.com/office/powerpoint/2010/main" Requires="p14">
+      <p:transition spd="med" p14:dur="700">
+        <p:fade/>
+      </p:transition>
+    </mc:Choice>
+    <mc:Fallback>
+      <p:transition spd="med">
+        <p:fade/>
+      </p:transition>
+    </mc:Fallback>
+  </mc:AlternateContent>
+  <p:timing>
+    <p:tnLst>
+      <p:par>
+        <p:cTn id="1" dur="indefinite" restart="never" nodeType="tmRoot"/>
+      </p:par>
+    </p:tnLst>
+  </p:timing>
+</p:sld>
+</file>
+
+<file path=ppt/slides/slide28.xml><?xml version="1.0" encoding="utf-8"?>
+<p:sld xmlns:a="http://schemas.openxmlformats.org/drawingml/2006/main" xmlns:r="http://schemas.openxmlformats.org/officeDocument/2006/relationships" xmlns:p="http://schemas.openxmlformats.org/presentationml/2006/main">
+  <p:cSld>
+    <p:spTree>
+      <p:nvGrpSpPr>
+        <p:cNvPr id="1" name=""/>
+        <p:cNvGrpSpPr/>
+        <p:nvPr/>
+      </p:nvGrpSpPr>
+      <p:grpSpPr>
+        <a:xfrm>
+          <a:off x="0" y="0"/>
+          <a:ext cx="0" cy="0"/>
+          <a:chOff x="0" y="0"/>
+          <a:chExt cx="0" cy="0"/>
+        </a:xfrm>
+      </p:grpSpPr>
+      <p:sp>
+        <p:nvSpPr>
+          <p:cNvPr id="2" name="Titel 1"/>
+          <p:cNvSpPr>
+            <a:spLocks noGrp="1"/>
+          </p:cNvSpPr>
+          <p:nvPr>
+            <p:ph type="title"/>
+          </p:nvPr>
+        </p:nvSpPr>
+        <p:spPr/>
+        <p:txBody>
+          <a:bodyPr/>
+          <a:lstStyle/>
+          <a:p>
+            <a:r>
+              <a:rPr lang="de-DE" dirty="0" err="1" smtClean="0"/>
+              <a:t>OnePlayerSurvivingRule</a:t>
+            </a:r>
+            <a:endParaRPr lang="de-DE" dirty="0"/>
+          </a:p>
+        </p:txBody>
+      </p:sp>
+      <p:sp>
+        <p:nvSpPr>
+          <p:cNvPr id="3" name="Inhaltsplatzhalter 2"/>
+          <p:cNvSpPr>
+            <a:spLocks noGrp="1"/>
+          </p:cNvSpPr>
+          <p:nvPr>
+            <p:ph idx="1"/>
+          </p:nvPr>
+        </p:nvSpPr>
+        <p:spPr/>
+        <p:txBody>
+          <a:bodyPr>
+            <a:normAutofit fontScale="92500" lnSpcReduction="20000"/>
+          </a:bodyPr>
+          <a:lstStyle/>
+          <a:p>
+            <a:r>
+              <a:rPr lang="de-DE" dirty="0" err="1" smtClean="0"/>
+              <a:t>canStartRound</a:t>
+            </a:r>
+            <a:endParaRPr lang="de-DE" dirty="0" smtClean="0"/>
+          </a:p>
+          <a:p>
+            <a:pPr lvl="1"/>
+            <a:r>
+              <a:rPr lang="de-DE" dirty="0" smtClean="0"/>
+              <a:t>Sind mehr als </a:t>
+            </a:r>
+            <a:r>
+              <a:rPr lang="de-DE" dirty="0"/>
+              <a:t>1</a:t>
+            </a:r>
+            <a:r>
+              <a:rPr lang="de-DE" dirty="0" smtClean="0"/>
+              <a:t> Spieler auf dem Server?</a:t>
+            </a:r>
+          </a:p>
+          <a:p>
+            <a:r>
+              <a:rPr lang="de-DE" dirty="0" err="1" smtClean="0"/>
+              <a:t>startRound</a:t>
+            </a:r>
+            <a:endParaRPr lang="de-DE" dirty="0" smtClean="0"/>
+          </a:p>
+          <a:p>
+            <a:pPr lvl="1"/>
+            <a:r>
+              <a:rPr lang="de-DE" dirty="0" smtClean="0"/>
+              <a:t>Setzte bei allen Spielern die Leben auf 100%</a:t>
+            </a:r>
+          </a:p>
+          <a:p>
+            <a:pPr lvl="1"/>
+            <a:r>
+              <a:rPr lang="de-DE" dirty="0" smtClean="0"/>
+              <a:t>Setzte einen Ball auf das Spielfeld</a:t>
+            </a:r>
+          </a:p>
+          <a:p>
+            <a:r>
+              <a:rPr lang="de-DE" dirty="0" err="1" smtClean="0"/>
+              <a:t>isRoundFinished</a:t>
+            </a:r>
+            <a:endParaRPr lang="de-DE" dirty="0" smtClean="0"/>
+          </a:p>
+          <a:p>
+            <a:pPr lvl="1"/>
+            <a:r>
+              <a:rPr lang="de-DE" dirty="0" smtClean="0"/>
+              <a:t>Ist nur noch 1 lebender Spieler auf dem Spielfeld</a:t>
+            </a:r>
+          </a:p>
+          <a:p>
+            <a:r>
+              <a:rPr lang="de-DE" dirty="0" err="1" smtClean="0"/>
+              <a:t>finishRound</a:t>
+            </a:r>
+            <a:endParaRPr lang="de-DE" dirty="0" smtClean="0"/>
+          </a:p>
+          <a:p>
+            <a:pPr lvl="1"/>
+            <a:r>
+              <a:rPr lang="de-DE" dirty="0" smtClean="0"/>
+              <a:t>Entferne alle Bälle aus dem Spielfeld</a:t>
+            </a:r>
+          </a:p>
+          <a:p>
+            <a:pPr lvl="1"/>
+            <a:r>
+              <a:rPr lang="de-DE" dirty="0" smtClean="0"/>
+              <a:t>Überlebender Spieler bekommt einen Punkt</a:t>
+            </a:r>
+          </a:p>
+        </p:txBody>
+      </p:sp>
+      <p:sp>
+        <p:nvSpPr>
+          <p:cNvPr id="4" name="Foliennummernplatzhalter 3"/>
+          <p:cNvSpPr>
+            <a:spLocks noGrp="1"/>
+          </p:cNvSpPr>
+          <p:nvPr>
+            <p:ph type="sldNum" sz="quarter" idx="12"/>
+          </p:nvPr>
+        </p:nvSpPr>
+        <p:spPr/>
+        <p:txBody>
+          <a:bodyPr/>
+          <a:lstStyle/>
+          <a:p>
+            <a:fld id="{4FACE48E-4A67-48DB-AD36-251A6BBFC9D3}" type="slidenum">
+              <a:rPr lang="de-AT" smtClean="0"/>
+              <a:t>28</a:t>
+            </a:fld>
+            <a:endParaRPr lang="de-AT"/>
+          </a:p>
+        </p:txBody>
+      </p:sp>
+    </p:spTree>
+    <p:extLst>
+      <p:ext uri="{BB962C8B-B14F-4D97-AF65-F5344CB8AC3E}">
+        <p14:creationId xmlns:p14="http://schemas.microsoft.com/office/powerpoint/2010/main" val="3148267416"/>
+      </p:ext>
+    </p:extLst>
+  </p:cSld>
+  <p:clrMapOvr>
+    <a:masterClrMapping/>
+  </p:clrMapOvr>
+  <mc:AlternateContent xmlns:mc="http://schemas.openxmlformats.org/markup-compatibility/2006">
+    <mc:Choice xmlns:p14="http://schemas.microsoft.com/office/powerpoint/2010/main" Requires="p14">
+      <p:transition spd="med" p14:dur="700">
+        <p:fade/>
+      </p:transition>
+    </mc:Choice>
+    <mc:Fallback>
+      <p:transition spd="med">
+        <p:fade/>
+      </p:transition>
+    </mc:Fallback>
+  </mc:AlternateContent>
+  <p:timing>
+    <p:tnLst>
+      <p:par>
+        <p:cTn id="1" dur="indefinite" restart="never" nodeType="tmRoot"/>
+      </p:par>
+    </p:tnLst>
+  </p:timing>
+</p:sld>
+</file>
+
+<file path=ppt/slides/slide29.xml><?xml version="1.0" encoding="utf-8"?>
+<p:sld xmlns:a="http://schemas.openxmlformats.org/drawingml/2006/main" xmlns:r="http://schemas.openxmlformats.org/officeDocument/2006/relationships" xmlns:p="http://schemas.openxmlformats.org/presentationml/2006/main">
+  <p:cSld>
+    <p:spTree>
+      <p:nvGrpSpPr>
+        <p:cNvPr id="1" name=""/>
+        <p:cNvGrpSpPr/>
+        <p:nvPr/>
+      </p:nvGrpSpPr>
+      <p:grpSpPr>
+        <a:xfrm>
+          <a:off x="0" y="0"/>
+          <a:ext cx="0" cy="0"/>
+          <a:chOff x="0" y="0"/>
+          <a:chExt cx="0" cy="0"/>
+        </a:xfrm>
+      </p:grpSpPr>
+      <p:sp>
+        <p:nvSpPr>
+          <p:cNvPr id="5" name="Titel 4"/>
+          <p:cNvSpPr>
+            <a:spLocks noGrp="1"/>
+          </p:cNvSpPr>
+          <p:nvPr>
+            <p:ph type="ctrTitle"/>
+          </p:nvPr>
+        </p:nvSpPr>
+        <p:spPr/>
+        <p:txBody>
+          <a:bodyPr/>
+          <a:lstStyle/>
+          <a:p>
+            <a:r>
+              <a:rPr lang="de-AT" dirty="0" smtClean="0"/>
+              <a:t>Programmpräsentation</a:t>
+            </a:r>
+            <a:endParaRPr lang="de-AT" dirty="0"/>
+          </a:p>
+        </p:txBody>
+      </p:sp>
+      <p:sp>
+        <p:nvSpPr>
+          <p:cNvPr id="6" name="Untertitel 5"/>
+          <p:cNvSpPr>
+            <a:spLocks noGrp="1"/>
+          </p:cNvSpPr>
+          <p:nvPr>
+            <p:ph type="subTitle" idx="1"/>
+          </p:nvPr>
+        </p:nvSpPr>
+        <p:spPr/>
+        <p:txBody>
+          <a:bodyPr/>
+          <a:lstStyle/>
+          <a:p>
+            <a:r>
+              <a:rPr lang="de-AT" dirty="0" smtClean="0"/>
+              <a:t>Live und in Farbe</a:t>
+            </a:r>
+            <a:endParaRPr lang="de-AT" dirty="0"/>
+          </a:p>
+        </p:txBody>
+      </p:sp>
+      <p:sp>
+        <p:nvSpPr>
+          <p:cNvPr id="4" name="Foliennummernplatzhalter 3"/>
+          <p:cNvSpPr>
+            <a:spLocks noGrp="1"/>
+          </p:cNvSpPr>
+          <p:nvPr>
+            <p:ph type="sldNum" sz="quarter" idx="12"/>
+          </p:nvPr>
+        </p:nvSpPr>
+        <p:spPr/>
+        <p:txBody>
+          <a:bodyPr/>
+          <a:lstStyle/>
+          <a:p>
+            <a:fld id="{4FACE48E-4A67-48DB-AD36-251A6BBFC9D3}" type="slidenum">
+              <a:rPr lang="de-AT" smtClean="0"/>
+              <a:t>29</a:t>
+            </a:fld>
+            <a:endParaRPr lang="de-AT"/>
+          </a:p>
+        </p:txBody>
+      </p:sp>
+    </p:spTree>
+    <p:extLst>
+      <p:ext uri="{BB962C8B-B14F-4D97-AF65-F5344CB8AC3E}">
+        <p14:creationId xmlns:p14="http://schemas.microsoft.com/office/powerpoint/2010/main" val="536321926"/>
+      </p:ext>
+    </p:extLst>
+  </p:cSld>
+  <p:clrMapOvr>
+    <a:masterClrMapping/>
+  </p:clrMapOvr>
+  <mc:AlternateContent xmlns:mc="http://schemas.openxmlformats.org/markup-compatibility/2006">
+    <mc:Choice xmlns:p14="http://schemas.microsoft.com/office/powerpoint/2010/main" Requires="p14">
+      <p:transition spd="med" p14:dur="700">
+        <p:fade/>
+      </p:transition>
+    </mc:Choice>
+    <mc:Fallback>
+      <p:transition spd="med">
+        <p:fade/>
+      </p:transition>
+    </mc:Fallback>
+  </mc:AlternateContent>
   <p:timing>
     <p:tnLst>
       <p:par>
@@ -10432,6 +11798,367 @@
 </file>
 
 <file path=ppt/slides/slide3.xml><?xml version="1.0" encoding="utf-8"?>
+<p:sld xmlns:a="http://schemas.openxmlformats.org/drawingml/2006/main" xmlns:r="http://schemas.openxmlformats.org/officeDocument/2006/relationships" xmlns:p="http://schemas.openxmlformats.org/presentationml/2006/main">
+  <p:cSld>
+    <p:spTree>
+      <p:nvGrpSpPr>
+        <p:cNvPr id="1" name=""/>
+        <p:cNvGrpSpPr/>
+        <p:nvPr/>
+      </p:nvGrpSpPr>
+      <p:grpSpPr>
+        <a:xfrm>
+          <a:off x="0" y="0"/>
+          <a:ext cx="0" cy="0"/>
+          <a:chOff x="0" y="0"/>
+          <a:chExt cx="0" cy="0"/>
+        </a:xfrm>
+      </p:grpSpPr>
+      <p:sp>
+        <p:nvSpPr>
+          <p:cNvPr id="2" name="Titel 1"/>
+          <p:cNvSpPr>
+            <a:spLocks noGrp="1"/>
+          </p:cNvSpPr>
+          <p:nvPr>
+            <p:ph type="title"/>
+          </p:nvPr>
+        </p:nvSpPr>
+        <p:spPr/>
+        <p:txBody>
+          <a:bodyPr>
+            <a:normAutofit/>
+          </a:bodyPr>
+          <a:lstStyle/>
+          <a:p>
+            <a:r>
+              <a:rPr lang="de-AT" dirty="0" smtClean="0"/>
+              <a:t>Was ist</a:t>
+            </a:r>
+            <a:endParaRPr lang="de-AT" dirty="0"/>
+          </a:p>
+        </p:txBody>
+      </p:sp>
+      <p:sp>
+        <p:nvSpPr>
+          <p:cNvPr id="3" name="Inhaltsplatzhalter 2"/>
+          <p:cNvSpPr>
+            <a:spLocks noGrp="1"/>
+          </p:cNvSpPr>
+          <p:nvPr>
+            <p:ph idx="1"/>
+          </p:nvPr>
+        </p:nvSpPr>
+        <p:spPr/>
+        <p:txBody>
+          <a:bodyPr/>
+          <a:lstStyle/>
+          <a:p>
+            <a:r>
+              <a:rPr lang="de-AT" b="1" dirty="0" err="1" smtClean="0"/>
+              <a:t>Ku</a:t>
+            </a:r>
+            <a:r>
+              <a:rPr lang="de-AT" dirty="0" err="1" smtClean="0"/>
+              <a:t>schny</a:t>
+            </a:r>
+            <a:r>
+              <a:rPr lang="de-AT" dirty="0"/>
+              <a:t> </a:t>
+            </a:r>
+            <a:r>
+              <a:rPr lang="de-AT" b="1" dirty="0" err="1" smtClean="0"/>
+              <a:t>Ba</a:t>
+            </a:r>
+            <a:r>
+              <a:rPr lang="de-AT" dirty="0" err="1" smtClean="0"/>
+              <a:t>lter</a:t>
+            </a:r>
+            <a:r>
+              <a:rPr lang="de-AT" dirty="0" smtClean="0"/>
+              <a:t> </a:t>
+            </a:r>
+            <a:r>
+              <a:rPr lang="de-AT" b="1" dirty="0" err="1" smtClean="0"/>
+              <a:t>Tsch</a:t>
+            </a:r>
+            <a:r>
+              <a:rPr lang="de-AT" dirty="0" err="1" smtClean="0"/>
+              <a:t>oll</a:t>
+            </a:r>
+            <a:endParaRPr lang="de-AT" dirty="0" smtClean="0"/>
+          </a:p>
+          <a:p>
+            <a:r>
+              <a:rPr lang="de-AT" dirty="0" smtClean="0"/>
+              <a:t>4 </a:t>
+            </a:r>
+            <a:r>
+              <a:rPr lang="de-AT" dirty="0" smtClean="0"/>
+              <a:t>Spieler Ping </a:t>
+            </a:r>
+            <a:r>
+              <a:rPr lang="de-AT" dirty="0" err="1" smtClean="0"/>
+              <a:t>Pong</a:t>
+            </a:r>
+            <a:endParaRPr lang="de-AT" dirty="0" smtClean="0"/>
+          </a:p>
+          <a:p>
+            <a:r>
+              <a:rPr lang="de-AT" dirty="0" smtClean="0"/>
+              <a:t>Netzwerk fähig</a:t>
+            </a:r>
+          </a:p>
+          <a:p>
+            <a:r>
+              <a:rPr lang="de-AT" dirty="0" smtClean="0"/>
+              <a:t>Rundenbasierend</a:t>
+            </a:r>
+            <a:endParaRPr lang="de-AT" dirty="0"/>
+          </a:p>
+        </p:txBody>
+      </p:sp>
+      <p:pic>
+        <p:nvPicPr>
+          <p:cNvPr id="4" name="Grafik 3"/>
+          <p:cNvPicPr>
+            <a:picLocks noChangeAspect="1"/>
+          </p:cNvPicPr>
+          <p:nvPr/>
+        </p:nvPicPr>
+        <p:blipFill>
+          <a:blip r:embed="rId3">
+            <a:extLst>
+              <a:ext uri="{28A0092B-C50C-407E-A947-70E740481C1C}">
+                <a14:useLocalDpi xmlns:a14="http://schemas.microsoft.com/office/drawing/2010/main" val="0"/>
+              </a:ext>
+            </a:extLst>
+          </a:blip>
+          <a:stretch>
+            <a:fillRect/>
+          </a:stretch>
+        </p:blipFill>
+        <p:spPr>
+          <a:xfrm>
+            <a:off x="2078067" y="494428"/>
+            <a:ext cx="4366141" cy="712686"/>
+          </a:xfrm>
+          <a:prstGeom prst="rect">
+            <a:avLst/>
+          </a:prstGeom>
+        </p:spPr>
+      </p:pic>
+      <p:sp>
+        <p:nvSpPr>
+          <p:cNvPr id="5" name="Foliennummernplatzhalter 4"/>
+          <p:cNvSpPr>
+            <a:spLocks noGrp="1"/>
+          </p:cNvSpPr>
+          <p:nvPr>
+            <p:ph type="sldNum" sz="quarter" idx="12"/>
+          </p:nvPr>
+        </p:nvSpPr>
+        <p:spPr/>
+        <p:txBody>
+          <a:bodyPr/>
+          <a:lstStyle/>
+          <a:p>
+            <a:fld id="{4FACE48E-4A67-48DB-AD36-251A6BBFC9D3}" type="slidenum">
+              <a:rPr lang="de-AT" smtClean="0"/>
+              <a:t>3</a:t>
+            </a:fld>
+            <a:endParaRPr lang="de-AT"/>
+          </a:p>
+        </p:txBody>
+      </p:sp>
+      <p:pic>
+        <p:nvPicPr>
+          <p:cNvPr id="11266" name="Picture 2" descr="C:\Users\Manuel\Pictures\TFRAC8A.tmp.jpg"/>
+          <p:cNvPicPr>
+            <a:picLocks noChangeAspect="1" noChangeArrowheads="1"/>
+          </p:cNvPicPr>
+          <p:nvPr/>
+        </p:nvPicPr>
+        <p:blipFill>
+          <a:blip r:embed="rId4" cstate="print">
+            <a:extLst>
+              <a:ext uri="{28A0092B-C50C-407E-A947-70E740481C1C}">
+                <a14:useLocalDpi xmlns:a14="http://schemas.microsoft.com/office/drawing/2010/main" val="0"/>
+              </a:ext>
+            </a:extLst>
+          </a:blip>
+          <a:srcRect/>
+          <a:stretch>
+            <a:fillRect/>
+          </a:stretch>
+        </p:blipFill>
+        <p:spPr bwMode="auto">
+          <a:xfrm>
+            <a:off x="5004048" y="2420888"/>
+            <a:ext cx="3294453" cy="3384376"/>
+          </a:xfrm>
+          <a:prstGeom prst="rect">
+            <a:avLst/>
+          </a:prstGeom>
+          <a:noFill/>
+          <a:extLst>
+            <a:ext uri="{909E8E84-426E-40DD-AFC4-6F175D3DCCD1}">
+              <a14:hiddenFill xmlns:a14="http://schemas.microsoft.com/office/drawing/2010/main">
+                <a:solidFill>
+                  <a:srgbClr val="FFFFFF"/>
+                </a:solidFill>
+              </a14:hiddenFill>
+            </a:ext>
+          </a:extLst>
+        </p:spPr>
+      </p:pic>
+    </p:spTree>
+    <p:extLst>
+      <p:ext uri="{BB962C8B-B14F-4D97-AF65-F5344CB8AC3E}">
+        <p14:creationId xmlns:p14="http://schemas.microsoft.com/office/powerpoint/2010/main" val="2090385765"/>
+      </p:ext>
+    </p:extLst>
+  </p:cSld>
+  <p:clrMapOvr>
+    <a:masterClrMapping/>
+  </p:clrMapOvr>
+  <mc:AlternateContent xmlns:mc="http://schemas.openxmlformats.org/markup-compatibility/2006">
+    <mc:Choice xmlns:p14="http://schemas.microsoft.com/office/powerpoint/2010/main" Requires="p14">
+      <p:transition spd="med" p14:dur="700">
+        <p:fade/>
+      </p:transition>
+    </mc:Choice>
+    <mc:Fallback>
+      <p:transition spd="med">
+        <p:fade/>
+      </p:transition>
+    </mc:Fallback>
+  </mc:AlternateContent>
+  <p:timing>
+    <p:tnLst>
+      <p:par>
+        <p:cTn id="1" dur="indefinite" restart="never" nodeType="tmRoot"/>
+      </p:par>
+    </p:tnLst>
+  </p:timing>
+</p:sld>
+</file>
+
+<file path=ppt/slides/slide30.xml><?xml version="1.0" encoding="utf-8"?>
+<p:sld xmlns:a="http://schemas.openxmlformats.org/drawingml/2006/main" xmlns:r="http://schemas.openxmlformats.org/officeDocument/2006/relationships" xmlns:p="http://schemas.openxmlformats.org/presentationml/2006/main">
+  <p:cSld>
+    <p:spTree>
+      <p:nvGrpSpPr>
+        <p:cNvPr id="1" name=""/>
+        <p:cNvGrpSpPr/>
+        <p:nvPr/>
+      </p:nvGrpSpPr>
+      <p:grpSpPr>
+        <a:xfrm>
+          <a:off x="0" y="0"/>
+          <a:ext cx="0" cy="0"/>
+          <a:chOff x="0" y="0"/>
+          <a:chExt cx="0" cy="0"/>
+        </a:xfrm>
+      </p:grpSpPr>
+      <p:sp>
+        <p:nvSpPr>
+          <p:cNvPr id="5" name="Titel 4"/>
+          <p:cNvSpPr>
+            <a:spLocks noGrp="1"/>
+          </p:cNvSpPr>
+          <p:nvPr>
+            <p:ph type="ctrTitle"/>
+          </p:nvPr>
+        </p:nvSpPr>
+        <p:spPr/>
+        <p:txBody>
+          <a:bodyPr/>
+          <a:lstStyle/>
+          <a:p>
+            <a:r>
+              <a:rPr lang="de-AT" dirty="0" smtClean="0"/>
+              <a:t>Fragerunde</a:t>
+            </a:r>
+            <a:endParaRPr lang="de-AT" dirty="0"/>
+          </a:p>
+        </p:txBody>
+      </p:sp>
+      <p:sp>
+        <p:nvSpPr>
+          <p:cNvPr id="6" name="Untertitel 5"/>
+          <p:cNvSpPr>
+            <a:spLocks noGrp="1"/>
+          </p:cNvSpPr>
+          <p:nvPr>
+            <p:ph type="subTitle" idx="1"/>
+          </p:nvPr>
+        </p:nvSpPr>
+        <p:spPr/>
+        <p:txBody>
+          <a:bodyPr/>
+          <a:lstStyle/>
+          <a:p>
+            <a:endParaRPr lang="de-AT" dirty="0"/>
+          </a:p>
+        </p:txBody>
+      </p:sp>
+      <p:sp>
+        <p:nvSpPr>
+          <p:cNvPr id="4" name="Foliennummernplatzhalter 3"/>
+          <p:cNvSpPr>
+            <a:spLocks noGrp="1"/>
+          </p:cNvSpPr>
+          <p:nvPr>
+            <p:ph type="sldNum" sz="quarter" idx="12"/>
+          </p:nvPr>
+        </p:nvSpPr>
+        <p:spPr/>
+        <p:txBody>
+          <a:bodyPr/>
+          <a:lstStyle/>
+          <a:p>
+            <a:fld id="{4FACE48E-4A67-48DB-AD36-251A6BBFC9D3}" type="slidenum">
+              <a:rPr lang="de-AT" smtClean="0"/>
+              <a:t>30</a:t>
+            </a:fld>
+            <a:endParaRPr lang="de-AT"/>
+          </a:p>
+        </p:txBody>
+      </p:sp>
+    </p:spTree>
+    <p:extLst>
+      <p:ext uri="{BB962C8B-B14F-4D97-AF65-F5344CB8AC3E}">
+        <p14:creationId xmlns:p14="http://schemas.microsoft.com/office/powerpoint/2010/main" val="2897626468"/>
+      </p:ext>
+    </p:extLst>
+  </p:cSld>
+  <p:clrMapOvr>
+    <a:masterClrMapping/>
+  </p:clrMapOvr>
+  <mc:AlternateContent xmlns:mc="http://schemas.openxmlformats.org/markup-compatibility/2006">
+    <mc:Choice xmlns:p14="http://schemas.microsoft.com/office/powerpoint/2010/main" Requires="p14">
+      <p:transition spd="med" p14:dur="700">
+        <p:fade/>
+      </p:transition>
+    </mc:Choice>
+    <mc:Fallback>
+      <p:transition spd="med">
+        <p:fade/>
+      </p:transition>
+    </mc:Fallback>
+  </mc:AlternateContent>
+  <p:timing>
+    <p:tnLst>
+      <p:par>
+        <p:cTn id="1" dur="indefinite" restart="never" nodeType="tmRoot"/>
+      </p:par>
+    </p:tnLst>
+  </p:timing>
+</p:sld>
+</file>
+
+<file path=ppt/slides/slide4.xml><?xml version="1.0" encoding="utf-8"?>
 <p:sld xmlns:a="http://schemas.openxmlformats.org/drawingml/2006/main" xmlns:r="http://schemas.openxmlformats.org/officeDocument/2006/relationships" xmlns:p="http://schemas.openxmlformats.org/presentationml/2006/main">
   <p:cSld>
     <p:spTree>
@@ -10572,7 +12299,7 @@
           <a:p>
             <a:fld id="{4FACE48E-4A67-48DB-AD36-251A6BBFC9D3}" type="slidenum">
               <a:rPr lang="de-AT" smtClean="0"/>
-              <a:t>3</a:t>
+              <a:t>4</a:t>
             </a:fld>
             <a:endParaRPr lang="de-AT"/>
           </a:p>
@@ -10588,6 +12315,18 @@
   <p:clrMapOvr>
     <a:masterClrMapping/>
   </p:clrMapOvr>
+  <mc:AlternateContent xmlns:mc="http://schemas.openxmlformats.org/markup-compatibility/2006">
+    <mc:Choice xmlns:p14="http://schemas.microsoft.com/office/powerpoint/2010/main" Requires="p14">
+      <p:transition spd="med" p14:dur="700">
+        <p:fade/>
+      </p:transition>
+    </mc:Choice>
+    <mc:Fallback>
+      <p:transition spd="med">
+        <p:fade/>
+      </p:transition>
+    </mc:Fallback>
+  </mc:AlternateContent>
   <p:timing>
     <p:tnLst>
       <p:par>
@@ -10598,7 +12337,7 @@
 </p:sld>
 </file>
 
-<file path=ppt/slides/slide4.xml><?xml version="1.0" encoding="utf-8"?>
+<file path=ppt/slides/slide5.xml><?xml version="1.0" encoding="utf-8"?>
 <p:sld xmlns:a="http://schemas.openxmlformats.org/drawingml/2006/main" xmlns:r="http://schemas.openxmlformats.org/officeDocument/2006/relationships" xmlns:p="http://schemas.openxmlformats.org/presentationml/2006/main">
   <p:cSld>
     <p:spTree>
@@ -10723,7 +12462,7 @@
           <a:graphicData uri="http://schemas.openxmlformats.org/presentationml/2006/ole">
             <mc:AlternateContent xmlns:mc="http://schemas.openxmlformats.org/markup-compatibility/2006">
               <mc:Choice xmlns:v="urn:schemas-microsoft-com:vml" Requires="v">
-                <p:oleObj spid="_x0000_s2089" name="Visio" r:id="rId4" imgW="7181201" imgH="4073482" progId="Visio.Drawing.11">
+                <p:oleObj spid="_x0000_s2113" name="Visio" r:id="rId4" imgW="7181201" imgH="4073482" progId="Visio.Drawing.11">
                   <p:embed/>
                 </p:oleObj>
               </mc:Choice>
@@ -10779,7 +12518,7 @@
           <a:p>
             <a:fld id="{4FACE48E-4A67-48DB-AD36-251A6BBFC9D3}" type="slidenum">
               <a:rPr lang="de-AT" smtClean="0"/>
-              <a:t>4</a:t>
+              <a:t>5</a:t>
             </a:fld>
             <a:endParaRPr lang="de-AT"/>
           </a:p>
@@ -10795,114 +12534,18 @@
   <p:clrMapOvr>
     <a:masterClrMapping/>
   </p:clrMapOvr>
-  <p:timing>
-    <p:tnLst>
-      <p:par>
-        <p:cTn id="1" dur="indefinite" restart="never" nodeType="tmRoot"/>
-      </p:par>
-    </p:tnLst>
-  </p:timing>
-</p:sld>
-</file>
-
-<file path=ppt/slides/slide5.xml><?xml version="1.0" encoding="utf-8"?>
-<p:sld xmlns:a="http://schemas.openxmlformats.org/drawingml/2006/main" xmlns:r="http://schemas.openxmlformats.org/officeDocument/2006/relationships" xmlns:p="http://schemas.openxmlformats.org/presentationml/2006/main">
-  <p:cSld>
-    <p:spTree>
-      <p:nvGrpSpPr>
-        <p:cNvPr id="1" name=""/>
-        <p:cNvGrpSpPr/>
-        <p:nvPr/>
-      </p:nvGrpSpPr>
-      <p:grpSpPr>
-        <a:xfrm>
-          <a:off x="0" y="0"/>
-          <a:ext cx="0" cy="0"/>
-          <a:chOff x="0" y="0"/>
-          <a:chExt cx="0" cy="0"/>
-        </a:xfrm>
-      </p:grpSpPr>
-      <p:sp>
-        <p:nvSpPr>
-          <p:cNvPr id="2" name="Titel 1"/>
-          <p:cNvSpPr>
-            <a:spLocks noGrp="1"/>
-          </p:cNvSpPr>
-          <p:nvPr>
-            <p:ph type="title"/>
-          </p:nvPr>
-        </p:nvSpPr>
-        <p:spPr/>
-        <p:txBody>
-          <a:bodyPr>
-            <a:normAutofit/>
-          </a:bodyPr>
-          <a:lstStyle/>
-          <a:p>
-            <a:r>
-              <a:rPr lang="de-DE" dirty="0" smtClean="0"/>
-              <a:t>Model</a:t>
-            </a:r>
-            <a:endParaRPr lang="de-DE" dirty="0"/>
-          </a:p>
-        </p:txBody>
-      </p:sp>
-      <p:sp>
-        <p:nvSpPr>
-          <p:cNvPr id="3" name="Inhaltsplatzhalter 2"/>
-          <p:cNvSpPr>
-            <a:spLocks noGrp="1"/>
-          </p:cNvSpPr>
-          <p:nvPr>
-            <p:ph idx="1"/>
-          </p:nvPr>
-        </p:nvSpPr>
-        <p:spPr/>
-        <p:txBody>
-          <a:bodyPr/>
-          <a:lstStyle/>
-          <a:p>
-            <a:r>
-              <a:rPr lang="de-DE" dirty="0" smtClean="0"/>
-              <a:t>TODO: Klassendiagramm des Models</a:t>
-            </a:r>
-            <a:endParaRPr lang="de-DE" dirty="0"/>
-          </a:p>
-        </p:txBody>
-      </p:sp>
-      <p:sp>
-        <p:nvSpPr>
-          <p:cNvPr id="4" name="Foliennummernplatzhalter 3"/>
-          <p:cNvSpPr>
-            <a:spLocks noGrp="1"/>
-          </p:cNvSpPr>
-          <p:nvPr>
-            <p:ph type="sldNum" sz="quarter" idx="12"/>
-          </p:nvPr>
-        </p:nvSpPr>
-        <p:spPr/>
-        <p:txBody>
-          <a:bodyPr/>
-          <a:lstStyle/>
-          <a:p>
-            <a:fld id="{4FACE48E-4A67-48DB-AD36-251A6BBFC9D3}" type="slidenum">
-              <a:rPr lang="de-AT" smtClean="0"/>
-              <a:t>5</a:t>
-            </a:fld>
-            <a:endParaRPr lang="de-AT"/>
-          </a:p>
-        </p:txBody>
-      </p:sp>
-    </p:spTree>
-    <p:extLst>
-      <p:ext uri="{BB962C8B-B14F-4D97-AF65-F5344CB8AC3E}">
-        <p14:creationId xmlns:p14="http://schemas.microsoft.com/office/powerpoint/2010/main" val="3376186569"/>
-      </p:ext>
-    </p:extLst>
-  </p:cSld>
-  <p:clrMapOvr>
-    <a:masterClrMapping/>
-  </p:clrMapOvr>
+  <mc:AlternateContent xmlns:mc="http://schemas.openxmlformats.org/markup-compatibility/2006">
+    <mc:Choice xmlns:p14="http://schemas.microsoft.com/office/powerpoint/2010/main" Requires="p14">
+      <p:transition spd="med" p14:dur="700">
+        <p:fade/>
+      </p:transition>
+    </mc:Choice>
+    <mc:Fallback>
+      <p:transition spd="med">
+        <p:fade/>
+      </p:transition>
+    </mc:Fallback>
+  </mc:AlternateContent>
   <p:timing>
     <p:tnLst>
       <p:par>
@@ -10942,20 +12585,68 @@
         </p:nvSpPr>
         <p:spPr/>
         <p:txBody>
-          <a:bodyPr/>
+          <a:bodyPr>
+            <a:normAutofit/>
+          </a:bodyPr>
           <a:lstStyle/>
           <a:p>
             <a:r>
               <a:rPr lang="de-DE" dirty="0" smtClean="0"/>
-              <a:t>View</a:t>
+              <a:t>Übersichtsdiagramm</a:t>
             </a:r>
             <a:endParaRPr lang="de-DE" dirty="0"/>
+          </a:p>
+        </p:txBody>
+      </p:sp>
+      <p:sp>
+        <p:nvSpPr>
+          <p:cNvPr id="3" name="Inhaltsplatzhalter 2"/>
+          <p:cNvSpPr>
+            <a:spLocks noGrp="1"/>
+          </p:cNvSpPr>
+          <p:nvPr>
+            <p:ph idx="1"/>
+          </p:nvPr>
+        </p:nvSpPr>
+        <p:spPr/>
+        <p:txBody>
+          <a:bodyPr/>
+          <a:lstStyle/>
+          <a:p>
+            <a:r>
+              <a:rPr lang="de-DE" dirty="0" smtClean="0"/>
+              <a:t>TODO: Klassendiagramm des Models</a:t>
+            </a:r>
+            <a:endParaRPr lang="de-DE" dirty="0"/>
+          </a:p>
+        </p:txBody>
+      </p:sp>
+      <p:sp>
+        <p:nvSpPr>
+          <p:cNvPr id="4" name="Foliennummernplatzhalter 3"/>
+          <p:cNvSpPr>
+            <a:spLocks noGrp="1"/>
+          </p:cNvSpPr>
+          <p:nvPr>
+            <p:ph type="sldNum" sz="quarter" idx="12"/>
+          </p:nvPr>
+        </p:nvSpPr>
+        <p:spPr/>
+        <p:txBody>
+          <a:bodyPr/>
+          <a:lstStyle/>
+          <a:p>
+            <a:fld id="{4FACE48E-4A67-48DB-AD36-251A6BBFC9D3}" type="slidenum">
+              <a:rPr lang="de-AT" smtClean="0"/>
+              <a:t>6</a:t>
+            </a:fld>
+            <a:endParaRPr lang="de-AT"/>
           </a:p>
         </p:txBody>
       </p:sp>
       <p:pic>
         <p:nvPicPr>
-          <p:cNvPr id="6147" name="Picture 3"/>
+          <p:cNvPr id="8194" name="Picture 2" descr="C:\Users\Manuel\Pictures\TFRA312.tmp.jpg"/>
           <p:cNvPicPr>
             <a:picLocks noChangeAspect="1" noChangeArrowheads="1"/>
           </p:cNvPicPr>
@@ -10976,80 +12667,46 @@
         </p:blipFill>
         <p:spPr bwMode="auto">
           <a:xfrm>
-            <a:off x="190838" y="1340768"/>
-            <a:ext cx="8784974" cy="4301756"/>
+            <a:off x="504056" y="1232343"/>
+            <a:ext cx="7092280" cy="4860953"/>
           </a:xfrm>
           <a:prstGeom prst="rect">
             <a:avLst/>
           </a:prstGeom>
           <a:noFill/>
-          <a:ln>
-            <a:noFill/>
-          </a:ln>
-          <a:effectLst/>
           <a:extLst>
             <a:ext uri="{909E8E84-426E-40DD-AFC4-6F175D3DCCD1}">
               <a14:hiddenFill xmlns:a14="http://schemas.microsoft.com/office/drawing/2010/main">
                 <a:solidFill>
-                  <a:schemeClr val="accent1"/>
+                  <a:srgbClr val="FFFFFF"/>
                 </a:solidFill>
               </a14:hiddenFill>
-            </a:ext>
-            <a:ext uri="{91240B29-F687-4F45-9708-019B960494DF}">
-              <a14:hiddenLine xmlns:a14="http://schemas.microsoft.com/office/drawing/2010/main" w="9525">
-                <a:solidFill>
-                  <a:schemeClr val="tx1"/>
-                </a:solidFill>
-                <a:miter lim="800000"/>
-                <a:headEnd/>
-                <a:tailEnd/>
-              </a14:hiddenLine>
-            </a:ext>
-            <a:ext uri="{AF507438-7753-43E0-B8FC-AC1667EBCBE1}">
-              <a14:hiddenEffects xmlns:a14="http://schemas.microsoft.com/office/drawing/2010/main">
-                <a:effectLst>
-                  <a:outerShdw dist="35921" dir="2700000" algn="ctr" rotWithShape="0">
-                    <a:schemeClr val="bg2"/>
-                  </a:outerShdw>
-                </a:effectLst>
-              </a14:hiddenEffects>
             </a:ext>
           </a:extLst>
         </p:spPr>
       </p:pic>
-      <p:sp>
-        <p:nvSpPr>
-          <p:cNvPr id="4" name="Foliennummernplatzhalter 3"/>
-          <p:cNvSpPr>
-            <a:spLocks noGrp="1"/>
-          </p:cNvSpPr>
-          <p:nvPr>
-            <p:ph type="sldNum" sz="quarter" idx="12"/>
-          </p:nvPr>
-        </p:nvSpPr>
-        <p:spPr/>
-        <p:txBody>
-          <a:bodyPr/>
-          <a:lstStyle/>
-          <a:p>
-            <a:fld id="{4FACE48E-4A67-48DB-AD36-251A6BBFC9D3}" type="slidenum">
-              <a:rPr lang="de-AT" smtClean="0"/>
-              <a:t>6</a:t>
-            </a:fld>
-            <a:endParaRPr lang="de-AT"/>
-          </a:p>
-        </p:txBody>
-      </p:sp>
     </p:spTree>
     <p:extLst>
       <p:ext uri="{BB962C8B-B14F-4D97-AF65-F5344CB8AC3E}">
-        <p14:creationId xmlns:p14="http://schemas.microsoft.com/office/powerpoint/2010/main" val="3336952592"/>
+        <p14:creationId xmlns:p14="http://schemas.microsoft.com/office/powerpoint/2010/main" val="3376186569"/>
       </p:ext>
     </p:extLst>
   </p:cSld>
   <p:clrMapOvr>
     <a:masterClrMapping/>
   </p:clrMapOvr>
+  <mc:AlternateContent xmlns:mc="http://schemas.openxmlformats.org/markup-compatibility/2006">
+    <mc:Choice xmlns:p14="http://schemas.microsoft.com/office/powerpoint/2010/main" Requires="p14">
+      <p:transition spd="med" p14:dur="700">
+        <p:fade/>
+      </p:transition>
+    </mc:Choice>
+    <mc:Fallback>
+      <p:transition spd="med">
+        <p:fade/>
+      </p:transition>
+    </mc:Fallback>
+  </mc:AlternateContent>
   <p:timing>
     <p:tnLst>
       <p:par>
@@ -11089,12 +12746,37 @@
         </p:nvSpPr>
         <p:spPr/>
         <p:txBody>
-          <a:bodyPr/>
+          <a:bodyPr>
+            <a:normAutofit/>
+          </a:bodyPr>
           <a:lstStyle/>
           <a:p>
             <a:r>
               <a:rPr lang="de-DE" dirty="0" smtClean="0"/>
-              <a:t>View</a:t>
+              <a:t>Model</a:t>
+            </a:r>
+            <a:endParaRPr lang="de-DE" dirty="0"/>
+          </a:p>
+        </p:txBody>
+      </p:sp>
+      <p:sp>
+        <p:nvSpPr>
+          <p:cNvPr id="3" name="Inhaltsplatzhalter 2"/>
+          <p:cNvSpPr>
+            <a:spLocks noGrp="1"/>
+          </p:cNvSpPr>
+          <p:nvPr>
+            <p:ph idx="1"/>
+          </p:nvPr>
+        </p:nvSpPr>
+        <p:spPr/>
+        <p:txBody>
+          <a:bodyPr/>
+          <a:lstStyle/>
+          <a:p>
+            <a:r>
+              <a:rPr lang="de-DE" dirty="0" smtClean="0"/>
+              <a:t>TODO: Klassendiagramm des Models</a:t>
             </a:r>
             <a:endParaRPr lang="de-DE" dirty="0"/>
           </a:p>
@@ -11125,7 +12807,7 @@
       </p:sp>
       <p:pic>
         <p:nvPicPr>
-          <p:cNvPr id="7171" name="Picture 3"/>
+          <p:cNvPr id="8194" name="Picture 2" descr="C:\Users\Manuel\Pictures\TFRA312.tmp.jpg"/>
           <p:cNvPicPr>
             <a:picLocks noChangeAspect="1" noChangeArrowheads="1"/>
           </p:cNvPicPr>
@@ -11146,43 +12828,20 @@
         </p:blipFill>
         <p:spPr bwMode="auto">
           <a:xfrm>
-            <a:off x="179513" y="1954343"/>
-            <a:ext cx="8784976" cy="2949316"/>
+            <a:off x="-30935" y="-1"/>
+            <a:ext cx="9174935" cy="6957393"/>
           </a:xfrm>
           <a:prstGeom prst="rect">
             <a:avLst/>
           </a:prstGeom>
           <a:noFill/>
-          <a:ln>
-            <a:noFill/>
-          </a:ln>
-          <a:effectLst/>
           <a:extLst>
             <a:ext uri="{909E8E84-426E-40DD-AFC4-6F175D3DCCD1}">
               <a14:hiddenFill xmlns:a14="http://schemas.microsoft.com/office/drawing/2010/main">
                 <a:solidFill>
-                  <a:schemeClr val="accent1"/>
+                  <a:srgbClr val="FFFFFF"/>
                 </a:solidFill>
               </a14:hiddenFill>
-            </a:ext>
-            <a:ext uri="{91240B29-F687-4F45-9708-019B960494DF}">
-              <a14:hiddenLine xmlns:a14="http://schemas.microsoft.com/office/drawing/2010/main" w="9525">
-                <a:solidFill>
-                  <a:schemeClr val="tx1"/>
-                </a:solidFill>
-                <a:miter lim="800000"/>
-                <a:headEnd/>
-                <a:tailEnd/>
-              </a14:hiddenLine>
-            </a:ext>
-            <a:ext uri="{AF507438-7753-43E0-B8FC-AC1667EBCBE1}">
-              <a14:hiddenEffects xmlns:a14="http://schemas.microsoft.com/office/drawing/2010/main">
-                <a:effectLst>
-                  <a:outerShdw dist="35921" dir="2700000" algn="ctr" rotWithShape="0">
-                    <a:schemeClr val="bg2"/>
-                  </a:outerShdw>
-                </a:effectLst>
-              </a14:hiddenEffects>
             </a:ext>
           </a:extLst>
         </p:spPr>
@@ -11190,13 +12849,25 @@
     </p:spTree>
     <p:extLst>
       <p:ext uri="{BB962C8B-B14F-4D97-AF65-F5344CB8AC3E}">
-        <p14:creationId xmlns:p14="http://schemas.microsoft.com/office/powerpoint/2010/main" val="251856714"/>
+        <p14:creationId xmlns:p14="http://schemas.microsoft.com/office/powerpoint/2010/main" val="1280654091"/>
       </p:ext>
     </p:extLst>
   </p:cSld>
   <p:clrMapOvr>
     <a:masterClrMapping/>
   </p:clrMapOvr>
+  <mc:AlternateContent xmlns:mc="http://schemas.openxmlformats.org/markup-compatibility/2006">
+    <mc:Choice xmlns:p14="http://schemas.microsoft.com/office/powerpoint/2010/main" Requires="p14">
+      <p:transition spd="med" p14:dur="700">
+        <p:fade/>
+      </p:transition>
+    </mc:Choice>
+    <mc:Fallback>
+      <p:transition spd="med">
+        <p:fade/>
+      </p:transition>
+    </mc:Fallback>
+  </mc:AlternateContent>
   <p:timing>
     <p:tnLst>
       <p:par>
@@ -11240,16 +12911,58 @@
           <a:lstStyle/>
           <a:p>
             <a:r>
-              <a:rPr lang="de-DE" dirty="0" smtClean="0"/>
-              <a:t>Netzwerkkommunikation (1)</a:t>
-            </a:r>
-            <a:endParaRPr lang="de-DE" dirty="0"/>
+              <a:rPr lang="de-AT" dirty="0" smtClean="0"/>
+              <a:t>Auszug - Model</a:t>
+            </a:r>
+            <a:endParaRPr lang="de-AT" dirty="0"/>
+          </a:p>
+        </p:txBody>
+      </p:sp>
+      <p:sp>
+        <p:nvSpPr>
+          <p:cNvPr id="3" name="Inhaltsplatzhalter 2"/>
+          <p:cNvSpPr>
+            <a:spLocks noGrp="1"/>
+          </p:cNvSpPr>
+          <p:nvPr>
+            <p:ph idx="1"/>
+          </p:nvPr>
+        </p:nvSpPr>
+        <p:spPr/>
+        <p:txBody>
+          <a:bodyPr/>
+          <a:lstStyle/>
+          <a:p>
+            <a:endParaRPr lang="de-AT"/>
+          </a:p>
+        </p:txBody>
+      </p:sp>
+      <p:sp>
+        <p:nvSpPr>
+          <p:cNvPr id="4" name="Foliennummernplatzhalter 3"/>
+          <p:cNvSpPr>
+            <a:spLocks noGrp="1"/>
+          </p:cNvSpPr>
+          <p:nvPr>
+            <p:ph type="sldNum" sz="quarter" idx="12"/>
+          </p:nvPr>
+        </p:nvSpPr>
+        <p:spPr/>
+        <p:txBody>
+          <a:bodyPr/>
+          <a:lstStyle/>
+          <a:p>
+            <a:fld id="{4FACE48E-4A67-48DB-AD36-251A6BBFC9D3}" type="slidenum">
+              <a:rPr lang="de-AT" smtClean="0"/>
+              <a:t>8</a:t>
+            </a:fld>
+            <a:endParaRPr lang="de-AT"/>
           </a:p>
         </p:txBody>
       </p:sp>
       <p:pic>
         <p:nvPicPr>
-          <p:cNvPr id="5122" name="Picture 2"/>
+          <p:cNvPr id="9218" name="Picture 2" descr="C:\Users\Manuel\Pictures\TFR47BE.tmp.jpg"/>
           <p:cNvPicPr>
             <a:picLocks noChangeAspect="1" noChangeArrowheads="1"/>
           </p:cNvPicPr>
@@ -11270,80 +12983,46 @@
         </p:blipFill>
         <p:spPr bwMode="auto">
           <a:xfrm>
-            <a:off x="145545" y="2276873"/>
-            <a:ext cx="8852906" cy="2592286"/>
+            <a:off x="837693" y="1717949"/>
+            <a:ext cx="4310372" cy="4545691"/>
           </a:xfrm>
           <a:prstGeom prst="rect">
             <a:avLst/>
           </a:prstGeom>
           <a:noFill/>
-          <a:ln>
-            <a:noFill/>
-          </a:ln>
-          <a:effectLst/>
           <a:extLst>
             <a:ext uri="{909E8E84-426E-40DD-AFC4-6F175D3DCCD1}">
               <a14:hiddenFill xmlns:a14="http://schemas.microsoft.com/office/drawing/2010/main">
                 <a:solidFill>
-                  <a:schemeClr val="accent1"/>
+                  <a:srgbClr val="FFFFFF"/>
                 </a:solidFill>
               </a14:hiddenFill>
-            </a:ext>
-            <a:ext uri="{91240B29-F687-4F45-9708-019B960494DF}">
-              <a14:hiddenLine xmlns:a14="http://schemas.microsoft.com/office/drawing/2010/main" w="9525">
-                <a:solidFill>
-                  <a:schemeClr val="tx1"/>
-                </a:solidFill>
-                <a:miter lim="800000"/>
-                <a:headEnd/>
-                <a:tailEnd/>
-              </a14:hiddenLine>
-            </a:ext>
-            <a:ext uri="{AF507438-7753-43E0-B8FC-AC1667EBCBE1}">
-              <a14:hiddenEffects xmlns:a14="http://schemas.microsoft.com/office/drawing/2010/main">
-                <a:effectLst>
-                  <a:outerShdw dist="35921" dir="2700000" algn="ctr" rotWithShape="0">
-                    <a:schemeClr val="bg2"/>
-                  </a:outerShdw>
-                </a:effectLst>
-              </a14:hiddenEffects>
             </a:ext>
           </a:extLst>
         </p:spPr>
       </p:pic>
-      <p:sp>
-        <p:nvSpPr>
-          <p:cNvPr id="4" name="Foliennummernplatzhalter 3"/>
-          <p:cNvSpPr>
-            <a:spLocks noGrp="1"/>
-          </p:cNvSpPr>
-          <p:nvPr>
-            <p:ph type="sldNum" sz="quarter" idx="12"/>
-          </p:nvPr>
-        </p:nvSpPr>
-        <p:spPr/>
-        <p:txBody>
-          <a:bodyPr/>
-          <a:lstStyle/>
-          <a:p>
-            <a:fld id="{4FACE48E-4A67-48DB-AD36-251A6BBFC9D3}" type="slidenum">
-              <a:rPr lang="de-AT" smtClean="0"/>
-              <a:t>8</a:t>
-            </a:fld>
-            <a:endParaRPr lang="de-AT"/>
-          </a:p>
-        </p:txBody>
-      </p:sp>
     </p:spTree>
     <p:extLst>
       <p:ext uri="{BB962C8B-B14F-4D97-AF65-F5344CB8AC3E}">
-        <p14:creationId xmlns:p14="http://schemas.microsoft.com/office/powerpoint/2010/main" val="962730881"/>
+        <p14:creationId xmlns:p14="http://schemas.microsoft.com/office/powerpoint/2010/main" val="454379987"/>
       </p:ext>
     </p:extLst>
   </p:cSld>
   <p:clrMapOvr>
     <a:masterClrMapping/>
   </p:clrMapOvr>
+  <mc:AlternateContent xmlns:mc="http://schemas.openxmlformats.org/markup-compatibility/2006">
+    <mc:Choice xmlns:p14="http://schemas.microsoft.com/office/powerpoint/2010/main" Requires="p14">
+      <p:transition spd="med" p14:dur="700">
+        <p:fade/>
+      </p:transition>
+    </mc:Choice>
+    <mc:Fallback>
+      <p:transition spd="med">
+        <p:fade/>
+      </p:transition>
+    </mc:Fallback>
+  </mc:AlternateContent>
   <p:timing>
     <p:tnLst>
       <p:par>
@@ -11386,76 +13065,115 @@
           <a:bodyPr/>
           <a:lstStyle/>
           <a:p>
-            <a:r>
-              <a:rPr lang="de-DE" dirty="0" smtClean="0"/>
-              <a:t>Netzwerkkommunikation (2)</a:t>
-            </a:r>
-            <a:endParaRPr lang="de-DE" dirty="0"/>
+            <a:endParaRPr lang="de-AT" dirty="0"/>
+          </a:p>
+        </p:txBody>
+      </p:sp>
+      <p:sp>
+        <p:nvSpPr>
+          <p:cNvPr id="3" name="Inhaltsplatzhalter 2"/>
+          <p:cNvSpPr>
+            <a:spLocks noGrp="1"/>
+          </p:cNvSpPr>
+          <p:nvPr>
+            <p:ph idx="1"/>
+          </p:nvPr>
+        </p:nvSpPr>
+        <p:spPr/>
+        <p:txBody>
+          <a:bodyPr/>
+          <a:lstStyle/>
+          <a:p>
+            <a:endParaRPr lang="de-AT"/>
+          </a:p>
+        </p:txBody>
+      </p:sp>
+      <p:sp>
+        <p:nvSpPr>
+          <p:cNvPr id="4" name="Foliennummernplatzhalter 3"/>
+          <p:cNvSpPr>
+            <a:spLocks noGrp="1"/>
+          </p:cNvSpPr>
+          <p:nvPr>
+            <p:ph type="sldNum" sz="quarter" idx="12"/>
+          </p:nvPr>
+        </p:nvSpPr>
+        <p:spPr/>
+        <p:txBody>
+          <a:bodyPr/>
+          <a:lstStyle/>
+          <a:p>
+            <a:fld id="{4FACE48E-4A67-48DB-AD36-251A6BBFC9D3}" type="slidenum">
+              <a:rPr lang="de-AT" smtClean="0"/>
+              <a:t>9</a:t>
+            </a:fld>
+            <a:endParaRPr lang="de-AT"/>
           </a:p>
         </p:txBody>
       </p:sp>
       <p:pic>
         <p:nvPicPr>
-          <p:cNvPr id="4" name="Inhaltsplatzhalter 3"/>
+          <p:cNvPr id="9218" name="Picture 2" descr="C:\Users\Manuel\Pictures\TFR47BE.tmp.jpg"/>
           <p:cNvPicPr>
-            <a:picLocks noChangeAspect="1"/>
+            <a:picLocks noChangeAspect="1" noChangeArrowheads="1"/>
           </p:cNvPicPr>
           <p:nvPr/>
         </p:nvPicPr>
-        <p:blipFill rotWithShape="1">
-          <a:blip r:embed="rId3">
+        <p:blipFill>
+          <a:blip r:embed="rId2">
             <a:extLst>
               <a:ext uri="{28A0092B-C50C-407E-A947-70E740481C1C}">
                 <a14:useLocalDpi xmlns:a14="http://schemas.microsoft.com/office/drawing/2010/main" val="0"/>
               </a:ext>
             </a:extLst>
           </a:blip>
-          <a:srcRect l="7067" t="10201" r="6771"/>
-          <a:stretch/>
+          <a:srcRect/>
+          <a:stretch>
+            <a:fillRect/>
+          </a:stretch>
         </p:blipFill>
-        <p:spPr>
+        <p:spPr bwMode="auto">
           <a:xfrm>
-            <a:off x="1115616" y="1340768"/>
-            <a:ext cx="6840760" cy="5347171"/>
+            <a:off x="1259632" y="27699"/>
+            <a:ext cx="6444208" cy="6796021"/>
           </a:xfrm>
           <a:prstGeom prst="rect">
             <a:avLst/>
           </a:prstGeom>
+          <a:noFill/>
+          <a:extLst>
+            <a:ext uri="{909E8E84-426E-40DD-AFC4-6F175D3DCCD1}">
+              <a14:hiddenFill xmlns:a14="http://schemas.microsoft.com/office/drawing/2010/main">
+                <a:solidFill>
+                  <a:srgbClr val="FFFFFF"/>
+                </a:solidFill>
+              </a14:hiddenFill>
+            </a:ext>
+          </a:extLst>
         </p:spPr>
       </p:pic>
-      <p:sp>
-        <p:nvSpPr>
-          <p:cNvPr id="5" name="Foliennummernplatzhalter 4"/>
-          <p:cNvSpPr>
-            <a:spLocks noGrp="1"/>
-          </p:cNvSpPr>
-          <p:nvPr>
-            <p:ph type="sldNum" sz="quarter" idx="12"/>
-          </p:nvPr>
-        </p:nvSpPr>
-        <p:spPr/>
-        <p:txBody>
-          <a:bodyPr/>
-          <a:lstStyle/>
-          <a:p>
-            <a:fld id="{4FACE48E-4A67-48DB-AD36-251A6BBFC9D3}" type="slidenum">
-              <a:rPr lang="de-AT" smtClean="0"/>
-              <a:t>9</a:t>
-            </a:fld>
-            <a:endParaRPr lang="de-AT"/>
-          </a:p>
-        </p:txBody>
-      </p:sp>
     </p:spTree>
     <p:extLst>
       <p:ext uri="{BB962C8B-B14F-4D97-AF65-F5344CB8AC3E}">
-        <p14:creationId xmlns:p14="http://schemas.microsoft.com/office/powerpoint/2010/main" val="1337098379"/>
+        <p14:creationId xmlns:p14="http://schemas.microsoft.com/office/powerpoint/2010/main" val="3838167988"/>
       </p:ext>
     </p:extLst>
   </p:cSld>
   <p:clrMapOvr>
     <a:masterClrMapping/>
   </p:clrMapOvr>
+  <mc:AlternateContent xmlns:mc="http://schemas.openxmlformats.org/markup-compatibility/2006">
+    <mc:Choice xmlns:p14="http://schemas.microsoft.com/office/powerpoint/2010/main" Requires="p14">
+      <p:transition spd="med" p14:dur="700">
+        <p:fade/>
+      </p:transition>
+    </mc:Choice>
+    <mc:Fallback>
+      <p:transition spd="med">
+        <p:fade/>
+      </p:transition>
+    </mc:Fallback>
+  </mc:AlternateContent>
   <p:timing>
     <p:tnLst>
       <p:par>
